--- a/trunk/Slide/3D Programming.pptx
+++ b/trunk/Slide/3D Programming.pptx
@@ -5,36 +5,46 @@
     <p:sldMasterId id="2147483721" r:id="rId1"/>
   </p:sldMasterIdLst>
   <p:notesMasterIdLst>
-    <p:notesMasterId r:id="rId29"/>
+    <p:notesMasterId r:id="rId39"/>
   </p:notesMasterIdLst>
   <p:sldIdLst>
     <p:sldId id="256" r:id="rId2"/>
     <p:sldId id="258" r:id="rId3"/>
-    <p:sldId id="294" r:id="rId4"/>
-    <p:sldId id="295" r:id="rId5"/>
-    <p:sldId id="296" r:id="rId6"/>
-    <p:sldId id="301" r:id="rId7"/>
-    <p:sldId id="302" r:id="rId8"/>
-    <p:sldId id="297" r:id="rId9"/>
-    <p:sldId id="298" r:id="rId10"/>
-    <p:sldId id="299" r:id="rId11"/>
-    <p:sldId id="300" r:id="rId12"/>
-    <p:sldId id="287" r:id="rId13"/>
-    <p:sldId id="259" r:id="rId14"/>
-    <p:sldId id="308" r:id="rId15"/>
-    <p:sldId id="309" r:id="rId16"/>
-    <p:sldId id="310" r:id="rId17"/>
-    <p:sldId id="283" r:id="rId18"/>
-    <p:sldId id="284" r:id="rId19"/>
-    <p:sldId id="292" r:id="rId20"/>
-    <p:sldId id="306" r:id="rId21"/>
-    <p:sldId id="307" r:id="rId22"/>
-    <p:sldId id="288" r:id="rId23"/>
-    <p:sldId id="286" r:id="rId24"/>
-    <p:sldId id="303" r:id="rId25"/>
-    <p:sldId id="304" r:id="rId26"/>
-    <p:sldId id="305" r:id="rId27"/>
-    <p:sldId id="276" r:id="rId28"/>
+    <p:sldId id="311" r:id="rId4"/>
+    <p:sldId id="294" r:id="rId5"/>
+    <p:sldId id="295" r:id="rId6"/>
+    <p:sldId id="296" r:id="rId7"/>
+    <p:sldId id="301" r:id="rId8"/>
+    <p:sldId id="302" r:id="rId9"/>
+    <p:sldId id="297" r:id="rId10"/>
+    <p:sldId id="298" r:id="rId11"/>
+    <p:sldId id="299" r:id="rId12"/>
+    <p:sldId id="300" r:id="rId13"/>
+    <p:sldId id="312" r:id="rId14"/>
+    <p:sldId id="287" r:id="rId15"/>
+    <p:sldId id="259" r:id="rId16"/>
+    <p:sldId id="308" r:id="rId17"/>
+    <p:sldId id="309" r:id="rId18"/>
+    <p:sldId id="310" r:id="rId19"/>
+    <p:sldId id="283" r:id="rId20"/>
+    <p:sldId id="284" r:id="rId21"/>
+    <p:sldId id="292" r:id="rId22"/>
+    <p:sldId id="306" r:id="rId23"/>
+    <p:sldId id="307" r:id="rId24"/>
+    <p:sldId id="288" r:id="rId25"/>
+    <p:sldId id="286" r:id="rId26"/>
+    <p:sldId id="313" r:id="rId27"/>
+    <p:sldId id="303" r:id="rId28"/>
+    <p:sldId id="304" r:id="rId29"/>
+    <p:sldId id="305" r:id="rId30"/>
+    <p:sldId id="314" r:id="rId31"/>
+    <p:sldId id="315" r:id="rId32"/>
+    <p:sldId id="316" r:id="rId33"/>
+    <p:sldId id="317" r:id="rId34"/>
+    <p:sldId id="318" r:id="rId35"/>
+    <p:sldId id="319" r:id="rId36"/>
+    <p:sldId id="320" r:id="rId37"/>
+    <p:sldId id="276" r:id="rId38"/>
   </p:sldIdLst>
   <p:sldSz cx="9144000" cy="6858000" type="screen4x3"/>
   <p:notesSz cx="6858000" cy="9144000"/>
@@ -3787,7 +3797,7 @@
             <a:fld id="{7CFEA2B2-F6A9-4824-B8BD-241E07188627}" type="slidenum">
               <a:rPr lang="en-US" smtClean="0"/>
               <a:pPr/>
-              <a:t>3</a:t>
+              <a:t>4</a:t>
             </a:fld>
             <a:endParaRPr lang="en-US"/>
           </a:p>
@@ -3877,7 +3887,7 @@
             <a:fld id="{7CFEA2B2-F6A9-4824-B8BD-241E07188627}" type="slidenum">
               <a:rPr lang="en-US" smtClean="0"/>
               <a:pPr/>
-              <a:t>25</a:t>
+              <a:t>28</a:t>
             </a:fld>
             <a:endParaRPr lang="en-US"/>
           </a:p>
@@ -3999,7 +4009,7 @@
             <a:fld id="{7CFEA2B2-F6A9-4824-B8BD-241E07188627}" type="slidenum">
               <a:rPr lang="en-US" smtClean="0"/>
               <a:pPr/>
-              <a:t>5</a:t>
+              <a:t>6</a:t>
             </a:fld>
             <a:endParaRPr lang="en-US"/>
           </a:p>
@@ -4089,7 +4099,7 @@
             <a:fld id="{7CFEA2B2-F6A9-4824-B8BD-241E07188627}" type="slidenum">
               <a:rPr lang="en-US" smtClean="0"/>
               <a:pPr/>
-              <a:t>6</a:t>
+              <a:t>7</a:t>
             </a:fld>
             <a:endParaRPr lang="en-US"/>
           </a:p>
@@ -4228,7 +4238,7 @@
             <a:fld id="{7CFEA2B2-F6A9-4824-B8BD-241E07188627}" type="slidenum">
               <a:rPr lang="en-US" smtClean="0"/>
               <a:pPr/>
-              <a:t>8</a:t>
+              <a:t>9</a:t>
             </a:fld>
             <a:endParaRPr lang="en-US"/>
           </a:p>
@@ -4318,7 +4328,7 @@
             <a:fld id="{7CFEA2B2-F6A9-4824-B8BD-241E07188627}" type="slidenum">
               <a:rPr lang="en-US" smtClean="0"/>
               <a:pPr/>
-              <a:t>16</a:t>
+              <a:t>18</a:t>
             </a:fld>
             <a:endParaRPr lang="en-US"/>
           </a:p>
@@ -4400,7 +4410,7 @@
             <a:fld id="{7CFEA2B2-F6A9-4824-B8BD-241E07188627}" type="slidenum">
               <a:rPr lang="en-US" smtClean="0"/>
               <a:pPr/>
-              <a:t>18</a:t>
+              <a:t>20</a:t>
             </a:fld>
             <a:endParaRPr lang="en-US"/>
           </a:p>
@@ -4462,7 +4472,11 @@
           <a:p>
             <a:r>
               <a:rPr lang="en-US" dirty="0" smtClean="0"/>
-              <a:t>3 Demo</a:t>
+              <a:t>3 Demo tương</a:t>
+            </a:r>
+            <a:r>
+              <a:rPr lang="en-US" baseline="0" dirty="0" smtClean="0"/>
+              <a:t> ứng với 3 mode wrap khác nhau</a:t>
             </a:r>
             <a:endParaRPr lang="en-US" dirty="0"/>
           </a:p>
@@ -4486,7 +4500,7 @@
             <a:fld id="{7CFEA2B2-F6A9-4824-B8BD-241E07188627}" type="slidenum">
               <a:rPr lang="en-US" smtClean="0"/>
               <a:pPr/>
-              <a:t>19</a:t>
+              <a:t>21</a:t>
             </a:fld>
             <a:endParaRPr lang="en-US"/>
           </a:p>
@@ -4548,7 +4562,11 @@
           <a:p>
             <a:r>
               <a:rPr lang="en-US" dirty="0" smtClean="0"/>
-              <a:t>2 Demo</a:t>
+              <a:t>2 Demo cho 2 chế</a:t>
+            </a:r>
+            <a:r>
+              <a:rPr lang="en-US" baseline="0" dirty="0" smtClean="0"/>
+              <a:t> độ LINEAR và NEAREST</a:t>
             </a:r>
             <a:endParaRPr lang="en-US" dirty="0"/>
           </a:p>
@@ -4572,7 +4590,7 @@
             <a:fld id="{7CFEA2B2-F6A9-4824-B8BD-241E07188627}" type="slidenum">
               <a:rPr lang="en-US" smtClean="0"/>
               <a:pPr/>
-              <a:t>22</a:t>
+              <a:t>24</a:t>
             </a:fld>
             <a:endParaRPr lang="en-US"/>
           </a:p>
@@ -4662,7 +4680,7 @@
             <a:fld id="{7CFEA2B2-F6A9-4824-B8BD-241E07188627}" type="slidenum">
               <a:rPr lang="en-US" smtClean="0"/>
               <a:pPr/>
-              <a:t>23</a:t>
+              <a:t>25</a:t>
             </a:fld>
             <a:endParaRPr lang="en-US"/>
           </a:p>
@@ -18680,33 +18698,32 @@
         </p:nvSpPr>
         <p:spPr>
           <a:xfrm>
-            <a:off x="4419600" y="5715000"/>
-            <a:ext cx="4724400" cy="914400"/>
+            <a:off x="4114800" y="5562600"/>
+            <a:ext cx="5029200" cy="1066800"/>
           </a:xfrm>
         </p:spPr>
         <p:txBody>
           <a:bodyPr>
-            <a:normAutofit/>
+            <a:noAutofit/>
           </a:bodyPr>
           <a:lstStyle/>
           <a:p>
             <a:r>
-              <a:rPr lang="en-US" dirty="0" smtClean="0"/>
+              <a:rPr lang="en-US" sz="1800" dirty="0" smtClean="0"/>
               <a:t>Phạm Tấn Long – 10520163</a:t>
             </a:r>
           </a:p>
           <a:p>
             <a:r>
-              <a:rPr lang="en-US" dirty="0" smtClean="0"/>
+              <a:rPr lang="en-US" sz="1800" dirty="0" smtClean="0"/>
               <a:t>Nguyễn Ngọc Thanh Huy – 10520480</a:t>
             </a:r>
           </a:p>
           <a:p>
             <a:r>
-              <a:rPr lang="en-US" dirty="0" smtClean="0"/>
+              <a:rPr lang="en-US" sz="1800" dirty="0" smtClean="0"/>
               <a:t>Nguyễn Giang Châu – 10520___</a:t>
             </a:r>
-            <a:endParaRPr lang="en-US" dirty="0" smtClean="0"/>
           </a:p>
         </p:txBody>
       </p:sp>
@@ -18742,6 +18759,39 @@
           <a:chExt cx="0" cy="0"/>
         </a:xfrm>
       </p:grpSpPr>
+      <p:pic>
+        <p:nvPicPr>
+          <p:cNvPr id="3077" name="Picture 5"/>
+          <p:cNvPicPr>
+            <a:picLocks noChangeAspect="1" noChangeArrowheads="1"/>
+          </p:cNvPicPr>
+          <p:nvPr/>
+        </p:nvPicPr>
+        <p:blipFill>
+          <a:blip r:embed="rId2"/>
+          <a:srcRect/>
+          <a:stretch>
+            <a:fillRect/>
+          </a:stretch>
+        </p:blipFill>
+        <p:spPr bwMode="auto">
+          <a:xfrm>
+            <a:off x="900113" y="1752600"/>
+            <a:ext cx="7343775" cy="4495800"/>
+          </a:xfrm>
+          <a:prstGeom prst="rect">
+            <a:avLst/>
+          </a:prstGeom>
+          <a:noFill/>
+          <a:ln w="9525">
+            <a:noFill/>
+            <a:miter lim="800000"/>
+            <a:headEnd/>
+            <a:tailEnd/>
+          </a:ln>
+          <a:effectLst/>
+        </p:spPr>
+      </p:pic>
       <p:sp>
         <p:nvSpPr>
           <p:cNvPr id="2" name="Title 1"/>
@@ -18799,14 +18849,14 @@
       </p:sp>
       <p:sp>
         <p:nvSpPr>
-          <p:cNvPr id="5" name="TextBox 4"/>
+          <p:cNvPr id="9" name="TextBox 8"/>
           <p:cNvSpPr txBox="1"/>
           <p:nvPr/>
         </p:nvSpPr>
         <p:spPr>
           <a:xfrm>
-            <a:off x="685800" y="1981200"/>
-            <a:ext cx="7629012" cy="1754326"/>
+            <a:off x="4114800" y="2450068"/>
+            <a:ext cx="659155" cy="369332"/>
           </a:xfrm>
           <a:prstGeom prst="rect">
             <a:avLst/>
@@ -18820,182 +18870,31 @@
           <a:lstStyle/>
           <a:p>
             <a:r>
-              <a:rPr lang="vi-VN" dirty="0" smtClean="0">
+              <a:rPr lang="en-US" b="1" smtClean="0">
                 <a:solidFill>
-                  <a:schemeClr val="accent2">
-                    <a:lumMod val="75000"/>
-                  </a:schemeClr>
+                  <a:srgbClr val="FF0000"/>
                 </a:solidFill>
-                <a:latin typeface="Courier New" pitchFamily="49" charset="0"/>
-                <a:cs typeface="Courier New" pitchFamily="49" charset="0"/>
               </a:rPr>
-              <a:t>public double </a:t>
-            </a:r>
-            <a:r>
-              <a:rPr lang="vi-VN" dirty="0" smtClean="0">
-                <a:latin typeface="Courier New" pitchFamily="49" charset="0"/>
-                <a:cs typeface="Courier New" pitchFamily="49" charset="0"/>
-              </a:rPr>
-              <a:t>x, y, z, r; </a:t>
-            </a:r>
-            <a:r>
-              <a:rPr lang="vi-VN" dirty="0" smtClean="0">
-                <a:solidFill>
-                  <a:srgbClr val="92D050"/>
-                </a:solidFill>
-                <a:latin typeface="Courier New" pitchFamily="49" charset="0"/>
-                <a:cs typeface="Courier New" pitchFamily="49" charset="0"/>
-              </a:rPr>
-              <a:t>// Vị trí đặt eye</a:t>
-            </a:r>
-          </a:p>
-          <a:p>
-            <a:r>
-              <a:rPr lang="vi-VN" dirty="0" smtClean="0">
-                <a:solidFill>
-                  <a:schemeClr val="accent2">
-                    <a:lumMod val="75000"/>
-                  </a:schemeClr>
-                </a:solidFill>
-                <a:latin typeface="Courier New" pitchFamily="49" charset="0"/>
-                <a:cs typeface="Courier New" pitchFamily="49" charset="0"/>
-              </a:rPr>
-              <a:t>public double </a:t>
-            </a:r>
-            <a:r>
-              <a:rPr lang="vi-VN" dirty="0" smtClean="0">
-                <a:latin typeface="Courier New" pitchFamily="49" charset="0"/>
-                <a:cs typeface="Courier New" pitchFamily="49" charset="0"/>
-              </a:rPr>
-              <a:t>lookAtX, lookAtY, lookAtZ; </a:t>
-            </a:r>
-            <a:r>
-              <a:rPr lang="vi-VN" dirty="0" smtClean="0">
-                <a:solidFill>
-                  <a:srgbClr val="92D050"/>
-                </a:solidFill>
-                <a:latin typeface="Courier New" pitchFamily="49" charset="0"/>
-                <a:cs typeface="Courier New" pitchFamily="49" charset="0"/>
-              </a:rPr>
-              <a:t>// Điểm nhìn</a:t>
-            </a:r>
-          </a:p>
-          <a:p>
-            <a:r>
-              <a:rPr lang="vi-VN" dirty="0" smtClean="0">
-                <a:solidFill>
-                  <a:schemeClr val="accent2">
-                    <a:lumMod val="75000"/>
-                  </a:schemeClr>
-                </a:solidFill>
-                <a:latin typeface="Courier New" pitchFamily="49" charset="0"/>
-                <a:cs typeface="Courier New" pitchFamily="49" charset="0"/>
-              </a:rPr>
-              <a:t>public double </a:t>
-            </a:r>
-            <a:r>
-              <a:rPr lang="vi-VN" dirty="0" smtClean="0">
-                <a:latin typeface="Courier New" pitchFamily="49" charset="0"/>
-                <a:cs typeface="Courier New" pitchFamily="49" charset="0"/>
-              </a:rPr>
-              <a:t>upX, upY, upZ;</a:t>
-            </a:r>
-            <a:r>
-              <a:rPr lang="en-US" dirty="0" smtClean="0">
-                <a:latin typeface="Courier New" pitchFamily="49" charset="0"/>
-                <a:cs typeface="Courier New" pitchFamily="49" charset="0"/>
-              </a:rPr>
-              <a:t> </a:t>
-            </a:r>
-            <a:r>
-              <a:rPr lang="en-US" dirty="0" smtClean="0">
-                <a:solidFill>
-                  <a:srgbClr val="92D050"/>
-                </a:solidFill>
-                <a:latin typeface="Courier New" pitchFamily="49" charset="0"/>
-                <a:cs typeface="Courier New" pitchFamily="49" charset="0"/>
-              </a:rPr>
-              <a:t>// Vector UP</a:t>
-            </a:r>
-            <a:endParaRPr lang="vi-VN" dirty="0" smtClean="0">
+              <a:t>Eye </a:t>
+            </a:r>
+            <a:endParaRPr lang="en-US" b="1">
               <a:solidFill>
-                <a:srgbClr val="92D050"/>
+                <a:srgbClr val="FF0000"/>
               </a:solidFill>
-              <a:latin typeface="Courier New" pitchFamily="49" charset="0"/>
-              <a:cs typeface="Courier New" pitchFamily="49" charset="0"/>
-            </a:endParaRPr>
-          </a:p>
-          <a:p>
-            <a:r>
-              <a:rPr lang="vi-VN" dirty="0" smtClean="0">
-                <a:solidFill>
-                  <a:schemeClr val="accent2">
-                    <a:lumMod val="75000"/>
-                  </a:schemeClr>
-                </a:solidFill>
-                <a:latin typeface="Courier New" pitchFamily="49" charset="0"/>
-                <a:cs typeface="Courier New" pitchFamily="49" charset="0"/>
-              </a:rPr>
-              <a:t>public double </a:t>
-            </a:r>
-            <a:r>
-              <a:rPr lang="vi-VN" dirty="0" smtClean="0">
-                <a:latin typeface="Courier New" pitchFamily="49" charset="0"/>
-                <a:cs typeface="Courier New" pitchFamily="49" charset="0"/>
-              </a:rPr>
-              <a:t>alpha, beta;</a:t>
-            </a:r>
-            <a:r>
-              <a:rPr lang="en-US" dirty="0" smtClean="0">
-                <a:latin typeface="Courier New" pitchFamily="49" charset="0"/>
-                <a:cs typeface="Courier New" pitchFamily="49" charset="0"/>
-              </a:rPr>
-              <a:t> </a:t>
-            </a:r>
-            <a:r>
-              <a:rPr lang="en-US" dirty="0" smtClean="0">
-                <a:solidFill>
-                  <a:srgbClr val="92D050"/>
-                </a:solidFill>
-                <a:latin typeface="Courier New" pitchFamily="49" charset="0"/>
-                <a:cs typeface="Courier New" pitchFamily="49" charset="0"/>
-              </a:rPr>
-              <a:t>// Góc alpha hợp với trục Z</a:t>
-            </a:r>
-          </a:p>
-          <a:p>
-            <a:r>
-              <a:rPr lang="en-US" dirty="0" smtClean="0">
-                <a:solidFill>
-                  <a:srgbClr val="92D050"/>
-                </a:solidFill>
-                <a:latin typeface="Courier New" pitchFamily="49" charset="0"/>
-                <a:cs typeface="Courier New" pitchFamily="49" charset="0"/>
-              </a:rPr>
-              <a:t>				// Góc beta hợp với trục</a:t>
-            </a:r>
-          </a:p>
-          <a:p>
-            <a:endParaRPr lang="en-US" dirty="0" smtClean="0">
-              <a:solidFill>
-                <a:srgbClr val="92D050"/>
-              </a:solidFill>
-              <a:latin typeface="Courier New" pitchFamily="49" charset="0"/>
-              <a:cs typeface="Courier New" pitchFamily="49" charset="0"/>
             </a:endParaRPr>
           </a:p>
         </p:txBody>
       </p:sp>
       <p:sp>
         <p:nvSpPr>
-          <p:cNvPr id="6" name="TextBox 5"/>
+          <p:cNvPr id="13" name="TextBox 12"/>
           <p:cNvSpPr txBox="1"/>
           <p:nvPr/>
         </p:nvSpPr>
         <p:spPr>
           <a:xfrm>
-            <a:off x="673297" y="3733800"/>
-            <a:ext cx="8318303" cy="2585323"/>
+            <a:off x="1066800" y="4876800"/>
+            <a:ext cx="825867" cy="369332"/>
           </a:xfrm>
           <a:prstGeom prst="rect">
             <a:avLst/>
@@ -19003,7 +18902,7 @@
           <a:noFill/>
         </p:spPr>
         <p:txBody>
-          <a:bodyPr wrap="square" rtlCol="0">
+          <a:bodyPr wrap="none" rtlCol="0">
             <a:spAutoFit/>
           </a:bodyPr>
           <a:lstStyle/>
@@ -19011,168 +18910,16 @@
             <a:r>
               <a:rPr lang="en-US" smtClean="0">
                 <a:solidFill>
-                  <a:schemeClr val="accent1">
-                    <a:lumMod val="60000"/>
-                    <a:lumOff val="40000"/>
-                  </a:schemeClr>
+                  <a:srgbClr val="FF0000"/>
                 </a:solidFill>
-                <a:latin typeface="Courier New" pitchFamily="49" charset="0"/>
-                <a:cs typeface="Courier New" pitchFamily="49" charset="0"/>
               </a:rPr>
-              <a:t>public void </a:t>
-            </a:r>
-            <a:r>
-              <a:rPr lang="en-US" smtClean="0">
-                <a:solidFill>
-                  <a:schemeClr val="tx2"/>
-                </a:solidFill>
-                <a:latin typeface="Courier New" pitchFamily="49" charset="0"/>
-                <a:cs typeface="Courier New" pitchFamily="49" charset="0"/>
-              </a:rPr>
-              <a:t>Update() {</a:t>
-            </a:r>
-          </a:p>
-          <a:p>
-            <a:r>
-              <a:rPr lang="en-US" smtClean="0">
-                <a:solidFill>
-                  <a:schemeClr val="tx2"/>
-                </a:solidFill>
-                <a:latin typeface="Courier New" pitchFamily="49" charset="0"/>
-                <a:cs typeface="Courier New" pitchFamily="49" charset="0"/>
-              </a:rPr>
-              <a:t>        </a:t>
-            </a:r>
-            <a:r>
-              <a:rPr lang="en-US" smtClean="0">
-                <a:solidFill>
-                  <a:schemeClr val="accent1">
-                    <a:lumMod val="60000"/>
-                    <a:lumOff val="40000"/>
-                  </a:schemeClr>
-                </a:solidFill>
-                <a:latin typeface="Courier New" pitchFamily="49" charset="0"/>
-                <a:cs typeface="Courier New" pitchFamily="49" charset="0"/>
-              </a:rPr>
-              <a:t>if</a:t>
-            </a:r>
-            <a:r>
-              <a:rPr lang="en-US" smtClean="0">
-                <a:solidFill>
-                  <a:schemeClr val="tx2"/>
-                </a:solidFill>
-                <a:latin typeface="Courier New" pitchFamily="49" charset="0"/>
-                <a:cs typeface="Courier New" pitchFamily="49" charset="0"/>
-              </a:rPr>
-              <a:t> (alpha &lt;= 0)</a:t>
-            </a:r>
-          </a:p>
-          <a:p>
-            <a:r>
-              <a:rPr lang="en-US" smtClean="0">
-                <a:solidFill>
-                  <a:schemeClr val="tx2"/>
-                </a:solidFill>
-                <a:latin typeface="Courier New" pitchFamily="49" charset="0"/>
-                <a:cs typeface="Courier New" pitchFamily="49" charset="0"/>
-              </a:rPr>
-              <a:t>            alpha = 0.000001f;</a:t>
-            </a:r>
-          </a:p>
-          <a:p>
-            <a:r>
-              <a:rPr lang="en-US" smtClean="0">
-                <a:solidFill>
-                  <a:schemeClr val="tx2"/>
-                </a:solidFill>
-                <a:latin typeface="Courier New" pitchFamily="49" charset="0"/>
-                <a:cs typeface="Courier New" pitchFamily="49" charset="0"/>
-              </a:rPr>
-              <a:t>        </a:t>
-            </a:r>
-            <a:r>
-              <a:rPr lang="en-US" smtClean="0">
-                <a:solidFill>
-                  <a:schemeClr val="accent1">
-                    <a:lumMod val="60000"/>
-                    <a:lumOff val="40000"/>
-                  </a:schemeClr>
-                </a:solidFill>
-                <a:latin typeface="Courier New" pitchFamily="49" charset="0"/>
-                <a:cs typeface="Courier New" pitchFamily="49" charset="0"/>
-              </a:rPr>
-              <a:t>else if</a:t>
-            </a:r>
-            <a:r>
-              <a:rPr lang="en-US" smtClean="0">
-                <a:solidFill>
-                  <a:schemeClr val="tx2"/>
-                </a:solidFill>
-                <a:latin typeface="Courier New" pitchFamily="49" charset="0"/>
-                <a:cs typeface="Courier New" pitchFamily="49" charset="0"/>
-              </a:rPr>
-              <a:t> (alpha &gt;= Math.PI)</a:t>
-            </a:r>
-          </a:p>
-          <a:p>
-            <a:r>
-              <a:rPr lang="en-US" smtClean="0">
-                <a:solidFill>
-                  <a:schemeClr val="tx2"/>
-                </a:solidFill>
-                <a:latin typeface="Courier New" pitchFamily="49" charset="0"/>
-                <a:cs typeface="Courier New" pitchFamily="49" charset="0"/>
-              </a:rPr>
-              <a:t>            alpha = Math.PI - 0.000001f;</a:t>
-            </a:r>
-          </a:p>
-          <a:p>
-            <a:r>
-              <a:rPr lang="en-US" smtClean="0">
-                <a:solidFill>
-                  <a:schemeClr val="tx2"/>
-                </a:solidFill>
-                <a:latin typeface="Courier New" pitchFamily="49" charset="0"/>
-                <a:cs typeface="Courier New" pitchFamily="49" charset="0"/>
-              </a:rPr>
-              <a:t>        y = r * Math.sin(alpha) * Math.sin(beta) + lookAtY;</a:t>
-            </a:r>
-          </a:p>
-          <a:p>
-            <a:r>
-              <a:rPr lang="en-US" smtClean="0">
-                <a:solidFill>
-                  <a:schemeClr val="tx2"/>
-                </a:solidFill>
-                <a:latin typeface="Courier New" pitchFamily="49" charset="0"/>
-                <a:cs typeface="Courier New" pitchFamily="49" charset="0"/>
-              </a:rPr>
-              <a:t>        z = r * Math.cos(alpha) + lookAtZ;</a:t>
-            </a:r>
-          </a:p>
-          <a:p>
-            <a:r>
-              <a:rPr lang="en-US" smtClean="0">
-                <a:solidFill>
-                  <a:schemeClr val="tx2"/>
-                </a:solidFill>
-                <a:latin typeface="Courier New" pitchFamily="49" charset="0"/>
-                <a:cs typeface="Courier New" pitchFamily="49" charset="0"/>
-              </a:rPr>
-              <a:t>        x = r * Math.sin(alpha) * Math.cos(beta) + lookAtX;</a:t>
-            </a:r>
-          </a:p>
-          <a:p>
-            <a:r>
-              <a:rPr lang="en-US" smtClean="0">
-                <a:solidFill>
-                  <a:schemeClr val="tx2"/>
-                </a:solidFill>
-                <a:latin typeface="Courier New" pitchFamily="49" charset="0"/>
-                <a:cs typeface="Courier New" pitchFamily="49" charset="0"/>
-              </a:rPr>
-              <a:t>}</a:t>
-            </a:r>
+              <a:t>lookAt</a:t>
+            </a:r>
+            <a:endParaRPr lang="en-US">
+              <a:solidFill>
+                <a:srgbClr val="FF0000"/>
+              </a:solidFill>
+            </a:endParaRPr>
           </a:p>
         </p:txBody>
       </p:sp>
@@ -19271,8 +19018,197 @@
         </p:nvSpPr>
         <p:spPr>
           <a:xfrm>
-            <a:off x="609601" y="1752600"/>
-            <a:ext cx="8534400" cy="4524315"/>
+            <a:off x="685800" y="1981200"/>
+            <a:ext cx="7629012" cy="1754326"/>
+          </a:xfrm>
+          <a:prstGeom prst="rect">
+            <a:avLst/>
+          </a:prstGeom>
+          <a:noFill/>
+        </p:spPr>
+        <p:txBody>
+          <a:bodyPr wrap="none" rtlCol="0">
+            <a:spAutoFit/>
+          </a:bodyPr>
+          <a:lstStyle/>
+          <a:p>
+            <a:r>
+              <a:rPr lang="vi-VN" dirty="0" smtClean="0">
+                <a:solidFill>
+                  <a:schemeClr val="accent2">
+                    <a:lumMod val="75000"/>
+                  </a:schemeClr>
+                </a:solidFill>
+                <a:latin typeface="Courier New" pitchFamily="49" charset="0"/>
+                <a:cs typeface="Courier New" pitchFamily="49" charset="0"/>
+              </a:rPr>
+              <a:t>public double </a:t>
+            </a:r>
+            <a:r>
+              <a:rPr lang="vi-VN" dirty="0" smtClean="0">
+                <a:latin typeface="Courier New" pitchFamily="49" charset="0"/>
+                <a:cs typeface="Courier New" pitchFamily="49" charset="0"/>
+              </a:rPr>
+              <a:t>x, y, z, r; </a:t>
+            </a:r>
+            <a:r>
+              <a:rPr lang="vi-VN" dirty="0" smtClean="0">
+                <a:solidFill>
+                  <a:srgbClr val="92D050"/>
+                </a:solidFill>
+                <a:latin typeface="Courier New" pitchFamily="49" charset="0"/>
+                <a:cs typeface="Courier New" pitchFamily="49" charset="0"/>
+              </a:rPr>
+              <a:t>// Vị trí đặt eye</a:t>
+            </a:r>
+          </a:p>
+          <a:p>
+            <a:r>
+              <a:rPr lang="vi-VN" dirty="0" smtClean="0">
+                <a:solidFill>
+                  <a:schemeClr val="accent2">
+                    <a:lumMod val="75000"/>
+                  </a:schemeClr>
+                </a:solidFill>
+                <a:latin typeface="Courier New" pitchFamily="49" charset="0"/>
+                <a:cs typeface="Courier New" pitchFamily="49" charset="0"/>
+              </a:rPr>
+              <a:t>public double </a:t>
+            </a:r>
+            <a:r>
+              <a:rPr lang="vi-VN" dirty="0" smtClean="0">
+                <a:latin typeface="Courier New" pitchFamily="49" charset="0"/>
+                <a:cs typeface="Courier New" pitchFamily="49" charset="0"/>
+              </a:rPr>
+              <a:t>lookAtX, lookAtY, lookAtZ; </a:t>
+            </a:r>
+            <a:r>
+              <a:rPr lang="vi-VN" dirty="0" smtClean="0">
+                <a:solidFill>
+                  <a:srgbClr val="92D050"/>
+                </a:solidFill>
+                <a:latin typeface="Courier New" pitchFamily="49" charset="0"/>
+                <a:cs typeface="Courier New" pitchFamily="49" charset="0"/>
+              </a:rPr>
+              <a:t>// Điểm nhìn</a:t>
+            </a:r>
+          </a:p>
+          <a:p>
+            <a:r>
+              <a:rPr lang="vi-VN" dirty="0" smtClean="0">
+                <a:solidFill>
+                  <a:schemeClr val="accent2">
+                    <a:lumMod val="75000"/>
+                  </a:schemeClr>
+                </a:solidFill>
+                <a:latin typeface="Courier New" pitchFamily="49" charset="0"/>
+                <a:cs typeface="Courier New" pitchFamily="49" charset="0"/>
+              </a:rPr>
+              <a:t>public double </a:t>
+            </a:r>
+            <a:r>
+              <a:rPr lang="vi-VN" dirty="0" smtClean="0">
+                <a:latin typeface="Courier New" pitchFamily="49" charset="0"/>
+                <a:cs typeface="Courier New" pitchFamily="49" charset="0"/>
+              </a:rPr>
+              <a:t>upX, upY, upZ;</a:t>
+            </a:r>
+            <a:r>
+              <a:rPr lang="en-US" dirty="0" smtClean="0">
+                <a:latin typeface="Courier New" pitchFamily="49" charset="0"/>
+                <a:cs typeface="Courier New" pitchFamily="49" charset="0"/>
+              </a:rPr>
+              <a:t> </a:t>
+            </a:r>
+            <a:r>
+              <a:rPr lang="en-US" dirty="0" smtClean="0">
+                <a:solidFill>
+                  <a:srgbClr val="92D050"/>
+                </a:solidFill>
+                <a:latin typeface="Courier New" pitchFamily="49" charset="0"/>
+                <a:cs typeface="Courier New" pitchFamily="49" charset="0"/>
+              </a:rPr>
+              <a:t>// Vector UP</a:t>
+            </a:r>
+            <a:endParaRPr lang="vi-VN" dirty="0" smtClean="0">
+              <a:solidFill>
+                <a:srgbClr val="92D050"/>
+              </a:solidFill>
+              <a:latin typeface="Courier New" pitchFamily="49" charset="0"/>
+              <a:cs typeface="Courier New" pitchFamily="49" charset="0"/>
+            </a:endParaRPr>
+          </a:p>
+          <a:p>
+            <a:r>
+              <a:rPr lang="vi-VN" dirty="0" smtClean="0">
+                <a:solidFill>
+                  <a:schemeClr val="accent2">
+                    <a:lumMod val="75000"/>
+                  </a:schemeClr>
+                </a:solidFill>
+                <a:latin typeface="Courier New" pitchFamily="49" charset="0"/>
+                <a:cs typeface="Courier New" pitchFamily="49" charset="0"/>
+              </a:rPr>
+              <a:t>public double </a:t>
+            </a:r>
+            <a:r>
+              <a:rPr lang="vi-VN" dirty="0" smtClean="0">
+                <a:latin typeface="Courier New" pitchFamily="49" charset="0"/>
+                <a:cs typeface="Courier New" pitchFamily="49" charset="0"/>
+              </a:rPr>
+              <a:t>alpha, beta;</a:t>
+            </a:r>
+            <a:r>
+              <a:rPr lang="en-US" dirty="0" smtClean="0">
+                <a:latin typeface="Courier New" pitchFamily="49" charset="0"/>
+                <a:cs typeface="Courier New" pitchFamily="49" charset="0"/>
+              </a:rPr>
+              <a:t> </a:t>
+            </a:r>
+            <a:r>
+              <a:rPr lang="en-US" dirty="0" smtClean="0">
+                <a:solidFill>
+                  <a:srgbClr val="92D050"/>
+                </a:solidFill>
+                <a:latin typeface="Courier New" pitchFamily="49" charset="0"/>
+                <a:cs typeface="Courier New" pitchFamily="49" charset="0"/>
+              </a:rPr>
+              <a:t>// Góc alpha hợp với trục Z</a:t>
+            </a:r>
+          </a:p>
+          <a:p>
+            <a:r>
+              <a:rPr lang="en-US" dirty="0" smtClean="0">
+                <a:solidFill>
+                  <a:srgbClr val="92D050"/>
+                </a:solidFill>
+                <a:latin typeface="Courier New" pitchFamily="49" charset="0"/>
+                <a:cs typeface="Courier New" pitchFamily="49" charset="0"/>
+              </a:rPr>
+              <a:t>				// Góc beta hợp với trục</a:t>
+            </a:r>
+          </a:p>
+          <a:p>
+            <a:endParaRPr lang="en-US" dirty="0" smtClean="0">
+              <a:solidFill>
+                <a:srgbClr val="92D050"/>
+              </a:solidFill>
+              <a:latin typeface="Courier New" pitchFamily="49" charset="0"/>
+              <a:cs typeface="Courier New" pitchFamily="49" charset="0"/>
+            </a:endParaRPr>
+          </a:p>
+        </p:txBody>
+      </p:sp>
+      <p:sp>
+        <p:nvSpPr>
+          <p:cNvPr id="6" name="TextBox 5"/>
+          <p:cNvSpPr txBox="1"/>
+          <p:nvPr/>
+        </p:nvSpPr>
+        <p:spPr>
+          <a:xfrm>
+            <a:off x="673297" y="3733800"/>
+            <a:ext cx="8318303" cy="2585323"/>
           </a:xfrm>
           <a:prstGeom prst="rect">
             <a:avLst/>
@@ -19286,7 +19222,7 @@
           <a:lstStyle/>
           <a:p>
             <a:r>
-              <a:rPr lang="en-US" dirty="0" smtClean="0">
+              <a:rPr lang="en-US" smtClean="0">
                 <a:solidFill>
                   <a:schemeClr val="accent1">
                     <a:lumMod val="60000"/>
@@ -19299,134 +19235,157 @@
               <a:t>public void </a:t>
             </a:r>
             <a:r>
-              <a:rPr lang="en-US" dirty="0" smtClean="0">
-                <a:latin typeface="Courier New" pitchFamily="49" charset="0"/>
-                <a:cs typeface="Courier New" pitchFamily="49" charset="0"/>
-              </a:rPr>
-              <a:t>moveAhead() {</a:t>
-            </a:r>
-          </a:p>
-          <a:p>
-            <a:r>
-              <a:rPr lang="en-US" dirty="0" smtClean="0">
-                <a:latin typeface="Courier New" pitchFamily="49" charset="0"/>
-                <a:cs typeface="Courier New" pitchFamily="49" charset="0"/>
-              </a:rPr>
-              <a:t>        float TILE = 0.1f; </a:t>
-            </a:r>
-            <a:r>
-              <a:rPr lang="en-US" dirty="0" smtClean="0">
+              <a:rPr lang="en-US" smtClean="0">
                 <a:solidFill>
-                  <a:srgbClr val="00B050"/>
+                  <a:schemeClr val="tx2"/>
                 </a:solidFill>
                 <a:latin typeface="Courier New" pitchFamily="49" charset="0"/>
                 <a:cs typeface="Courier New" pitchFamily="49" charset="0"/>
               </a:rPr>
-              <a:t>// Tỉ lệ</a:t>
+              <a:t>Update() {</a:t>
             </a:r>
           </a:p>
           <a:p>
             <a:r>
-              <a:rPr lang="en-US" dirty="0" smtClean="0">
+              <a:rPr lang="en-US" smtClean="0">
+                <a:solidFill>
+                  <a:schemeClr val="tx2"/>
+                </a:solidFill>
                 <a:latin typeface="Courier New" pitchFamily="49" charset="0"/>
                 <a:cs typeface="Courier New" pitchFamily="49" charset="0"/>
               </a:rPr>
-              <a:t>        Vector3f direct = MathUtil.SubVector(new Vector3f((float)lookAtX, (float)lookAtY, (float)lookAtZ),</a:t>
-            </a:r>
-          </a:p>
-          <a:p>
-            <a:r>
-              <a:rPr lang="en-US" dirty="0" smtClean="0">
+              <a:t>        </a:t>
+            </a:r>
+            <a:r>
+              <a:rPr lang="en-US" smtClean="0">
+                <a:solidFill>
+                  <a:schemeClr val="accent1">
+                    <a:lumMod val="60000"/>
+                    <a:lumOff val="40000"/>
+                  </a:schemeClr>
+                </a:solidFill>
                 <a:latin typeface="Courier New" pitchFamily="49" charset="0"/>
                 <a:cs typeface="Courier New" pitchFamily="49" charset="0"/>
               </a:rPr>
-              <a:t>                new Vector3f((float)x, (float)y, (float)z));</a:t>
-            </a:r>
-          </a:p>
-          <a:p>
-            <a:r>
-              <a:rPr lang="en-US" dirty="0" smtClean="0">
+              <a:t>if</a:t>
+            </a:r>
+            <a:r>
+              <a:rPr lang="en-US" smtClean="0">
+                <a:solidFill>
+                  <a:schemeClr val="tx2"/>
+                </a:solidFill>
                 <a:latin typeface="Courier New" pitchFamily="49" charset="0"/>
                 <a:cs typeface="Courier New" pitchFamily="49" charset="0"/>
               </a:rPr>
-              <a:t>        double delta = MathUtil.AbsVector3f(direct);</a:t>
+              <a:t> (alpha &lt;= 0)</a:t>
             </a:r>
           </a:p>
           <a:p>
             <a:r>
-              <a:rPr lang="en-US" dirty="0" smtClean="0">
+              <a:rPr lang="en-US" smtClean="0">
+                <a:solidFill>
+                  <a:schemeClr val="tx2"/>
+                </a:solidFill>
                 <a:latin typeface="Courier New" pitchFamily="49" charset="0"/>
                 <a:cs typeface="Courier New" pitchFamily="49" charset="0"/>
               </a:rPr>
-              <a:t>        Vector3f temp = new Vector3f((float)(direct.x / delta), (float)(direct.y / delta), (float)(direct.z / delta));</a:t>
+              <a:t>            alpha = 0.000001f;</a:t>
             </a:r>
           </a:p>
           <a:p>
             <a:r>
-              <a:rPr lang="en-US" dirty="0" smtClean="0">
+              <a:rPr lang="en-US" smtClean="0">
+                <a:solidFill>
+                  <a:schemeClr val="tx2"/>
+                </a:solidFill>
                 <a:latin typeface="Courier New" pitchFamily="49" charset="0"/>
                 <a:cs typeface="Courier New" pitchFamily="49" charset="0"/>
               </a:rPr>
-              <a:t>        x += temp.x * TILE;</a:t>
-            </a:r>
-          </a:p>
-          <a:p>
-            <a:r>
-              <a:rPr lang="en-US" dirty="0" smtClean="0">
+              <a:t>        </a:t>
+            </a:r>
+            <a:r>
+              <a:rPr lang="en-US" smtClean="0">
+                <a:solidFill>
+                  <a:schemeClr val="accent1">
+                    <a:lumMod val="60000"/>
+                    <a:lumOff val="40000"/>
+                  </a:schemeClr>
+                </a:solidFill>
                 <a:latin typeface="Courier New" pitchFamily="49" charset="0"/>
                 <a:cs typeface="Courier New" pitchFamily="49" charset="0"/>
               </a:rPr>
-              <a:t>        y += temp.y * TILE;</a:t>
-            </a:r>
-          </a:p>
-          <a:p>
-            <a:r>
-              <a:rPr lang="en-US" dirty="0" smtClean="0">
+              <a:t>else if</a:t>
+            </a:r>
+            <a:r>
+              <a:rPr lang="en-US" smtClean="0">
+                <a:solidFill>
+                  <a:schemeClr val="tx2"/>
+                </a:solidFill>
                 <a:latin typeface="Courier New" pitchFamily="49" charset="0"/>
                 <a:cs typeface="Courier New" pitchFamily="49" charset="0"/>
               </a:rPr>
-              <a:t>        z += temp.z * TILE;</a:t>
+              <a:t> (alpha &gt;= Math.PI)</a:t>
             </a:r>
           </a:p>
           <a:p>
             <a:r>
-              <a:rPr lang="en-US" dirty="0" smtClean="0">
+              <a:rPr lang="en-US" smtClean="0">
+                <a:solidFill>
+                  <a:schemeClr val="tx2"/>
+                </a:solidFill>
                 <a:latin typeface="Courier New" pitchFamily="49" charset="0"/>
                 <a:cs typeface="Courier New" pitchFamily="49" charset="0"/>
               </a:rPr>
-              <a:t>        lookAtX += temp.x * TILE;</a:t>
+              <a:t>            alpha = Math.PI - 0.000001f;</a:t>
             </a:r>
           </a:p>
           <a:p>
             <a:r>
-              <a:rPr lang="en-US" dirty="0" smtClean="0">
+              <a:rPr lang="en-US" smtClean="0">
+                <a:solidFill>
+                  <a:schemeClr val="tx2"/>
+                </a:solidFill>
                 <a:latin typeface="Courier New" pitchFamily="49" charset="0"/>
                 <a:cs typeface="Courier New" pitchFamily="49" charset="0"/>
               </a:rPr>
-              <a:t>        lookAtY += temp.y * TILE;</a:t>
+              <a:t>        y = r * Math.sin(alpha) * Math.sin(beta) + lookAtY;</a:t>
             </a:r>
           </a:p>
           <a:p>
             <a:r>
-              <a:rPr lang="en-US" dirty="0" smtClean="0">
+              <a:rPr lang="en-US" smtClean="0">
+                <a:solidFill>
+                  <a:schemeClr val="tx2"/>
+                </a:solidFill>
                 <a:latin typeface="Courier New" pitchFamily="49" charset="0"/>
                 <a:cs typeface="Courier New" pitchFamily="49" charset="0"/>
               </a:rPr>
-              <a:t>        lookAtZ += temp.z * TILE;</a:t>
+              <a:t>        z = r * Math.cos(alpha) + lookAtZ;</a:t>
             </a:r>
           </a:p>
           <a:p>
             <a:r>
-              <a:rPr lang="en-US" dirty="0" smtClean="0">
+              <a:rPr lang="en-US" smtClean="0">
+                <a:solidFill>
+                  <a:schemeClr val="tx2"/>
+                </a:solidFill>
+                <a:latin typeface="Courier New" pitchFamily="49" charset="0"/>
+                <a:cs typeface="Courier New" pitchFamily="49" charset="0"/>
+              </a:rPr>
+              <a:t>        x = r * Math.sin(alpha) * Math.cos(beta) + lookAtX;</a:t>
+            </a:r>
+          </a:p>
+          <a:p>
+            <a:r>
+              <a:rPr lang="en-US" smtClean="0">
+                <a:solidFill>
+                  <a:schemeClr val="tx2"/>
+                </a:solidFill>
                 <a:latin typeface="Courier New" pitchFamily="49" charset="0"/>
                 <a:cs typeface="Courier New" pitchFamily="49" charset="0"/>
               </a:rPr>
               <a:t>}</a:t>
             </a:r>
-            <a:endParaRPr lang="en-US" dirty="0">
-              <a:latin typeface="Courier New" pitchFamily="49" charset="0"/>
-              <a:cs typeface="Courier New" pitchFamily="49" charset="0"/>
-            </a:endParaRPr>
           </a:p>
         </p:txBody>
       </p:sp>
@@ -19464,6 +19423,921 @@
       </p:grpSpPr>
       <p:sp>
         <p:nvSpPr>
+          <p:cNvPr id="2" name="Title 1"/>
+          <p:cNvSpPr>
+            <a:spLocks noGrp="1"/>
+          </p:cNvSpPr>
+          <p:nvPr>
+            <p:ph type="title"/>
+          </p:nvPr>
+        </p:nvSpPr>
+        <p:spPr/>
+        <p:txBody>
+          <a:bodyPr/>
+          <a:lstStyle/>
+          <a:p>
+            <a:r>
+              <a:rPr lang="en-US" smtClean="0"/>
+              <a:t>CAMERA 3D</a:t>
+            </a:r>
+            <a:endParaRPr lang="en-US"/>
+          </a:p>
+        </p:txBody>
+      </p:sp>
+      <p:sp>
+        <p:nvSpPr>
+          <p:cNvPr id="4" name="TextBox 3"/>
+          <p:cNvSpPr txBox="1"/>
+          <p:nvPr/>
+        </p:nvSpPr>
+        <p:spPr>
+          <a:xfrm>
+            <a:off x="609600" y="990600"/>
+            <a:ext cx="4114800" cy="523220"/>
+          </a:xfrm>
+          <a:prstGeom prst="rect">
+            <a:avLst/>
+          </a:prstGeom>
+          <a:noFill/>
+        </p:spPr>
+        <p:txBody>
+          <a:bodyPr wrap="square" rtlCol="0">
+            <a:spAutoFit/>
+          </a:bodyPr>
+          <a:lstStyle/>
+          <a:p>
+            <a:r>
+              <a:rPr lang="en-US" sz="2800" b="1" u="sng" smtClean="0">
+                <a:latin typeface="Adobe Gothic Std B" pitchFamily="34" charset="-128"/>
+                <a:ea typeface="Adobe Gothic Std B" pitchFamily="34" charset="-128"/>
+              </a:rPr>
+              <a:t>class Camera</a:t>
+            </a:r>
+          </a:p>
+        </p:txBody>
+      </p:sp>
+      <p:sp>
+        <p:nvSpPr>
+          <p:cNvPr id="5" name="TextBox 4"/>
+          <p:cNvSpPr txBox="1"/>
+          <p:nvPr/>
+        </p:nvSpPr>
+        <p:spPr>
+          <a:xfrm>
+            <a:off x="609601" y="1752600"/>
+            <a:ext cx="8534400" cy="4524315"/>
+          </a:xfrm>
+          <a:prstGeom prst="rect">
+            <a:avLst/>
+          </a:prstGeom>
+          <a:noFill/>
+        </p:spPr>
+        <p:txBody>
+          <a:bodyPr wrap="square" rtlCol="0">
+            <a:spAutoFit/>
+          </a:bodyPr>
+          <a:lstStyle/>
+          <a:p>
+            <a:r>
+              <a:rPr lang="en-US" dirty="0" smtClean="0">
+                <a:solidFill>
+                  <a:schemeClr val="accent1">
+                    <a:lumMod val="60000"/>
+                    <a:lumOff val="40000"/>
+                  </a:schemeClr>
+                </a:solidFill>
+                <a:latin typeface="Courier New" pitchFamily="49" charset="0"/>
+                <a:cs typeface="Courier New" pitchFamily="49" charset="0"/>
+              </a:rPr>
+              <a:t>public void </a:t>
+            </a:r>
+            <a:r>
+              <a:rPr lang="en-US" dirty="0" smtClean="0">
+                <a:latin typeface="Courier New" pitchFamily="49" charset="0"/>
+                <a:cs typeface="Courier New" pitchFamily="49" charset="0"/>
+              </a:rPr>
+              <a:t>moveAhead() {</a:t>
+            </a:r>
+          </a:p>
+          <a:p>
+            <a:r>
+              <a:rPr lang="en-US" dirty="0" smtClean="0">
+                <a:latin typeface="Courier New" pitchFamily="49" charset="0"/>
+                <a:cs typeface="Courier New" pitchFamily="49" charset="0"/>
+              </a:rPr>
+              <a:t>        float TILE = 0.1f; </a:t>
+            </a:r>
+            <a:r>
+              <a:rPr lang="en-US" dirty="0" smtClean="0">
+                <a:solidFill>
+                  <a:srgbClr val="00B050"/>
+                </a:solidFill>
+                <a:latin typeface="Courier New" pitchFamily="49" charset="0"/>
+                <a:cs typeface="Courier New" pitchFamily="49" charset="0"/>
+              </a:rPr>
+              <a:t>// Tỉ lệ</a:t>
+            </a:r>
+          </a:p>
+          <a:p>
+            <a:r>
+              <a:rPr lang="en-US" dirty="0" smtClean="0">
+                <a:latin typeface="Courier New" pitchFamily="49" charset="0"/>
+                <a:cs typeface="Courier New" pitchFamily="49" charset="0"/>
+              </a:rPr>
+              <a:t>        Vector3f direct = MathUtil.SubVector(new Vector3f((float)lookAtX, (float)lookAtY, (float)lookAtZ),</a:t>
+            </a:r>
+          </a:p>
+          <a:p>
+            <a:r>
+              <a:rPr lang="en-US" dirty="0" smtClean="0">
+                <a:latin typeface="Courier New" pitchFamily="49" charset="0"/>
+                <a:cs typeface="Courier New" pitchFamily="49" charset="0"/>
+              </a:rPr>
+              <a:t>                new Vector3f((float)x, (float)y, (float)z));</a:t>
+            </a:r>
+          </a:p>
+          <a:p>
+            <a:r>
+              <a:rPr lang="en-US" dirty="0" smtClean="0">
+                <a:latin typeface="Courier New" pitchFamily="49" charset="0"/>
+                <a:cs typeface="Courier New" pitchFamily="49" charset="0"/>
+              </a:rPr>
+              <a:t>        double delta = MathUtil.AbsVector3f(direct);</a:t>
+            </a:r>
+          </a:p>
+          <a:p>
+            <a:r>
+              <a:rPr lang="en-US" dirty="0" smtClean="0">
+                <a:latin typeface="Courier New" pitchFamily="49" charset="0"/>
+                <a:cs typeface="Courier New" pitchFamily="49" charset="0"/>
+              </a:rPr>
+              <a:t>        Vector3f temp = new Vector3f((float)(direct.x / delta), (float)(direct.y / delta), (float)(direct.z / delta));</a:t>
+            </a:r>
+          </a:p>
+          <a:p>
+            <a:r>
+              <a:rPr lang="en-US" dirty="0" smtClean="0">
+                <a:latin typeface="Courier New" pitchFamily="49" charset="0"/>
+                <a:cs typeface="Courier New" pitchFamily="49" charset="0"/>
+              </a:rPr>
+              <a:t>        x += temp.x * TILE;</a:t>
+            </a:r>
+          </a:p>
+          <a:p>
+            <a:r>
+              <a:rPr lang="en-US" dirty="0" smtClean="0">
+                <a:latin typeface="Courier New" pitchFamily="49" charset="0"/>
+                <a:cs typeface="Courier New" pitchFamily="49" charset="0"/>
+              </a:rPr>
+              <a:t>        y += temp.y * TILE;</a:t>
+            </a:r>
+          </a:p>
+          <a:p>
+            <a:r>
+              <a:rPr lang="en-US" dirty="0" smtClean="0">
+                <a:latin typeface="Courier New" pitchFamily="49" charset="0"/>
+                <a:cs typeface="Courier New" pitchFamily="49" charset="0"/>
+              </a:rPr>
+              <a:t>        z += temp.z * TILE;</a:t>
+            </a:r>
+          </a:p>
+          <a:p>
+            <a:r>
+              <a:rPr lang="en-US" dirty="0" smtClean="0">
+                <a:latin typeface="Courier New" pitchFamily="49" charset="0"/>
+                <a:cs typeface="Courier New" pitchFamily="49" charset="0"/>
+              </a:rPr>
+              <a:t>        lookAtX += temp.x * TILE;</a:t>
+            </a:r>
+          </a:p>
+          <a:p>
+            <a:r>
+              <a:rPr lang="en-US" dirty="0" smtClean="0">
+                <a:latin typeface="Courier New" pitchFamily="49" charset="0"/>
+                <a:cs typeface="Courier New" pitchFamily="49" charset="0"/>
+              </a:rPr>
+              <a:t>        lookAtY += temp.y * TILE;</a:t>
+            </a:r>
+          </a:p>
+          <a:p>
+            <a:r>
+              <a:rPr lang="en-US" dirty="0" smtClean="0">
+                <a:latin typeface="Courier New" pitchFamily="49" charset="0"/>
+                <a:cs typeface="Courier New" pitchFamily="49" charset="0"/>
+              </a:rPr>
+              <a:t>        lookAtZ += temp.z * TILE;</a:t>
+            </a:r>
+          </a:p>
+          <a:p>
+            <a:r>
+              <a:rPr lang="en-US" dirty="0" smtClean="0">
+                <a:latin typeface="Courier New" pitchFamily="49" charset="0"/>
+                <a:cs typeface="Courier New" pitchFamily="49" charset="0"/>
+              </a:rPr>
+              <a:t>}</a:t>
+            </a:r>
+            <a:endParaRPr lang="en-US" dirty="0">
+              <a:latin typeface="Courier New" pitchFamily="49" charset="0"/>
+              <a:cs typeface="Courier New" pitchFamily="49" charset="0"/>
+            </a:endParaRPr>
+          </a:p>
+        </p:txBody>
+      </p:sp>
+    </p:spTree>
+  </p:cSld>
+  <p:clrMapOvr>
+    <a:masterClrMapping/>
+  </p:clrMapOvr>
+  <p:timing>
+    <p:tnLst>
+      <p:par>
+        <p:cTn id="1" dur="indefinite" restart="never" nodeType="tmRoot"/>
+      </p:par>
+    </p:tnLst>
+  </p:timing>
+</p:sld>
+</file>
+
+<file path=ppt/slides/slide13.xml><?xml version="1.0" encoding="utf-8"?>
+<p:sld xmlns:a="http://schemas.openxmlformats.org/drawingml/2006/main" xmlns:r="http://schemas.openxmlformats.org/officeDocument/2006/relationships" xmlns:p="http://schemas.openxmlformats.org/presentationml/2006/main">
+  <p:cSld>
+    <p:spTree>
+      <p:nvGrpSpPr>
+        <p:cNvPr id="1" name=""/>
+        <p:cNvGrpSpPr/>
+        <p:nvPr/>
+      </p:nvGrpSpPr>
+      <p:grpSpPr>
+        <a:xfrm>
+          <a:off x="0" y="0"/>
+          <a:ext cx="0" cy="0"/>
+          <a:chOff x="0" y="0"/>
+          <a:chExt cx="0" cy="0"/>
+        </a:xfrm>
+      </p:grpSpPr>
+      <p:sp>
+        <p:nvSpPr>
+          <p:cNvPr id="65538" name="Rectangle 2"/>
+          <p:cNvSpPr>
+            <a:spLocks noGrp="1" noChangeArrowheads="1"/>
+          </p:cNvSpPr>
+          <p:nvPr>
+            <p:ph type="title"/>
+          </p:nvPr>
+        </p:nvSpPr>
+        <p:spPr/>
+        <p:txBody>
+          <a:bodyPr/>
+          <a:lstStyle/>
+          <a:p>
+            <a:r>
+              <a:rPr lang="en-US"/>
+              <a:t>Contents</a:t>
+            </a:r>
+          </a:p>
+        </p:txBody>
+      </p:sp>
+      <p:grpSp>
+        <p:nvGrpSpPr>
+          <p:cNvPr id="2" name="Group 3"/>
+          <p:cNvGrpSpPr>
+            <a:grpSpLocks/>
+          </p:cNvGrpSpPr>
+          <p:nvPr/>
+        </p:nvGrpSpPr>
+        <p:grpSpPr bwMode="auto">
+          <a:xfrm>
+            <a:off x="2005013" y="2771775"/>
+            <a:ext cx="5310187" cy="609600"/>
+            <a:chOff x="1263" y="1881"/>
+            <a:chExt cx="3345" cy="384"/>
+          </a:xfrm>
+        </p:grpSpPr>
+        <p:grpSp>
+          <p:nvGrpSpPr>
+            <p:cNvPr id="3" name="Group 4"/>
+            <p:cNvGrpSpPr>
+              <a:grpSpLocks/>
+            </p:cNvGrpSpPr>
+            <p:nvPr/>
+          </p:nvGrpSpPr>
+          <p:grpSpPr bwMode="auto">
+            <a:xfrm>
+              <a:off x="1263" y="1881"/>
+              <a:ext cx="384" cy="384"/>
+              <a:chOff x="816" y="1872"/>
+              <a:chExt cx="384" cy="384"/>
+            </a:xfrm>
+          </p:grpSpPr>
+          <p:sp>
+            <p:nvSpPr>
+              <p:cNvPr id="65541" name="Oval 5"/>
+              <p:cNvSpPr>
+                <a:spLocks noChangeArrowheads="1"/>
+              </p:cNvSpPr>
+              <p:nvPr/>
+            </p:nvSpPr>
+            <p:spPr bwMode="gray">
+              <a:xfrm>
+                <a:off x="816" y="1872"/>
+                <a:ext cx="384" cy="384"/>
+              </a:xfrm>
+              <a:prstGeom prst="ellipse">
+                <a:avLst/>
+              </a:prstGeom>
+              <a:gradFill rotWithShape="1">
+                <a:gsLst>
+                  <a:gs pos="0">
+                    <a:schemeClr val="accent2">
+                      <a:gamma/>
+                      <a:tint val="0"/>
+                      <a:invGamma/>
+                    </a:schemeClr>
+                  </a:gs>
+                  <a:gs pos="50000">
+                    <a:schemeClr val="accent2"/>
+                  </a:gs>
+                  <a:gs pos="100000">
+                    <a:schemeClr val="accent2">
+                      <a:gamma/>
+                      <a:tint val="0"/>
+                      <a:invGamma/>
+                    </a:schemeClr>
+                  </a:gs>
+                </a:gsLst>
+                <a:lin ang="2700000" scaled="1"/>
+              </a:gradFill>
+              <a:ln w="38100" algn="ctr">
+                <a:noFill/>
+                <a:round/>
+                <a:headEnd/>
+                <a:tailEnd/>
+              </a:ln>
+              <a:effectLst/>
+            </p:spPr>
+            <p:txBody>
+              <a:bodyPr wrap="none" anchor="ctr">
+                <a:spAutoFit/>
+              </a:bodyPr>
+              <a:lstStyle/>
+              <a:p>
+                <a:endParaRPr lang="en-US"/>
+              </a:p>
+            </p:txBody>
+          </p:sp>
+          <p:sp>
+            <p:nvSpPr>
+              <p:cNvPr id="65542" name="Oval 6"/>
+              <p:cNvSpPr>
+                <a:spLocks noChangeArrowheads="1"/>
+              </p:cNvSpPr>
+              <p:nvPr/>
+            </p:nvSpPr>
+            <p:spPr bwMode="gray">
+              <a:xfrm>
+                <a:off x="816" y="1872"/>
+                <a:ext cx="384" cy="384"/>
+              </a:xfrm>
+              <a:prstGeom prst="ellipse">
+                <a:avLst/>
+              </a:prstGeom>
+              <a:gradFill rotWithShape="1">
+                <a:gsLst>
+                  <a:gs pos="0">
+                    <a:schemeClr val="accent2">
+                      <a:alpha val="32001"/>
+                    </a:schemeClr>
+                  </a:gs>
+                  <a:gs pos="100000">
+                    <a:schemeClr val="accent2">
+                      <a:gamma/>
+                      <a:shade val="0"/>
+                      <a:invGamma/>
+                      <a:alpha val="89999"/>
+                    </a:schemeClr>
+                  </a:gs>
+                </a:gsLst>
+                <a:lin ang="2700000" scaled="1"/>
+              </a:gradFill>
+              <a:ln w="38100" algn="ctr">
+                <a:noFill/>
+                <a:round/>
+                <a:headEnd/>
+                <a:tailEnd/>
+              </a:ln>
+              <a:effectLst/>
+            </p:spPr>
+            <p:txBody>
+              <a:bodyPr wrap="none" anchor="ctr">
+                <a:spAutoFit/>
+              </a:bodyPr>
+              <a:lstStyle/>
+              <a:p>
+                <a:endParaRPr lang="en-US"/>
+              </a:p>
+            </p:txBody>
+          </p:sp>
+          <p:sp>
+            <p:nvSpPr>
+              <p:cNvPr id="65543" name="Oval 7"/>
+              <p:cNvSpPr>
+                <a:spLocks noChangeArrowheads="1"/>
+              </p:cNvSpPr>
+              <p:nvPr/>
+            </p:nvSpPr>
+            <p:spPr bwMode="gray">
+              <a:xfrm>
+                <a:off x="841" y="1897"/>
+                <a:ext cx="334" cy="334"/>
+              </a:xfrm>
+              <a:prstGeom prst="ellipse">
+                <a:avLst/>
+              </a:prstGeom>
+              <a:gradFill rotWithShape="1">
+                <a:gsLst>
+                  <a:gs pos="0">
+                    <a:schemeClr val="accent2">
+                      <a:gamma/>
+                      <a:shade val="54118"/>
+                      <a:invGamma/>
+                    </a:schemeClr>
+                  </a:gs>
+                  <a:gs pos="50000">
+                    <a:schemeClr val="accent2"/>
+                  </a:gs>
+                  <a:gs pos="100000">
+                    <a:schemeClr val="accent2">
+                      <a:gamma/>
+                      <a:shade val="54118"/>
+                      <a:invGamma/>
+                    </a:schemeClr>
+                  </a:gs>
+                </a:gsLst>
+                <a:lin ang="18900000" scaled="1"/>
+              </a:gradFill>
+              <a:ln w="38100" algn="ctr">
+                <a:noFill/>
+                <a:round/>
+                <a:headEnd/>
+                <a:tailEnd/>
+              </a:ln>
+              <a:effectLst/>
+            </p:spPr>
+            <p:txBody>
+              <a:bodyPr anchor="ctr">
+                <a:spAutoFit/>
+              </a:bodyPr>
+              <a:lstStyle/>
+              <a:p>
+                <a:endParaRPr lang="en-US"/>
+              </a:p>
+            </p:txBody>
+          </p:sp>
+          <p:sp>
+            <p:nvSpPr>
+              <p:cNvPr id="65544" name="Oval 8"/>
+              <p:cNvSpPr>
+                <a:spLocks noChangeArrowheads="1"/>
+              </p:cNvSpPr>
+              <p:nvPr/>
+            </p:nvSpPr>
+            <p:spPr bwMode="gray">
+              <a:xfrm>
+                <a:off x="866" y="1922"/>
+                <a:ext cx="334" cy="334"/>
+              </a:xfrm>
+              <a:prstGeom prst="ellipse">
+                <a:avLst/>
+              </a:prstGeom>
+              <a:gradFill rotWithShape="1">
+                <a:gsLst>
+                  <a:gs pos="0">
+                    <a:schemeClr val="accent2">
+                      <a:gamma/>
+                      <a:shade val="63529"/>
+                      <a:invGamma/>
+                    </a:schemeClr>
+                  </a:gs>
+                  <a:gs pos="100000">
+                    <a:schemeClr val="accent2">
+                      <a:alpha val="0"/>
+                    </a:schemeClr>
+                  </a:gs>
+                </a:gsLst>
+                <a:lin ang="2700000" scaled="1"/>
+              </a:gradFill>
+              <a:ln w="38100" algn="ctr">
+                <a:noFill/>
+                <a:round/>
+                <a:headEnd/>
+                <a:tailEnd/>
+              </a:ln>
+              <a:effectLst/>
+            </p:spPr>
+            <p:txBody>
+              <a:bodyPr anchor="ctr">
+                <a:spAutoFit/>
+              </a:bodyPr>
+              <a:lstStyle/>
+              <a:p>
+                <a:endParaRPr lang="en-US"/>
+              </a:p>
+            </p:txBody>
+          </p:sp>
+          <p:sp>
+            <p:nvSpPr>
+              <p:cNvPr id="65545" name="Oval 9"/>
+              <p:cNvSpPr>
+                <a:spLocks noChangeArrowheads="1"/>
+              </p:cNvSpPr>
+              <p:nvPr/>
+            </p:nvSpPr>
+            <p:spPr bwMode="gray">
+              <a:xfrm>
+                <a:off x="859" y="1914"/>
+                <a:ext cx="300" cy="300"/>
+              </a:xfrm>
+              <a:prstGeom prst="ellipse">
+                <a:avLst/>
+              </a:prstGeom>
+              <a:solidFill>
+                <a:srgbClr val="333333"/>
+              </a:solidFill>
+              <a:ln w="38100" algn="ctr">
+                <a:noFill/>
+                <a:round/>
+                <a:headEnd/>
+                <a:tailEnd/>
+              </a:ln>
+              <a:effectLst/>
+            </p:spPr>
+            <p:txBody>
+              <a:bodyPr anchor="ctr">
+                <a:spAutoFit/>
+              </a:bodyPr>
+              <a:lstStyle/>
+              <a:p>
+                <a:endParaRPr lang="en-US"/>
+              </a:p>
+            </p:txBody>
+          </p:sp>
+          <p:sp>
+            <p:nvSpPr>
+              <p:cNvPr id="65546" name="Oval 10"/>
+              <p:cNvSpPr>
+                <a:spLocks noChangeArrowheads="1"/>
+              </p:cNvSpPr>
+              <p:nvPr/>
+            </p:nvSpPr>
+            <p:spPr bwMode="gray">
+              <a:xfrm>
+                <a:off x="864" y="1919"/>
+                <a:ext cx="291" cy="291"/>
+              </a:xfrm>
+              <a:prstGeom prst="ellipse">
+                <a:avLst/>
+              </a:prstGeom>
+              <a:gradFill rotWithShape="1">
+                <a:gsLst>
+                  <a:gs pos="0">
+                    <a:srgbClr val="C0C0C0">
+                      <a:gamma/>
+                      <a:shade val="46275"/>
+                      <a:invGamma/>
+                    </a:srgbClr>
+                  </a:gs>
+                  <a:gs pos="100000">
+                    <a:srgbClr val="C0C0C0"/>
+                  </a:gs>
+                </a:gsLst>
+                <a:lin ang="5400000" scaled="1"/>
+              </a:gradFill>
+              <a:ln w="9525" algn="ctr">
+                <a:noFill/>
+                <a:round/>
+                <a:headEnd/>
+                <a:tailEnd/>
+              </a:ln>
+              <a:effectLst/>
+            </p:spPr>
+            <p:txBody>
+              <a:bodyPr vert="eaVert" wrap="none" anchor="ctr"/>
+              <a:lstStyle/>
+              <a:p>
+                <a:endParaRPr lang="en-US"/>
+              </a:p>
+            </p:txBody>
+          </p:sp>
+          <p:sp>
+            <p:nvSpPr>
+              <p:cNvPr id="65547" name="Oval 11"/>
+              <p:cNvSpPr>
+                <a:spLocks noChangeArrowheads="1"/>
+              </p:cNvSpPr>
+              <p:nvPr/>
+            </p:nvSpPr>
+            <p:spPr bwMode="gray">
+              <a:xfrm>
+                <a:off x="868" y="1921"/>
+                <a:ext cx="283" cy="283"/>
+              </a:xfrm>
+              <a:prstGeom prst="ellipse">
+                <a:avLst/>
+              </a:prstGeom>
+              <a:gradFill rotWithShape="1">
+                <a:gsLst>
+                  <a:gs pos="0">
+                    <a:srgbClr val="C0C0C0">
+                      <a:alpha val="0"/>
+                    </a:srgbClr>
+                  </a:gs>
+                  <a:gs pos="100000">
+                    <a:srgbClr val="C0C0C0">
+                      <a:gamma/>
+                      <a:tint val="34902"/>
+                      <a:invGamma/>
+                    </a:srgbClr>
+                  </a:gs>
+                </a:gsLst>
+                <a:lin ang="5400000" scaled="1"/>
+              </a:gradFill>
+              <a:ln w="9525" algn="ctr">
+                <a:noFill/>
+                <a:round/>
+                <a:headEnd/>
+                <a:tailEnd/>
+              </a:ln>
+              <a:effectLst/>
+            </p:spPr>
+            <p:txBody>
+              <a:bodyPr vert="eaVert" wrap="none" anchor="ctr"/>
+              <a:lstStyle/>
+              <a:p>
+                <a:endParaRPr lang="en-US"/>
+              </a:p>
+            </p:txBody>
+          </p:sp>
+          <p:sp>
+            <p:nvSpPr>
+              <p:cNvPr id="65548" name="Oval 12"/>
+              <p:cNvSpPr>
+                <a:spLocks noChangeArrowheads="1"/>
+              </p:cNvSpPr>
+              <p:nvPr/>
+            </p:nvSpPr>
+            <p:spPr bwMode="gray">
+              <a:xfrm>
+                <a:off x="871" y="1923"/>
+                <a:ext cx="270" cy="265"/>
+              </a:xfrm>
+              <a:prstGeom prst="ellipse">
+                <a:avLst/>
+              </a:prstGeom>
+              <a:gradFill rotWithShape="1">
+                <a:gsLst>
+                  <a:gs pos="0">
+                    <a:srgbClr val="C0C0C0">
+                      <a:gamma/>
+                      <a:shade val="79216"/>
+                      <a:invGamma/>
+                    </a:srgbClr>
+                  </a:gs>
+                  <a:gs pos="100000">
+                    <a:srgbClr val="C0C0C0">
+                      <a:alpha val="48000"/>
+                    </a:srgbClr>
+                  </a:gs>
+                </a:gsLst>
+                <a:lin ang="5400000" scaled="1"/>
+              </a:gradFill>
+              <a:ln w="9525" algn="ctr">
+                <a:noFill/>
+                <a:round/>
+                <a:headEnd/>
+                <a:tailEnd/>
+              </a:ln>
+              <a:effectLst/>
+            </p:spPr>
+            <p:txBody>
+              <a:bodyPr vert="eaVert" wrap="none" anchor="ctr"/>
+              <a:lstStyle/>
+              <a:p>
+                <a:endParaRPr lang="en-US"/>
+              </a:p>
+            </p:txBody>
+          </p:sp>
+          <p:sp>
+            <p:nvSpPr>
+              <p:cNvPr id="65549" name="Oval 13"/>
+              <p:cNvSpPr>
+                <a:spLocks noChangeArrowheads="1"/>
+              </p:cNvSpPr>
+              <p:nvPr/>
+            </p:nvSpPr>
+            <p:spPr bwMode="gray">
+              <a:xfrm>
+                <a:off x="886" y="1931"/>
+                <a:ext cx="240" cy="215"/>
+              </a:xfrm>
+              <a:prstGeom prst="ellipse">
+                <a:avLst/>
+              </a:prstGeom>
+              <a:gradFill rotWithShape="1">
+                <a:gsLst>
+                  <a:gs pos="0">
+                    <a:srgbClr val="C0C0C0">
+                      <a:gamma/>
+                      <a:tint val="0"/>
+                      <a:invGamma/>
+                    </a:srgbClr>
+                  </a:gs>
+                  <a:gs pos="100000">
+                    <a:srgbClr val="C0C0C0">
+                      <a:alpha val="38000"/>
+                    </a:srgbClr>
+                  </a:gs>
+                </a:gsLst>
+                <a:lin ang="5400000" scaled="1"/>
+              </a:gradFill>
+              <a:ln w="9525" algn="ctr">
+                <a:noFill/>
+                <a:round/>
+                <a:headEnd/>
+                <a:tailEnd/>
+              </a:ln>
+              <a:effectLst/>
+            </p:spPr>
+            <p:txBody>
+              <a:bodyPr vert="eaVert" wrap="none" anchor="ctr"/>
+              <a:lstStyle/>
+              <a:p>
+                <a:endParaRPr lang="en-US"/>
+              </a:p>
+            </p:txBody>
+          </p:sp>
+        </p:grpSp>
+        <p:sp>
+          <p:nvSpPr>
+            <p:cNvPr id="65550" name="Line 14"/>
+            <p:cNvSpPr>
+              <a:spLocks noChangeShapeType="1"/>
+            </p:cNvSpPr>
+            <p:nvPr/>
+          </p:nvSpPr>
+          <p:spPr bwMode="auto">
+            <a:xfrm>
+              <a:off x="1584" y="2235"/>
+              <a:ext cx="3024" cy="1"/>
+            </a:xfrm>
+            <a:prstGeom prst="line">
+              <a:avLst/>
+            </a:prstGeom>
+            <a:noFill/>
+            <a:ln w="25400">
+              <a:solidFill>
+                <a:schemeClr val="tx2"/>
+              </a:solidFill>
+              <a:prstDash val="sysDot"/>
+              <a:round/>
+              <a:headEnd/>
+              <a:tailEnd type="oval" w="med" len="med"/>
+            </a:ln>
+            <a:effectLst/>
+          </p:spPr>
+          <p:txBody>
+            <a:bodyPr wrap="none" anchor="ctr"/>
+            <a:lstStyle/>
+            <a:p>
+              <a:endParaRPr lang="en-US"/>
+            </a:p>
+          </p:txBody>
+        </p:sp>
+        <p:sp>
+          <p:nvSpPr>
+            <p:cNvPr id="65551" name="Text Box 15"/>
+            <p:cNvSpPr txBox="1">
+              <a:spLocks noChangeArrowheads="1"/>
+            </p:cNvSpPr>
+            <p:nvPr/>
+          </p:nvSpPr>
+          <p:spPr bwMode="auto">
+            <a:xfrm>
+              <a:off x="1728" y="1899"/>
+              <a:ext cx="2736" cy="288"/>
+            </a:xfrm>
+            <a:prstGeom prst="rect">
+              <a:avLst/>
+            </a:prstGeom>
+            <a:noFill/>
+            <a:ln w="9525" algn="ctr">
+              <a:noFill/>
+              <a:miter lim="800000"/>
+              <a:headEnd/>
+              <a:tailEnd/>
+            </a:ln>
+            <a:effectLst/>
+          </p:spPr>
+          <p:txBody>
+            <a:bodyPr>
+              <a:spAutoFit/>
+            </a:bodyPr>
+            <a:lstStyle/>
+            <a:p>
+              <a:pPr algn="ctr" eaLnBrk="0" hangingPunct="0"/>
+              <a:r>
+                <a:rPr lang="en-US" sz="2400" dirty="0" smtClean="0">
+                  <a:solidFill>
+                    <a:schemeClr val="tx2"/>
+                  </a:solidFill>
+                </a:rPr>
+                <a:t>Texture</a:t>
+              </a:r>
+              <a:endParaRPr lang="en-US" sz="2400" dirty="0">
+                <a:solidFill>
+                  <a:schemeClr val="tx2"/>
+                </a:solidFill>
+              </a:endParaRPr>
+            </a:p>
+          </p:txBody>
+        </p:sp>
+        <p:sp>
+          <p:nvSpPr>
+            <p:cNvPr id="65552" name="Text Box 16"/>
+            <p:cNvSpPr txBox="1">
+              <a:spLocks noChangeArrowheads="1"/>
+            </p:cNvSpPr>
+            <p:nvPr/>
+          </p:nvSpPr>
+          <p:spPr bwMode="gray">
+            <a:xfrm>
+              <a:off x="1344" y="1934"/>
+              <a:ext cx="223" cy="288"/>
+            </a:xfrm>
+            <a:prstGeom prst="rect">
+              <a:avLst/>
+            </a:prstGeom>
+            <a:noFill/>
+            <a:ln w="9525" algn="ctr">
+              <a:noFill/>
+              <a:miter lim="800000"/>
+              <a:headEnd/>
+              <a:tailEnd/>
+            </a:ln>
+            <a:effectLst/>
+          </p:spPr>
+          <p:txBody>
+            <a:bodyPr wrap="none">
+              <a:spAutoFit/>
+            </a:bodyPr>
+            <a:lstStyle/>
+            <a:p>
+              <a:pPr algn="ctr" eaLnBrk="0" hangingPunct="0"/>
+              <a:r>
+                <a:rPr lang="en-US" sz="2400" b="1">
+                  <a:solidFill>
+                    <a:srgbClr val="000000"/>
+                  </a:solidFill>
+                </a:rPr>
+                <a:t>2</a:t>
+              </a:r>
+            </a:p>
+          </p:txBody>
+        </p:sp>
+      </p:grpSp>
+    </p:spTree>
+  </p:cSld>
+  <p:clrMapOvr>
+    <a:masterClrMapping/>
+  </p:clrMapOvr>
+  <p:timing>
+    <p:tnLst>
+      <p:par>
+        <p:cTn id="1" dur="indefinite" restart="never" nodeType="tmRoot"/>
+      </p:par>
+    </p:tnLst>
+  </p:timing>
+</p:sld>
+</file>
+
+<file path=ppt/slides/slide14.xml><?xml version="1.0" encoding="utf-8"?>
+<p:sld xmlns:a="http://schemas.openxmlformats.org/drawingml/2006/main" xmlns:r="http://schemas.openxmlformats.org/officeDocument/2006/relationships" xmlns:p="http://schemas.openxmlformats.org/presentationml/2006/main">
+  <p:cSld>
+    <p:spTree>
+      <p:nvGrpSpPr>
+        <p:cNvPr id="1" name=""/>
+        <p:cNvGrpSpPr/>
+        <p:nvPr/>
+      </p:nvGrpSpPr>
+      <p:grpSpPr>
+        <a:xfrm>
+          <a:off x="0" y="0"/>
+          <a:ext cx="0" cy="0"/>
+          <a:chOff x="0" y="0"/>
+          <a:chExt cx="0" cy="0"/>
+        </a:xfrm>
+      </p:grpSpPr>
+      <p:sp>
+        <p:nvSpPr>
           <p:cNvPr id="66562" name="Rectangle 2"/>
           <p:cNvSpPr>
             <a:spLocks noGrp="1" noChangeArrowheads="1"/>
@@ -19500,7 +20374,7 @@
             <a:lum/>
             <a:extLst>
               <a:ext uri="{28A0092B-C50C-407E-A947-70E740481C1C}">
-                <a14:useLocalDpi xmlns:a14="http://schemas.microsoft.com/office/drawing/2010/main" xmlns="" val="0"/>
+                <a14:useLocalDpi xmlns="" xmlns:a14="http://schemas.microsoft.com/office/drawing/2010/main" val="0"/>
               </a:ext>
             </a:extLst>
           </a:blip>
@@ -19537,7 +20411,7 @@
             <a:lum/>
             <a:extLst>
               <a:ext uri="{28A0092B-C50C-407E-A947-70E740481C1C}">
-                <a14:useLocalDpi xmlns:a14="http://schemas.microsoft.com/office/drawing/2010/main" xmlns="" val="0"/>
+                <a14:useLocalDpi xmlns="" xmlns:a14="http://schemas.microsoft.com/office/drawing/2010/main" val="0"/>
               </a:ext>
             </a:extLst>
           </a:blip>
@@ -19562,7 +20436,7 @@
           </a:ln>
           <a:extLst>
             <a:ext uri="{909E8E84-426E-40DD-AFC4-6F175D3DCCD1}">
-              <a14:hiddenFill xmlns:a14="http://schemas.microsoft.com/office/drawing/2010/main" xmlns="">
+              <a14:hiddenFill xmlns="" xmlns:a14="http://schemas.microsoft.com/office/drawing/2010/main">
                 <a:solidFill>
                   <a:srgbClr val="FFFFFF"/>
                 </a:solidFill>
@@ -19584,7 +20458,7 @@
             <a:lum/>
             <a:extLst>
               <a:ext uri="{28A0092B-C50C-407E-A947-70E740481C1C}">
-                <a14:useLocalDpi xmlns:a14="http://schemas.microsoft.com/office/drawing/2010/main" xmlns="" val="0"/>
+                <a14:useLocalDpi xmlns="" xmlns:a14="http://schemas.microsoft.com/office/drawing/2010/main" val="0"/>
               </a:ext>
             </a:extLst>
           </a:blip>
@@ -20070,7 +20944,7 @@
 </p:sld>
 </file>
 
-<file path=ppt/slides/slide13.xml><?xml version="1.0" encoding="utf-8"?>
+<file path=ppt/slides/slide15.xml><?xml version="1.0" encoding="utf-8"?>
 <p:sld xmlns:a="http://schemas.openxmlformats.org/drawingml/2006/main" xmlns:r="http://schemas.openxmlformats.org/officeDocument/2006/relationships" xmlns:p="http://schemas.openxmlformats.org/presentationml/2006/main">
   <p:cSld>
     <p:spTree>
@@ -20224,7 +21098,7 @@
 </p:sld>
 </file>
 
-<file path=ppt/slides/slide14.xml><?xml version="1.0" encoding="utf-8"?>
+<file path=ppt/slides/slide16.xml><?xml version="1.0" encoding="utf-8"?>
 <p:sld xmlns:a="http://schemas.openxmlformats.org/drawingml/2006/main" xmlns:r="http://schemas.openxmlformats.org/officeDocument/2006/relationships" xmlns:p="http://schemas.openxmlformats.org/presentationml/2006/main">
   <p:cSld>
     <p:spTree>
@@ -20278,7 +21152,7 @@
           <a:blip r:embed="rId2">
             <a:extLst>
               <a:ext uri="{28A0092B-C50C-407E-A947-70E740481C1C}">
-                <a14:useLocalDpi xmlns="" xmlns:a14="http://schemas.microsoft.com/office/drawing/2010/main" val="0"/>
+                <a14:useLocalDpi xmlns:a14="http://schemas.microsoft.com/office/drawing/2010/main" xmlns="" val="0"/>
               </a:ext>
             </a:extLst>
           </a:blip>
@@ -20476,7 +21350,7 @@
 </p:sld>
 </file>
 
-<file path=ppt/slides/slide15.xml><?xml version="1.0" encoding="utf-8"?>
+<file path=ppt/slides/slide17.xml><?xml version="1.0" encoding="utf-8"?>
 <p:sld xmlns:a="http://schemas.openxmlformats.org/drawingml/2006/main" xmlns:r="http://schemas.openxmlformats.org/officeDocument/2006/relationships" xmlns:p="http://schemas.openxmlformats.org/presentationml/2006/main">
   <p:cSld>
     <p:spTree>
@@ -20726,7 +21600,7 @@
 </p:sld>
 </file>
 
-<file path=ppt/slides/slide16.xml><?xml version="1.0" encoding="utf-8"?>
+<file path=ppt/slides/slide18.xml><?xml version="1.0" encoding="utf-8"?>
 <p:sld xmlns:a="http://schemas.openxmlformats.org/drawingml/2006/main" xmlns:r="http://schemas.openxmlformats.org/officeDocument/2006/relationships" xmlns:p="http://schemas.openxmlformats.org/presentationml/2006/main">
   <p:cSld>
     <p:spTree>
@@ -21238,7 +22112,7 @@
 </p:sld>
 </file>
 
-<file path=ppt/slides/slide17.xml><?xml version="1.0" encoding="utf-8"?>
+<file path=ppt/slides/slide19.xml><?xml version="1.0" encoding="utf-8"?>
 <p:sld xmlns:a="http://schemas.openxmlformats.org/drawingml/2006/main" xmlns:r="http://schemas.openxmlformats.org/officeDocument/2006/relationships" xmlns:p="http://schemas.openxmlformats.org/presentationml/2006/main">
   <p:cSld>
     <p:spTree>
@@ -21289,7 +22163,7 @@
           <p:nvPr>
             <p:extLst>
               <p:ext uri="{D42A27DB-BD31-4B8C-83A1-F6EECF244321}">
-                <p14:modId xmlns="" xmlns:p14="http://schemas.microsoft.com/office/powerpoint/2010/main" val="2284779209"/>
+                <p14:modId xmlns:p14="http://schemas.microsoft.com/office/powerpoint/2010/main" xmlns="" val="2284779209"/>
               </p:ext>
             </p:extLst>
           </p:nvPr>
@@ -21490,755 +22364,6 @@
         <p:bldAsOne/>
       </p:bldGraphic>
     </p:bldLst>
-  </p:timing>
-</p:sld>
-</file>
-
-<file path=ppt/slides/slide18.xml><?xml version="1.0" encoding="utf-8"?>
-<p:sld xmlns:a="http://schemas.openxmlformats.org/drawingml/2006/main" xmlns:r="http://schemas.openxmlformats.org/officeDocument/2006/relationships" xmlns:p="http://schemas.openxmlformats.org/presentationml/2006/main">
-  <p:cSld>
-    <p:spTree>
-      <p:nvGrpSpPr>
-        <p:cNvPr id="1" name=""/>
-        <p:cNvGrpSpPr/>
-        <p:nvPr/>
-      </p:nvGrpSpPr>
-      <p:grpSpPr>
-        <a:xfrm>
-          <a:off x="0" y="0"/>
-          <a:ext cx="0" cy="0"/>
-          <a:chOff x="0" y="0"/>
-          <a:chExt cx="0" cy="0"/>
-        </a:xfrm>
-      </p:grpSpPr>
-      <p:sp>
-        <p:nvSpPr>
-          <p:cNvPr id="93186" name="Rectangle 2"/>
-          <p:cNvSpPr>
-            <a:spLocks noGrp="1" noChangeArrowheads="1"/>
-          </p:cNvSpPr>
-          <p:nvPr>
-            <p:ph type="title"/>
-          </p:nvPr>
-        </p:nvSpPr>
-        <p:spPr/>
-        <p:txBody>
-          <a:bodyPr/>
-          <a:lstStyle/>
-          <a:p>
-            <a:r>
-              <a:rPr lang="en-US" dirty="0"/>
-              <a:t> </a:t>
-            </a:r>
-            <a:r>
-              <a:rPr lang="en-US" dirty="0" smtClean="0"/>
-              <a:t>Texture</a:t>
-            </a:r>
-            <a:endParaRPr lang="en-US" dirty="0"/>
-          </a:p>
-        </p:txBody>
-      </p:sp>
-      <p:pic>
-        <p:nvPicPr>
-          <p:cNvPr id="3" name="Content Placeholder 3" descr="Screen Clipping"/>
-          <p:cNvPicPr>
-            <a:picLocks noChangeAspect="1"/>
-          </p:cNvPicPr>
-          <p:nvPr/>
-        </p:nvPicPr>
-        <p:blipFill>
-          <a:blip r:embed="rId3">
-            <a:extLst>
-              <a:ext uri="{28A0092B-C50C-407E-A947-70E740481C1C}">
-                <a14:useLocalDpi xmlns="" xmlns:a14="http://schemas.microsoft.com/office/drawing/2010/main" val="0"/>
-              </a:ext>
-            </a:extLst>
-          </a:blip>
-          <a:stretch>
-            <a:fillRect/>
-          </a:stretch>
-        </p:blipFill>
-        <p:spPr>
-          <a:xfrm>
-            <a:off x="0" y="2133600"/>
-            <a:ext cx="3002437" cy="2971800"/>
-          </a:xfrm>
-          <a:prstGeom prst="rect">
-            <a:avLst/>
-          </a:prstGeom>
-        </p:spPr>
-      </p:pic>
-      <p:pic>
-        <p:nvPicPr>
-          <p:cNvPr id="4" name="Picture 3" descr="Screen Clipping"/>
-          <p:cNvPicPr>
-            <a:picLocks noChangeAspect="1"/>
-          </p:cNvPicPr>
-          <p:nvPr/>
-        </p:nvPicPr>
-        <p:blipFill>
-          <a:blip r:embed="rId4">
-            <a:extLst>
-              <a:ext uri="{28A0092B-C50C-407E-A947-70E740481C1C}">
-                <a14:useLocalDpi xmlns="" xmlns:a14="http://schemas.microsoft.com/office/drawing/2010/main" val="0"/>
-              </a:ext>
-            </a:extLst>
-          </a:blip>
-          <a:stretch>
-            <a:fillRect/>
-          </a:stretch>
-        </p:blipFill>
-        <p:spPr>
-          <a:xfrm>
-            <a:off x="3041568" y="2147890"/>
-            <a:ext cx="3080445" cy="2962720"/>
-          </a:xfrm>
-          <a:prstGeom prst="rect">
-            <a:avLst/>
-          </a:prstGeom>
-        </p:spPr>
-      </p:pic>
-      <p:pic>
-        <p:nvPicPr>
-          <p:cNvPr id="5" name="Picture 4" descr="Screen Clipping"/>
-          <p:cNvPicPr>
-            <a:picLocks noChangeAspect="1"/>
-          </p:cNvPicPr>
-          <p:nvPr/>
-        </p:nvPicPr>
-        <p:blipFill>
-          <a:blip r:embed="rId5">
-            <a:extLst>
-              <a:ext uri="{28A0092B-C50C-407E-A947-70E740481C1C}">
-                <a14:useLocalDpi xmlns="" xmlns:a14="http://schemas.microsoft.com/office/drawing/2010/main" val="0"/>
-              </a:ext>
-            </a:extLst>
-          </a:blip>
-          <a:stretch>
-            <a:fillRect/>
-          </a:stretch>
-        </p:blipFill>
-        <p:spPr>
-          <a:xfrm>
-            <a:off x="6186243" y="2173393"/>
-            <a:ext cx="2909178" cy="2962656"/>
-          </a:xfrm>
-          <a:prstGeom prst="rect">
-            <a:avLst/>
-          </a:prstGeom>
-        </p:spPr>
-      </p:pic>
-      <p:sp>
-        <p:nvSpPr>
-          <p:cNvPr id="6" name="Rounded Rectangle 5"/>
-          <p:cNvSpPr/>
-          <p:nvPr/>
-        </p:nvSpPr>
-        <p:spPr>
-          <a:xfrm>
-            <a:off x="683568" y="5661248"/>
-            <a:ext cx="1656184" cy="576064"/>
-          </a:xfrm>
-          <a:prstGeom prst="roundRect">
-            <a:avLst/>
-          </a:prstGeom>
-        </p:spPr>
-        <p:style>
-          <a:lnRef idx="1">
-            <a:schemeClr val="accent2"/>
-          </a:lnRef>
-          <a:fillRef idx="2">
-            <a:schemeClr val="accent2"/>
-          </a:fillRef>
-          <a:effectRef idx="1">
-            <a:schemeClr val="accent2"/>
-          </a:effectRef>
-          <a:fontRef idx="minor">
-            <a:schemeClr val="dk1"/>
-          </a:fontRef>
-        </p:style>
-        <p:txBody>
-          <a:bodyPr rtlCol="0" anchor="ctr"/>
-          <a:lstStyle/>
-          <a:p>
-            <a:pPr algn="ctr"/>
-            <a:r>
-              <a:rPr lang="vi-VN" sz="2000" b="1" dirty="0" smtClean="0"/>
-              <a:t>REPEA</a:t>
-            </a:r>
-            <a:r>
-              <a:rPr lang="en-US" sz="2000" b="1" dirty="0" smtClean="0"/>
-              <a:t>T</a:t>
-            </a:r>
-            <a:r>
-              <a:rPr lang="vi-VN" sz="2000" b="1" dirty="0" smtClean="0"/>
-              <a:t> </a:t>
-            </a:r>
-            <a:endParaRPr lang="vi-VN" sz="2000" b="1" dirty="0"/>
-          </a:p>
-        </p:txBody>
-      </p:sp>
-      <p:sp>
-        <p:nvSpPr>
-          <p:cNvPr id="7" name="Rounded Rectangle 6"/>
-          <p:cNvSpPr/>
-          <p:nvPr/>
-        </p:nvSpPr>
-        <p:spPr>
-          <a:xfrm>
-            <a:off x="3846523" y="5661248"/>
-            <a:ext cx="1656184" cy="576064"/>
-          </a:xfrm>
-          <a:prstGeom prst="roundRect">
-            <a:avLst/>
-          </a:prstGeom>
-        </p:spPr>
-        <p:style>
-          <a:lnRef idx="1">
-            <a:schemeClr val="accent2"/>
-          </a:lnRef>
-          <a:fillRef idx="2">
-            <a:schemeClr val="accent2"/>
-          </a:fillRef>
-          <a:effectRef idx="1">
-            <a:schemeClr val="accent2"/>
-          </a:effectRef>
-          <a:fontRef idx="minor">
-            <a:schemeClr val="dk1"/>
-          </a:fontRef>
-        </p:style>
-        <p:txBody>
-          <a:bodyPr rtlCol="0" anchor="ctr"/>
-          <a:lstStyle/>
-          <a:p>
-            <a:pPr algn="ctr"/>
-            <a:r>
-              <a:rPr lang="vi-VN" sz="2000" b="1" dirty="0" smtClean="0"/>
-              <a:t>CLAMP </a:t>
-            </a:r>
-            <a:endParaRPr lang="vi-VN" sz="2000" b="1" dirty="0"/>
-          </a:p>
-        </p:txBody>
-      </p:sp>
-      <p:sp>
-        <p:nvSpPr>
-          <p:cNvPr id="8" name="Rounded Rectangle 7"/>
-          <p:cNvSpPr/>
-          <p:nvPr/>
-        </p:nvSpPr>
-        <p:spPr>
-          <a:xfrm>
-            <a:off x="6840815" y="5661248"/>
-            <a:ext cx="1656184" cy="576064"/>
-          </a:xfrm>
-          <a:prstGeom prst="roundRect">
-            <a:avLst/>
-          </a:prstGeom>
-        </p:spPr>
-        <p:style>
-          <a:lnRef idx="1">
-            <a:schemeClr val="accent2"/>
-          </a:lnRef>
-          <a:fillRef idx="2">
-            <a:schemeClr val="accent2"/>
-          </a:fillRef>
-          <a:effectRef idx="1">
-            <a:schemeClr val="accent2"/>
-          </a:effectRef>
-          <a:fontRef idx="minor">
-            <a:schemeClr val="dk1"/>
-          </a:fontRef>
-        </p:style>
-        <p:txBody>
-          <a:bodyPr rtlCol="0" anchor="ctr"/>
-          <a:lstStyle/>
-          <a:p>
-            <a:pPr algn="ctr"/>
-            <a:r>
-              <a:rPr lang="vi-VN" sz="2000" b="1" dirty="0"/>
-              <a:t>CLAMP TO </a:t>
-            </a:r>
-            <a:r>
-              <a:rPr lang="vi-VN" sz="2000" b="1" dirty="0" smtClean="0"/>
-              <a:t>BODER </a:t>
-            </a:r>
-            <a:endParaRPr lang="vi-VN" sz="2000" b="1" dirty="0"/>
-          </a:p>
-        </p:txBody>
-      </p:sp>
-    </p:spTree>
-  </p:cSld>
-  <p:clrMapOvr>
-    <a:masterClrMapping/>
-  </p:clrMapOvr>
-  <p:timing>
-    <p:tnLst>
-      <p:par>
-        <p:cTn id="1" dur="indefinite" restart="never" nodeType="tmRoot">
-          <p:childTnLst>
-            <p:seq concurrent="1" nextAc="seek">
-              <p:cTn id="2" dur="indefinite" nodeType="mainSeq">
-                <p:childTnLst>
-                  <p:par>
-                    <p:cTn id="3" fill="hold">
-                      <p:stCondLst>
-                        <p:cond delay="indefinite"/>
-                        <p:cond evt="onBegin" delay="0">
-                          <p:tn val="2"/>
-                        </p:cond>
-                      </p:stCondLst>
-                      <p:childTnLst>
-                        <p:par>
-                          <p:cTn id="4" fill="hold">
-                            <p:stCondLst>
-                              <p:cond delay="0"/>
-                            </p:stCondLst>
-                            <p:childTnLst>
-                              <p:par>
-                                <p:cTn id="5" presetID="22" presetClass="entr" presetSubtype="4" fill="hold" nodeType="afterEffect">
-                                  <p:stCondLst>
-                                    <p:cond delay="0"/>
-                                  </p:stCondLst>
-                                  <p:childTnLst>
-                                    <p:set>
-                                      <p:cBhvr>
-                                        <p:cTn id="6" dur="1" fill="hold">
-                                          <p:stCondLst>
-                                            <p:cond delay="0"/>
-                                          </p:stCondLst>
-                                        </p:cTn>
-                                        <p:tgtEl>
-                                          <p:spTgt spid="3"/>
-                                        </p:tgtEl>
-                                        <p:attrNameLst>
-                                          <p:attrName>style.visibility</p:attrName>
-                                        </p:attrNameLst>
-                                      </p:cBhvr>
-                                      <p:to>
-                                        <p:strVal val="visible"/>
-                                      </p:to>
-                                    </p:set>
-                                    <p:animEffect transition="in" filter="wipe(down)">
-                                      <p:cBhvr>
-                                        <p:cTn id="7" dur="500"/>
-                                        <p:tgtEl>
-                                          <p:spTgt spid="3"/>
-                                        </p:tgtEl>
-                                      </p:cBhvr>
-                                    </p:animEffect>
-                                  </p:childTnLst>
-                                </p:cTn>
-                              </p:par>
-                              <p:par>
-                                <p:cTn id="8" presetID="22" presetClass="entr" presetSubtype="4" fill="hold" grpId="0" nodeType="withEffect">
-                                  <p:stCondLst>
-                                    <p:cond delay="0"/>
-                                  </p:stCondLst>
-                                  <p:childTnLst>
-                                    <p:set>
-                                      <p:cBhvr>
-                                        <p:cTn id="9" dur="1" fill="hold">
-                                          <p:stCondLst>
-                                            <p:cond delay="0"/>
-                                          </p:stCondLst>
-                                        </p:cTn>
-                                        <p:tgtEl>
-                                          <p:spTgt spid="6"/>
-                                        </p:tgtEl>
-                                        <p:attrNameLst>
-                                          <p:attrName>style.visibility</p:attrName>
-                                        </p:attrNameLst>
-                                      </p:cBhvr>
-                                      <p:to>
-                                        <p:strVal val="visible"/>
-                                      </p:to>
-                                    </p:set>
-                                    <p:animEffect transition="in" filter="wipe(down)">
-                                      <p:cBhvr>
-                                        <p:cTn id="10" dur="500"/>
-                                        <p:tgtEl>
-                                          <p:spTgt spid="6"/>
-                                        </p:tgtEl>
-                                      </p:cBhvr>
-                                    </p:animEffect>
-                                  </p:childTnLst>
-                                </p:cTn>
-                              </p:par>
-                            </p:childTnLst>
-                          </p:cTn>
-                        </p:par>
-                        <p:par>
-                          <p:cTn id="11" fill="hold">
-                            <p:stCondLst>
-                              <p:cond delay="500"/>
-                            </p:stCondLst>
-                            <p:childTnLst>
-                              <p:par>
-                                <p:cTn id="12" presetID="22" presetClass="entr" presetSubtype="4" fill="hold" nodeType="afterEffect">
-                                  <p:stCondLst>
-                                    <p:cond delay="0"/>
-                                  </p:stCondLst>
-                                  <p:childTnLst>
-                                    <p:set>
-                                      <p:cBhvr>
-                                        <p:cTn id="13" dur="1" fill="hold">
-                                          <p:stCondLst>
-                                            <p:cond delay="0"/>
-                                          </p:stCondLst>
-                                        </p:cTn>
-                                        <p:tgtEl>
-                                          <p:spTgt spid="4"/>
-                                        </p:tgtEl>
-                                        <p:attrNameLst>
-                                          <p:attrName>style.visibility</p:attrName>
-                                        </p:attrNameLst>
-                                      </p:cBhvr>
-                                      <p:to>
-                                        <p:strVal val="visible"/>
-                                      </p:to>
-                                    </p:set>
-                                    <p:animEffect transition="in" filter="wipe(down)">
-                                      <p:cBhvr>
-                                        <p:cTn id="14" dur="500"/>
-                                        <p:tgtEl>
-                                          <p:spTgt spid="4"/>
-                                        </p:tgtEl>
-                                      </p:cBhvr>
-                                    </p:animEffect>
-                                  </p:childTnLst>
-                                </p:cTn>
-                              </p:par>
-                              <p:par>
-                                <p:cTn id="15" presetID="22" presetClass="entr" presetSubtype="4" fill="hold" grpId="0" nodeType="withEffect">
-                                  <p:stCondLst>
-                                    <p:cond delay="0"/>
-                                  </p:stCondLst>
-                                  <p:childTnLst>
-                                    <p:set>
-                                      <p:cBhvr>
-                                        <p:cTn id="16" dur="1" fill="hold">
-                                          <p:stCondLst>
-                                            <p:cond delay="0"/>
-                                          </p:stCondLst>
-                                        </p:cTn>
-                                        <p:tgtEl>
-                                          <p:spTgt spid="7"/>
-                                        </p:tgtEl>
-                                        <p:attrNameLst>
-                                          <p:attrName>style.visibility</p:attrName>
-                                        </p:attrNameLst>
-                                      </p:cBhvr>
-                                      <p:to>
-                                        <p:strVal val="visible"/>
-                                      </p:to>
-                                    </p:set>
-                                    <p:animEffect transition="in" filter="wipe(down)">
-                                      <p:cBhvr>
-                                        <p:cTn id="17" dur="500"/>
-                                        <p:tgtEl>
-                                          <p:spTgt spid="7"/>
-                                        </p:tgtEl>
-                                      </p:cBhvr>
-                                    </p:animEffect>
-                                  </p:childTnLst>
-                                </p:cTn>
-                              </p:par>
-                            </p:childTnLst>
-                          </p:cTn>
-                        </p:par>
-                        <p:par>
-                          <p:cTn id="18" fill="hold">
-                            <p:stCondLst>
-                              <p:cond delay="1000"/>
-                            </p:stCondLst>
-                            <p:childTnLst>
-                              <p:par>
-                                <p:cTn id="19" presetID="22" presetClass="entr" presetSubtype="4" fill="hold" nodeType="afterEffect">
-                                  <p:stCondLst>
-                                    <p:cond delay="0"/>
-                                  </p:stCondLst>
-                                  <p:childTnLst>
-                                    <p:set>
-                                      <p:cBhvr>
-                                        <p:cTn id="20" dur="1" fill="hold">
-                                          <p:stCondLst>
-                                            <p:cond delay="0"/>
-                                          </p:stCondLst>
-                                        </p:cTn>
-                                        <p:tgtEl>
-                                          <p:spTgt spid="5"/>
-                                        </p:tgtEl>
-                                        <p:attrNameLst>
-                                          <p:attrName>style.visibility</p:attrName>
-                                        </p:attrNameLst>
-                                      </p:cBhvr>
-                                      <p:to>
-                                        <p:strVal val="visible"/>
-                                      </p:to>
-                                    </p:set>
-                                    <p:animEffect transition="in" filter="wipe(down)">
-                                      <p:cBhvr>
-                                        <p:cTn id="21" dur="500"/>
-                                        <p:tgtEl>
-                                          <p:spTgt spid="5"/>
-                                        </p:tgtEl>
-                                      </p:cBhvr>
-                                    </p:animEffect>
-                                  </p:childTnLst>
-                                </p:cTn>
-                              </p:par>
-                              <p:par>
-                                <p:cTn id="22" presetID="22" presetClass="entr" presetSubtype="4" fill="hold" grpId="0" nodeType="withEffect">
-                                  <p:stCondLst>
-                                    <p:cond delay="0"/>
-                                  </p:stCondLst>
-                                  <p:childTnLst>
-                                    <p:set>
-                                      <p:cBhvr>
-                                        <p:cTn id="23" dur="1" fill="hold">
-                                          <p:stCondLst>
-                                            <p:cond delay="0"/>
-                                          </p:stCondLst>
-                                        </p:cTn>
-                                        <p:tgtEl>
-                                          <p:spTgt spid="8"/>
-                                        </p:tgtEl>
-                                        <p:attrNameLst>
-                                          <p:attrName>style.visibility</p:attrName>
-                                        </p:attrNameLst>
-                                      </p:cBhvr>
-                                      <p:to>
-                                        <p:strVal val="visible"/>
-                                      </p:to>
-                                    </p:set>
-                                    <p:animEffect transition="in" filter="wipe(down)">
-                                      <p:cBhvr>
-                                        <p:cTn id="24" dur="500"/>
-                                        <p:tgtEl>
-                                          <p:spTgt spid="8"/>
-                                        </p:tgtEl>
-                                      </p:cBhvr>
-                                    </p:animEffect>
-                                  </p:childTnLst>
-                                </p:cTn>
-                              </p:par>
-                            </p:childTnLst>
-                          </p:cTn>
-                        </p:par>
-                      </p:childTnLst>
-                    </p:cTn>
-                  </p:par>
-                </p:childTnLst>
-              </p:cTn>
-              <p:prevCondLst>
-                <p:cond evt="onPrev" delay="0">
-                  <p:tgtEl>
-                    <p:sldTgt/>
-                  </p:tgtEl>
-                </p:cond>
-              </p:prevCondLst>
-              <p:nextCondLst>
-                <p:cond evt="onNext" delay="0">
-                  <p:tgtEl>
-                    <p:sldTgt/>
-                  </p:tgtEl>
-                </p:cond>
-              </p:nextCondLst>
-            </p:seq>
-          </p:childTnLst>
-        </p:cTn>
-      </p:par>
-    </p:tnLst>
-    <p:bldLst>
-      <p:bldP spid="6" grpId="0" animBg="1"/>
-      <p:bldP spid="7" grpId="0" animBg="1"/>
-      <p:bldP spid="8" grpId="0" animBg="1"/>
-    </p:bldLst>
-  </p:timing>
-</p:sld>
-</file>
-
-<file path=ppt/slides/slide19.xml><?xml version="1.0" encoding="utf-8"?>
-<p:sld xmlns:a="http://schemas.openxmlformats.org/drawingml/2006/main" xmlns:r="http://schemas.openxmlformats.org/officeDocument/2006/relationships" xmlns:p="http://schemas.openxmlformats.org/presentationml/2006/main">
-  <p:cSld>
-    <p:spTree>
-      <p:nvGrpSpPr>
-        <p:cNvPr id="1" name=""/>
-        <p:cNvGrpSpPr/>
-        <p:nvPr/>
-      </p:nvGrpSpPr>
-      <p:grpSpPr>
-        <a:xfrm>
-          <a:off x="0" y="0"/>
-          <a:ext cx="0" cy="0"/>
-          <a:chOff x="0" y="0"/>
-          <a:chExt cx="0" cy="0"/>
-        </a:xfrm>
-      </p:grpSpPr>
-      <p:sp>
-        <p:nvSpPr>
-          <p:cNvPr id="66562" name="Rectangle 2"/>
-          <p:cNvSpPr>
-            <a:spLocks noGrp="1" noChangeArrowheads="1"/>
-          </p:cNvSpPr>
-          <p:nvPr>
-            <p:ph type="title"/>
-          </p:nvPr>
-        </p:nvSpPr>
-        <p:spPr/>
-        <p:txBody>
-          <a:bodyPr/>
-          <a:lstStyle/>
-          <a:p>
-            <a:r>
-              <a:rPr lang="en-US" dirty="0" smtClean="0"/>
-              <a:t>Texture</a:t>
-            </a:r>
-            <a:endParaRPr lang="en-US" dirty="0"/>
-          </a:p>
-        </p:txBody>
-      </p:sp>
-      <p:sp>
-        <p:nvSpPr>
-          <p:cNvPr id="10" name="Content Placeholder 9"/>
-          <p:cNvSpPr>
-            <a:spLocks noGrp="1"/>
-          </p:cNvSpPr>
-          <p:nvPr>
-            <p:ph idx="1"/>
-          </p:nvPr>
-        </p:nvSpPr>
-        <p:spPr/>
-        <p:txBody>
-          <a:bodyPr/>
-          <a:lstStyle/>
-          <a:p>
-            <a:pPr lvl="0">
-              <a:defRPr/>
-            </a:pPr>
-            <a:r>
-              <a:rPr lang="en-US" dirty="0" smtClean="0"/>
-              <a:t>Texture Wrap Models</a:t>
-            </a:r>
-            <a:endParaRPr lang="en-US" sz="2600" dirty="0" smtClean="0">
-              <a:latin typeface="Consolas" pitchFamily="49" charset="0"/>
-              <a:cs typeface="Consolas" pitchFamily="49" charset="0"/>
-            </a:endParaRPr>
-          </a:p>
-          <a:p>
-            <a:pPr>
-              <a:buNone/>
-            </a:pPr>
-            <a:endParaRPr lang="en-US" dirty="0" smtClean="0"/>
-          </a:p>
-          <a:p>
-            <a:pPr>
-              <a:buNone/>
-            </a:pPr>
-            <a:r>
-              <a:rPr lang="en-US" sz="2600" dirty="0" smtClean="0">
-                <a:latin typeface="Consolas" pitchFamily="49" charset="0"/>
-                <a:cs typeface="Consolas" pitchFamily="49" charset="0"/>
-              </a:rPr>
-              <a:t>tex.setTexParameteri(GL.</a:t>
-            </a:r>
-            <a:r>
-              <a:rPr lang="en-US" sz="2600" dirty="0" smtClean="0">
-                <a:solidFill>
-                  <a:srgbClr val="FFFF00"/>
-                </a:solidFill>
-                <a:latin typeface="Consolas" pitchFamily="49" charset="0"/>
-                <a:cs typeface="Consolas" pitchFamily="49" charset="0"/>
-              </a:rPr>
-              <a:t>GL_TEXTURE_WRAP_</a:t>
-            </a:r>
-            <a:r>
-              <a:rPr lang="en-US" sz="2600" dirty="0" smtClean="0">
-                <a:solidFill>
-                  <a:srgbClr val="FF0000"/>
-                </a:solidFill>
-                <a:latin typeface="Consolas" pitchFamily="49" charset="0"/>
-                <a:cs typeface="Consolas" pitchFamily="49" charset="0"/>
-              </a:rPr>
-              <a:t>S</a:t>
-            </a:r>
-            <a:r>
-              <a:rPr lang="en-US" sz="2600" dirty="0" smtClean="0">
-                <a:latin typeface="Consolas" pitchFamily="49" charset="0"/>
-                <a:cs typeface="Consolas" pitchFamily="49" charset="0"/>
-              </a:rPr>
-              <a:t>, GL.</a:t>
-            </a:r>
-            <a:r>
-              <a:rPr lang="en-US" sz="2600" dirty="0" smtClean="0">
-                <a:solidFill>
-                  <a:srgbClr val="FF0000"/>
-                </a:solidFill>
-                <a:latin typeface="Consolas" pitchFamily="49" charset="0"/>
-                <a:cs typeface="Consolas" pitchFamily="49" charset="0"/>
-              </a:rPr>
-              <a:t>GL_REPEAT</a:t>
-            </a:r>
-            <a:r>
-              <a:rPr lang="en-US" sz="2600" dirty="0" smtClean="0">
-                <a:latin typeface="Consolas" pitchFamily="49" charset="0"/>
-                <a:cs typeface="Consolas" pitchFamily="49" charset="0"/>
-              </a:rPr>
-              <a:t>);</a:t>
-            </a:r>
-          </a:p>
-          <a:p>
-            <a:pPr>
-              <a:buNone/>
-            </a:pPr>
-            <a:r>
-              <a:rPr lang="en-US" sz="2600" dirty="0" smtClean="0">
-                <a:latin typeface="Consolas" pitchFamily="49" charset="0"/>
-                <a:cs typeface="Consolas" pitchFamily="49" charset="0"/>
-              </a:rPr>
-              <a:t>tex.setTexParameteri(GL.</a:t>
-            </a:r>
-            <a:r>
-              <a:rPr lang="en-US" sz="2600" dirty="0" smtClean="0">
-                <a:solidFill>
-                  <a:srgbClr val="FFFF00"/>
-                </a:solidFill>
-                <a:latin typeface="Consolas" pitchFamily="49" charset="0"/>
-                <a:cs typeface="Consolas" pitchFamily="49" charset="0"/>
-              </a:rPr>
-              <a:t>GL_TEXTURE_WRAP_</a:t>
-            </a:r>
-            <a:r>
-              <a:rPr lang="en-US" sz="2600" dirty="0" smtClean="0">
-                <a:solidFill>
-                  <a:srgbClr val="FF0000"/>
-                </a:solidFill>
-                <a:latin typeface="Consolas" pitchFamily="49" charset="0"/>
-                <a:cs typeface="Consolas" pitchFamily="49" charset="0"/>
-              </a:rPr>
-              <a:t>T</a:t>
-            </a:r>
-            <a:r>
-              <a:rPr lang="en-US" sz="2600" dirty="0" smtClean="0">
-                <a:latin typeface="Consolas" pitchFamily="49" charset="0"/>
-                <a:cs typeface="Consolas" pitchFamily="49" charset="0"/>
-              </a:rPr>
-              <a:t>, GL.GL_REPEAT);</a:t>
-            </a:r>
-          </a:p>
-        </p:txBody>
-      </p:sp>
-    </p:spTree>
-  </p:cSld>
-  <p:clrMapOvr>
-    <a:masterClrMapping/>
-  </p:clrMapOvr>
-  <p:timing>
-    <p:tnLst>
-      <p:par>
-        <p:cTn id="1" dur="indefinite" restart="never" nodeType="tmRoot"/>
-      </p:par>
-    </p:tnLst>
   </p:timing>
 </p:sld>
 </file>
@@ -25369,15 +25494,7 @@
                     <a:schemeClr val="tx2"/>
                   </a:solidFill>
                 </a:rPr>
-                <a:t>Q </a:t>
-              </a:r>
-              <a:r>
-                <a:rPr lang="en-US" sz="2400" dirty="0" smtClean="0">
-                  <a:solidFill>
-                    <a:schemeClr val="tx2"/>
-                  </a:solidFill>
-                </a:rPr>
-                <a:t>&amp; A</a:t>
+                <a:t>Q &amp; A</a:t>
               </a:r>
               <a:endParaRPr lang="en-US" sz="2400" dirty="0">
                 <a:solidFill>
@@ -25398,7 +25515,7 @@
           <p:spPr bwMode="gray">
             <a:xfrm>
               <a:off x="1362" y="3058"/>
-              <a:ext cx="223" cy="288"/>
+              <a:ext cx="224" cy="291"/>
             </a:xfrm>
             <a:prstGeom prst="rect">
               <a:avLst/>
@@ -25420,13 +25537,18 @@
             <a:p>
               <a:pPr algn="ctr" eaLnBrk="0" hangingPunct="0"/>
               <a:r>
-                <a:rPr lang="en-US" sz="2400" b="1">
+                <a:rPr lang="en-US" sz="2400" b="1" dirty="0">
                   <a:solidFill>
                     <a:srgbClr val="000000"/>
                   </a:solidFill>
                 </a:rPr>
-                <a:t>4</a:t>
+                <a:t>5</a:t>
               </a:r>
+              <a:endParaRPr lang="en-US" sz="2400" b="1" dirty="0">
+                <a:solidFill>
+                  <a:srgbClr val="000000"/>
+                </a:solidFill>
+              </a:endParaRPr>
             </a:p>
           </p:txBody>
         </p:sp>
@@ -25447,6 +25569,755 @@
 </file>
 
 <file path=ppt/slides/slide20.xml><?xml version="1.0" encoding="utf-8"?>
+<p:sld xmlns:a="http://schemas.openxmlformats.org/drawingml/2006/main" xmlns:r="http://schemas.openxmlformats.org/officeDocument/2006/relationships" xmlns:p="http://schemas.openxmlformats.org/presentationml/2006/main">
+  <p:cSld>
+    <p:spTree>
+      <p:nvGrpSpPr>
+        <p:cNvPr id="1" name=""/>
+        <p:cNvGrpSpPr/>
+        <p:nvPr/>
+      </p:nvGrpSpPr>
+      <p:grpSpPr>
+        <a:xfrm>
+          <a:off x="0" y="0"/>
+          <a:ext cx="0" cy="0"/>
+          <a:chOff x="0" y="0"/>
+          <a:chExt cx="0" cy="0"/>
+        </a:xfrm>
+      </p:grpSpPr>
+      <p:sp>
+        <p:nvSpPr>
+          <p:cNvPr id="93186" name="Rectangle 2"/>
+          <p:cNvSpPr>
+            <a:spLocks noGrp="1" noChangeArrowheads="1"/>
+          </p:cNvSpPr>
+          <p:nvPr>
+            <p:ph type="title"/>
+          </p:nvPr>
+        </p:nvSpPr>
+        <p:spPr/>
+        <p:txBody>
+          <a:bodyPr/>
+          <a:lstStyle/>
+          <a:p>
+            <a:r>
+              <a:rPr lang="en-US" dirty="0"/>
+              <a:t> </a:t>
+            </a:r>
+            <a:r>
+              <a:rPr lang="en-US" dirty="0" smtClean="0"/>
+              <a:t>Texture</a:t>
+            </a:r>
+            <a:endParaRPr lang="en-US" dirty="0"/>
+          </a:p>
+        </p:txBody>
+      </p:sp>
+      <p:pic>
+        <p:nvPicPr>
+          <p:cNvPr id="3" name="Content Placeholder 3" descr="Screen Clipping"/>
+          <p:cNvPicPr>
+            <a:picLocks noChangeAspect="1"/>
+          </p:cNvPicPr>
+          <p:nvPr/>
+        </p:nvPicPr>
+        <p:blipFill>
+          <a:blip r:embed="rId3">
+            <a:extLst>
+              <a:ext uri="{28A0092B-C50C-407E-A947-70E740481C1C}">
+                <a14:useLocalDpi xmlns:a14="http://schemas.microsoft.com/office/drawing/2010/main" xmlns="" val="0"/>
+              </a:ext>
+            </a:extLst>
+          </a:blip>
+          <a:stretch>
+            <a:fillRect/>
+          </a:stretch>
+        </p:blipFill>
+        <p:spPr>
+          <a:xfrm>
+            <a:off x="0" y="2133600"/>
+            <a:ext cx="3002437" cy="2971800"/>
+          </a:xfrm>
+          <a:prstGeom prst="rect">
+            <a:avLst/>
+          </a:prstGeom>
+        </p:spPr>
+      </p:pic>
+      <p:pic>
+        <p:nvPicPr>
+          <p:cNvPr id="4" name="Picture 3" descr="Screen Clipping"/>
+          <p:cNvPicPr>
+            <a:picLocks noChangeAspect="1"/>
+          </p:cNvPicPr>
+          <p:nvPr/>
+        </p:nvPicPr>
+        <p:blipFill>
+          <a:blip r:embed="rId4">
+            <a:extLst>
+              <a:ext uri="{28A0092B-C50C-407E-A947-70E740481C1C}">
+                <a14:useLocalDpi xmlns:a14="http://schemas.microsoft.com/office/drawing/2010/main" xmlns="" val="0"/>
+              </a:ext>
+            </a:extLst>
+          </a:blip>
+          <a:stretch>
+            <a:fillRect/>
+          </a:stretch>
+        </p:blipFill>
+        <p:spPr>
+          <a:xfrm>
+            <a:off x="3041568" y="2147890"/>
+            <a:ext cx="3080445" cy="2962720"/>
+          </a:xfrm>
+          <a:prstGeom prst="rect">
+            <a:avLst/>
+          </a:prstGeom>
+        </p:spPr>
+      </p:pic>
+      <p:pic>
+        <p:nvPicPr>
+          <p:cNvPr id="5" name="Picture 4" descr="Screen Clipping"/>
+          <p:cNvPicPr>
+            <a:picLocks noChangeAspect="1"/>
+          </p:cNvPicPr>
+          <p:nvPr/>
+        </p:nvPicPr>
+        <p:blipFill>
+          <a:blip r:embed="rId5">
+            <a:extLst>
+              <a:ext uri="{28A0092B-C50C-407E-A947-70E740481C1C}">
+                <a14:useLocalDpi xmlns:a14="http://schemas.microsoft.com/office/drawing/2010/main" xmlns="" val="0"/>
+              </a:ext>
+            </a:extLst>
+          </a:blip>
+          <a:stretch>
+            <a:fillRect/>
+          </a:stretch>
+        </p:blipFill>
+        <p:spPr>
+          <a:xfrm>
+            <a:off x="6186243" y="2173393"/>
+            <a:ext cx="2909178" cy="2962656"/>
+          </a:xfrm>
+          <a:prstGeom prst="rect">
+            <a:avLst/>
+          </a:prstGeom>
+        </p:spPr>
+      </p:pic>
+      <p:sp>
+        <p:nvSpPr>
+          <p:cNvPr id="6" name="Rounded Rectangle 5"/>
+          <p:cNvSpPr/>
+          <p:nvPr/>
+        </p:nvSpPr>
+        <p:spPr>
+          <a:xfrm>
+            <a:off x="683568" y="5661248"/>
+            <a:ext cx="1656184" cy="576064"/>
+          </a:xfrm>
+          <a:prstGeom prst="roundRect">
+            <a:avLst/>
+          </a:prstGeom>
+        </p:spPr>
+        <p:style>
+          <a:lnRef idx="1">
+            <a:schemeClr val="accent2"/>
+          </a:lnRef>
+          <a:fillRef idx="2">
+            <a:schemeClr val="accent2"/>
+          </a:fillRef>
+          <a:effectRef idx="1">
+            <a:schemeClr val="accent2"/>
+          </a:effectRef>
+          <a:fontRef idx="minor">
+            <a:schemeClr val="dk1"/>
+          </a:fontRef>
+        </p:style>
+        <p:txBody>
+          <a:bodyPr rtlCol="0" anchor="ctr"/>
+          <a:lstStyle/>
+          <a:p>
+            <a:pPr algn="ctr"/>
+            <a:r>
+              <a:rPr lang="vi-VN" sz="2000" b="1" dirty="0" smtClean="0"/>
+              <a:t>REPEA</a:t>
+            </a:r>
+            <a:r>
+              <a:rPr lang="en-US" sz="2000" b="1" dirty="0" smtClean="0"/>
+              <a:t>T</a:t>
+            </a:r>
+            <a:r>
+              <a:rPr lang="vi-VN" sz="2000" b="1" dirty="0" smtClean="0"/>
+              <a:t> </a:t>
+            </a:r>
+            <a:endParaRPr lang="vi-VN" sz="2000" b="1" dirty="0"/>
+          </a:p>
+        </p:txBody>
+      </p:sp>
+      <p:sp>
+        <p:nvSpPr>
+          <p:cNvPr id="7" name="Rounded Rectangle 6"/>
+          <p:cNvSpPr/>
+          <p:nvPr/>
+        </p:nvSpPr>
+        <p:spPr>
+          <a:xfrm>
+            <a:off x="3846523" y="5661248"/>
+            <a:ext cx="1656184" cy="576064"/>
+          </a:xfrm>
+          <a:prstGeom prst="roundRect">
+            <a:avLst/>
+          </a:prstGeom>
+        </p:spPr>
+        <p:style>
+          <a:lnRef idx="1">
+            <a:schemeClr val="accent2"/>
+          </a:lnRef>
+          <a:fillRef idx="2">
+            <a:schemeClr val="accent2"/>
+          </a:fillRef>
+          <a:effectRef idx="1">
+            <a:schemeClr val="accent2"/>
+          </a:effectRef>
+          <a:fontRef idx="minor">
+            <a:schemeClr val="dk1"/>
+          </a:fontRef>
+        </p:style>
+        <p:txBody>
+          <a:bodyPr rtlCol="0" anchor="ctr"/>
+          <a:lstStyle/>
+          <a:p>
+            <a:pPr algn="ctr"/>
+            <a:r>
+              <a:rPr lang="vi-VN" sz="2000" b="1" dirty="0" smtClean="0"/>
+              <a:t>CLAMP </a:t>
+            </a:r>
+            <a:endParaRPr lang="vi-VN" sz="2000" b="1" dirty="0"/>
+          </a:p>
+        </p:txBody>
+      </p:sp>
+      <p:sp>
+        <p:nvSpPr>
+          <p:cNvPr id="8" name="Rounded Rectangle 7"/>
+          <p:cNvSpPr/>
+          <p:nvPr/>
+        </p:nvSpPr>
+        <p:spPr>
+          <a:xfrm>
+            <a:off x="6840815" y="5661248"/>
+            <a:ext cx="1656184" cy="576064"/>
+          </a:xfrm>
+          <a:prstGeom prst="roundRect">
+            <a:avLst/>
+          </a:prstGeom>
+        </p:spPr>
+        <p:style>
+          <a:lnRef idx="1">
+            <a:schemeClr val="accent2"/>
+          </a:lnRef>
+          <a:fillRef idx="2">
+            <a:schemeClr val="accent2"/>
+          </a:fillRef>
+          <a:effectRef idx="1">
+            <a:schemeClr val="accent2"/>
+          </a:effectRef>
+          <a:fontRef idx="minor">
+            <a:schemeClr val="dk1"/>
+          </a:fontRef>
+        </p:style>
+        <p:txBody>
+          <a:bodyPr rtlCol="0" anchor="ctr"/>
+          <a:lstStyle/>
+          <a:p>
+            <a:pPr algn="ctr"/>
+            <a:r>
+              <a:rPr lang="vi-VN" sz="2000" b="1" dirty="0"/>
+              <a:t>CLAMP TO </a:t>
+            </a:r>
+            <a:r>
+              <a:rPr lang="vi-VN" sz="2000" b="1" dirty="0" smtClean="0"/>
+              <a:t>BODER </a:t>
+            </a:r>
+            <a:endParaRPr lang="vi-VN" sz="2000" b="1" dirty="0"/>
+          </a:p>
+        </p:txBody>
+      </p:sp>
+    </p:spTree>
+  </p:cSld>
+  <p:clrMapOvr>
+    <a:masterClrMapping/>
+  </p:clrMapOvr>
+  <p:timing>
+    <p:tnLst>
+      <p:par>
+        <p:cTn id="1" dur="indefinite" restart="never" nodeType="tmRoot">
+          <p:childTnLst>
+            <p:seq concurrent="1" nextAc="seek">
+              <p:cTn id="2" dur="indefinite" nodeType="mainSeq">
+                <p:childTnLst>
+                  <p:par>
+                    <p:cTn id="3" fill="hold">
+                      <p:stCondLst>
+                        <p:cond delay="indefinite"/>
+                        <p:cond evt="onBegin" delay="0">
+                          <p:tn val="2"/>
+                        </p:cond>
+                      </p:stCondLst>
+                      <p:childTnLst>
+                        <p:par>
+                          <p:cTn id="4" fill="hold">
+                            <p:stCondLst>
+                              <p:cond delay="0"/>
+                            </p:stCondLst>
+                            <p:childTnLst>
+                              <p:par>
+                                <p:cTn id="5" presetID="22" presetClass="entr" presetSubtype="4" fill="hold" nodeType="afterEffect">
+                                  <p:stCondLst>
+                                    <p:cond delay="0"/>
+                                  </p:stCondLst>
+                                  <p:childTnLst>
+                                    <p:set>
+                                      <p:cBhvr>
+                                        <p:cTn id="6" dur="1" fill="hold">
+                                          <p:stCondLst>
+                                            <p:cond delay="0"/>
+                                          </p:stCondLst>
+                                        </p:cTn>
+                                        <p:tgtEl>
+                                          <p:spTgt spid="3"/>
+                                        </p:tgtEl>
+                                        <p:attrNameLst>
+                                          <p:attrName>style.visibility</p:attrName>
+                                        </p:attrNameLst>
+                                      </p:cBhvr>
+                                      <p:to>
+                                        <p:strVal val="visible"/>
+                                      </p:to>
+                                    </p:set>
+                                    <p:animEffect transition="in" filter="wipe(down)">
+                                      <p:cBhvr>
+                                        <p:cTn id="7" dur="500"/>
+                                        <p:tgtEl>
+                                          <p:spTgt spid="3"/>
+                                        </p:tgtEl>
+                                      </p:cBhvr>
+                                    </p:animEffect>
+                                  </p:childTnLst>
+                                </p:cTn>
+                              </p:par>
+                              <p:par>
+                                <p:cTn id="8" presetID="22" presetClass="entr" presetSubtype="4" fill="hold" grpId="0" nodeType="withEffect">
+                                  <p:stCondLst>
+                                    <p:cond delay="0"/>
+                                  </p:stCondLst>
+                                  <p:childTnLst>
+                                    <p:set>
+                                      <p:cBhvr>
+                                        <p:cTn id="9" dur="1" fill="hold">
+                                          <p:stCondLst>
+                                            <p:cond delay="0"/>
+                                          </p:stCondLst>
+                                        </p:cTn>
+                                        <p:tgtEl>
+                                          <p:spTgt spid="6"/>
+                                        </p:tgtEl>
+                                        <p:attrNameLst>
+                                          <p:attrName>style.visibility</p:attrName>
+                                        </p:attrNameLst>
+                                      </p:cBhvr>
+                                      <p:to>
+                                        <p:strVal val="visible"/>
+                                      </p:to>
+                                    </p:set>
+                                    <p:animEffect transition="in" filter="wipe(down)">
+                                      <p:cBhvr>
+                                        <p:cTn id="10" dur="500"/>
+                                        <p:tgtEl>
+                                          <p:spTgt spid="6"/>
+                                        </p:tgtEl>
+                                      </p:cBhvr>
+                                    </p:animEffect>
+                                  </p:childTnLst>
+                                </p:cTn>
+                              </p:par>
+                            </p:childTnLst>
+                          </p:cTn>
+                        </p:par>
+                        <p:par>
+                          <p:cTn id="11" fill="hold">
+                            <p:stCondLst>
+                              <p:cond delay="500"/>
+                            </p:stCondLst>
+                            <p:childTnLst>
+                              <p:par>
+                                <p:cTn id="12" presetID="22" presetClass="entr" presetSubtype="4" fill="hold" nodeType="afterEffect">
+                                  <p:stCondLst>
+                                    <p:cond delay="0"/>
+                                  </p:stCondLst>
+                                  <p:childTnLst>
+                                    <p:set>
+                                      <p:cBhvr>
+                                        <p:cTn id="13" dur="1" fill="hold">
+                                          <p:stCondLst>
+                                            <p:cond delay="0"/>
+                                          </p:stCondLst>
+                                        </p:cTn>
+                                        <p:tgtEl>
+                                          <p:spTgt spid="4"/>
+                                        </p:tgtEl>
+                                        <p:attrNameLst>
+                                          <p:attrName>style.visibility</p:attrName>
+                                        </p:attrNameLst>
+                                      </p:cBhvr>
+                                      <p:to>
+                                        <p:strVal val="visible"/>
+                                      </p:to>
+                                    </p:set>
+                                    <p:animEffect transition="in" filter="wipe(down)">
+                                      <p:cBhvr>
+                                        <p:cTn id="14" dur="500"/>
+                                        <p:tgtEl>
+                                          <p:spTgt spid="4"/>
+                                        </p:tgtEl>
+                                      </p:cBhvr>
+                                    </p:animEffect>
+                                  </p:childTnLst>
+                                </p:cTn>
+                              </p:par>
+                              <p:par>
+                                <p:cTn id="15" presetID="22" presetClass="entr" presetSubtype="4" fill="hold" grpId="0" nodeType="withEffect">
+                                  <p:stCondLst>
+                                    <p:cond delay="0"/>
+                                  </p:stCondLst>
+                                  <p:childTnLst>
+                                    <p:set>
+                                      <p:cBhvr>
+                                        <p:cTn id="16" dur="1" fill="hold">
+                                          <p:stCondLst>
+                                            <p:cond delay="0"/>
+                                          </p:stCondLst>
+                                        </p:cTn>
+                                        <p:tgtEl>
+                                          <p:spTgt spid="7"/>
+                                        </p:tgtEl>
+                                        <p:attrNameLst>
+                                          <p:attrName>style.visibility</p:attrName>
+                                        </p:attrNameLst>
+                                      </p:cBhvr>
+                                      <p:to>
+                                        <p:strVal val="visible"/>
+                                      </p:to>
+                                    </p:set>
+                                    <p:animEffect transition="in" filter="wipe(down)">
+                                      <p:cBhvr>
+                                        <p:cTn id="17" dur="500"/>
+                                        <p:tgtEl>
+                                          <p:spTgt spid="7"/>
+                                        </p:tgtEl>
+                                      </p:cBhvr>
+                                    </p:animEffect>
+                                  </p:childTnLst>
+                                </p:cTn>
+                              </p:par>
+                            </p:childTnLst>
+                          </p:cTn>
+                        </p:par>
+                        <p:par>
+                          <p:cTn id="18" fill="hold">
+                            <p:stCondLst>
+                              <p:cond delay="1000"/>
+                            </p:stCondLst>
+                            <p:childTnLst>
+                              <p:par>
+                                <p:cTn id="19" presetID="22" presetClass="entr" presetSubtype="4" fill="hold" nodeType="afterEffect">
+                                  <p:stCondLst>
+                                    <p:cond delay="0"/>
+                                  </p:stCondLst>
+                                  <p:childTnLst>
+                                    <p:set>
+                                      <p:cBhvr>
+                                        <p:cTn id="20" dur="1" fill="hold">
+                                          <p:stCondLst>
+                                            <p:cond delay="0"/>
+                                          </p:stCondLst>
+                                        </p:cTn>
+                                        <p:tgtEl>
+                                          <p:spTgt spid="5"/>
+                                        </p:tgtEl>
+                                        <p:attrNameLst>
+                                          <p:attrName>style.visibility</p:attrName>
+                                        </p:attrNameLst>
+                                      </p:cBhvr>
+                                      <p:to>
+                                        <p:strVal val="visible"/>
+                                      </p:to>
+                                    </p:set>
+                                    <p:animEffect transition="in" filter="wipe(down)">
+                                      <p:cBhvr>
+                                        <p:cTn id="21" dur="500"/>
+                                        <p:tgtEl>
+                                          <p:spTgt spid="5"/>
+                                        </p:tgtEl>
+                                      </p:cBhvr>
+                                    </p:animEffect>
+                                  </p:childTnLst>
+                                </p:cTn>
+                              </p:par>
+                              <p:par>
+                                <p:cTn id="22" presetID="22" presetClass="entr" presetSubtype="4" fill="hold" grpId="0" nodeType="withEffect">
+                                  <p:stCondLst>
+                                    <p:cond delay="0"/>
+                                  </p:stCondLst>
+                                  <p:childTnLst>
+                                    <p:set>
+                                      <p:cBhvr>
+                                        <p:cTn id="23" dur="1" fill="hold">
+                                          <p:stCondLst>
+                                            <p:cond delay="0"/>
+                                          </p:stCondLst>
+                                        </p:cTn>
+                                        <p:tgtEl>
+                                          <p:spTgt spid="8"/>
+                                        </p:tgtEl>
+                                        <p:attrNameLst>
+                                          <p:attrName>style.visibility</p:attrName>
+                                        </p:attrNameLst>
+                                      </p:cBhvr>
+                                      <p:to>
+                                        <p:strVal val="visible"/>
+                                      </p:to>
+                                    </p:set>
+                                    <p:animEffect transition="in" filter="wipe(down)">
+                                      <p:cBhvr>
+                                        <p:cTn id="24" dur="500"/>
+                                        <p:tgtEl>
+                                          <p:spTgt spid="8"/>
+                                        </p:tgtEl>
+                                      </p:cBhvr>
+                                    </p:animEffect>
+                                  </p:childTnLst>
+                                </p:cTn>
+                              </p:par>
+                            </p:childTnLst>
+                          </p:cTn>
+                        </p:par>
+                      </p:childTnLst>
+                    </p:cTn>
+                  </p:par>
+                </p:childTnLst>
+              </p:cTn>
+              <p:prevCondLst>
+                <p:cond evt="onPrev" delay="0">
+                  <p:tgtEl>
+                    <p:sldTgt/>
+                  </p:tgtEl>
+                </p:cond>
+              </p:prevCondLst>
+              <p:nextCondLst>
+                <p:cond evt="onNext" delay="0">
+                  <p:tgtEl>
+                    <p:sldTgt/>
+                  </p:tgtEl>
+                </p:cond>
+              </p:nextCondLst>
+            </p:seq>
+          </p:childTnLst>
+        </p:cTn>
+      </p:par>
+    </p:tnLst>
+    <p:bldLst>
+      <p:bldP spid="6" grpId="0" animBg="1"/>
+      <p:bldP spid="7" grpId="0" animBg="1"/>
+      <p:bldP spid="8" grpId="0" animBg="1"/>
+    </p:bldLst>
+  </p:timing>
+</p:sld>
+</file>
+
+<file path=ppt/slides/slide21.xml><?xml version="1.0" encoding="utf-8"?>
+<p:sld xmlns:a="http://schemas.openxmlformats.org/drawingml/2006/main" xmlns:r="http://schemas.openxmlformats.org/officeDocument/2006/relationships" xmlns:p="http://schemas.openxmlformats.org/presentationml/2006/main">
+  <p:cSld>
+    <p:spTree>
+      <p:nvGrpSpPr>
+        <p:cNvPr id="1" name=""/>
+        <p:cNvGrpSpPr/>
+        <p:nvPr/>
+      </p:nvGrpSpPr>
+      <p:grpSpPr>
+        <a:xfrm>
+          <a:off x="0" y="0"/>
+          <a:ext cx="0" cy="0"/>
+          <a:chOff x="0" y="0"/>
+          <a:chExt cx="0" cy="0"/>
+        </a:xfrm>
+      </p:grpSpPr>
+      <p:sp>
+        <p:nvSpPr>
+          <p:cNvPr id="66562" name="Rectangle 2"/>
+          <p:cNvSpPr>
+            <a:spLocks noGrp="1" noChangeArrowheads="1"/>
+          </p:cNvSpPr>
+          <p:nvPr>
+            <p:ph type="title"/>
+          </p:nvPr>
+        </p:nvSpPr>
+        <p:spPr/>
+        <p:txBody>
+          <a:bodyPr/>
+          <a:lstStyle/>
+          <a:p>
+            <a:r>
+              <a:rPr lang="en-US" dirty="0" smtClean="0"/>
+              <a:t>Texture</a:t>
+            </a:r>
+            <a:endParaRPr lang="en-US" dirty="0"/>
+          </a:p>
+        </p:txBody>
+      </p:sp>
+      <p:sp>
+        <p:nvSpPr>
+          <p:cNvPr id="10" name="Content Placeholder 9"/>
+          <p:cNvSpPr>
+            <a:spLocks noGrp="1"/>
+          </p:cNvSpPr>
+          <p:nvPr>
+            <p:ph idx="1"/>
+          </p:nvPr>
+        </p:nvSpPr>
+        <p:spPr/>
+        <p:txBody>
+          <a:bodyPr/>
+          <a:lstStyle/>
+          <a:p>
+            <a:pPr lvl="0">
+              <a:defRPr/>
+            </a:pPr>
+            <a:r>
+              <a:rPr lang="en-US" dirty="0" smtClean="0"/>
+              <a:t>Texture Wrap Models</a:t>
+            </a:r>
+            <a:endParaRPr lang="en-US" sz="2600" dirty="0" smtClean="0">
+              <a:latin typeface="Consolas" pitchFamily="49" charset="0"/>
+              <a:cs typeface="Consolas" pitchFamily="49" charset="0"/>
+            </a:endParaRPr>
+          </a:p>
+          <a:p>
+            <a:pPr>
+              <a:buNone/>
+            </a:pPr>
+            <a:endParaRPr lang="en-US" dirty="0" smtClean="0"/>
+          </a:p>
+          <a:p>
+            <a:pPr>
+              <a:buNone/>
+            </a:pPr>
+            <a:r>
+              <a:rPr lang="en-US" sz="2600" dirty="0" smtClean="0">
+                <a:latin typeface="Consolas" pitchFamily="49" charset="0"/>
+                <a:cs typeface="Consolas" pitchFamily="49" charset="0"/>
+              </a:rPr>
+              <a:t>tex.setTexParameteri(GL.</a:t>
+            </a:r>
+            <a:r>
+              <a:rPr lang="en-US" sz="2600" dirty="0" smtClean="0">
+                <a:solidFill>
+                  <a:srgbClr val="FFFF00"/>
+                </a:solidFill>
+                <a:latin typeface="Consolas" pitchFamily="49" charset="0"/>
+                <a:cs typeface="Consolas" pitchFamily="49" charset="0"/>
+              </a:rPr>
+              <a:t>GL_TEXTURE_WRAP_</a:t>
+            </a:r>
+            <a:r>
+              <a:rPr lang="en-US" sz="2600" dirty="0" smtClean="0">
+                <a:solidFill>
+                  <a:srgbClr val="FF0000"/>
+                </a:solidFill>
+                <a:latin typeface="Consolas" pitchFamily="49" charset="0"/>
+                <a:cs typeface="Consolas" pitchFamily="49" charset="0"/>
+              </a:rPr>
+              <a:t>S</a:t>
+            </a:r>
+            <a:r>
+              <a:rPr lang="en-US" sz="2600" dirty="0" smtClean="0">
+                <a:latin typeface="Consolas" pitchFamily="49" charset="0"/>
+                <a:cs typeface="Consolas" pitchFamily="49" charset="0"/>
+              </a:rPr>
+              <a:t>, GL.</a:t>
+            </a:r>
+            <a:r>
+              <a:rPr lang="en-US" sz="2600" dirty="0" smtClean="0">
+                <a:solidFill>
+                  <a:srgbClr val="FF0000"/>
+                </a:solidFill>
+                <a:latin typeface="Consolas" pitchFamily="49" charset="0"/>
+                <a:cs typeface="Consolas" pitchFamily="49" charset="0"/>
+              </a:rPr>
+              <a:t>GL_REPEAT</a:t>
+            </a:r>
+            <a:r>
+              <a:rPr lang="en-US" sz="2600" dirty="0" smtClean="0">
+                <a:latin typeface="Consolas" pitchFamily="49" charset="0"/>
+                <a:cs typeface="Consolas" pitchFamily="49" charset="0"/>
+              </a:rPr>
+              <a:t>);</a:t>
+            </a:r>
+          </a:p>
+          <a:p>
+            <a:pPr>
+              <a:buNone/>
+            </a:pPr>
+            <a:r>
+              <a:rPr lang="en-US" sz="2600" dirty="0" smtClean="0">
+                <a:latin typeface="Consolas" pitchFamily="49" charset="0"/>
+                <a:cs typeface="Consolas" pitchFamily="49" charset="0"/>
+              </a:rPr>
+              <a:t>tex.setTexParameteri(GL.</a:t>
+            </a:r>
+            <a:r>
+              <a:rPr lang="en-US" sz="2600" dirty="0" smtClean="0">
+                <a:solidFill>
+                  <a:srgbClr val="FFFF00"/>
+                </a:solidFill>
+                <a:latin typeface="Consolas" pitchFamily="49" charset="0"/>
+                <a:cs typeface="Consolas" pitchFamily="49" charset="0"/>
+              </a:rPr>
+              <a:t>GL_TEXTURE_WRAP_</a:t>
+            </a:r>
+            <a:r>
+              <a:rPr lang="en-US" sz="2600" dirty="0" smtClean="0">
+                <a:solidFill>
+                  <a:srgbClr val="FF0000"/>
+                </a:solidFill>
+                <a:latin typeface="Consolas" pitchFamily="49" charset="0"/>
+                <a:cs typeface="Consolas" pitchFamily="49" charset="0"/>
+              </a:rPr>
+              <a:t>T</a:t>
+            </a:r>
+            <a:r>
+              <a:rPr lang="en-US" sz="2600" dirty="0" smtClean="0">
+                <a:latin typeface="Consolas" pitchFamily="49" charset="0"/>
+                <a:cs typeface="Consolas" pitchFamily="49" charset="0"/>
+              </a:rPr>
+              <a:t>, GL.GL_REPEAT);</a:t>
+            </a:r>
+          </a:p>
+        </p:txBody>
+      </p:sp>
+    </p:spTree>
+  </p:cSld>
+  <p:clrMapOvr>
+    <a:masterClrMapping/>
+  </p:clrMapOvr>
+  <p:timing>
+    <p:tnLst>
+      <p:par>
+        <p:cTn id="1" dur="indefinite" restart="never" nodeType="tmRoot"/>
+      </p:par>
+    </p:tnLst>
+  </p:timing>
+</p:sld>
+</file>
+
+<file path=ppt/slides/slide22.xml><?xml version="1.0" encoding="utf-8"?>
 <p:sld xmlns:a="http://schemas.openxmlformats.org/drawingml/2006/main" xmlns:r="http://schemas.openxmlformats.org/officeDocument/2006/relationships" xmlns:p="http://schemas.openxmlformats.org/presentationml/2006/main">
   <p:cSld>
     <p:spTree>
@@ -27347,7 +28218,7 @@
 </p:sld>
 </file>
 
-<file path=ppt/slides/slide21.xml><?xml version="1.0" encoding="utf-8"?>
+<file path=ppt/slides/slide23.xml><?xml version="1.0" encoding="utf-8"?>
 <p:sld xmlns:a="http://schemas.openxmlformats.org/drawingml/2006/main" xmlns:r="http://schemas.openxmlformats.org/officeDocument/2006/relationships" xmlns:p="http://schemas.openxmlformats.org/presentationml/2006/main">
   <p:cSld>
     <p:spTree>
@@ -27954,7 +28825,7 @@
 </p:sld>
 </file>
 
-<file path=ppt/slides/slide22.xml><?xml version="1.0" encoding="utf-8"?>
+<file path=ppt/slides/slide24.xml><?xml version="1.0" encoding="utf-8"?>
 <p:sld xmlns:a="http://schemas.openxmlformats.org/drawingml/2006/main" xmlns:r="http://schemas.openxmlformats.org/officeDocument/2006/relationships" xmlns:p="http://schemas.openxmlformats.org/presentationml/2006/main">
   <p:cSld>
     <p:spTree>
@@ -28180,7 +29051,7 @@
 </p:sld>
 </file>
 
-<file path=ppt/slides/slide23.xml><?xml version="1.0" encoding="utf-8"?>
+<file path=ppt/slides/slide25.xml><?xml version="1.0" encoding="utf-8"?>
 <p:sld xmlns:a="http://schemas.openxmlformats.org/drawingml/2006/main" xmlns:r="http://schemas.openxmlformats.org/officeDocument/2006/relationships" xmlns:p="http://schemas.openxmlformats.org/presentationml/2006/main">
   <p:cSld>
     <p:spTree>
@@ -28232,7 +29103,7 @@
           <a:blip r:embed="rId3">
             <a:extLst>
               <a:ext uri="{28A0092B-C50C-407E-A947-70E740481C1C}">
-                <a14:useLocalDpi xmlns="" xmlns:a14="http://schemas.microsoft.com/office/drawing/2010/main" val="0"/>
+                <a14:useLocalDpi xmlns:a14="http://schemas.microsoft.com/office/drawing/2010/main" xmlns="" val="0"/>
               </a:ext>
             </a:extLst>
           </a:blip>
@@ -28480,7 +29351,721 @@
 </p:sld>
 </file>
 
-<file path=ppt/slides/slide24.xml><?xml version="1.0" encoding="utf-8"?>
+<file path=ppt/slides/slide26.xml><?xml version="1.0" encoding="utf-8"?>
+<p:sld xmlns:a="http://schemas.openxmlformats.org/drawingml/2006/main" xmlns:r="http://schemas.openxmlformats.org/officeDocument/2006/relationships" xmlns:p="http://schemas.openxmlformats.org/presentationml/2006/main">
+  <p:cSld>
+    <p:spTree>
+      <p:nvGrpSpPr>
+        <p:cNvPr id="1" name=""/>
+        <p:cNvGrpSpPr/>
+        <p:nvPr/>
+      </p:nvGrpSpPr>
+      <p:grpSpPr>
+        <a:xfrm>
+          <a:off x="0" y="0"/>
+          <a:ext cx="0" cy="0"/>
+          <a:chOff x="0" y="0"/>
+          <a:chExt cx="0" cy="0"/>
+        </a:xfrm>
+      </p:grpSpPr>
+      <p:sp>
+        <p:nvSpPr>
+          <p:cNvPr id="65538" name="Rectangle 2"/>
+          <p:cNvSpPr>
+            <a:spLocks noGrp="1" noChangeArrowheads="1"/>
+          </p:cNvSpPr>
+          <p:nvPr>
+            <p:ph type="title"/>
+          </p:nvPr>
+        </p:nvSpPr>
+        <p:spPr/>
+        <p:txBody>
+          <a:bodyPr/>
+          <a:lstStyle/>
+          <a:p>
+            <a:r>
+              <a:rPr lang="en-US"/>
+              <a:t>Contents</a:t>
+            </a:r>
+          </a:p>
+        </p:txBody>
+      </p:sp>
+      <p:grpSp>
+        <p:nvGrpSpPr>
+          <p:cNvPr id="9" name="Group 77"/>
+          <p:cNvGrpSpPr>
+            <a:grpSpLocks/>
+          </p:cNvGrpSpPr>
+          <p:nvPr/>
+        </p:nvGrpSpPr>
+        <p:grpSpPr bwMode="auto">
+          <a:xfrm>
+            <a:off x="1981200" y="3692525"/>
+            <a:ext cx="5334000" cy="631825"/>
+            <a:chOff x="1248" y="2326"/>
+            <a:chExt cx="3360" cy="398"/>
+          </a:xfrm>
+        </p:grpSpPr>
+        <p:sp>
+          <p:nvSpPr>
+            <p:cNvPr id="65568" name="Line 32"/>
+            <p:cNvSpPr>
+              <a:spLocks noChangeShapeType="1"/>
+            </p:cNvSpPr>
+            <p:nvPr/>
+          </p:nvSpPr>
+          <p:spPr bwMode="auto">
+            <a:xfrm>
+              <a:off x="1584" y="2662"/>
+              <a:ext cx="3024" cy="1"/>
+            </a:xfrm>
+            <a:prstGeom prst="line">
+              <a:avLst/>
+            </a:prstGeom>
+            <a:noFill/>
+            <a:ln w="25400">
+              <a:solidFill>
+                <a:schemeClr val="tx2"/>
+              </a:solidFill>
+              <a:prstDash val="sysDot"/>
+              <a:round/>
+              <a:headEnd/>
+              <a:tailEnd type="oval" w="med" len="med"/>
+            </a:ln>
+            <a:effectLst/>
+          </p:spPr>
+          <p:txBody>
+            <a:bodyPr wrap="none" anchor="ctr"/>
+            <a:lstStyle/>
+            <a:p>
+              <a:endParaRPr lang="en-US"/>
+            </a:p>
+          </p:txBody>
+        </p:sp>
+        <p:sp>
+          <p:nvSpPr>
+            <p:cNvPr id="65569" name="Text Box 33"/>
+            <p:cNvSpPr txBox="1">
+              <a:spLocks noChangeArrowheads="1"/>
+            </p:cNvSpPr>
+            <p:nvPr/>
+          </p:nvSpPr>
+          <p:spPr bwMode="auto">
+            <a:xfrm>
+              <a:off x="1728" y="2326"/>
+              <a:ext cx="2736" cy="288"/>
+            </a:xfrm>
+            <a:prstGeom prst="rect">
+              <a:avLst/>
+            </a:prstGeom>
+            <a:noFill/>
+            <a:ln w="9525" algn="ctr">
+              <a:noFill/>
+              <a:miter lim="800000"/>
+              <a:headEnd/>
+              <a:tailEnd/>
+            </a:ln>
+            <a:effectLst/>
+          </p:spPr>
+          <p:txBody>
+            <a:bodyPr>
+              <a:spAutoFit/>
+            </a:bodyPr>
+            <a:lstStyle/>
+            <a:p>
+              <a:pPr algn="ctr" eaLnBrk="0" hangingPunct="0"/>
+              <a:r>
+                <a:rPr lang="en-US" sz="2400" dirty="0" smtClean="0">
+                  <a:solidFill>
+                    <a:schemeClr val="tx2"/>
+                  </a:solidFill>
+                </a:rPr>
+                <a:t>Skybox</a:t>
+              </a:r>
+              <a:endParaRPr lang="en-US" sz="2400" dirty="0">
+                <a:solidFill>
+                  <a:schemeClr val="tx2"/>
+                </a:solidFill>
+              </a:endParaRPr>
+            </a:p>
+          </p:txBody>
+        </p:sp>
+        <p:grpSp>
+          <p:nvGrpSpPr>
+            <p:cNvPr id="10" name="Group 63"/>
+            <p:cNvGrpSpPr>
+              <a:grpSpLocks/>
+            </p:cNvGrpSpPr>
+            <p:nvPr/>
+          </p:nvGrpSpPr>
+          <p:grpSpPr bwMode="auto">
+            <a:xfrm>
+              <a:off x="1248" y="2340"/>
+              <a:ext cx="384" cy="384"/>
+              <a:chOff x="1248" y="1200"/>
+              <a:chExt cx="384" cy="384"/>
+            </a:xfrm>
+          </p:grpSpPr>
+          <p:grpSp>
+            <p:nvGrpSpPr>
+              <p:cNvPr id="11" name="Group 64"/>
+              <p:cNvGrpSpPr>
+                <a:grpSpLocks/>
+              </p:cNvGrpSpPr>
+              <p:nvPr/>
+            </p:nvGrpSpPr>
+            <p:grpSpPr bwMode="auto">
+              <a:xfrm>
+                <a:off x="1248" y="1200"/>
+                <a:ext cx="384" cy="384"/>
+                <a:chOff x="2016" y="912"/>
+                <a:chExt cx="384" cy="384"/>
+              </a:xfrm>
+            </p:grpSpPr>
+            <p:sp>
+              <p:nvSpPr>
+                <p:cNvPr id="65601" name="Text Box 65"/>
+                <p:cNvSpPr txBox="1">
+                  <a:spLocks noChangeArrowheads="1"/>
+                </p:cNvSpPr>
+                <p:nvPr/>
+              </p:nvSpPr>
+              <p:spPr bwMode="gray">
+                <a:xfrm>
+                  <a:off x="2094" y="960"/>
+                  <a:ext cx="223" cy="288"/>
+                </a:xfrm>
+                <a:prstGeom prst="rect">
+                  <a:avLst/>
+                </a:prstGeom>
+                <a:noFill/>
+                <a:ln w="9525" algn="ctr">
+                  <a:noFill/>
+                  <a:miter lim="800000"/>
+                  <a:headEnd/>
+                  <a:tailEnd/>
+                </a:ln>
+                <a:effectLst/>
+              </p:spPr>
+              <p:txBody>
+                <a:bodyPr wrap="none">
+                  <a:spAutoFit/>
+                </a:bodyPr>
+                <a:lstStyle/>
+                <a:p>
+                  <a:pPr algn="ctr" eaLnBrk="0" hangingPunct="0"/>
+                  <a:r>
+                    <a:rPr lang="en-US" sz="2400" b="1">
+                      <a:solidFill>
+                        <a:srgbClr val="000000"/>
+                      </a:solidFill>
+                    </a:rPr>
+                    <a:t>3</a:t>
+                  </a:r>
+                </a:p>
+              </p:txBody>
+            </p:sp>
+            <p:sp>
+              <p:nvSpPr>
+                <p:cNvPr id="65602" name="Oval 66"/>
+                <p:cNvSpPr>
+                  <a:spLocks noChangeArrowheads="1"/>
+                </p:cNvSpPr>
+                <p:nvPr/>
+              </p:nvSpPr>
+              <p:spPr bwMode="gray">
+                <a:xfrm>
+                  <a:off x="2016" y="912"/>
+                  <a:ext cx="384" cy="384"/>
+                </a:xfrm>
+                <a:prstGeom prst="ellipse">
+                  <a:avLst/>
+                </a:prstGeom>
+                <a:gradFill rotWithShape="1">
+                  <a:gsLst>
+                    <a:gs pos="0">
+                      <a:schemeClr val="hlink"/>
+                    </a:gs>
+                    <a:gs pos="100000">
+                      <a:schemeClr val="hlink">
+                        <a:gamma/>
+                        <a:shade val="46275"/>
+                        <a:invGamma/>
+                      </a:schemeClr>
+                    </a:gs>
+                  </a:gsLst>
+                  <a:lin ang="5400000" scaled="1"/>
+                </a:gradFill>
+                <a:ln w="38100" algn="ctr">
+                  <a:noFill/>
+                  <a:round/>
+                  <a:headEnd/>
+                  <a:tailEnd/>
+                </a:ln>
+                <a:effectLst/>
+              </p:spPr>
+              <p:txBody>
+                <a:bodyPr wrap="none" anchor="ctr">
+                  <a:spAutoFit/>
+                </a:bodyPr>
+                <a:lstStyle/>
+                <a:p>
+                  <a:endParaRPr lang="en-US"/>
+                </a:p>
+              </p:txBody>
+            </p:sp>
+            <p:sp>
+              <p:nvSpPr>
+                <p:cNvPr id="65603" name="Oval 67"/>
+                <p:cNvSpPr>
+                  <a:spLocks noChangeArrowheads="1"/>
+                </p:cNvSpPr>
+                <p:nvPr/>
+              </p:nvSpPr>
+              <p:spPr bwMode="gray">
+                <a:xfrm>
+                  <a:off x="2016" y="912"/>
+                  <a:ext cx="384" cy="384"/>
+                </a:xfrm>
+                <a:prstGeom prst="ellipse">
+                  <a:avLst/>
+                </a:prstGeom>
+                <a:gradFill rotWithShape="1">
+                  <a:gsLst>
+                    <a:gs pos="0">
+                      <a:schemeClr val="hlink">
+                        <a:alpha val="32001"/>
+                      </a:schemeClr>
+                    </a:gs>
+                    <a:gs pos="100000">
+                      <a:schemeClr val="hlink">
+                        <a:gamma/>
+                        <a:shade val="0"/>
+                        <a:invGamma/>
+                        <a:alpha val="89999"/>
+                      </a:schemeClr>
+                    </a:gs>
+                  </a:gsLst>
+                  <a:lin ang="2700000" scaled="1"/>
+                </a:gradFill>
+                <a:ln w="38100" algn="ctr">
+                  <a:noFill/>
+                  <a:round/>
+                  <a:headEnd/>
+                  <a:tailEnd/>
+                </a:ln>
+                <a:effectLst/>
+              </p:spPr>
+              <p:txBody>
+                <a:bodyPr wrap="none" anchor="ctr">
+                  <a:spAutoFit/>
+                </a:bodyPr>
+                <a:lstStyle/>
+                <a:p>
+                  <a:endParaRPr lang="en-US"/>
+                </a:p>
+              </p:txBody>
+            </p:sp>
+            <p:sp>
+              <p:nvSpPr>
+                <p:cNvPr id="65604" name="Oval 68"/>
+                <p:cNvSpPr>
+                  <a:spLocks noChangeArrowheads="1"/>
+                </p:cNvSpPr>
+                <p:nvPr/>
+              </p:nvSpPr>
+              <p:spPr bwMode="gray">
+                <a:xfrm>
+                  <a:off x="2034" y="918"/>
+                  <a:ext cx="334" cy="334"/>
+                </a:xfrm>
+                <a:prstGeom prst="ellipse">
+                  <a:avLst/>
+                </a:prstGeom>
+                <a:gradFill rotWithShape="1">
+                  <a:gsLst>
+                    <a:gs pos="0">
+                      <a:schemeClr val="hlink">
+                        <a:gamma/>
+                        <a:shade val="54118"/>
+                        <a:invGamma/>
+                      </a:schemeClr>
+                    </a:gs>
+                    <a:gs pos="50000">
+                      <a:schemeClr val="hlink"/>
+                    </a:gs>
+                    <a:gs pos="100000">
+                      <a:schemeClr val="hlink">
+                        <a:gamma/>
+                        <a:shade val="54118"/>
+                        <a:invGamma/>
+                      </a:schemeClr>
+                    </a:gs>
+                  </a:gsLst>
+                  <a:lin ang="18900000" scaled="1"/>
+                </a:gradFill>
+                <a:ln w="38100" algn="ctr">
+                  <a:noFill/>
+                  <a:round/>
+                  <a:headEnd/>
+                  <a:tailEnd/>
+                </a:ln>
+                <a:effectLst/>
+              </p:spPr>
+              <p:txBody>
+                <a:bodyPr anchor="ctr">
+                  <a:spAutoFit/>
+                </a:bodyPr>
+                <a:lstStyle/>
+                <a:p>
+                  <a:endParaRPr lang="en-US"/>
+                </a:p>
+              </p:txBody>
+            </p:sp>
+            <p:sp>
+              <p:nvSpPr>
+                <p:cNvPr id="65605" name="Oval 69"/>
+                <p:cNvSpPr>
+                  <a:spLocks noChangeArrowheads="1"/>
+                </p:cNvSpPr>
+                <p:nvPr/>
+              </p:nvSpPr>
+              <p:spPr bwMode="gray">
+                <a:xfrm>
+                  <a:off x="2040" y="936"/>
+                  <a:ext cx="334" cy="334"/>
+                </a:xfrm>
+                <a:prstGeom prst="ellipse">
+                  <a:avLst/>
+                </a:prstGeom>
+                <a:gradFill rotWithShape="1">
+                  <a:gsLst>
+                    <a:gs pos="0">
+                      <a:schemeClr val="hlink">
+                        <a:gamma/>
+                        <a:shade val="63529"/>
+                        <a:invGamma/>
+                      </a:schemeClr>
+                    </a:gs>
+                    <a:gs pos="100000">
+                      <a:schemeClr val="hlink">
+                        <a:alpha val="0"/>
+                      </a:schemeClr>
+                    </a:gs>
+                  </a:gsLst>
+                  <a:lin ang="2700000" scaled="1"/>
+                </a:gradFill>
+                <a:ln w="38100" algn="ctr">
+                  <a:noFill/>
+                  <a:round/>
+                  <a:headEnd/>
+                  <a:tailEnd/>
+                </a:ln>
+                <a:effectLst/>
+              </p:spPr>
+              <p:txBody>
+                <a:bodyPr anchor="ctr">
+                  <a:spAutoFit/>
+                </a:bodyPr>
+                <a:lstStyle/>
+                <a:p>
+                  <a:endParaRPr lang="en-US"/>
+                </a:p>
+              </p:txBody>
+            </p:sp>
+            <p:sp>
+              <p:nvSpPr>
+                <p:cNvPr id="65606" name="Oval 70"/>
+                <p:cNvSpPr>
+                  <a:spLocks noChangeArrowheads="1"/>
+                </p:cNvSpPr>
+                <p:nvPr/>
+              </p:nvSpPr>
+              <p:spPr bwMode="gray">
+                <a:xfrm>
+                  <a:off x="2052" y="948"/>
+                  <a:ext cx="300" cy="300"/>
+                </a:xfrm>
+                <a:prstGeom prst="ellipse">
+                  <a:avLst/>
+                </a:prstGeom>
+                <a:solidFill>
+                  <a:srgbClr val="333333"/>
+                </a:solidFill>
+                <a:ln w="38100" algn="ctr">
+                  <a:noFill/>
+                  <a:round/>
+                  <a:headEnd/>
+                  <a:tailEnd/>
+                </a:ln>
+                <a:effectLst/>
+              </p:spPr>
+              <p:txBody>
+                <a:bodyPr anchor="ctr">
+                  <a:spAutoFit/>
+                </a:bodyPr>
+                <a:lstStyle/>
+                <a:p>
+                  <a:endParaRPr lang="en-US"/>
+                </a:p>
+              </p:txBody>
+            </p:sp>
+            <p:sp>
+              <p:nvSpPr>
+                <p:cNvPr id="65607" name="Oval 71"/>
+                <p:cNvSpPr>
+                  <a:spLocks noChangeArrowheads="1"/>
+                </p:cNvSpPr>
+                <p:nvPr/>
+              </p:nvSpPr>
+              <p:spPr bwMode="gray">
+                <a:xfrm>
+                  <a:off x="2064" y="959"/>
+                  <a:ext cx="291" cy="291"/>
+                </a:xfrm>
+                <a:prstGeom prst="ellipse">
+                  <a:avLst/>
+                </a:prstGeom>
+                <a:gradFill rotWithShape="1">
+                  <a:gsLst>
+                    <a:gs pos="0">
+                      <a:srgbClr val="C0C0C0">
+                        <a:gamma/>
+                        <a:shade val="46275"/>
+                        <a:invGamma/>
+                      </a:srgbClr>
+                    </a:gs>
+                    <a:gs pos="100000">
+                      <a:srgbClr val="C0C0C0"/>
+                    </a:gs>
+                  </a:gsLst>
+                  <a:lin ang="5400000" scaled="1"/>
+                </a:gradFill>
+                <a:ln w="9525" algn="ctr">
+                  <a:noFill/>
+                  <a:round/>
+                  <a:headEnd/>
+                  <a:tailEnd/>
+                </a:ln>
+                <a:effectLst/>
+              </p:spPr>
+              <p:txBody>
+                <a:bodyPr vert="eaVert" wrap="none" anchor="ctr"/>
+                <a:lstStyle/>
+                <a:p>
+                  <a:endParaRPr lang="en-US"/>
+                </a:p>
+              </p:txBody>
+            </p:sp>
+            <p:sp>
+              <p:nvSpPr>
+                <p:cNvPr id="65608" name="Oval 72"/>
+                <p:cNvSpPr>
+                  <a:spLocks noChangeArrowheads="1"/>
+                </p:cNvSpPr>
+                <p:nvPr/>
+              </p:nvSpPr>
+              <p:spPr bwMode="gray">
+                <a:xfrm>
+                  <a:off x="2068" y="961"/>
+                  <a:ext cx="283" cy="283"/>
+                </a:xfrm>
+                <a:prstGeom prst="ellipse">
+                  <a:avLst/>
+                </a:prstGeom>
+                <a:gradFill rotWithShape="1">
+                  <a:gsLst>
+                    <a:gs pos="0">
+                      <a:srgbClr val="C0C0C0">
+                        <a:alpha val="0"/>
+                      </a:srgbClr>
+                    </a:gs>
+                    <a:gs pos="100000">
+                      <a:srgbClr val="C0C0C0">
+                        <a:gamma/>
+                        <a:tint val="34902"/>
+                        <a:invGamma/>
+                      </a:srgbClr>
+                    </a:gs>
+                  </a:gsLst>
+                  <a:lin ang="5400000" scaled="1"/>
+                </a:gradFill>
+                <a:ln w="9525" algn="ctr">
+                  <a:noFill/>
+                  <a:round/>
+                  <a:headEnd/>
+                  <a:tailEnd/>
+                </a:ln>
+                <a:effectLst/>
+              </p:spPr>
+              <p:txBody>
+                <a:bodyPr vert="eaVert" wrap="none" anchor="ctr"/>
+                <a:lstStyle/>
+                <a:p>
+                  <a:endParaRPr lang="en-US"/>
+                </a:p>
+              </p:txBody>
+            </p:sp>
+            <p:sp>
+              <p:nvSpPr>
+                <p:cNvPr id="65609" name="Oval 73"/>
+                <p:cNvSpPr>
+                  <a:spLocks noChangeArrowheads="1"/>
+                </p:cNvSpPr>
+                <p:nvPr/>
+              </p:nvSpPr>
+              <p:spPr bwMode="gray">
+                <a:xfrm>
+                  <a:off x="2071" y="963"/>
+                  <a:ext cx="270" cy="265"/>
+                </a:xfrm>
+                <a:prstGeom prst="ellipse">
+                  <a:avLst/>
+                </a:prstGeom>
+                <a:gradFill rotWithShape="1">
+                  <a:gsLst>
+                    <a:gs pos="0">
+                      <a:srgbClr val="C0C0C0">
+                        <a:gamma/>
+                        <a:shade val="79216"/>
+                        <a:invGamma/>
+                      </a:srgbClr>
+                    </a:gs>
+                    <a:gs pos="100000">
+                      <a:srgbClr val="C0C0C0">
+                        <a:alpha val="48000"/>
+                      </a:srgbClr>
+                    </a:gs>
+                  </a:gsLst>
+                  <a:lin ang="5400000" scaled="1"/>
+                </a:gradFill>
+                <a:ln w="9525" algn="ctr">
+                  <a:noFill/>
+                  <a:round/>
+                  <a:headEnd/>
+                  <a:tailEnd/>
+                </a:ln>
+                <a:effectLst/>
+              </p:spPr>
+              <p:txBody>
+                <a:bodyPr vert="eaVert" wrap="none" anchor="ctr"/>
+                <a:lstStyle/>
+                <a:p>
+                  <a:endParaRPr lang="en-US"/>
+                </a:p>
+              </p:txBody>
+            </p:sp>
+            <p:sp>
+              <p:nvSpPr>
+                <p:cNvPr id="65610" name="Oval 74"/>
+                <p:cNvSpPr>
+                  <a:spLocks noChangeArrowheads="1"/>
+                </p:cNvSpPr>
+                <p:nvPr/>
+              </p:nvSpPr>
+              <p:spPr bwMode="gray">
+                <a:xfrm>
+                  <a:off x="2086" y="971"/>
+                  <a:ext cx="240" cy="215"/>
+                </a:xfrm>
+                <a:prstGeom prst="ellipse">
+                  <a:avLst/>
+                </a:prstGeom>
+                <a:gradFill rotWithShape="1">
+                  <a:gsLst>
+                    <a:gs pos="0">
+                      <a:srgbClr val="C0C0C0">
+                        <a:gamma/>
+                        <a:tint val="0"/>
+                        <a:invGamma/>
+                      </a:srgbClr>
+                    </a:gs>
+                    <a:gs pos="100000">
+                      <a:srgbClr val="C0C0C0">
+                        <a:alpha val="38000"/>
+                      </a:srgbClr>
+                    </a:gs>
+                  </a:gsLst>
+                  <a:lin ang="5400000" scaled="1"/>
+                </a:gradFill>
+                <a:ln w="9525" algn="ctr">
+                  <a:noFill/>
+                  <a:round/>
+                  <a:headEnd/>
+                  <a:tailEnd/>
+                </a:ln>
+                <a:effectLst/>
+              </p:spPr>
+              <p:txBody>
+                <a:bodyPr vert="eaVert" wrap="none" anchor="ctr"/>
+                <a:lstStyle/>
+                <a:p>
+                  <a:endParaRPr lang="en-US"/>
+                </a:p>
+              </p:txBody>
+            </p:sp>
+          </p:grpSp>
+          <p:sp>
+            <p:nvSpPr>
+              <p:cNvPr id="65611" name="Text Box 75"/>
+              <p:cNvSpPr txBox="1">
+                <a:spLocks noChangeArrowheads="1"/>
+              </p:cNvSpPr>
+              <p:nvPr/>
+            </p:nvSpPr>
+            <p:spPr bwMode="gray">
+              <a:xfrm>
+                <a:off x="1326" y="1248"/>
+                <a:ext cx="223" cy="288"/>
+              </a:xfrm>
+              <a:prstGeom prst="rect">
+                <a:avLst/>
+              </a:prstGeom>
+              <a:noFill/>
+              <a:ln w="9525" algn="ctr">
+                <a:noFill/>
+                <a:miter lim="800000"/>
+                <a:headEnd/>
+                <a:tailEnd/>
+              </a:ln>
+              <a:effectLst/>
+            </p:spPr>
+            <p:txBody>
+              <a:bodyPr wrap="none">
+                <a:spAutoFit/>
+              </a:bodyPr>
+              <a:lstStyle/>
+              <a:p>
+                <a:pPr algn="ctr" eaLnBrk="0" hangingPunct="0"/>
+                <a:r>
+                  <a:rPr lang="en-US" sz="2400" b="1">
+                    <a:solidFill>
+                      <a:srgbClr val="000000"/>
+                    </a:solidFill>
+                  </a:rPr>
+                  <a:t>3</a:t>
+                </a:r>
+              </a:p>
+            </p:txBody>
+          </p:sp>
+        </p:grpSp>
+      </p:grpSp>
+    </p:spTree>
+  </p:cSld>
+  <p:clrMapOvr>
+    <a:masterClrMapping/>
+  </p:clrMapOvr>
+  <p:timing>
+    <p:tnLst>
+      <p:par>
+        <p:cTn id="1" dur="indefinite" restart="never" nodeType="tmRoot"/>
+      </p:par>
+    </p:tnLst>
+  </p:timing>
+</p:sld>
+</file>
+
+<file path=ppt/slides/slide27.xml><?xml version="1.0" encoding="utf-8"?>
 <p:sld xmlns:a="http://schemas.openxmlformats.org/drawingml/2006/main" xmlns:r="http://schemas.openxmlformats.org/officeDocument/2006/relationships" xmlns:p="http://schemas.openxmlformats.org/presentationml/2006/main">
   <p:cSld>
     <p:spTree>
@@ -28532,7 +30117,7 @@
           <a:blip r:embed="rId2" cstate="print">
             <a:extLst>
               <a:ext uri="{28A0092B-C50C-407E-A947-70E740481C1C}">
-                <a14:useLocalDpi xmlns:a14="http://schemas.microsoft.com/office/drawing/2010/main" xmlns="" val="0"/>
+                <a14:useLocalDpi xmlns="" xmlns:a14="http://schemas.microsoft.com/office/drawing/2010/main" val="0"/>
               </a:ext>
             </a:extLst>
           </a:blip>
@@ -28552,7 +30137,7 @@
           <a:noFill/>
           <a:extLst>
             <a:ext uri="{909E8E84-426E-40DD-AFC4-6F175D3DCCD1}">
-              <a14:hiddenFill xmlns:a14="http://schemas.microsoft.com/office/drawing/2010/main" xmlns="">
+              <a14:hiddenFill xmlns="" xmlns:a14="http://schemas.microsoft.com/office/drawing/2010/main">
                 <a:solidFill>
                   <a:srgbClr val="FFFFFF"/>
                 </a:solidFill>
@@ -28572,7 +30157,7 @@
         <p:spPr bwMode="auto">
           <a:xfrm>
             <a:off x="5410200" y="2174240"/>
-            <a:ext cx="4724400" cy="2308324"/>
+            <a:ext cx="4724400" cy="1569660"/>
           </a:xfrm>
           <a:prstGeom prst="rect">
             <a:avLst/>
@@ -28602,7 +30187,7 @@
                   </a:schemeClr>
                 </a:solidFill>
               </a:rPr>
-              <a:t>What</a:t>
+              <a:t>Skybox </a:t>
             </a:r>
           </a:p>
           <a:p>
@@ -28616,21 +30201,7 @@
                   </a:schemeClr>
                 </a:solidFill>
               </a:rPr>
-              <a:t>is</a:t>
-            </a:r>
-          </a:p>
-          <a:p>
-            <a:pPr algn="ctr" eaLnBrk="0" hangingPunct="0"/>
-            <a:r>
-              <a:rPr lang="en-US" sz="4800" b="1" dirty="0" smtClean="0">
-                <a:solidFill>
-                  <a:schemeClr val="accent2">
-                    <a:lumMod val="40000"/>
-                    <a:lumOff val="60000"/>
-                  </a:schemeClr>
-                </a:solidFill>
-              </a:rPr>
-              <a:t>skybox?</a:t>
+              <a:t>là gì?</a:t>
             </a:r>
             <a:endParaRPr lang="en-US" sz="4800" b="1" dirty="0">
               <a:solidFill>
@@ -28646,7 +30217,7 @@
     </p:spTree>
     <p:extLst>
       <p:ext uri="{BB962C8B-B14F-4D97-AF65-F5344CB8AC3E}">
-        <p14:creationId xmlns:p14="http://schemas.microsoft.com/office/powerpoint/2010/main" xmlns="" val="3468988645"/>
+        <p14:creationId xmlns="" xmlns:p14="http://schemas.microsoft.com/office/powerpoint/2010/main" val="3468988645"/>
       </p:ext>
     </p:extLst>
   </p:cSld>
@@ -28663,7 +30234,7 @@
 </p:sld>
 </file>
 
-<file path=ppt/slides/slide25.xml><?xml version="1.0" encoding="utf-8"?>
+<file path=ppt/slides/slide28.xml><?xml version="1.0" encoding="utf-8"?>
 <p:sld xmlns:a="http://schemas.openxmlformats.org/drawingml/2006/main" xmlns:r="http://schemas.openxmlformats.org/officeDocument/2006/relationships" xmlns:p="http://schemas.openxmlformats.org/presentationml/2006/main">
   <p:cSld>
     <p:spTree>
@@ -28715,7 +30286,7 @@
           <a:blip r:embed="rId3">
             <a:extLst>
               <a:ext uri="{28A0092B-C50C-407E-A947-70E740481C1C}">
-                <a14:useLocalDpi xmlns:a14="http://schemas.microsoft.com/office/drawing/2010/main" xmlns="" val="0"/>
+                <a14:useLocalDpi xmlns="" xmlns:a14="http://schemas.microsoft.com/office/drawing/2010/main" val="0"/>
               </a:ext>
             </a:extLst>
           </a:blip>
@@ -28735,7 +30306,7 @@
           <a:noFill/>
           <a:extLst>
             <a:ext uri="{909E8E84-426E-40DD-AFC4-6F175D3DCCD1}">
-              <a14:hiddenFill xmlns:a14="http://schemas.microsoft.com/office/drawing/2010/main" xmlns="">
+              <a14:hiddenFill xmlns="" xmlns:a14="http://schemas.microsoft.com/office/drawing/2010/main">
                 <a:solidFill>
                   <a:srgbClr val="FFFFFF"/>
                 </a:solidFill>
@@ -28756,7 +30327,7 @@
           <a:blip r:embed="rId4">
             <a:extLst>
               <a:ext uri="{28A0092B-C50C-407E-A947-70E740481C1C}">
-                <a14:useLocalDpi xmlns:a14="http://schemas.microsoft.com/office/drawing/2010/main" xmlns="" val="0"/>
+                <a14:useLocalDpi xmlns="" xmlns:a14="http://schemas.microsoft.com/office/drawing/2010/main" val="0"/>
               </a:ext>
             </a:extLst>
           </a:blip>
@@ -28776,7 +30347,7 @@
           <a:noFill/>
           <a:extLst>
             <a:ext uri="{909E8E84-426E-40DD-AFC4-6F175D3DCCD1}">
-              <a14:hiddenFill xmlns:a14="http://schemas.microsoft.com/office/drawing/2010/main" xmlns="">
+              <a14:hiddenFill xmlns="" xmlns:a14="http://schemas.microsoft.com/office/drawing/2010/main">
                 <a:solidFill>
                   <a:srgbClr val="FFFFFF"/>
                 </a:solidFill>
@@ -28835,7 +30406,7 @@
     </p:spTree>
     <p:extLst>
       <p:ext uri="{BB962C8B-B14F-4D97-AF65-F5344CB8AC3E}">
-        <p14:creationId xmlns:p14="http://schemas.microsoft.com/office/powerpoint/2010/main" xmlns="" val="3371586355"/>
+        <p14:creationId xmlns="" xmlns:p14="http://schemas.microsoft.com/office/powerpoint/2010/main" val="3371586355"/>
       </p:ext>
     </p:extLst>
   </p:cSld>
@@ -28852,7 +30423,7 @@
 </p:sld>
 </file>
 
-<file path=ppt/slides/slide26.xml><?xml version="1.0" encoding="utf-8"?>
+<file path=ppt/slides/slide29.xml><?xml version="1.0" encoding="utf-8"?>
 <p:sld xmlns:a="http://schemas.openxmlformats.org/drawingml/2006/main" xmlns:r="http://schemas.openxmlformats.org/officeDocument/2006/relationships" xmlns:p="http://schemas.openxmlformats.org/presentationml/2006/main">
   <p:cSld>
     <p:spTree>
@@ -28904,7 +30475,7 @@
           <a:blip r:embed="rId2">
             <a:extLst>
               <a:ext uri="{28A0092B-C50C-407E-A947-70E740481C1C}">
-                <a14:useLocalDpi xmlns:a14="http://schemas.microsoft.com/office/drawing/2010/main" xmlns="" val="0"/>
+                <a14:useLocalDpi xmlns="" xmlns:a14="http://schemas.microsoft.com/office/drawing/2010/main" val="0"/>
               </a:ext>
             </a:extLst>
           </a:blip>
@@ -28924,7 +30495,7 @@
           <a:noFill/>
           <a:extLst>
             <a:ext uri="{909E8E84-426E-40DD-AFC4-6F175D3DCCD1}">
-              <a14:hiddenFill xmlns:a14="http://schemas.microsoft.com/office/drawing/2010/main" xmlns="">
+              <a14:hiddenFill xmlns="" xmlns:a14="http://schemas.microsoft.com/office/drawing/2010/main">
                 <a:solidFill>
                   <a:srgbClr val="FFFFFF"/>
                 </a:solidFill>
@@ -28936,7 +30507,7 @@
     </p:spTree>
     <p:extLst>
       <p:ext uri="{BB962C8B-B14F-4D97-AF65-F5344CB8AC3E}">
-        <p14:creationId xmlns:p14="http://schemas.microsoft.com/office/powerpoint/2010/main" xmlns="" val="4283814667"/>
+        <p14:creationId xmlns="" xmlns:p14="http://schemas.microsoft.com/office/powerpoint/2010/main" val="4283814667"/>
       </p:ext>
     </p:extLst>
   </p:cSld>
@@ -28953,7 +30524,2177 @@
 </p:sld>
 </file>
 
-<file path=ppt/slides/slide27.xml><?xml version="1.0" encoding="utf-8"?>
+<file path=ppt/slides/slide3.xml><?xml version="1.0" encoding="utf-8"?>
+<p:sld xmlns:a="http://schemas.openxmlformats.org/drawingml/2006/main" xmlns:r="http://schemas.openxmlformats.org/officeDocument/2006/relationships" xmlns:p="http://schemas.openxmlformats.org/presentationml/2006/main">
+  <p:cSld>
+    <p:spTree>
+      <p:nvGrpSpPr>
+        <p:cNvPr id="1" name=""/>
+        <p:cNvGrpSpPr/>
+        <p:nvPr/>
+      </p:nvGrpSpPr>
+      <p:grpSpPr>
+        <a:xfrm>
+          <a:off x="0" y="0"/>
+          <a:ext cx="0" cy="0"/>
+          <a:chOff x="0" y="0"/>
+          <a:chExt cx="0" cy="0"/>
+        </a:xfrm>
+      </p:grpSpPr>
+      <p:sp>
+        <p:nvSpPr>
+          <p:cNvPr id="65538" name="Rectangle 2"/>
+          <p:cNvSpPr>
+            <a:spLocks noGrp="1" noChangeArrowheads="1"/>
+          </p:cNvSpPr>
+          <p:nvPr>
+            <p:ph type="title"/>
+          </p:nvPr>
+        </p:nvSpPr>
+        <p:spPr/>
+        <p:txBody>
+          <a:bodyPr/>
+          <a:lstStyle/>
+          <a:p>
+            <a:r>
+              <a:rPr lang="en-US"/>
+              <a:t>Contents</a:t>
+            </a:r>
+          </a:p>
+        </p:txBody>
+      </p:sp>
+      <p:grpSp>
+        <p:nvGrpSpPr>
+          <p:cNvPr id="6" name="Group 76"/>
+          <p:cNvGrpSpPr>
+            <a:grpSpLocks/>
+          </p:cNvGrpSpPr>
+          <p:nvPr/>
+        </p:nvGrpSpPr>
+        <p:grpSpPr bwMode="auto">
+          <a:xfrm>
+            <a:off x="1981200" y="1885950"/>
+            <a:ext cx="5334000" cy="628650"/>
+            <a:chOff x="1248" y="1188"/>
+            <a:chExt cx="3360" cy="396"/>
+          </a:xfrm>
+        </p:grpSpPr>
+        <p:sp>
+          <p:nvSpPr>
+            <p:cNvPr id="65583" name="Line 47"/>
+            <p:cNvSpPr>
+              <a:spLocks noChangeShapeType="1"/>
+            </p:cNvSpPr>
+            <p:nvPr/>
+          </p:nvSpPr>
+          <p:spPr bwMode="auto">
+            <a:xfrm>
+              <a:off x="1584" y="1524"/>
+              <a:ext cx="3024" cy="1"/>
+            </a:xfrm>
+            <a:prstGeom prst="line">
+              <a:avLst/>
+            </a:prstGeom>
+            <a:noFill/>
+            <a:ln w="25400">
+              <a:solidFill>
+                <a:schemeClr val="tx2"/>
+              </a:solidFill>
+              <a:prstDash val="sysDot"/>
+              <a:round/>
+              <a:headEnd/>
+              <a:tailEnd type="oval" w="med" len="med"/>
+            </a:ln>
+            <a:effectLst/>
+          </p:spPr>
+          <p:txBody>
+            <a:bodyPr wrap="none" anchor="ctr"/>
+            <a:lstStyle/>
+            <a:p>
+              <a:endParaRPr lang="en-US"/>
+            </a:p>
+          </p:txBody>
+        </p:sp>
+        <p:sp>
+          <p:nvSpPr>
+            <p:cNvPr id="65584" name="Text Box 48"/>
+            <p:cNvSpPr txBox="1">
+              <a:spLocks noChangeArrowheads="1"/>
+            </p:cNvSpPr>
+            <p:nvPr/>
+          </p:nvSpPr>
+          <p:spPr bwMode="auto">
+            <a:xfrm>
+              <a:off x="1728" y="1188"/>
+              <a:ext cx="2736" cy="288"/>
+            </a:xfrm>
+            <a:prstGeom prst="rect">
+              <a:avLst/>
+            </a:prstGeom>
+            <a:noFill/>
+            <a:ln w="9525" algn="ctr">
+              <a:noFill/>
+              <a:miter lim="800000"/>
+              <a:headEnd/>
+              <a:tailEnd/>
+            </a:ln>
+            <a:effectLst/>
+          </p:spPr>
+          <p:txBody>
+            <a:bodyPr>
+              <a:spAutoFit/>
+            </a:bodyPr>
+            <a:lstStyle/>
+            <a:p>
+              <a:pPr algn="ctr" eaLnBrk="0" hangingPunct="0"/>
+              <a:r>
+                <a:rPr lang="en-US" sz="2400" dirty="0" smtClean="0">
+                  <a:solidFill>
+                    <a:schemeClr val="tx2"/>
+                  </a:solidFill>
+                </a:rPr>
+                <a:t>Camera</a:t>
+              </a:r>
+              <a:endParaRPr lang="en-US" sz="2400" dirty="0">
+                <a:solidFill>
+                  <a:schemeClr val="tx2"/>
+                </a:solidFill>
+              </a:endParaRPr>
+            </a:p>
+          </p:txBody>
+        </p:sp>
+        <p:grpSp>
+          <p:nvGrpSpPr>
+            <p:cNvPr id="7" name="Group 62"/>
+            <p:cNvGrpSpPr>
+              <a:grpSpLocks/>
+            </p:cNvGrpSpPr>
+            <p:nvPr/>
+          </p:nvGrpSpPr>
+          <p:grpSpPr bwMode="auto">
+            <a:xfrm>
+              <a:off x="1248" y="1200"/>
+              <a:ext cx="384" cy="384"/>
+              <a:chOff x="1248" y="1200"/>
+              <a:chExt cx="384" cy="384"/>
+            </a:xfrm>
+          </p:grpSpPr>
+          <p:grpSp>
+            <p:nvGrpSpPr>
+              <p:cNvPr id="8" name="Group 61"/>
+              <p:cNvGrpSpPr>
+                <a:grpSpLocks/>
+              </p:cNvGrpSpPr>
+              <p:nvPr/>
+            </p:nvGrpSpPr>
+            <p:grpSpPr bwMode="auto">
+              <a:xfrm>
+                <a:off x="1248" y="1200"/>
+                <a:ext cx="384" cy="384"/>
+                <a:chOff x="2016" y="912"/>
+                <a:chExt cx="384" cy="384"/>
+              </a:xfrm>
+            </p:grpSpPr>
+            <p:sp>
+              <p:nvSpPr>
+                <p:cNvPr id="65586" name="Text Box 50"/>
+                <p:cNvSpPr txBox="1">
+                  <a:spLocks noChangeArrowheads="1"/>
+                </p:cNvSpPr>
+                <p:nvPr/>
+              </p:nvSpPr>
+              <p:spPr bwMode="gray">
+                <a:xfrm>
+                  <a:off x="2094" y="960"/>
+                  <a:ext cx="223" cy="288"/>
+                </a:xfrm>
+                <a:prstGeom prst="rect">
+                  <a:avLst/>
+                </a:prstGeom>
+                <a:noFill/>
+                <a:ln w="9525" algn="ctr">
+                  <a:noFill/>
+                  <a:miter lim="800000"/>
+                  <a:headEnd/>
+                  <a:tailEnd/>
+                </a:ln>
+                <a:effectLst/>
+              </p:spPr>
+              <p:txBody>
+                <a:bodyPr wrap="none">
+                  <a:spAutoFit/>
+                </a:bodyPr>
+                <a:lstStyle/>
+                <a:p>
+                  <a:pPr algn="ctr" eaLnBrk="0" hangingPunct="0"/>
+                  <a:r>
+                    <a:rPr lang="en-US" sz="2400" b="1">
+                      <a:solidFill>
+                        <a:srgbClr val="000000"/>
+                      </a:solidFill>
+                    </a:rPr>
+                    <a:t>3</a:t>
+                  </a:r>
+                </a:p>
+              </p:txBody>
+            </p:sp>
+            <p:sp>
+              <p:nvSpPr>
+                <p:cNvPr id="65587" name="Oval 51"/>
+                <p:cNvSpPr>
+                  <a:spLocks noChangeArrowheads="1"/>
+                </p:cNvSpPr>
+                <p:nvPr/>
+              </p:nvSpPr>
+              <p:spPr bwMode="gray">
+                <a:xfrm>
+                  <a:off x="2016" y="912"/>
+                  <a:ext cx="384" cy="384"/>
+                </a:xfrm>
+                <a:prstGeom prst="ellipse">
+                  <a:avLst/>
+                </a:prstGeom>
+                <a:gradFill rotWithShape="1">
+                  <a:gsLst>
+                    <a:gs pos="0">
+                      <a:schemeClr val="hlink"/>
+                    </a:gs>
+                    <a:gs pos="100000">
+                      <a:schemeClr val="hlink">
+                        <a:gamma/>
+                        <a:shade val="46275"/>
+                        <a:invGamma/>
+                      </a:schemeClr>
+                    </a:gs>
+                  </a:gsLst>
+                  <a:lin ang="5400000" scaled="1"/>
+                </a:gradFill>
+                <a:ln w="38100" algn="ctr">
+                  <a:noFill/>
+                  <a:round/>
+                  <a:headEnd/>
+                  <a:tailEnd/>
+                </a:ln>
+                <a:effectLst/>
+              </p:spPr>
+              <p:txBody>
+                <a:bodyPr wrap="none" anchor="ctr">
+                  <a:spAutoFit/>
+                </a:bodyPr>
+                <a:lstStyle/>
+                <a:p>
+                  <a:endParaRPr lang="en-US"/>
+                </a:p>
+              </p:txBody>
+            </p:sp>
+            <p:sp>
+              <p:nvSpPr>
+                <p:cNvPr id="65588" name="Oval 52"/>
+                <p:cNvSpPr>
+                  <a:spLocks noChangeArrowheads="1"/>
+                </p:cNvSpPr>
+                <p:nvPr/>
+              </p:nvSpPr>
+              <p:spPr bwMode="gray">
+                <a:xfrm>
+                  <a:off x="2016" y="912"/>
+                  <a:ext cx="384" cy="384"/>
+                </a:xfrm>
+                <a:prstGeom prst="ellipse">
+                  <a:avLst/>
+                </a:prstGeom>
+                <a:gradFill rotWithShape="1">
+                  <a:gsLst>
+                    <a:gs pos="0">
+                      <a:schemeClr val="hlink">
+                        <a:alpha val="32001"/>
+                      </a:schemeClr>
+                    </a:gs>
+                    <a:gs pos="100000">
+                      <a:schemeClr val="hlink">
+                        <a:gamma/>
+                        <a:shade val="0"/>
+                        <a:invGamma/>
+                        <a:alpha val="89999"/>
+                      </a:schemeClr>
+                    </a:gs>
+                  </a:gsLst>
+                  <a:lin ang="2700000" scaled="1"/>
+                </a:gradFill>
+                <a:ln w="38100" algn="ctr">
+                  <a:noFill/>
+                  <a:round/>
+                  <a:headEnd/>
+                  <a:tailEnd/>
+                </a:ln>
+                <a:effectLst/>
+              </p:spPr>
+              <p:txBody>
+                <a:bodyPr wrap="none" anchor="ctr">
+                  <a:spAutoFit/>
+                </a:bodyPr>
+                <a:lstStyle/>
+                <a:p>
+                  <a:endParaRPr lang="en-US"/>
+                </a:p>
+              </p:txBody>
+            </p:sp>
+            <p:sp>
+              <p:nvSpPr>
+                <p:cNvPr id="65589" name="Oval 53"/>
+                <p:cNvSpPr>
+                  <a:spLocks noChangeArrowheads="1"/>
+                </p:cNvSpPr>
+                <p:nvPr/>
+              </p:nvSpPr>
+              <p:spPr bwMode="gray">
+                <a:xfrm>
+                  <a:off x="2034" y="918"/>
+                  <a:ext cx="334" cy="334"/>
+                </a:xfrm>
+                <a:prstGeom prst="ellipse">
+                  <a:avLst/>
+                </a:prstGeom>
+                <a:gradFill rotWithShape="1">
+                  <a:gsLst>
+                    <a:gs pos="0">
+                      <a:schemeClr val="hlink">
+                        <a:gamma/>
+                        <a:shade val="54118"/>
+                        <a:invGamma/>
+                      </a:schemeClr>
+                    </a:gs>
+                    <a:gs pos="50000">
+                      <a:schemeClr val="hlink"/>
+                    </a:gs>
+                    <a:gs pos="100000">
+                      <a:schemeClr val="hlink">
+                        <a:gamma/>
+                        <a:shade val="54118"/>
+                        <a:invGamma/>
+                      </a:schemeClr>
+                    </a:gs>
+                  </a:gsLst>
+                  <a:lin ang="18900000" scaled="1"/>
+                </a:gradFill>
+                <a:ln w="38100" algn="ctr">
+                  <a:noFill/>
+                  <a:round/>
+                  <a:headEnd/>
+                  <a:tailEnd/>
+                </a:ln>
+                <a:effectLst/>
+              </p:spPr>
+              <p:txBody>
+                <a:bodyPr anchor="ctr">
+                  <a:spAutoFit/>
+                </a:bodyPr>
+                <a:lstStyle/>
+                <a:p>
+                  <a:endParaRPr lang="en-US"/>
+                </a:p>
+              </p:txBody>
+            </p:sp>
+            <p:sp>
+              <p:nvSpPr>
+                <p:cNvPr id="65590" name="Oval 54"/>
+                <p:cNvSpPr>
+                  <a:spLocks noChangeArrowheads="1"/>
+                </p:cNvSpPr>
+                <p:nvPr/>
+              </p:nvSpPr>
+              <p:spPr bwMode="gray">
+                <a:xfrm>
+                  <a:off x="2040" y="936"/>
+                  <a:ext cx="334" cy="334"/>
+                </a:xfrm>
+                <a:prstGeom prst="ellipse">
+                  <a:avLst/>
+                </a:prstGeom>
+                <a:gradFill rotWithShape="1">
+                  <a:gsLst>
+                    <a:gs pos="0">
+                      <a:schemeClr val="hlink">
+                        <a:gamma/>
+                        <a:shade val="63529"/>
+                        <a:invGamma/>
+                      </a:schemeClr>
+                    </a:gs>
+                    <a:gs pos="100000">
+                      <a:schemeClr val="hlink">
+                        <a:alpha val="0"/>
+                      </a:schemeClr>
+                    </a:gs>
+                  </a:gsLst>
+                  <a:lin ang="2700000" scaled="1"/>
+                </a:gradFill>
+                <a:ln w="38100" algn="ctr">
+                  <a:noFill/>
+                  <a:round/>
+                  <a:headEnd/>
+                  <a:tailEnd/>
+                </a:ln>
+                <a:effectLst/>
+              </p:spPr>
+              <p:txBody>
+                <a:bodyPr anchor="ctr">
+                  <a:spAutoFit/>
+                </a:bodyPr>
+                <a:lstStyle/>
+                <a:p>
+                  <a:endParaRPr lang="en-US"/>
+                </a:p>
+              </p:txBody>
+            </p:sp>
+            <p:sp>
+              <p:nvSpPr>
+                <p:cNvPr id="65591" name="Oval 55"/>
+                <p:cNvSpPr>
+                  <a:spLocks noChangeArrowheads="1"/>
+                </p:cNvSpPr>
+                <p:nvPr/>
+              </p:nvSpPr>
+              <p:spPr bwMode="gray">
+                <a:xfrm>
+                  <a:off x="2052" y="948"/>
+                  <a:ext cx="300" cy="300"/>
+                </a:xfrm>
+                <a:prstGeom prst="ellipse">
+                  <a:avLst/>
+                </a:prstGeom>
+                <a:solidFill>
+                  <a:srgbClr val="333333"/>
+                </a:solidFill>
+                <a:ln w="38100" algn="ctr">
+                  <a:noFill/>
+                  <a:round/>
+                  <a:headEnd/>
+                  <a:tailEnd/>
+                </a:ln>
+                <a:effectLst/>
+              </p:spPr>
+              <p:txBody>
+                <a:bodyPr anchor="ctr">
+                  <a:spAutoFit/>
+                </a:bodyPr>
+                <a:lstStyle/>
+                <a:p>
+                  <a:endParaRPr lang="en-US"/>
+                </a:p>
+              </p:txBody>
+            </p:sp>
+            <p:sp>
+              <p:nvSpPr>
+                <p:cNvPr id="65592" name="Oval 56"/>
+                <p:cNvSpPr>
+                  <a:spLocks noChangeArrowheads="1"/>
+                </p:cNvSpPr>
+                <p:nvPr/>
+              </p:nvSpPr>
+              <p:spPr bwMode="gray">
+                <a:xfrm>
+                  <a:off x="2064" y="959"/>
+                  <a:ext cx="291" cy="291"/>
+                </a:xfrm>
+                <a:prstGeom prst="ellipse">
+                  <a:avLst/>
+                </a:prstGeom>
+                <a:gradFill rotWithShape="1">
+                  <a:gsLst>
+                    <a:gs pos="0">
+                      <a:srgbClr val="C0C0C0">
+                        <a:gamma/>
+                        <a:shade val="46275"/>
+                        <a:invGamma/>
+                      </a:srgbClr>
+                    </a:gs>
+                    <a:gs pos="100000">
+                      <a:srgbClr val="C0C0C0"/>
+                    </a:gs>
+                  </a:gsLst>
+                  <a:lin ang="5400000" scaled="1"/>
+                </a:gradFill>
+                <a:ln w="9525" algn="ctr">
+                  <a:noFill/>
+                  <a:round/>
+                  <a:headEnd/>
+                  <a:tailEnd/>
+                </a:ln>
+                <a:effectLst/>
+              </p:spPr>
+              <p:txBody>
+                <a:bodyPr vert="eaVert" wrap="none" anchor="ctr"/>
+                <a:lstStyle/>
+                <a:p>
+                  <a:endParaRPr lang="en-US"/>
+                </a:p>
+              </p:txBody>
+            </p:sp>
+            <p:sp>
+              <p:nvSpPr>
+                <p:cNvPr id="65593" name="Oval 57"/>
+                <p:cNvSpPr>
+                  <a:spLocks noChangeArrowheads="1"/>
+                </p:cNvSpPr>
+                <p:nvPr/>
+              </p:nvSpPr>
+              <p:spPr bwMode="gray">
+                <a:xfrm>
+                  <a:off x="2068" y="961"/>
+                  <a:ext cx="283" cy="283"/>
+                </a:xfrm>
+                <a:prstGeom prst="ellipse">
+                  <a:avLst/>
+                </a:prstGeom>
+                <a:gradFill rotWithShape="1">
+                  <a:gsLst>
+                    <a:gs pos="0">
+                      <a:srgbClr val="C0C0C0">
+                        <a:alpha val="0"/>
+                      </a:srgbClr>
+                    </a:gs>
+                    <a:gs pos="100000">
+                      <a:srgbClr val="C0C0C0">
+                        <a:gamma/>
+                        <a:tint val="34902"/>
+                        <a:invGamma/>
+                      </a:srgbClr>
+                    </a:gs>
+                  </a:gsLst>
+                  <a:lin ang="5400000" scaled="1"/>
+                </a:gradFill>
+                <a:ln w="9525" algn="ctr">
+                  <a:noFill/>
+                  <a:round/>
+                  <a:headEnd/>
+                  <a:tailEnd/>
+                </a:ln>
+                <a:effectLst/>
+              </p:spPr>
+              <p:txBody>
+                <a:bodyPr vert="eaVert" wrap="none" anchor="ctr"/>
+                <a:lstStyle/>
+                <a:p>
+                  <a:endParaRPr lang="en-US"/>
+                </a:p>
+              </p:txBody>
+            </p:sp>
+            <p:sp>
+              <p:nvSpPr>
+                <p:cNvPr id="65594" name="Oval 58"/>
+                <p:cNvSpPr>
+                  <a:spLocks noChangeArrowheads="1"/>
+                </p:cNvSpPr>
+                <p:nvPr/>
+              </p:nvSpPr>
+              <p:spPr bwMode="gray">
+                <a:xfrm>
+                  <a:off x="2071" y="963"/>
+                  <a:ext cx="270" cy="265"/>
+                </a:xfrm>
+                <a:prstGeom prst="ellipse">
+                  <a:avLst/>
+                </a:prstGeom>
+                <a:gradFill rotWithShape="1">
+                  <a:gsLst>
+                    <a:gs pos="0">
+                      <a:srgbClr val="C0C0C0">
+                        <a:gamma/>
+                        <a:shade val="79216"/>
+                        <a:invGamma/>
+                      </a:srgbClr>
+                    </a:gs>
+                    <a:gs pos="100000">
+                      <a:srgbClr val="C0C0C0">
+                        <a:alpha val="48000"/>
+                      </a:srgbClr>
+                    </a:gs>
+                  </a:gsLst>
+                  <a:lin ang="5400000" scaled="1"/>
+                </a:gradFill>
+                <a:ln w="9525" algn="ctr">
+                  <a:noFill/>
+                  <a:round/>
+                  <a:headEnd/>
+                  <a:tailEnd/>
+                </a:ln>
+                <a:effectLst/>
+              </p:spPr>
+              <p:txBody>
+                <a:bodyPr vert="eaVert" wrap="none" anchor="ctr"/>
+                <a:lstStyle/>
+                <a:p>
+                  <a:endParaRPr lang="en-US"/>
+                </a:p>
+              </p:txBody>
+            </p:sp>
+            <p:sp>
+              <p:nvSpPr>
+                <p:cNvPr id="65595" name="Oval 59"/>
+                <p:cNvSpPr>
+                  <a:spLocks noChangeArrowheads="1"/>
+                </p:cNvSpPr>
+                <p:nvPr/>
+              </p:nvSpPr>
+              <p:spPr bwMode="gray">
+                <a:xfrm>
+                  <a:off x="2086" y="971"/>
+                  <a:ext cx="240" cy="215"/>
+                </a:xfrm>
+                <a:prstGeom prst="ellipse">
+                  <a:avLst/>
+                </a:prstGeom>
+                <a:gradFill rotWithShape="1">
+                  <a:gsLst>
+                    <a:gs pos="0">
+                      <a:srgbClr val="C0C0C0">
+                        <a:gamma/>
+                        <a:tint val="0"/>
+                        <a:invGamma/>
+                      </a:srgbClr>
+                    </a:gs>
+                    <a:gs pos="100000">
+                      <a:srgbClr val="C0C0C0">
+                        <a:alpha val="38000"/>
+                      </a:srgbClr>
+                    </a:gs>
+                  </a:gsLst>
+                  <a:lin ang="5400000" scaled="1"/>
+                </a:gradFill>
+                <a:ln w="9525" algn="ctr">
+                  <a:noFill/>
+                  <a:round/>
+                  <a:headEnd/>
+                  <a:tailEnd/>
+                </a:ln>
+                <a:effectLst/>
+              </p:spPr>
+              <p:txBody>
+                <a:bodyPr vert="eaVert" wrap="none" anchor="ctr"/>
+                <a:lstStyle/>
+                <a:p>
+                  <a:endParaRPr lang="en-US"/>
+                </a:p>
+              </p:txBody>
+            </p:sp>
+          </p:grpSp>
+          <p:sp>
+            <p:nvSpPr>
+              <p:cNvPr id="65596" name="Text Box 60"/>
+              <p:cNvSpPr txBox="1">
+                <a:spLocks noChangeArrowheads="1"/>
+              </p:cNvSpPr>
+              <p:nvPr/>
+            </p:nvSpPr>
+            <p:spPr bwMode="gray">
+              <a:xfrm>
+                <a:off x="1326" y="1248"/>
+                <a:ext cx="223" cy="288"/>
+              </a:xfrm>
+              <a:prstGeom prst="rect">
+                <a:avLst/>
+              </a:prstGeom>
+              <a:noFill/>
+              <a:ln w="9525" algn="ctr">
+                <a:noFill/>
+                <a:miter lim="800000"/>
+                <a:headEnd/>
+                <a:tailEnd/>
+              </a:ln>
+              <a:effectLst/>
+            </p:spPr>
+            <p:txBody>
+              <a:bodyPr wrap="none">
+                <a:spAutoFit/>
+              </a:bodyPr>
+              <a:lstStyle/>
+              <a:p>
+                <a:pPr algn="ctr" eaLnBrk="0" hangingPunct="0"/>
+                <a:r>
+                  <a:rPr lang="en-US" sz="2400" b="1">
+                    <a:solidFill>
+                      <a:srgbClr val="000000"/>
+                    </a:solidFill>
+                  </a:rPr>
+                  <a:t>1</a:t>
+                </a:r>
+              </a:p>
+            </p:txBody>
+          </p:sp>
+        </p:grpSp>
+      </p:grpSp>
+    </p:spTree>
+  </p:cSld>
+  <p:clrMapOvr>
+    <a:masterClrMapping/>
+  </p:clrMapOvr>
+  <p:timing>
+    <p:tnLst>
+      <p:par>
+        <p:cTn id="1" dur="indefinite" restart="never" nodeType="tmRoot"/>
+      </p:par>
+    </p:tnLst>
+  </p:timing>
+</p:sld>
+</file>
+
+<file path=ppt/slides/slide30.xml><?xml version="1.0" encoding="utf-8"?>
+<p:sld xmlns:a="http://schemas.openxmlformats.org/drawingml/2006/main" xmlns:r="http://schemas.openxmlformats.org/officeDocument/2006/relationships" xmlns:p="http://schemas.openxmlformats.org/presentationml/2006/main">
+  <p:cSld>
+    <p:spTree>
+      <p:nvGrpSpPr>
+        <p:cNvPr id="1" name=""/>
+        <p:cNvGrpSpPr/>
+        <p:nvPr/>
+      </p:nvGrpSpPr>
+      <p:grpSpPr>
+        <a:xfrm>
+          <a:off x="0" y="0"/>
+          <a:ext cx="0" cy="0"/>
+          <a:chOff x="0" y="0"/>
+          <a:chExt cx="0" cy="0"/>
+        </a:xfrm>
+      </p:grpSpPr>
+      <p:sp>
+        <p:nvSpPr>
+          <p:cNvPr id="65538" name="Rectangle 2"/>
+          <p:cNvSpPr>
+            <a:spLocks noGrp="1" noChangeArrowheads="1"/>
+          </p:cNvSpPr>
+          <p:nvPr>
+            <p:ph type="title"/>
+          </p:nvPr>
+        </p:nvSpPr>
+        <p:spPr/>
+        <p:txBody>
+          <a:bodyPr/>
+          <a:lstStyle/>
+          <a:p>
+            <a:r>
+              <a:rPr lang="en-US" dirty="0"/>
+              <a:t>Contents</a:t>
+            </a:r>
+          </a:p>
+        </p:txBody>
+      </p:sp>
+      <p:grpSp>
+        <p:nvGrpSpPr>
+          <p:cNvPr id="4" name="Group 17"/>
+          <p:cNvGrpSpPr>
+            <a:grpSpLocks/>
+          </p:cNvGrpSpPr>
+          <p:nvPr/>
+        </p:nvGrpSpPr>
+        <p:grpSpPr bwMode="auto">
+          <a:xfrm>
+            <a:off x="2024063" y="4572000"/>
+            <a:ext cx="5291137" cy="609600"/>
+            <a:chOff x="1275" y="3015"/>
+            <a:chExt cx="3333" cy="384"/>
+          </a:xfrm>
+        </p:grpSpPr>
+        <p:grpSp>
+          <p:nvGrpSpPr>
+            <p:cNvPr id="5" name="Group 18"/>
+            <p:cNvGrpSpPr>
+              <a:grpSpLocks/>
+            </p:cNvGrpSpPr>
+            <p:nvPr/>
+          </p:nvGrpSpPr>
+          <p:grpSpPr bwMode="auto">
+            <a:xfrm>
+              <a:off x="1275" y="3015"/>
+              <a:ext cx="384" cy="384"/>
+              <a:chOff x="816" y="1872"/>
+              <a:chExt cx="384" cy="384"/>
+            </a:xfrm>
+          </p:grpSpPr>
+          <p:sp>
+            <p:nvSpPr>
+              <p:cNvPr id="65555" name="Oval 19"/>
+              <p:cNvSpPr>
+                <a:spLocks noChangeArrowheads="1"/>
+              </p:cNvSpPr>
+              <p:nvPr/>
+            </p:nvSpPr>
+            <p:spPr bwMode="gray">
+              <a:xfrm>
+                <a:off x="816" y="1872"/>
+                <a:ext cx="384" cy="384"/>
+              </a:xfrm>
+              <a:prstGeom prst="ellipse">
+                <a:avLst/>
+              </a:prstGeom>
+              <a:gradFill rotWithShape="1">
+                <a:gsLst>
+                  <a:gs pos="0">
+                    <a:schemeClr val="accent2">
+                      <a:gamma/>
+                      <a:tint val="0"/>
+                      <a:invGamma/>
+                    </a:schemeClr>
+                  </a:gs>
+                  <a:gs pos="50000">
+                    <a:schemeClr val="accent2"/>
+                  </a:gs>
+                  <a:gs pos="100000">
+                    <a:schemeClr val="accent2">
+                      <a:gamma/>
+                      <a:tint val="0"/>
+                      <a:invGamma/>
+                    </a:schemeClr>
+                  </a:gs>
+                </a:gsLst>
+                <a:lin ang="2700000" scaled="1"/>
+              </a:gradFill>
+              <a:ln w="38100" algn="ctr">
+                <a:noFill/>
+                <a:round/>
+                <a:headEnd/>
+                <a:tailEnd/>
+              </a:ln>
+              <a:effectLst/>
+            </p:spPr>
+            <p:txBody>
+              <a:bodyPr wrap="none" anchor="ctr">
+                <a:spAutoFit/>
+              </a:bodyPr>
+              <a:lstStyle/>
+              <a:p>
+                <a:endParaRPr lang="en-US"/>
+              </a:p>
+            </p:txBody>
+          </p:sp>
+          <p:sp>
+            <p:nvSpPr>
+              <p:cNvPr id="65556" name="Oval 20"/>
+              <p:cNvSpPr>
+                <a:spLocks noChangeArrowheads="1"/>
+              </p:cNvSpPr>
+              <p:nvPr/>
+            </p:nvSpPr>
+            <p:spPr bwMode="gray">
+              <a:xfrm>
+                <a:off x="816" y="1872"/>
+                <a:ext cx="384" cy="384"/>
+              </a:xfrm>
+              <a:prstGeom prst="ellipse">
+                <a:avLst/>
+              </a:prstGeom>
+              <a:gradFill rotWithShape="1">
+                <a:gsLst>
+                  <a:gs pos="0">
+                    <a:schemeClr val="accent2">
+                      <a:alpha val="32001"/>
+                    </a:schemeClr>
+                  </a:gs>
+                  <a:gs pos="100000">
+                    <a:schemeClr val="accent2">
+                      <a:gamma/>
+                      <a:shade val="0"/>
+                      <a:invGamma/>
+                      <a:alpha val="89999"/>
+                    </a:schemeClr>
+                  </a:gs>
+                </a:gsLst>
+                <a:lin ang="2700000" scaled="1"/>
+              </a:gradFill>
+              <a:ln w="38100" algn="ctr">
+                <a:noFill/>
+                <a:round/>
+                <a:headEnd/>
+                <a:tailEnd/>
+              </a:ln>
+              <a:effectLst/>
+            </p:spPr>
+            <p:txBody>
+              <a:bodyPr wrap="none" anchor="ctr">
+                <a:spAutoFit/>
+              </a:bodyPr>
+              <a:lstStyle/>
+              <a:p>
+                <a:endParaRPr lang="en-US"/>
+              </a:p>
+            </p:txBody>
+          </p:sp>
+          <p:sp>
+            <p:nvSpPr>
+              <p:cNvPr id="65557" name="Oval 21"/>
+              <p:cNvSpPr>
+                <a:spLocks noChangeArrowheads="1"/>
+              </p:cNvSpPr>
+              <p:nvPr/>
+            </p:nvSpPr>
+            <p:spPr bwMode="gray">
+              <a:xfrm>
+                <a:off x="841" y="1897"/>
+                <a:ext cx="334" cy="334"/>
+              </a:xfrm>
+              <a:prstGeom prst="ellipse">
+                <a:avLst/>
+              </a:prstGeom>
+              <a:gradFill rotWithShape="1">
+                <a:gsLst>
+                  <a:gs pos="0">
+                    <a:schemeClr val="accent2">
+                      <a:gamma/>
+                      <a:shade val="54118"/>
+                      <a:invGamma/>
+                    </a:schemeClr>
+                  </a:gs>
+                  <a:gs pos="50000">
+                    <a:schemeClr val="accent2"/>
+                  </a:gs>
+                  <a:gs pos="100000">
+                    <a:schemeClr val="accent2">
+                      <a:gamma/>
+                      <a:shade val="54118"/>
+                      <a:invGamma/>
+                    </a:schemeClr>
+                  </a:gs>
+                </a:gsLst>
+                <a:lin ang="18900000" scaled="1"/>
+              </a:gradFill>
+              <a:ln w="38100" algn="ctr">
+                <a:noFill/>
+                <a:round/>
+                <a:headEnd/>
+                <a:tailEnd/>
+              </a:ln>
+              <a:effectLst/>
+            </p:spPr>
+            <p:txBody>
+              <a:bodyPr anchor="ctr">
+                <a:spAutoFit/>
+              </a:bodyPr>
+              <a:lstStyle/>
+              <a:p>
+                <a:endParaRPr lang="en-US"/>
+              </a:p>
+            </p:txBody>
+          </p:sp>
+          <p:sp>
+            <p:nvSpPr>
+              <p:cNvPr id="65558" name="Oval 22"/>
+              <p:cNvSpPr>
+                <a:spLocks noChangeArrowheads="1"/>
+              </p:cNvSpPr>
+              <p:nvPr/>
+            </p:nvSpPr>
+            <p:spPr bwMode="gray">
+              <a:xfrm>
+                <a:off x="866" y="1922"/>
+                <a:ext cx="334" cy="334"/>
+              </a:xfrm>
+              <a:prstGeom prst="ellipse">
+                <a:avLst/>
+              </a:prstGeom>
+              <a:gradFill rotWithShape="1">
+                <a:gsLst>
+                  <a:gs pos="0">
+                    <a:schemeClr val="accent2">
+                      <a:gamma/>
+                      <a:shade val="63529"/>
+                      <a:invGamma/>
+                    </a:schemeClr>
+                  </a:gs>
+                  <a:gs pos="100000">
+                    <a:schemeClr val="accent2">
+                      <a:alpha val="0"/>
+                    </a:schemeClr>
+                  </a:gs>
+                </a:gsLst>
+                <a:lin ang="2700000" scaled="1"/>
+              </a:gradFill>
+              <a:ln w="38100" algn="ctr">
+                <a:noFill/>
+                <a:round/>
+                <a:headEnd/>
+                <a:tailEnd/>
+              </a:ln>
+              <a:effectLst/>
+            </p:spPr>
+            <p:txBody>
+              <a:bodyPr anchor="ctr">
+                <a:spAutoFit/>
+              </a:bodyPr>
+              <a:lstStyle/>
+              <a:p>
+                <a:endParaRPr lang="en-US"/>
+              </a:p>
+            </p:txBody>
+          </p:sp>
+          <p:sp>
+            <p:nvSpPr>
+              <p:cNvPr id="65559" name="Oval 23"/>
+              <p:cNvSpPr>
+                <a:spLocks noChangeArrowheads="1"/>
+              </p:cNvSpPr>
+              <p:nvPr/>
+            </p:nvSpPr>
+            <p:spPr bwMode="gray">
+              <a:xfrm>
+                <a:off x="859" y="1914"/>
+                <a:ext cx="300" cy="300"/>
+              </a:xfrm>
+              <a:prstGeom prst="ellipse">
+                <a:avLst/>
+              </a:prstGeom>
+              <a:solidFill>
+                <a:srgbClr val="333333"/>
+              </a:solidFill>
+              <a:ln w="38100" algn="ctr">
+                <a:noFill/>
+                <a:round/>
+                <a:headEnd/>
+                <a:tailEnd/>
+              </a:ln>
+              <a:effectLst/>
+            </p:spPr>
+            <p:txBody>
+              <a:bodyPr anchor="ctr">
+                <a:spAutoFit/>
+              </a:bodyPr>
+              <a:lstStyle/>
+              <a:p>
+                <a:endParaRPr lang="en-US"/>
+              </a:p>
+            </p:txBody>
+          </p:sp>
+          <p:sp>
+            <p:nvSpPr>
+              <p:cNvPr id="65560" name="Oval 24"/>
+              <p:cNvSpPr>
+                <a:spLocks noChangeArrowheads="1"/>
+              </p:cNvSpPr>
+              <p:nvPr/>
+            </p:nvSpPr>
+            <p:spPr bwMode="gray">
+              <a:xfrm>
+                <a:off x="864" y="1919"/>
+                <a:ext cx="291" cy="291"/>
+              </a:xfrm>
+              <a:prstGeom prst="ellipse">
+                <a:avLst/>
+              </a:prstGeom>
+              <a:gradFill rotWithShape="1">
+                <a:gsLst>
+                  <a:gs pos="0">
+                    <a:srgbClr val="C0C0C0">
+                      <a:gamma/>
+                      <a:shade val="46275"/>
+                      <a:invGamma/>
+                    </a:srgbClr>
+                  </a:gs>
+                  <a:gs pos="100000">
+                    <a:srgbClr val="C0C0C0"/>
+                  </a:gs>
+                </a:gsLst>
+                <a:lin ang="5400000" scaled="1"/>
+              </a:gradFill>
+              <a:ln w="9525" algn="ctr">
+                <a:noFill/>
+                <a:round/>
+                <a:headEnd/>
+                <a:tailEnd/>
+              </a:ln>
+              <a:effectLst/>
+            </p:spPr>
+            <p:txBody>
+              <a:bodyPr vert="eaVert" wrap="none" anchor="ctr"/>
+              <a:lstStyle/>
+              <a:p>
+                <a:endParaRPr lang="en-US"/>
+              </a:p>
+            </p:txBody>
+          </p:sp>
+          <p:sp>
+            <p:nvSpPr>
+              <p:cNvPr id="65561" name="Oval 25"/>
+              <p:cNvSpPr>
+                <a:spLocks noChangeArrowheads="1"/>
+              </p:cNvSpPr>
+              <p:nvPr/>
+            </p:nvSpPr>
+            <p:spPr bwMode="gray">
+              <a:xfrm>
+                <a:off x="868" y="1921"/>
+                <a:ext cx="283" cy="283"/>
+              </a:xfrm>
+              <a:prstGeom prst="ellipse">
+                <a:avLst/>
+              </a:prstGeom>
+              <a:gradFill rotWithShape="1">
+                <a:gsLst>
+                  <a:gs pos="0">
+                    <a:srgbClr val="C0C0C0">
+                      <a:alpha val="0"/>
+                    </a:srgbClr>
+                  </a:gs>
+                  <a:gs pos="100000">
+                    <a:srgbClr val="C0C0C0">
+                      <a:gamma/>
+                      <a:tint val="34902"/>
+                      <a:invGamma/>
+                    </a:srgbClr>
+                  </a:gs>
+                </a:gsLst>
+                <a:lin ang="5400000" scaled="1"/>
+              </a:gradFill>
+              <a:ln w="9525" algn="ctr">
+                <a:noFill/>
+                <a:round/>
+                <a:headEnd/>
+                <a:tailEnd/>
+              </a:ln>
+              <a:effectLst/>
+            </p:spPr>
+            <p:txBody>
+              <a:bodyPr vert="eaVert" wrap="none" anchor="ctr"/>
+              <a:lstStyle/>
+              <a:p>
+                <a:endParaRPr lang="en-US"/>
+              </a:p>
+            </p:txBody>
+          </p:sp>
+          <p:sp>
+            <p:nvSpPr>
+              <p:cNvPr id="65562" name="Oval 26"/>
+              <p:cNvSpPr>
+                <a:spLocks noChangeArrowheads="1"/>
+              </p:cNvSpPr>
+              <p:nvPr/>
+            </p:nvSpPr>
+            <p:spPr bwMode="gray">
+              <a:xfrm>
+                <a:off x="871" y="1923"/>
+                <a:ext cx="270" cy="265"/>
+              </a:xfrm>
+              <a:prstGeom prst="ellipse">
+                <a:avLst/>
+              </a:prstGeom>
+              <a:gradFill rotWithShape="1">
+                <a:gsLst>
+                  <a:gs pos="0">
+                    <a:srgbClr val="C0C0C0">
+                      <a:gamma/>
+                      <a:shade val="79216"/>
+                      <a:invGamma/>
+                    </a:srgbClr>
+                  </a:gs>
+                  <a:gs pos="100000">
+                    <a:srgbClr val="C0C0C0">
+                      <a:alpha val="48000"/>
+                    </a:srgbClr>
+                  </a:gs>
+                </a:gsLst>
+                <a:lin ang="5400000" scaled="1"/>
+              </a:gradFill>
+              <a:ln w="9525" algn="ctr">
+                <a:noFill/>
+                <a:round/>
+                <a:headEnd/>
+                <a:tailEnd/>
+              </a:ln>
+              <a:effectLst/>
+            </p:spPr>
+            <p:txBody>
+              <a:bodyPr vert="eaVert" wrap="none" anchor="ctr"/>
+              <a:lstStyle/>
+              <a:p>
+                <a:endParaRPr lang="en-US"/>
+              </a:p>
+            </p:txBody>
+          </p:sp>
+          <p:sp>
+            <p:nvSpPr>
+              <p:cNvPr id="65563" name="Oval 27"/>
+              <p:cNvSpPr>
+                <a:spLocks noChangeArrowheads="1"/>
+              </p:cNvSpPr>
+              <p:nvPr/>
+            </p:nvSpPr>
+            <p:spPr bwMode="gray">
+              <a:xfrm>
+                <a:off x="886" y="1931"/>
+                <a:ext cx="240" cy="215"/>
+              </a:xfrm>
+              <a:prstGeom prst="ellipse">
+                <a:avLst/>
+              </a:prstGeom>
+              <a:gradFill rotWithShape="1">
+                <a:gsLst>
+                  <a:gs pos="0">
+                    <a:srgbClr val="C0C0C0">
+                      <a:gamma/>
+                      <a:tint val="0"/>
+                      <a:invGamma/>
+                    </a:srgbClr>
+                  </a:gs>
+                  <a:gs pos="100000">
+                    <a:srgbClr val="C0C0C0">
+                      <a:alpha val="38000"/>
+                    </a:srgbClr>
+                  </a:gs>
+                </a:gsLst>
+                <a:lin ang="5400000" scaled="1"/>
+              </a:gradFill>
+              <a:ln w="9525" algn="ctr">
+                <a:noFill/>
+                <a:round/>
+                <a:headEnd/>
+                <a:tailEnd/>
+              </a:ln>
+              <a:effectLst/>
+            </p:spPr>
+            <p:txBody>
+              <a:bodyPr vert="eaVert" wrap="none" anchor="ctr"/>
+              <a:lstStyle/>
+              <a:p>
+                <a:endParaRPr lang="en-US"/>
+              </a:p>
+            </p:txBody>
+          </p:sp>
+        </p:grpSp>
+        <p:sp>
+          <p:nvSpPr>
+            <p:cNvPr id="65564" name="Line 28"/>
+            <p:cNvSpPr>
+              <a:spLocks noChangeShapeType="1"/>
+            </p:cNvSpPr>
+            <p:nvPr/>
+          </p:nvSpPr>
+          <p:spPr bwMode="auto">
+            <a:xfrm>
+              <a:off x="1584" y="3373"/>
+              <a:ext cx="3024" cy="1"/>
+            </a:xfrm>
+            <a:prstGeom prst="line">
+              <a:avLst/>
+            </a:prstGeom>
+            <a:noFill/>
+            <a:ln w="25400">
+              <a:solidFill>
+                <a:schemeClr val="tx2"/>
+              </a:solidFill>
+              <a:prstDash val="sysDot"/>
+              <a:round/>
+              <a:headEnd/>
+              <a:tailEnd type="oval" w="med" len="med"/>
+            </a:ln>
+            <a:effectLst/>
+          </p:spPr>
+          <p:txBody>
+            <a:bodyPr wrap="none" anchor="ctr"/>
+            <a:lstStyle/>
+            <a:p>
+              <a:endParaRPr lang="en-US"/>
+            </a:p>
+          </p:txBody>
+        </p:sp>
+        <p:sp>
+          <p:nvSpPr>
+            <p:cNvPr id="65565" name="Text Box 29"/>
+            <p:cNvSpPr txBox="1">
+              <a:spLocks noChangeArrowheads="1"/>
+            </p:cNvSpPr>
+            <p:nvPr/>
+          </p:nvSpPr>
+          <p:spPr bwMode="auto">
+            <a:xfrm>
+              <a:off x="1728" y="3037"/>
+              <a:ext cx="2736" cy="288"/>
+            </a:xfrm>
+            <a:prstGeom prst="rect">
+              <a:avLst/>
+            </a:prstGeom>
+            <a:noFill/>
+            <a:ln w="9525" algn="ctr">
+              <a:noFill/>
+              <a:miter lim="800000"/>
+              <a:headEnd/>
+              <a:tailEnd/>
+            </a:ln>
+            <a:effectLst/>
+          </p:spPr>
+          <p:txBody>
+            <a:bodyPr>
+              <a:spAutoFit/>
+            </a:bodyPr>
+            <a:lstStyle/>
+            <a:p>
+              <a:pPr algn="ctr" eaLnBrk="0" hangingPunct="0"/>
+              <a:r>
+                <a:rPr lang="en-US" sz="2400" dirty="0" smtClean="0">
+                  <a:solidFill>
+                    <a:schemeClr val="tx2"/>
+                  </a:solidFill>
+                </a:rPr>
+                <a:t>Model</a:t>
+              </a:r>
+              <a:endParaRPr lang="en-US" sz="2400" dirty="0">
+                <a:solidFill>
+                  <a:schemeClr val="tx2"/>
+                </a:solidFill>
+              </a:endParaRPr>
+            </a:p>
+          </p:txBody>
+        </p:sp>
+        <p:sp>
+          <p:nvSpPr>
+            <p:cNvPr id="65566" name="Text Box 30"/>
+            <p:cNvSpPr txBox="1">
+              <a:spLocks noChangeArrowheads="1"/>
+            </p:cNvSpPr>
+            <p:nvPr/>
+          </p:nvSpPr>
+          <p:spPr bwMode="gray">
+            <a:xfrm>
+              <a:off x="1362" y="3058"/>
+              <a:ext cx="223" cy="288"/>
+            </a:xfrm>
+            <a:prstGeom prst="rect">
+              <a:avLst/>
+            </a:prstGeom>
+            <a:noFill/>
+            <a:ln w="9525" algn="ctr">
+              <a:noFill/>
+              <a:miter lim="800000"/>
+              <a:headEnd/>
+              <a:tailEnd/>
+            </a:ln>
+            <a:effectLst/>
+          </p:spPr>
+          <p:txBody>
+            <a:bodyPr wrap="none">
+              <a:spAutoFit/>
+            </a:bodyPr>
+            <a:lstStyle/>
+            <a:p>
+              <a:pPr algn="ctr" eaLnBrk="0" hangingPunct="0"/>
+              <a:r>
+                <a:rPr lang="en-US" sz="2400" b="1">
+                  <a:solidFill>
+                    <a:srgbClr val="000000"/>
+                  </a:solidFill>
+                </a:rPr>
+                <a:t>4</a:t>
+              </a:r>
+            </a:p>
+          </p:txBody>
+        </p:sp>
+      </p:grpSp>
+    </p:spTree>
+  </p:cSld>
+  <p:clrMapOvr>
+    <a:masterClrMapping/>
+  </p:clrMapOvr>
+  <p:timing>
+    <p:tnLst>
+      <p:par>
+        <p:cTn id="1" dur="indefinite" restart="never" nodeType="tmRoot"/>
+      </p:par>
+    </p:tnLst>
+  </p:timing>
+</p:sld>
+</file>
+
+<file path=ppt/slides/slide31.xml><?xml version="1.0" encoding="utf-8"?>
+<p:sld xmlns:a="http://schemas.openxmlformats.org/drawingml/2006/main" xmlns:r="http://schemas.openxmlformats.org/officeDocument/2006/relationships" xmlns:p="http://schemas.openxmlformats.org/presentationml/2006/main">
+  <p:cSld>
+    <p:spTree>
+      <p:nvGrpSpPr>
+        <p:cNvPr id="1" name=""/>
+        <p:cNvGrpSpPr/>
+        <p:nvPr/>
+      </p:nvGrpSpPr>
+      <p:grpSpPr>
+        <a:xfrm>
+          <a:off x="0" y="0"/>
+          <a:ext cx="0" cy="0"/>
+          <a:chOff x="0" y="0"/>
+          <a:chExt cx="0" cy="0"/>
+        </a:xfrm>
+      </p:grpSpPr>
+      <p:sp>
+        <p:nvSpPr>
+          <p:cNvPr id="2" name="Title 1"/>
+          <p:cNvSpPr>
+            <a:spLocks noGrp="1"/>
+          </p:cNvSpPr>
+          <p:nvPr>
+            <p:ph type="title"/>
+          </p:nvPr>
+        </p:nvSpPr>
+        <p:spPr/>
+        <p:txBody>
+          <a:bodyPr/>
+          <a:lstStyle/>
+          <a:p>
+            <a:r>
+              <a:rPr lang="en-US" dirty="0" smtClean="0"/>
+              <a:t>Model</a:t>
+            </a:r>
+            <a:endParaRPr lang="en-US" dirty="0"/>
+          </a:p>
+        </p:txBody>
+      </p:sp>
+      <p:sp>
+        <p:nvSpPr>
+          <p:cNvPr id="3" name="Content Placeholder 2"/>
+          <p:cNvSpPr>
+            <a:spLocks noGrp="1"/>
+          </p:cNvSpPr>
+          <p:nvPr>
+            <p:ph idx="1"/>
+          </p:nvPr>
+        </p:nvSpPr>
+        <p:spPr/>
+        <p:txBody>
+          <a:bodyPr/>
+          <a:lstStyle/>
+          <a:p>
+            <a:r>
+              <a:rPr lang="en-US" dirty="0" smtClean="0"/>
+              <a:t>Model là ...</a:t>
+            </a:r>
+            <a:endParaRPr lang="en-US" dirty="0"/>
+          </a:p>
+        </p:txBody>
+      </p:sp>
+      <p:pic>
+        <p:nvPicPr>
+          <p:cNvPr id="3076" name="Picture 4" descr="C:\Users\Jundat\Desktop\3d_mia_spin.gif"/>
+          <p:cNvPicPr>
+            <a:picLocks noChangeAspect="1" noChangeArrowheads="1" noCrop="1"/>
+          </p:cNvPicPr>
+          <p:nvPr/>
+        </p:nvPicPr>
+        <p:blipFill>
+          <a:blip r:embed="rId2"/>
+          <a:srcRect/>
+          <a:stretch>
+            <a:fillRect/>
+          </a:stretch>
+        </p:blipFill>
+        <p:spPr bwMode="auto">
+          <a:xfrm>
+            <a:off x="3581400" y="1143000"/>
+            <a:ext cx="3429000" cy="5715000"/>
+          </a:xfrm>
+          <a:prstGeom prst="rect">
+            <a:avLst/>
+          </a:prstGeom>
+          <a:noFill/>
+        </p:spPr>
+      </p:pic>
+    </p:spTree>
+  </p:cSld>
+  <p:clrMapOvr>
+    <a:masterClrMapping/>
+  </p:clrMapOvr>
+  <p:timing>
+    <p:tnLst>
+      <p:par>
+        <p:cTn id="1" dur="indefinite" restart="never" nodeType="tmRoot"/>
+      </p:par>
+    </p:tnLst>
+  </p:timing>
+</p:sld>
+</file>
+
+<file path=ppt/slides/slide32.xml><?xml version="1.0" encoding="utf-8"?>
+<p:sld xmlns:a="http://schemas.openxmlformats.org/drawingml/2006/main" xmlns:r="http://schemas.openxmlformats.org/officeDocument/2006/relationships" xmlns:p="http://schemas.openxmlformats.org/presentationml/2006/main">
+  <p:cSld>
+    <p:spTree>
+      <p:nvGrpSpPr>
+        <p:cNvPr id="1" name=""/>
+        <p:cNvGrpSpPr/>
+        <p:nvPr/>
+      </p:nvGrpSpPr>
+      <p:grpSpPr>
+        <a:xfrm>
+          <a:off x="0" y="0"/>
+          <a:ext cx="0" cy="0"/>
+          <a:chOff x="0" y="0"/>
+          <a:chExt cx="0" cy="0"/>
+        </a:xfrm>
+      </p:grpSpPr>
+      <p:sp>
+        <p:nvSpPr>
+          <p:cNvPr id="2" name="Title 1"/>
+          <p:cNvSpPr>
+            <a:spLocks noGrp="1"/>
+          </p:cNvSpPr>
+          <p:nvPr>
+            <p:ph type="title"/>
+          </p:nvPr>
+        </p:nvSpPr>
+        <p:spPr/>
+        <p:txBody>
+          <a:bodyPr/>
+          <a:lstStyle/>
+          <a:p>
+            <a:r>
+              <a:rPr lang="en-US" dirty="0" smtClean="0"/>
+              <a:t>Model</a:t>
+            </a:r>
+            <a:endParaRPr lang="en-US" dirty="0"/>
+          </a:p>
+        </p:txBody>
+      </p:sp>
+      <p:sp>
+        <p:nvSpPr>
+          <p:cNvPr id="3" name="Content Placeholder 2"/>
+          <p:cNvSpPr>
+            <a:spLocks noGrp="1"/>
+          </p:cNvSpPr>
+          <p:nvPr>
+            <p:ph idx="1"/>
+          </p:nvPr>
+        </p:nvSpPr>
+        <p:spPr/>
+        <p:txBody>
+          <a:bodyPr/>
+          <a:lstStyle/>
+          <a:p>
+            <a:r>
+              <a:rPr lang="en-US" dirty="0" smtClean="0"/>
+              <a:t>Có nhiều nhà phát triển, với rất nhiều định dạng khác nhau</a:t>
+            </a:r>
+          </a:p>
+          <a:p>
+            <a:r>
+              <a:rPr lang="en-US" dirty="0" smtClean="0"/>
+              <a:t>max, 3ds, fbx, 3dm, dxf, md2, obj, c4d, gmax, ...</a:t>
+            </a:r>
+          </a:p>
+          <a:p>
+            <a:endParaRPr lang="en-US" dirty="0" smtClean="0"/>
+          </a:p>
+          <a:p>
+            <a:r>
+              <a:rPr lang="en-US" dirty="0" smtClean="0"/>
+              <a:t>Demo: nfg, obj, md2</a:t>
+            </a:r>
+          </a:p>
+        </p:txBody>
+      </p:sp>
+    </p:spTree>
+  </p:cSld>
+  <p:clrMapOvr>
+    <a:masterClrMapping/>
+  </p:clrMapOvr>
+</p:sld>
+</file>
+
+<file path=ppt/slides/slide33.xml><?xml version="1.0" encoding="utf-8"?>
+<p:sld xmlns:a="http://schemas.openxmlformats.org/drawingml/2006/main" xmlns:r="http://schemas.openxmlformats.org/officeDocument/2006/relationships" xmlns:p="http://schemas.openxmlformats.org/presentationml/2006/main">
+  <p:cSld>
+    <p:spTree>
+      <p:nvGrpSpPr>
+        <p:cNvPr id="1" name=""/>
+        <p:cNvGrpSpPr/>
+        <p:nvPr/>
+      </p:nvGrpSpPr>
+      <p:grpSpPr>
+        <a:xfrm>
+          <a:off x="0" y="0"/>
+          <a:ext cx="0" cy="0"/>
+          <a:chOff x="0" y="0"/>
+          <a:chExt cx="0" cy="0"/>
+        </a:xfrm>
+      </p:grpSpPr>
+      <p:sp>
+        <p:nvSpPr>
+          <p:cNvPr id="2" name="Title 1"/>
+          <p:cNvSpPr>
+            <a:spLocks noGrp="1"/>
+          </p:cNvSpPr>
+          <p:nvPr>
+            <p:ph type="title"/>
+          </p:nvPr>
+        </p:nvSpPr>
+        <p:spPr/>
+        <p:txBody>
+          <a:bodyPr/>
+          <a:lstStyle/>
+          <a:p>
+            <a:r>
+              <a:rPr lang="en-US" dirty="0" smtClean="0"/>
+              <a:t>Model NFG</a:t>
+            </a:r>
+            <a:endParaRPr lang="en-US" dirty="0"/>
+          </a:p>
+        </p:txBody>
+      </p:sp>
+      <p:sp>
+        <p:nvSpPr>
+          <p:cNvPr id="3" name="Content Placeholder 2"/>
+          <p:cNvSpPr>
+            <a:spLocks noGrp="1"/>
+          </p:cNvSpPr>
+          <p:nvPr>
+            <p:ph idx="1"/>
+          </p:nvPr>
+        </p:nvSpPr>
+        <p:spPr/>
+        <p:txBody>
+          <a:bodyPr/>
+          <a:lstStyle/>
+          <a:p>
+            <a:r>
+              <a:rPr lang="en-US" dirty="0" smtClean="0"/>
+              <a:t>NFG</a:t>
+            </a:r>
+          </a:p>
+          <a:p>
+            <a:pPr lvl="1"/>
+            <a:r>
+              <a:rPr lang="en-US" dirty="0" smtClean="0"/>
+              <a:t>*.nfg</a:t>
+            </a:r>
+          </a:p>
+          <a:p>
+            <a:pPr lvl="1"/>
+            <a:r>
+              <a:rPr lang="en-US" dirty="0" smtClean="0"/>
+              <a:t>Từ GameLoft</a:t>
+            </a:r>
+          </a:p>
+          <a:p>
+            <a:pPr lvl="1"/>
+            <a:r>
+              <a:rPr lang="en-US" dirty="0" smtClean="0"/>
+              <a:t>Định dạng file khá đơn giản</a:t>
+            </a:r>
+          </a:p>
+          <a:p>
+            <a:pPr lvl="1"/>
+            <a:r>
+              <a:rPr lang="en-US" dirty="0" smtClean="0"/>
+              <a:t>Dùng cho các đối tượng tĩnh</a:t>
+            </a:r>
+          </a:p>
+        </p:txBody>
+      </p:sp>
+    </p:spTree>
+  </p:cSld>
+  <p:clrMapOvr>
+    <a:masterClrMapping/>
+  </p:clrMapOvr>
+</p:sld>
+</file>
+
+<file path=ppt/slides/slide34.xml><?xml version="1.0" encoding="utf-8"?>
+<p:sld xmlns:a="http://schemas.openxmlformats.org/drawingml/2006/main" xmlns:r="http://schemas.openxmlformats.org/officeDocument/2006/relationships" xmlns:p="http://schemas.openxmlformats.org/presentationml/2006/main">
+  <p:cSld>
+    <p:spTree>
+      <p:nvGrpSpPr>
+        <p:cNvPr id="1" name=""/>
+        <p:cNvGrpSpPr/>
+        <p:nvPr/>
+      </p:nvGrpSpPr>
+      <p:grpSpPr>
+        <a:xfrm>
+          <a:off x="0" y="0"/>
+          <a:ext cx="0" cy="0"/>
+          <a:chOff x="0" y="0"/>
+          <a:chExt cx="0" cy="0"/>
+        </a:xfrm>
+      </p:grpSpPr>
+      <p:sp>
+        <p:nvSpPr>
+          <p:cNvPr id="2" name="Title 1"/>
+          <p:cNvSpPr>
+            <a:spLocks noGrp="1"/>
+          </p:cNvSpPr>
+          <p:nvPr>
+            <p:ph type="title"/>
+          </p:nvPr>
+        </p:nvSpPr>
+        <p:spPr/>
+        <p:txBody>
+          <a:bodyPr/>
+          <a:lstStyle/>
+          <a:p>
+            <a:r>
+              <a:rPr lang="en-US" dirty="0" smtClean="0"/>
+              <a:t>Model OBJ</a:t>
+            </a:r>
+            <a:endParaRPr lang="en-US" dirty="0"/>
+          </a:p>
+        </p:txBody>
+      </p:sp>
+      <p:sp>
+        <p:nvSpPr>
+          <p:cNvPr id="3" name="Content Placeholder 2"/>
+          <p:cNvSpPr>
+            <a:spLocks noGrp="1"/>
+          </p:cNvSpPr>
+          <p:nvPr>
+            <p:ph idx="1"/>
+          </p:nvPr>
+        </p:nvSpPr>
+        <p:spPr/>
+        <p:txBody>
+          <a:bodyPr/>
+          <a:lstStyle/>
+          <a:p>
+            <a:r>
+              <a:rPr lang="en-US" dirty="0" smtClean="0"/>
+              <a:t>OBJ</a:t>
+            </a:r>
+          </a:p>
+          <a:p>
+            <a:pPr lvl="1"/>
+            <a:r>
+              <a:rPr lang="en-US" dirty="0" smtClean="0"/>
+              <a:t>*.obj</a:t>
+            </a:r>
+          </a:p>
+          <a:p>
+            <a:pPr lvl="1"/>
+            <a:r>
+              <a:rPr lang="en-US" dirty="0" smtClean="0"/>
+              <a:t>Static model</a:t>
+            </a:r>
+          </a:p>
+          <a:p>
+            <a:pPr lvl="1"/>
+            <a:r>
+              <a:rPr lang="en-US" b="1" dirty="0" smtClean="0"/>
+              <a:t>OBJ</a:t>
+            </a:r>
+            <a:r>
+              <a:rPr lang="en-US" dirty="0" smtClean="0"/>
+              <a:t> là một định dạng file hình học được phát triển lần đầu bởi </a:t>
+            </a:r>
+            <a:r>
+              <a:rPr lang="en-US" u="sng" dirty="0" smtClean="0">
+                <a:solidFill>
+                  <a:schemeClr val="accent5">
+                    <a:lumMod val="50000"/>
+                  </a:schemeClr>
+                </a:solidFill>
+              </a:rPr>
+              <a:t>Wavefront </a:t>
+            </a:r>
+            <a:r>
+              <a:rPr lang="en-US" u="sng" dirty="0" smtClean="0">
+                <a:solidFill>
+                  <a:schemeClr val="accent5">
+                    <a:lumMod val="50000"/>
+                  </a:schemeClr>
+                </a:solidFill>
+              </a:rPr>
+              <a:t>Technologies</a:t>
+            </a:r>
+            <a:r>
+              <a:rPr lang="en-US" dirty="0" smtClean="0"/>
+              <a:t> </a:t>
+            </a:r>
+            <a:r>
+              <a:rPr lang="en-US" dirty="0" smtClean="0"/>
+              <a:t>. Định dạng này mở và đã được sự chấp nhận của các nhà phát triển ứng dụng 3D.</a:t>
+            </a:r>
+          </a:p>
+          <a:p>
+            <a:pPr lvl="1"/>
+            <a:r>
+              <a:rPr lang="en-US" u="sng" dirty="0" smtClean="0">
+                <a:solidFill>
+                  <a:schemeClr val="accent5">
+                    <a:lumMod val="50000"/>
+                  </a:schemeClr>
+                </a:solidFill>
+              </a:rPr>
+              <a:t>http://en.wikipedia.org/wiki/Wavefront_.obj_file</a:t>
+            </a:r>
+            <a:endParaRPr lang="en-US" u="sng" dirty="0" smtClean="0">
+              <a:solidFill>
+                <a:schemeClr val="accent5">
+                  <a:lumMod val="50000"/>
+                </a:schemeClr>
+              </a:solidFill>
+            </a:endParaRPr>
+          </a:p>
+          <a:p>
+            <a:pPr lvl="1"/>
+            <a:endParaRPr lang="en-US" dirty="0"/>
+          </a:p>
+        </p:txBody>
+      </p:sp>
+    </p:spTree>
+  </p:cSld>
+  <p:clrMapOvr>
+    <a:masterClrMapping/>
+  </p:clrMapOvr>
+</p:sld>
+</file>
+
+<file path=ppt/slides/slide35.xml><?xml version="1.0" encoding="utf-8"?>
+<p:sld xmlns:a="http://schemas.openxmlformats.org/drawingml/2006/main" xmlns:r="http://schemas.openxmlformats.org/officeDocument/2006/relationships" xmlns:p="http://schemas.openxmlformats.org/presentationml/2006/main">
+  <p:cSld>
+    <p:spTree>
+      <p:nvGrpSpPr>
+        <p:cNvPr id="1" name=""/>
+        <p:cNvGrpSpPr/>
+        <p:nvPr/>
+      </p:nvGrpSpPr>
+      <p:grpSpPr>
+        <a:xfrm>
+          <a:off x="0" y="0"/>
+          <a:ext cx="0" cy="0"/>
+          <a:chOff x="0" y="0"/>
+          <a:chExt cx="0" cy="0"/>
+        </a:xfrm>
+      </p:grpSpPr>
+      <p:sp>
+        <p:nvSpPr>
+          <p:cNvPr id="2" name="Title 1"/>
+          <p:cNvSpPr>
+            <a:spLocks noGrp="1"/>
+          </p:cNvSpPr>
+          <p:nvPr>
+            <p:ph type="title"/>
+          </p:nvPr>
+        </p:nvSpPr>
+        <p:spPr/>
+        <p:txBody>
+          <a:bodyPr/>
+          <a:lstStyle/>
+          <a:p>
+            <a:r>
+              <a:rPr lang="en-US" dirty="0" smtClean="0"/>
+              <a:t>Model MD2</a:t>
+            </a:r>
+            <a:endParaRPr lang="en-US" dirty="0"/>
+          </a:p>
+        </p:txBody>
+      </p:sp>
+      <p:sp>
+        <p:nvSpPr>
+          <p:cNvPr id="3" name="Content Placeholder 2"/>
+          <p:cNvSpPr>
+            <a:spLocks noGrp="1"/>
+          </p:cNvSpPr>
+          <p:nvPr>
+            <p:ph idx="1"/>
+          </p:nvPr>
+        </p:nvSpPr>
+        <p:spPr/>
+        <p:txBody>
+          <a:bodyPr/>
+          <a:lstStyle/>
+          <a:p>
+            <a:r>
+              <a:rPr lang="en-US" dirty="0" smtClean="0"/>
+              <a:t>MD2</a:t>
+            </a:r>
+          </a:p>
+          <a:p>
+            <a:pPr lvl="1"/>
+            <a:r>
+              <a:rPr lang="en-US" dirty="0" smtClean="0"/>
+              <a:t>*.md2</a:t>
+            </a:r>
+          </a:p>
+          <a:p>
+            <a:pPr lvl="1"/>
+            <a:r>
+              <a:rPr lang="en-US" dirty="0" smtClean="0"/>
+              <a:t>Animation Model</a:t>
+            </a:r>
+          </a:p>
+          <a:p>
+            <a:pPr lvl="1"/>
+            <a:r>
+              <a:rPr lang="en-US" dirty="0" smtClean="0"/>
+              <a:t>MD2 model là định dạng được giới thiệu bởi </a:t>
+            </a:r>
+            <a:r>
+              <a:rPr lang="en-US" i="1" u="sng" dirty="0" smtClean="0">
+                <a:solidFill>
+                  <a:schemeClr val="accent5">
+                    <a:lumMod val="50000"/>
+                  </a:schemeClr>
+                </a:solidFill>
+              </a:rPr>
+              <a:t>id </a:t>
+            </a:r>
+            <a:r>
+              <a:rPr lang="en-US" i="1" u="sng" dirty="0" smtClean="0">
+                <a:solidFill>
+                  <a:schemeClr val="accent5">
+                    <a:lumMod val="50000"/>
+                  </a:schemeClr>
+                </a:solidFill>
+              </a:rPr>
+              <a:t>Software</a:t>
+            </a:r>
+            <a:r>
+              <a:rPr lang="en-US" dirty="0" smtClean="0"/>
+              <a:t> </a:t>
+            </a:r>
+            <a:r>
+              <a:rPr lang="en-US" dirty="0" smtClean="0"/>
+              <a:t>khi đưa ra chương trình Quake </a:t>
+            </a:r>
+            <a:r>
+              <a:rPr lang="en-US" dirty="0" smtClean="0"/>
+              <a:t>2 </a:t>
+            </a:r>
+            <a:r>
+              <a:rPr lang="en-US" dirty="0" smtClean="0"/>
+              <a:t>vào tháng 11/1997.</a:t>
+            </a:r>
+          </a:p>
+          <a:p>
+            <a:pPr lvl="1"/>
+            <a:r>
+              <a:rPr lang="en-US" u="sng" dirty="0" smtClean="0">
+                <a:solidFill>
+                  <a:schemeClr val="accent5">
+                    <a:lumMod val="50000"/>
+                  </a:schemeClr>
+                </a:solidFill>
+              </a:rPr>
+              <a:t>http</a:t>
+            </a:r>
+            <a:r>
+              <a:rPr lang="en-US" u="sng" dirty="0" smtClean="0">
+                <a:solidFill>
+                  <a:schemeClr val="accent5">
+                    <a:lumMod val="50000"/>
+                  </a:schemeClr>
+                </a:solidFill>
+              </a:rPr>
+              <a:t>://</a:t>
+            </a:r>
+            <a:r>
+              <a:rPr lang="en-US" u="sng" dirty="0" smtClean="0">
+                <a:solidFill>
+                  <a:schemeClr val="accent5">
+                    <a:lumMod val="50000"/>
+                  </a:schemeClr>
+                </a:solidFill>
+              </a:rPr>
+              <a:t>tfc.duke.free.fr/coding/md2-specs-en.html</a:t>
+            </a:r>
+          </a:p>
+          <a:p>
+            <a:pPr lvl="1"/>
+            <a:endParaRPr lang="en-US" u="sng" dirty="0">
+              <a:solidFill>
+                <a:schemeClr val="accent5">
+                  <a:lumMod val="50000"/>
+                </a:schemeClr>
+              </a:solidFill>
+            </a:endParaRPr>
+          </a:p>
+        </p:txBody>
+      </p:sp>
+    </p:spTree>
+  </p:cSld>
+  <p:clrMapOvr>
+    <a:masterClrMapping/>
+  </p:clrMapOvr>
+</p:sld>
+</file>
+
+<file path=ppt/slides/slide36.xml><?xml version="1.0" encoding="utf-8"?>
+<p:sld xmlns:a="http://schemas.openxmlformats.org/drawingml/2006/main" xmlns:r="http://schemas.openxmlformats.org/officeDocument/2006/relationships" xmlns:p="http://schemas.openxmlformats.org/presentationml/2006/main">
+  <p:cSld>
+    <p:spTree>
+      <p:nvGrpSpPr>
+        <p:cNvPr id="1" name=""/>
+        <p:cNvGrpSpPr/>
+        <p:nvPr/>
+      </p:nvGrpSpPr>
+      <p:grpSpPr>
+        <a:xfrm>
+          <a:off x="0" y="0"/>
+          <a:ext cx="0" cy="0"/>
+          <a:chOff x="0" y="0"/>
+          <a:chExt cx="0" cy="0"/>
+        </a:xfrm>
+      </p:grpSpPr>
+      <p:sp>
+        <p:nvSpPr>
+          <p:cNvPr id="65538" name="Rectangle 2"/>
+          <p:cNvSpPr>
+            <a:spLocks noGrp="1" noChangeArrowheads="1"/>
+          </p:cNvSpPr>
+          <p:nvPr>
+            <p:ph type="title"/>
+          </p:nvPr>
+        </p:nvSpPr>
+        <p:spPr/>
+        <p:txBody>
+          <a:bodyPr/>
+          <a:lstStyle/>
+          <a:p>
+            <a:r>
+              <a:rPr lang="en-US" dirty="0" smtClean="0"/>
+              <a:t>Q/A</a:t>
+            </a:r>
+            <a:endParaRPr lang="en-US" dirty="0"/>
+          </a:p>
+        </p:txBody>
+      </p:sp>
+      <p:sp>
+        <p:nvSpPr>
+          <p:cNvPr id="77" name="TextBox 76"/>
+          <p:cNvSpPr txBox="1"/>
+          <p:nvPr/>
+        </p:nvSpPr>
+        <p:spPr>
+          <a:xfrm>
+            <a:off x="2133600" y="2331690"/>
+            <a:ext cx="5638800" cy="3154710"/>
+          </a:xfrm>
+          <a:prstGeom prst="rect">
+            <a:avLst/>
+          </a:prstGeom>
+          <a:noFill/>
+        </p:spPr>
+        <p:txBody>
+          <a:bodyPr wrap="square" rtlCol="0">
+            <a:spAutoFit/>
+            <a:scene3d>
+              <a:camera prst="isometricOffAxis1Right"/>
+              <a:lightRig rig="freezing" dir="t"/>
+            </a:scene3d>
+            <a:sp3d extrusionH="57150" prstMaterial="plastic">
+              <a:bevelT w="152400" h="152400" prst="coolSlant"/>
+              <a:bevelB w="152400" h="152400" prst="angle"/>
+            </a:sp3d>
+          </a:bodyPr>
+          <a:lstStyle/>
+          <a:p>
+            <a:r>
+              <a:rPr lang="en-US" sz="19900" b="1" dirty="0" smtClean="0">
+                <a:ln>
+                  <a:gradFill>
+                    <a:gsLst>
+                      <a:gs pos="0">
+                        <a:srgbClr val="5E9EFF"/>
+                      </a:gs>
+                      <a:gs pos="39999">
+                        <a:srgbClr val="85C2FF"/>
+                      </a:gs>
+                      <a:gs pos="70000">
+                        <a:srgbClr val="C4D6EB"/>
+                      </a:gs>
+                      <a:gs pos="100000">
+                        <a:srgbClr val="FFEBFA"/>
+                      </a:gs>
+                    </a:gsLst>
+                    <a:lin ang="5400000" scaled="0"/>
+                  </a:gradFill>
+                </a:ln>
+                <a:gradFill>
+                  <a:gsLst>
+                    <a:gs pos="0">
+                      <a:srgbClr val="000000"/>
+                    </a:gs>
+                    <a:gs pos="39999">
+                      <a:srgbClr val="0A128C"/>
+                    </a:gs>
+                    <a:gs pos="70000">
+                      <a:srgbClr val="181CC7"/>
+                    </a:gs>
+                    <a:gs pos="88000">
+                      <a:srgbClr val="7005D4"/>
+                    </a:gs>
+                    <a:gs pos="100000">
+                      <a:srgbClr val="8C3D91"/>
+                    </a:gs>
+                  </a:gsLst>
+                  <a:lin ang="5400000" scaled="0"/>
+                </a:gradFill>
+                <a:effectLst>
+                  <a:outerShdw blurRad="63500" dist="76200" dir="18120000" sx="106000" sy="106000" algn="r" rotWithShape="0">
+                    <a:prstClr val="black">
+                      <a:alpha val="40000"/>
+                    </a:prstClr>
+                  </a:outerShdw>
+                </a:effectLst>
+                <a:latin typeface="Times New Roman" pitchFamily="18" charset="0"/>
+                <a:cs typeface="Times New Roman" pitchFamily="18" charset="0"/>
+              </a:rPr>
+              <a:t>Q/A</a:t>
+            </a:r>
+            <a:endParaRPr lang="en-US" sz="19900" b="1" dirty="0">
+              <a:ln>
+                <a:gradFill>
+                  <a:gsLst>
+                    <a:gs pos="0">
+                      <a:srgbClr val="5E9EFF"/>
+                    </a:gs>
+                    <a:gs pos="39999">
+                      <a:srgbClr val="85C2FF"/>
+                    </a:gs>
+                    <a:gs pos="70000">
+                      <a:srgbClr val="C4D6EB"/>
+                    </a:gs>
+                    <a:gs pos="100000">
+                      <a:srgbClr val="FFEBFA"/>
+                    </a:gs>
+                  </a:gsLst>
+                  <a:lin ang="5400000" scaled="0"/>
+                </a:gradFill>
+              </a:ln>
+              <a:gradFill>
+                <a:gsLst>
+                  <a:gs pos="0">
+                    <a:srgbClr val="000000"/>
+                  </a:gs>
+                  <a:gs pos="39999">
+                    <a:srgbClr val="0A128C"/>
+                  </a:gs>
+                  <a:gs pos="70000">
+                    <a:srgbClr val="181CC7"/>
+                  </a:gs>
+                  <a:gs pos="88000">
+                    <a:srgbClr val="7005D4"/>
+                  </a:gs>
+                  <a:gs pos="100000">
+                    <a:srgbClr val="8C3D91"/>
+                  </a:gs>
+                </a:gsLst>
+                <a:lin ang="5400000" scaled="0"/>
+              </a:gradFill>
+              <a:effectLst>
+                <a:outerShdw blurRad="63500" dist="76200" dir="18120000" sx="106000" sy="106000" algn="r" rotWithShape="0">
+                  <a:prstClr val="black">
+                    <a:alpha val="40000"/>
+                  </a:prstClr>
+                </a:outerShdw>
+              </a:effectLst>
+              <a:latin typeface="Times New Roman" pitchFamily="18" charset="0"/>
+              <a:cs typeface="Times New Roman" pitchFamily="18" charset="0"/>
+            </a:endParaRPr>
+          </a:p>
+        </p:txBody>
+      </p:sp>
+    </p:spTree>
+  </p:cSld>
+  <p:clrMapOvr>
+    <a:masterClrMapping/>
+  </p:clrMapOvr>
+  <p:timing>
+    <p:tnLst>
+      <p:par>
+        <p:cTn id="1" dur="indefinite" restart="never" nodeType="tmRoot"/>
+      </p:par>
+    </p:tnLst>
+  </p:timing>
+</p:sld>
+</file>
+
+<file path=ppt/slides/slide37.xml><?xml version="1.0" encoding="utf-8"?>
 <p:sld xmlns:a="http://schemas.openxmlformats.org/drawingml/2006/main" xmlns:r="http://schemas.openxmlformats.org/officeDocument/2006/relationships" xmlns:p="http://schemas.openxmlformats.org/presentationml/2006/main">
   <p:cSld>
     <p:spTree>
@@ -28982,8 +32723,8 @@
         </p:nvSpPr>
         <p:spPr>
           <a:xfrm>
-            <a:off x="5638800" y="6172200"/>
-            <a:ext cx="2971800" cy="457200"/>
+            <a:off x="4114800" y="5562600"/>
+            <a:ext cx="5029200" cy="1143000"/>
           </a:xfrm>
         </p:spPr>
         <p:txBody>
@@ -28991,9 +32732,24 @@
           <a:lstStyle/>
           <a:p>
             <a:r>
-              <a:rPr lang="en-US" sz="1600" b="0"/>
-              <a:t>Add your company slogan</a:t>
-            </a:r>
+              <a:rPr lang="en-US" sz="1800" dirty="0" smtClean="0"/>
+              <a:t>Phạm Tấn Long – 10520163</a:t>
+            </a:r>
+          </a:p>
+          <a:p>
+            <a:r>
+              <a:rPr lang="en-US" sz="1800" dirty="0" smtClean="0"/>
+              <a:t>Nguyễn Ngọc Thanh Huy – 10520480</a:t>
+            </a:r>
+          </a:p>
+          <a:p>
+            <a:r>
+              <a:rPr lang="en-US" sz="1800" dirty="0" smtClean="0"/>
+              <a:t>Nguyễn Giang Châu – 10520___</a:t>
+            </a:r>
+          </a:p>
+          <a:p>
+            <a:endParaRPr lang="en-US" sz="1800" dirty="0"/>
           </a:p>
         </p:txBody>
       </p:sp>
@@ -29077,7 +32833,7 @@
 </p:sld>
 </file>
 
-<file path=ppt/slides/slide3.xml><?xml version="1.0" encoding="utf-8"?>
+<file path=ppt/slides/slide4.xml><?xml version="1.0" encoding="utf-8"?>
 <p:sld xmlns:a="http://schemas.openxmlformats.org/drawingml/2006/main" xmlns:r="http://schemas.openxmlformats.org/officeDocument/2006/relationships" xmlns:p="http://schemas.openxmlformats.org/presentationml/2006/main" show="0">
   <p:cSld>
     <p:spTree>
@@ -29253,7 +33009,7 @@
 </p:sld>
 </file>
 
-<file path=ppt/slides/slide4.xml><?xml version="1.0" encoding="utf-8"?>
+<file path=ppt/slides/slide5.xml><?xml version="1.0" encoding="utf-8"?>
 <p:sld xmlns:a="http://schemas.openxmlformats.org/drawingml/2006/main" xmlns:r="http://schemas.openxmlformats.org/officeDocument/2006/relationships" xmlns:p="http://schemas.openxmlformats.org/presentationml/2006/main">
   <p:cSld>
     <p:spTree>
@@ -29364,7 +33120,7 @@
 </p:sld>
 </file>
 
-<file path=ppt/slides/slide5.xml><?xml version="1.0" encoding="utf-8"?>
+<file path=ppt/slides/slide6.xml><?xml version="1.0" encoding="utf-8"?>
 <p:sld xmlns:a="http://schemas.openxmlformats.org/drawingml/2006/main" xmlns:r="http://schemas.openxmlformats.org/officeDocument/2006/relationships" xmlns:p="http://schemas.openxmlformats.org/presentationml/2006/main">
   <p:cSld>
     <p:spTree>
@@ -29482,144 +33238,6 @@
 </p:sld>
 </file>
 
-<file path=ppt/slides/slide6.xml><?xml version="1.0" encoding="utf-8"?>
-<p:sld xmlns:a="http://schemas.openxmlformats.org/drawingml/2006/main" xmlns:r="http://schemas.openxmlformats.org/officeDocument/2006/relationships" xmlns:p="http://schemas.openxmlformats.org/presentationml/2006/main">
-  <p:cSld>
-    <p:spTree>
-      <p:nvGrpSpPr>
-        <p:cNvPr id="1" name=""/>
-        <p:cNvGrpSpPr/>
-        <p:nvPr/>
-      </p:nvGrpSpPr>
-      <p:grpSpPr>
-        <a:xfrm>
-          <a:off x="0" y="0"/>
-          <a:ext cx="0" cy="0"/>
-          <a:chOff x="0" y="0"/>
-          <a:chExt cx="0" cy="0"/>
-        </a:xfrm>
-      </p:grpSpPr>
-      <p:sp>
-        <p:nvSpPr>
-          <p:cNvPr id="2" name="Title 1"/>
-          <p:cNvSpPr>
-            <a:spLocks noGrp="1"/>
-          </p:cNvSpPr>
-          <p:nvPr>
-            <p:ph type="title"/>
-          </p:nvPr>
-        </p:nvSpPr>
-        <p:spPr/>
-        <p:txBody>
-          <a:bodyPr/>
-          <a:lstStyle/>
-          <a:p>
-            <a:r>
-              <a:rPr lang="en-US" smtClean="0"/>
-              <a:t>CAMERA 3D</a:t>
-            </a:r>
-            <a:endParaRPr lang="en-US"/>
-          </a:p>
-        </p:txBody>
-      </p:sp>
-      <p:sp>
-        <p:nvSpPr>
-          <p:cNvPr id="4" name="TextBox 3"/>
-          <p:cNvSpPr txBox="1"/>
-          <p:nvPr/>
-        </p:nvSpPr>
-        <p:spPr>
-          <a:xfrm>
-            <a:off x="609600" y="990600"/>
-            <a:ext cx="4114800" cy="523220"/>
-          </a:xfrm>
-          <a:prstGeom prst="rect">
-            <a:avLst/>
-          </a:prstGeom>
-          <a:noFill/>
-        </p:spPr>
-        <p:txBody>
-          <a:bodyPr wrap="square" rtlCol="0">
-            <a:spAutoFit/>
-          </a:bodyPr>
-          <a:lstStyle/>
-          <a:p>
-            <a:r>
-              <a:rPr lang="en-US" sz="2800" b="1" u="sng" smtClean="0">
-                <a:latin typeface="Adobe Gothic Std B" pitchFamily="34" charset="-128"/>
-                <a:ea typeface="Adobe Gothic Std B" pitchFamily="34" charset="-128"/>
-              </a:rPr>
-              <a:t>OpenGL Matrix</a:t>
-            </a:r>
-          </a:p>
-        </p:txBody>
-      </p:sp>
-      <p:sp>
-        <p:nvSpPr>
-          <p:cNvPr id="5" name="TextBox 4"/>
-          <p:cNvSpPr txBox="1"/>
-          <p:nvPr/>
-        </p:nvSpPr>
-        <p:spPr>
-          <a:xfrm>
-            <a:off x="152400" y="1752600"/>
-            <a:ext cx="8458200" cy="1631216"/>
-          </a:xfrm>
-          <a:prstGeom prst="rect">
-            <a:avLst/>
-          </a:prstGeom>
-          <a:noFill/>
-        </p:spPr>
-        <p:txBody>
-          <a:bodyPr wrap="square" rtlCol="0">
-            <a:spAutoFit/>
-          </a:bodyPr>
-          <a:lstStyle/>
-          <a:p>
-            <a:pPr lvl="1">
-              <a:buFont typeface="Wingdings" pitchFamily="2" charset="2"/>
-              <a:buChar char="v"/>
-            </a:pPr>
-            <a:r>
-              <a:rPr lang="en-US" sz="2000" b="1" smtClean="0"/>
-              <a:t>GL_MODELVIEW</a:t>
-            </a:r>
-            <a:r>
-              <a:rPr lang="en-US" sz="2000" smtClean="0"/>
-              <a:t>: matrix chứa thông tin transform của các đối tượng trong không gian. Những câu lệnh translate, rotate, scale sẽ tác dụng lên ma trận này</a:t>
-            </a:r>
-          </a:p>
-          <a:p>
-            <a:pPr lvl="1">
-              <a:buFont typeface="Wingdings" pitchFamily="2" charset="2"/>
-              <a:buChar char="v"/>
-            </a:pPr>
-            <a:r>
-              <a:rPr lang="en-US" sz="2000" b="1" smtClean="0"/>
-              <a:t>GL_PROJECTION </a:t>
-            </a:r>
-            <a:r>
-              <a:rPr lang="en-US" sz="2000" smtClean="0"/>
-              <a:t>matrix chứa thông tin của mắt nhìn (projector), như độ mở của mắt, điểm cực viễn, điểm cực cận, …</a:t>
-            </a:r>
-          </a:p>
-        </p:txBody>
-      </p:sp>
-    </p:spTree>
-  </p:cSld>
-  <p:clrMapOvr>
-    <a:masterClrMapping/>
-  </p:clrMapOvr>
-  <p:timing>
-    <p:tnLst>
-      <p:par>
-        <p:cTn id="1" dur="indefinite" restart="never" nodeType="tmRoot"/>
-      </p:par>
-    </p:tnLst>
-  </p:timing>
-</p:sld>
-</file>
-
 <file path=ppt/slides/slide7.xml><?xml version="1.0" encoding="utf-8"?>
 <p:sld xmlns:a="http://schemas.openxmlformats.org/drawingml/2006/main" xmlns:r="http://schemas.openxmlformats.org/officeDocument/2006/relationships" xmlns:p="http://schemas.openxmlformats.org/presentationml/2006/main">
   <p:cSld>
@@ -29694,79 +33312,52 @@
       </p:sp>
       <p:sp>
         <p:nvSpPr>
-          <p:cNvPr id="5" name="Rectangle 4"/>
-          <p:cNvSpPr/>
+          <p:cNvPr id="5" name="TextBox 4"/>
+          <p:cNvSpPr txBox="1"/>
           <p:nvPr/>
         </p:nvSpPr>
         <p:spPr>
           <a:xfrm>
-            <a:off x="685800" y="2057400"/>
-            <a:ext cx="7467600" cy="2308324"/>
+            <a:off x="152400" y="1752600"/>
+            <a:ext cx="8458200" cy="1631216"/>
           </a:xfrm>
           <a:prstGeom prst="rect">
             <a:avLst/>
           </a:prstGeom>
+          <a:noFill/>
         </p:spPr>
         <p:txBody>
-          <a:bodyPr wrap="square">
+          <a:bodyPr wrap="square" rtlCol="0">
             <a:spAutoFit/>
           </a:bodyPr>
           <a:lstStyle/>
           <a:p>
-            <a:r>
-              <a:rPr lang="en-US" sz="2400" smtClean="0"/>
-              <a:t>Chúng ta có 3 hàm dùng để tương tác với GL_PROJECTION matrix</a:t>
-            </a:r>
-          </a:p>
-          <a:p>
-            <a:endParaRPr lang="en-US" sz="2400" smtClean="0"/>
-          </a:p>
-          <a:p>
-            <a:pPr>
+            <a:pPr lvl="1">
               <a:buFont typeface="Wingdings" pitchFamily="2" charset="2"/>
               <a:buChar char="v"/>
             </a:pPr>
             <a:r>
-              <a:rPr lang="en-US" sz="2400" smtClean="0">
-                <a:solidFill>
-                  <a:srgbClr val="00B050"/>
-                </a:solidFill>
-              </a:rPr>
-              <a:t>glFustrum (left, right, bottom, top, near, far);</a:t>
+              <a:rPr lang="en-US" sz="2000" b="1" smtClean="0"/>
+              <a:t>GL_MODELVIEW</a:t>
+            </a:r>
+            <a:r>
+              <a:rPr lang="en-US" sz="2000" smtClean="0"/>
+              <a:t>: matrix chứa thông tin transform của các đối tượng trong không gian. Những câu lệnh translate, rotate, scale sẽ tác dụng lên ma trận này</a:t>
             </a:r>
           </a:p>
           <a:p>
-            <a:pPr>
+            <a:pPr lvl="1">
               <a:buFont typeface="Wingdings" pitchFamily="2" charset="2"/>
               <a:buChar char="v"/>
             </a:pPr>
             <a:r>
-              <a:rPr lang="en-US" sz="2400" smtClean="0">
-                <a:solidFill>
-                  <a:srgbClr val="00B050"/>
-                </a:solidFill>
-              </a:rPr>
-              <a:t>gluPerspective(fovy, aspect, near, far);</a:t>
-            </a:r>
-          </a:p>
-          <a:p>
-            <a:pPr>
-              <a:buFont typeface="Wingdings" pitchFamily="2" charset="2"/>
-              <a:buChar char="v"/>
-            </a:pPr>
-            <a:r>
-              <a:rPr lang="en-US" sz="2400" smtClean="0">
-                <a:solidFill>
-                  <a:srgbClr val="00B050"/>
-                </a:solidFill>
-              </a:rPr>
-              <a:t>glOrtho(left, right, bottom, top, near, far);</a:t>
-            </a:r>
-            <a:endParaRPr lang="en-US" sz="2400">
-              <a:solidFill>
-                <a:srgbClr val="00B050"/>
-              </a:solidFill>
-            </a:endParaRPr>
+              <a:rPr lang="en-US" sz="2000" b="1" smtClean="0"/>
+              <a:t>GL_PROJECTION </a:t>
+            </a:r>
+            <a:r>
+              <a:rPr lang="en-US" sz="2000" smtClean="0"/>
+              <a:t>matrix chứa thông tin của mắt nhìn (projector), như độ mở của mắt, điểm cực viễn, điểm cực cận, …</a:t>
+            </a:r>
           </a:p>
         </p:txBody>
       </p:sp>
@@ -29833,8 +33424,8 @@
         </p:nvSpPr>
         <p:spPr>
           <a:xfrm>
-            <a:off x="762000" y="914400"/>
-            <a:ext cx="5791200" cy="2862322"/>
+            <a:off x="609600" y="990600"/>
+            <a:ext cx="4114800" cy="523220"/>
           </a:xfrm>
           <a:prstGeom prst="rect">
             <a:avLst/>
@@ -29848,300 +33439,90 @@
           <a:lstStyle/>
           <a:p>
             <a:r>
-              <a:rPr lang="en-US" b="1" smtClean="0">
-                <a:solidFill>
-                  <a:srgbClr val="FF0000"/>
-                </a:solidFill>
-                <a:latin typeface="Courier New" pitchFamily="49" charset="0"/>
-                <a:cs typeface="Courier New" pitchFamily="49" charset="0"/>
+              <a:rPr lang="en-US" sz="2800" b="1" u="sng" smtClean="0">
+                <a:latin typeface="Adobe Gothic Std B" pitchFamily="34" charset="-128"/>
+                <a:ea typeface="Adobe Gothic Std B" pitchFamily="34" charset="-128"/>
               </a:rPr>
-              <a:t>void gluLookAt(</a:t>
-            </a:r>
-          </a:p>
-          <a:p>
-            <a:r>
-              <a:rPr lang="en-US" b="1" smtClean="0">
-                <a:solidFill>
-                  <a:srgbClr val="FF0000"/>
-                </a:solidFill>
-                <a:latin typeface="Courier New" pitchFamily="49" charset="0"/>
-                <a:cs typeface="Courier New" pitchFamily="49" charset="0"/>
-              </a:rPr>
-              <a:t>		GLdouble  eyeX, </a:t>
-            </a:r>
-          </a:p>
-          <a:p>
-            <a:r>
-              <a:rPr lang="en-US" b="1" smtClean="0">
-                <a:solidFill>
-                  <a:srgbClr val="FF0000"/>
-                </a:solidFill>
-                <a:latin typeface="Courier New" pitchFamily="49" charset="0"/>
-                <a:cs typeface="Courier New" pitchFamily="49" charset="0"/>
-              </a:rPr>
-              <a:t>		GLdouble  eyeY, </a:t>
-            </a:r>
-          </a:p>
-          <a:p>
-            <a:r>
-              <a:rPr lang="en-US" b="1" smtClean="0">
-                <a:solidFill>
-                  <a:srgbClr val="FF0000"/>
-                </a:solidFill>
-                <a:latin typeface="Courier New" pitchFamily="49" charset="0"/>
-                <a:cs typeface="Courier New" pitchFamily="49" charset="0"/>
-              </a:rPr>
-              <a:t>		GLdouble  eyeZ, </a:t>
-            </a:r>
-          </a:p>
-          <a:p>
-            <a:r>
-              <a:rPr lang="en-US" b="1" smtClean="0">
-                <a:solidFill>
-                  <a:srgbClr val="FF0000"/>
-                </a:solidFill>
-                <a:latin typeface="Courier New" pitchFamily="49" charset="0"/>
-                <a:cs typeface="Courier New" pitchFamily="49" charset="0"/>
-              </a:rPr>
-              <a:t>		GLdouble  centerX, </a:t>
-            </a:r>
-          </a:p>
-          <a:p>
-            <a:r>
-              <a:rPr lang="en-US" b="1" smtClean="0">
-                <a:solidFill>
-                  <a:srgbClr val="FF0000"/>
-                </a:solidFill>
-                <a:latin typeface="Courier New" pitchFamily="49" charset="0"/>
-                <a:cs typeface="Courier New" pitchFamily="49" charset="0"/>
-              </a:rPr>
-              <a:t>		GLdouble  centerY, </a:t>
-            </a:r>
-          </a:p>
-          <a:p>
-            <a:r>
-              <a:rPr lang="en-US" b="1" smtClean="0">
-                <a:solidFill>
-                  <a:srgbClr val="FF0000"/>
-                </a:solidFill>
-                <a:latin typeface="Courier New" pitchFamily="49" charset="0"/>
-                <a:cs typeface="Courier New" pitchFamily="49" charset="0"/>
-              </a:rPr>
-              <a:t>		GLdouble  centerZ, </a:t>
-            </a:r>
-          </a:p>
-          <a:p>
-            <a:r>
-              <a:rPr lang="en-US" b="1" smtClean="0">
-                <a:solidFill>
-                  <a:srgbClr val="FF0000"/>
-                </a:solidFill>
-                <a:latin typeface="Courier New" pitchFamily="49" charset="0"/>
-                <a:cs typeface="Courier New" pitchFamily="49" charset="0"/>
-              </a:rPr>
-              <a:t>		GLdouble  upX, </a:t>
-            </a:r>
-          </a:p>
-          <a:p>
-            <a:r>
-              <a:rPr lang="en-US" b="1" smtClean="0">
-                <a:solidFill>
-                  <a:srgbClr val="FF0000"/>
-                </a:solidFill>
-                <a:latin typeface="Courier New" pitchFamily="49" charset="0"/>
-                <a:cs typeface="Courier New" pitchFamily="49" charset="0"/>
-              </a:rPr>
-              <a:t>		GLdouble  upY,</a:t>
-            </a:r>
-          </a:p>
-          <a:p>
-            <a:r>
-              <a:rPr lang="en-US" b="1" smtClean="0">
-                <a:solidFill>
-                  <a:srgbClr val="FF0000"/>
-                </a:solidFill>
-                <a:latin typeface="Courier New" pitchFamily="49" charset="0"/>
-                <a:cs typeface="Courier New" pitchFamily="49" charset="0"/>
-              </a:rPr>
-              <a:t>		GLdouble  upZ);</a:t>
-            </a:r>
-            <a:endParaRPr lang="en-US" b="1">
-              <a:solidFill>
-                <a:srgbClr val="FF0000"/>
-              </a:solidFill>
-              <a:latin typeface="Courier New" pitchFamily="49" charset="0"/>
-              <a:cs typeface="Courier New" pitchFamily="49" charset="0"/>
-            </a:endParaRPr>
+              <a:t>OpenGL Matrix</a:t>
+            </a:r>
           </a:p>
         </p:txBody>
       </p:sp>
       <p:sp>
         <p:nvSpPr>
-          <p:cNvPr id="5" name="TextBox 4"/>
-          <p:cNvSpPr txBox="1"/>
+          <p:cNvPr id="5" name="Rectangle 4"/>
+          <p:cNvSpPr/>
           <p:nvPr/>
         </p:nvSpPr>
         <p:spPr>
           <a:xfrm>
-            <a:off x="762000" y="3843278"/>
-            <a:ext cx="4271362" cy="2862322"/>
+            <a:off x="685800" y="2057400"/>
+            <a:ext cx="7467600" cy="2308324"/>
           </a:xfrm>
           <a:prstGeom prst="rect">
             <a:avLst/>
           </a:prstGeom>
-          <a:noFill/>
         </p:spPr>
         <p:txBody>
-          <a:bodyPr wrap="none" rtlCol="0">
+          <a:bodyPr wrap="square">
             <a:spAutoFit/>
           </a:bodyPr>
           <a:lstStyle/>
           <a:p>
             <a:r>
-              <a:rPr lang="en-US" smtClean="0">
-                <a:latin typeface="Courier New" pitchFamily="49" charset="0"/>
-                <a:cs typeface="Courier New" pitchFamily="49" charset="0"/>
-              </a:rPr>
-              <a:t>eyeX: </a:t>
-            </a:r>
-            <a:r>
-              <a:rPr lang="en-US" smtClean="0">
-                <a:latin typeface="Calibri" pitchFamily="34" charset="0"/>
-                <a:cs typeface="Courier New" pitchFamily="49" charset="0"/>
-              </a:rPr>
-              <a:t>điểm đặt mắt theo X</a:t>
+              <a:rPr lang="en-US" sz="2400" smtClean="0"/>
+              <a:t>Chúng ta có 3 hàm dùng để tương tác với GL_PROJECTION matrix</a:t>
             </a:r>
           </a:p>
           <a:p>
-            <a:r>
-              <a:rPr lang="en-US" smtClean="0">
-                <a:latin typeface="Courier New" pitchFamily="49" charset="0"/>
-                <a:cs typeface="Courier New" pitchFamily="49" charset="0"/>
-              </a:rPr>
-              <a:t>eyeY: </a:t>
-            </a:r>
-            <a:r>
-              <a:rPr lang="en-US" smtClean="0">
-                <a:latin typeface="Calibri" pitchFamily="34" charset="0"/>
-                <a:cs typeface="Courier New" pitchFamily="49" charset="0"/>
-              </a:rPr>
-              <a:t>điểm đặt mắt theo Y</a:t>
-            </a:r>
+            <a:endParaRPr lang="en-US" sz="2400" smtClean="0"/>
           </a:p>
           <a:p>
-            <a:r>
-              <a:rPr lang="en-US" smtClean="0">
-                <a:latin typeface="Courier New" pitchFamily="49" charset="0"/>
-                <a:cs typeface="Courier New" pitchFamily="49" charset="0"/>
+            <a:pPr>
+              <a:buFont typeface="Wingdings" pitchFamily="2" charset="2"/>
+              <a:buChar char="v"/>
+            </a:pPr>
+            <a:r>
+              <a:rPr lang="en-US" sz="2400" smtClean="0">
+                <a:solidFill>
+                  <a:srgbClr val="00B050"/>
+                </a:solidFill>
               </a:rPr>
-              <a:t>eyeZ: </a:t>
-            </a:r>
-            <a:r>
-              <a:rPr lang="en-US" smtClean="0">
-                <a:latin typeface="Calibri" pitchFamily="34" charset="0"/>
-                <a:cs typeface="Courier New" pitchFamily="49" charset="0"/>
-              </a:rPr>
-              <a:t>điểm đặt mắt theo Z</a:t>
+              <a:t>glFustrum (left, right, bottom, top, near, far);</a:t>
             </a:r>
           </a:p>
           <a:p>
-            <a:r>
-              <a:rPr lang="en-US" smtClean="0">
-                <a:latin typeface="Courier New" pitchFamily="49" charset="0"/>
-                <a:cs typeface="Courier New" pitchFamily="49" charset="0"/>
+            <a:pPr>
+              <a:buFont typeface="Wingdings" pitchFamily="2" charset="2"/>
+              <a:buChar char="v"/>
+            </a:pPr>
+            <a:r>
+              <a:rPr lang="en-US" sz="2400" smtClean="0">
+                <a:solidFill>
+                  <a:srgbClr val="00B050"/>
+                </a:solidFill>
               </a:rPr>
-              <a:t>centerX: </a:t>
-            </a:r>
-            <a:r>
-              <a:rPr lang="en-US" smtClean="0">
-                <a:latin typeface="Calibri" pitchFamily="34" charset="0"/>
-                <a:cs typeface="Courier New" pitchFamily="49" charset="0"/>
-              </a:rPr>
-              <a:t>điểm nhìn theo X</a:t>
+              <a:t>gluPerspective(fovy, aspect, near, far);</a:t>
             </a:r>
           </a:p>
           <a:p>
-            <a:r>
-              <a:rPr lang="en-US" smtClean="0">
-                <a:latin typeface="Courier New" pitchFamily="49" charset="0"/>
-                <a:cs typeface="Courier New" pitchFamily="49" charset="0"/>
+            <a:pPr>
+              <a:buFont typeface="Wingdings" pitchFamily="2" charset="2"/>
+              <a:buChar char="v"/>
+            </a:pPr>
+            <a:r>
+              <a:rPr lang="en-US" sz="2400" smtClean="0">
+                <a:solidFill>
+                  <a:srgbClr val="00B050"/>
+                </a:solidFill>
               </a:rPr>
-              <a:t>centerY: </a:t>
-            </a:r>
-            <a:r>
-              <a:rPr lang="en-US" smtClean="0">
-                <a:latin typeface="Calibri" pitchFamily="34" charset="0"/>
-                <a:cs typeface="Courier New" pitchFamily="49" charset="0"/>
-              </a:rPr>
-              <a:t>điểm nhìn theo Y</a:t>
-            </a:r>
-          </a:p>
-          <a:p>
-            <a:r>
-              <a:rPr lang="en-US" smtClean="0">
-                <a:latin typeface="Courier New" pitchFamily="49" charset="0"/>
-                <a:cs typeface="Courier New" pitchFamily="49" charset="0"/>
-              </a:rPr>
-              <a:t>centerZ: </a:t>
-            </a:r>
-            <a:r>
-              <a:rPr lang="en-US" smtClean="0">
-                <a:latin typeface="Calibri" pitchFamily="34" charset="0"/>
-                <a:cs typeface="Courier New" pitchFamily="49" charset="0"/>
-              </a:rPr>
-              <a:t>điểm nhìn theo Z</a:t>
-            </a:r>
-          </a:p>
-          <a:p>
-            <a:r>
-              <a:rPr lang="en-US" smtClean="0">
-                <a:latin typeface="Courier New" pitchFamily="49" charset="0"/>
-                <a:cs typeface="Courier New" pitchFamily="49" charset="0"/>
-              </a:rPr>
-              <a:t>upX: </a:t>
-            </a:r>
-            <a:r>
-              <a:rPr lang="en-US" smtClean="0">
-                <a:latin typeface="Calibri" pitchFamily="34" charset="0"/>
-                <a:cs typeface="Courier New" pitchFamily="49" charset="0"/>
-              </a:rPr>
-              <a:t>vector hướng lên (UP vector) theo X</a:t>
-            </a:r>
-          </a:p>
-          <a:p>
-            <a:r>
-              <a:rPr lang="en-US" smtClean="0">
-                <a:latin typeface="Courier New" pitchFamily="49" charset="0"/>
-                <a:cs typeface="Courier New" pitchFamily="49" charset="0"/>
-              </a:rPr>
-              <a:t>upY: </a:t>
-            </a:r>
-            <a:r>
-              <a:rPr lang="en-US" smtClean="0">
-                <a:latin typeface="Calibri" pitchFamily="34" charset="0"/>
-                <a:cs typeface="Courier New" pitchFamily="49" charset="0"/>
-              </a:rPr>
-              <a:t>vector hướng lên (UP vector) theo Y</a:t>
-            </a:r>
-          </a:p>
-          <a:p>
-            <a:r>
-              <a:rPr lang="en-US" smtClean="0">
-                <a:latin typeface="Courier New" pitchFamily="49" charset="0"/>
-                <a:cs typeface="Courier New" pitchFamily="49" charset="0"/>
-              </a:rPr>
-              <a:t>upZ: </a:t>
-            </a:r>
-            <a:r>
-              <a:rPr lang="en-US" smtClean="0">
-                <a:latin typeface="Calibri" pitchFamily="34" charset="0"/>
-                <a:cs typeface="Courier New" pitchFamily="49" charset="0"/>
-              </a:rPr>
-              <a:t>vector hướng lên (UP vector) theo Z</a:t>
-            </a:r>
-          </a:p>
-          <a:p>
-            <a:endParaRPr lang="en-US" smtClean="0"/>
+              <a:t>glOrtho(left, right, bottom, top, near, far);</a:t>
+            </a:r>
+            <a:endParaRPr lang="en-US" sz="2400">
+              <a:solidFill>
+                <a:srgbClr val="00B050"/>
+              </a:solidFill>
+            </a:endParaRPr>
           </a:p>
         </p:txBody>
       </p:sp>
@@ -30177,39 +33558,6 @@
           <a:chExt cx="0" cy="0"/>
         </a:xfrm>
       </p:grpSpPr>
-      <p:pic>
-        <p:nvPicPr>
-          <p:cNvPr id="3077" name="Picture 5"/>
-          <p:cNvPicPr>
-            <a:picLocks noChangeAspect="1" noChangeArrowheads="1"/>
-          </p:cNvPicPr>
-          <p:nvPr/>
-        </p:nvPicPr>
-        <p:blipFill>
-          <a:blip r:embed="rId2"/>
-          <a:srcRect/>
-          <a:stretch>
-            <a:fillRect/>
-          </a:stretch>
-        </p:blipFill>
-        <p:spPr bwMode="auto">
-          <a:xfrm>
-            <a:off x="900113" y="1752600"/>
-            <a:ext cx="7343775" cy="4495800"/>
-          </a:xfrm>
-          <a:prstGeom prst="rect">
-            <a:avLst/>
-          </a:prstGeom>
-          <a:noFill/>
-          <a:ln w="9525">
-            <a:noFill/>
-            <a:miter lim="800000"/>
-            <a:headEnd/>
-            <a:tailEnd/>
-          </a:ln>
-          <a:effectLst/>
-        </p:spPr>
-      </p:pic>
       <p:sp>
         <p:nvSpPr>
           <p:cNvPr id="2" name="Title 1"/>
@@ -30241,8 +33589,8 @@
         </p:nvSpPr>
         <p:spPr>
           <a:xfrm>
-            <a:off x="609600" y="990600"/>
-            <a:ext cx="4114800" cy="523220"/>
+            <a:off x="762000" y="914400"/>
+            <a:ext cx="5791200" cy="2862322"/>
           </a:xfrm>
           <a:prstGeom prst="rect">
             <a:avLst/>
@@ -30256,25 +33604,143 @@
           <a:lstStyle/>
           <a:p>
             <a:r>
-              <a:rPr lang="en-US" sz="2800" b="1" u="sng" smtClean="0">
-                <a:latin typeface="Adobe Gothic Std B" pitchFamily="34" charset="-128"/>
-                <a:ea typeface="Adobe Gothic Std B" pitchFamily="34" charset="-128"/>
+              <a:rPr lang="en-US" b="1" smtClean="0">
+                <a:solidFill>
+                  <a:srgbClr val="FF0000"/>
+                </a:solidFill>
+                <a:latin typeface="Courier New" pitchFamily="49" charset="0"/>
+                <a:cs typeface="Courier New" pitchFamily="49" charset="0"/>
               </a:rPr>
-              <a:t>class Camera</a:t>
-            </a:r>
+              <a:t>void gluLookAt(</a:t>
+            </a:r>
+          </a:p>
+          <a:p>
+            <a:r>
+              <a:rPr lang="en-US" b="1" smtClean="0">
+                <a:solidFill>
+                  <a:srgbClr val="FF0000"/>
+                </a:solidFill>
+                <a:latin typeface="Courier New" pitchFamily="49" charset="0"/>
+                <a:cs typeface="Courier New" pitchFamily="49" charset="0"/>
+              </a:rPr>
+              <a:t>		GLdouble  eyeX, </a:t>
+            </a:r>
+          </a:p>
+          <a:p>
+            <a:r>
+              <a:rPr lang="en-US" b="1" smtClean="0">
+                <a:solidFill>
+                  <a:srgbClr val="FF0000"/>
+                </a:solidFill>
+                <a:latin typeface="Courier New" pitchFamily="49" charset="0"/>
+                <a:cs typeface="Courier New" pitchFamily="49" charset="0"/>
+              </a:rPr>
+              <a:t>		GLdouble  eyeY, </a:t>
+            </a:r>
+          </a:p>
+          <a:p>
+            <a:r>
+              <a:rPr lang="en-US" b="1" smtClean="0">
+                <a:solidFill>
+                  <a:srgbClr val="FF0000"/>
+                </a:solidFill>
+                <a:latin typeface="Courier New" pitchFamily="49" charset="0"/>
+                <a:cs typeface="Courier New" pitchFamily="49" charset="0"/>
+              </a:rPr>
+              <a:t>		GLdouble  eyeZ, </a:t>
+            </a:r>
+          </a:p>
+          <a:p>
+            <a:r>
+              <a:rPr lang="en-US" b="1" smtClean="0">
+                <a:solidFill>
+                  <a:srgbClr val="FF0000"/>
+                </a:solidFill>
+                <a:latin typeface="Courier New" pitchFamily="49" charset="0"/>
+                <a:cs typeface="Courier New" pitchFamily="49" charset="0"/>
+              </a:rPr>
+              <a:t>		GLdouble  centerX, </a:t>
+            </a:r>
+          </a:p>
+          <a:p>
+            <a:r>
+              <a:rPr lang="en-US" b="1" smtClean="0">
+                <a:solidFill>
+                  <a:srgbClr val="FF0000"/>
+                </a:solidFill>
+                <a:latin typeface="Courier New" pitchFamily="49" charset="0"/>
+                <a:cs typeface="Courier New" pitchFamily="49" charset="0"/>
+              </a:rPr>
+              <a:t>		GLdouble  centerY, </a:t>
+            </a:r>
+          </a:p>
+          <a:p>
+            <a:r>
+              <a:rPr lang="en-US" b="1" smtClean="0">
+                <a:solidFill>
+                  <a:srgbClr val="FF0000"/>
+                </a:solidFill>
+                <a:latin typeface="Courier New" pitchFamily="49" charset="0"/>
+                <a:cs typeface="Courier New" pitchFamily="49" charset="0"/>
+              </a:rPr>
+              <a:t>		GLdouble  centerZ, </a:t>
+            </a:r>
+          </a:p>
+          <a:p>
+            <a:r>
+              <a:rPr lang="en-US" b="1" smtClean="0">
+                <a:solidFill>
+                  <a:srgbClr val="FF0000"/>
+                </a:solidFill>
+                <a:latin typeface="Courier New" pitchFamily="49" charset="0"/>
+                <a:cs typeface="Courier New" pitchFamily="49" charset="0"/>
+              </a:rPr>
+              <a:t>		GLdouble  upX, </a:t>
+            </a:r>
+          </a:p>
+          <a:p>
+            <a:r>
+              <a:rPr lang="en-US" b="1" smtClean="0">
+                <a:solidFill>
+                  <a:srgbClr val="FF0000"/>
+                </a:solidFill>
+                <a:latin typeface="Courier New" pitchFamily="49" charset="0"/>
+                <a:cs typeface="Courier New" pitchFamily="49" charset="0"/>
+              </a:rPr>
+              <a:t>		GLdouble  upY,</a:t>
+            </a:r>
+          </a:p>
+          <a:p>
+            <a:r>
+              <a:rPr lang="en-US" b="1" smtClean="0">
+                <a:solidFill>
+                  <a:srgbClr val="FF0000"/>
+                </a:solidFill>
+                <a:latin typeface="Courier New" pitchFamily="49" charset="0"/>
+                <a:cs typeface="Courier New" pitchFamily="49" charset="0"/>
+              </a:rPr>
+              <a:t>		GLdouble  upZ);</a:t>
+            </a:r>
+            <a:endParaRPr lang="en-US" b="1">
+              <a:solidFill>
+                <a:srgbClr val="FF0000"/>
+              </a:solidFill>
+              <a:latin typeface="Courier New" pitchFamily="49" charset="0"/>
+              <a:cs typeface="Courier New" pitchFamily="49" charset="0"/>
+            </a:endParaRPr>
           </a:p>
         </p:txBody>
       </p:sp>
       <p:sp>
         <p:nvSpPr>
-          <p:cNvPr id="9" name="TextBox 8"/>
+          <p:cNvPr id="5" name="TextBox 4"/>
           <p:cNvSpPr txBox="1"/>
           <p:nvPr/>
         </p:nvSpPr>
         <p:spPr>
           <a:xfrm>
-            <a:off x="4114800" y="2450068"/>
-            <a:ext cx="659155" cy="369332"/>
+            <a:off x="762000" y="3843278"/>
+            <a:ext cx="4271362" cy="2862322"/>
           </a:xfrm>
           <a:prstGeom prst="rect">
             <a:avLst/>
@@ -30288,56 +33754,150 @@
           <a:lstStyle/>
           <a:p>
             <a:r>
-              <a:rPr lang="en-US" b="1" smtClean="0">
-                <a:solidFill>
-                  <a:srgbClr val="FF0000"/>
-                </a:solidFill>
+              <a:rPr lang="en-US" smtClean="0">
+                <a:latin typeface="Courier New" pitchFamily="49" charset="0"/>
+                <a:cs typeface="Courier New" pitchFamily="49" charset="0"/>
               </a:rPr>
-              <a:t>Eye </a:t>
-            </a:r>
-            <a:endParaRPr lang="en-US" b="1">
-              <a:solidFill>
-                <a:srgbClr val="FF0000"/>
-              </a:solidFill>
-            </a:endParaRPr>
+              <a:t>eyeX: </a:t>
+            </a:r>
+            <a:r>
+              <a:rPr lang="en-US" smtClean="0">
+                <a:latin typeface="Calibri" pitchFamily="34" charset="0"/>
+                <a:cs typeface="Courier New" pitchFamily="49" charset="0"/>
+              </a:rPr>
+              <a:t>điểm đặt mắt theo X</a:t>
+            </a:r>
           </a:p>
-        </p:txBody>
-      </p:sp>
-      <p:sp>
-        <p:nvSpPr>
-          <p:cNvPr id="13" name="TextBox 12"/>
-          <p:cNvSpPr txBox="1"/>
-          <p:nvPr/>
-        </p:nvSpPr>
-        <p:spPr>
-          <a:xfrm>
-            <a:off x="1066800" y="4876800"/>
-            <a:ext cx="825867" cy="369332"/>
-          </a:xfrm>
-          <a:prstGeom prst="rect">
-            <a:avLst/>
-          </a:prstGeom>
-          <a:noFill/>
-        </p:spPr>
-        <p:txBody>
-          <a:bodyPr wrap="none" rtlCol="0">
-            <a:spAutoFit/>
-          </a:bodyPr>
-          <a:lstStyle/>
           <a:p>
             <a:r>
               <a:rPr lang="en-US" smtClean="0">
-                <a:solidFill>
-                  <a:srgbClr val="FF0000"/>
-                </a:solidFill>
+                <a:latin typeface="Courier New" pitchFamily="49" charset="0"/>
+                <a:cs typeface="Courier New" pitchFamily="49" charset="0"/>
               </a:rPr>
-              <a:t>lookAt</a:t>
-            </a:r>
-            <a:endParaRPr lang="en-US">
-              <a:solidFill>
-                <a:srgbClr val="FF0000"/>
-              </a:solidFill>
-            </a:endParaRPr>
+              <a:t>eyeY: </a:t>
+            </a:r>
+            <a:r>
+              <a:rPr lang="en-US" smtClean="0">
+                <a:latin typeface="Calibri" pitchFamily="34" charset="0"/>
+                <a:cs typeface="Courier New" pitchFamily="49" charset="0"/>
+              </a:rPr>
+              <a:t>điểm đặt mắt theo Y</a:t>
+            </a:r>
+          </a:p>
+          <a:p>
+            <a:r>
+              <a:rPr lang="en-US" smtClean="0">
+                <a:latin typeface="Courier New" pitchFamily="49" charset="0"/>
+                <a:cs typeface="Courier New" pitchFamily="49" charset="0"/>
+              </a:rPr>
+              <a:t>eyeZ: </a:t>
+            </a:r>
+            <a:r>
+              <a:rPr lang="en-US" smtClean="0">
+                <a:latin typeface="Calibri" pitchFamily="34" charset="0"/>
+                <a:cs typeface="Courier New" pitchFamily="49" charset="0"/>
+              </a:rPr>
+              <a:t>điểm đặt mắt theo Z</a:t>
+            </a:r>
+          </a:p>
+          <a:p>
+            <a:r>
+              <a:rPr lang="en-US" smtClean="0">
+                <a:latin typeface="Courier New" pitchFamily="49" charset="0"/>
+                <a:cs typeface="Courier New" pitchFamily="49" charset="0"/>
+              </a:rPr>
+              <a:t>centerX: </a:t>
+            </a:r>
+            <a:r>
+              <a:rPr lang="en-US" smtClean="0">
+                <a:latin typeface="Calibri" pitchFamily="34" charset="0"/>
+                <a:cs typeface="Courier New" pitchFamily="49" charset="0"/>
+              </a:rPr>
+              <a:t>điểm nhìn theo X</a:t>
+            </a:r>
+          </a:p>
+          <a:p>
+            <a:r>
+              <a:rPr lang="en-US" smtClean="0">
+                <a:latin typeface="Courier New" pitchFamily="49" charset="0"/>
+                <a:cs typeface="Courier New" pitchFamily="49" charset="0"/>
+              </a:rPr>
+              <a:t>centerY: </a:t>
+            </a:r>
+            <a:r>
+              <a:rPr lang="en-US" smtClean="0">
+                <a:latin typeface="Calibri" pitchFamily="34" charset="0"/>
+                <a:cs typeface="Courier New" pitchFamily="49" charset="0"/>
+              </a:rPr>
+              <a:t>điểm nhìn theo Y</a:t>
+            </a:r>
+          </a:p>
+          <a:p>
+            <a:r>
+              <a:rPr lang="en-US" smtClean="0">
+                <a:latin typeface="Courier New" pitchFamily="49" charset="0"/>
+                <a:cs typeface="Courier New" pitchFamily="49" charset="0"/>
+              </a:rPr>
+              <a:t>centerZ: </a:t>
+            </a:r>
+            <a:r>
+              <a:rPr lang="en-US" smtClean="0">
+                <a:latin typeface="Calibri" pitchFamily="34" charset="0"/>
+                <a:cs typeface="Courier New" pitchFamily="49" charset="0"/>
+              </a:rPr>
+              <a:t>điểm nhìn theo Z</a:t>
+            </a:r>
+          </a:p>
+          <a:p>
+            <a:r>
+              <a:rPr lang="en-US" smtClean="0">
+                <a:latin typeface="Courier New" pitchFamily="49" charset="0"/>
+                <a:cs typeface="Courier New" pitchFamily="49" charset="0"/>
+              </a:rPr>
+              <a:t>upX: </a:t>
+            </a:r>
+            <a:r>
+              <a:rPr lang="en-US" smtClean="0">
+                <a:latin typeface="Calibri" pitchFamily="34" charset="0"/>
+                <a:cs typeface="Courier New" pitchFamily="49" charset="0"/>
+              </a:rPr>
+              <a:t>vector hướng lên (UP vector) theo X</a:t>
+            </a:r>
+          </a:p>
+          <a:p>
+            <a:r>
+              <a:rPr lang="en-US" smtClean="0">
+                <a:latin typeface="Courier New" pitchFamily="49" charset="0"/>
+                <a:cs typeface="Courier New" pitchFamily="49" charset="0"/>
+              </a:rPr>
+              <a:t>upY: </a:t>
+            </a:r>
+            <a:r>
+              <a:rPr lang="en-US" smtClean="0">
+                <a:latin typeface="Calibri" pitchFamily="34" charset="0"/>
+                <a:cs typeface="Courier New" pitchFamily="49" charset="0"/>
+              </a:rPr>
+              <a:t>vector hướng lên (UP vector) theo Y</a:t>
+            </a:r>
+          </a:p>
+          <a:p>
+            <a:r>
+              <a:rPr lang="en-US" smtClean="0">
+                <a:latin typeface="Courier New" pitchFamily="49" charset="0"/>
+                <a:cs typeface="Courier New" pitchFamily="49" charset="0"/>
+              </a:rPr>
+              <a:t>upZ: </a:t>
+            </a:r>
+            <a:r>
+              <a:rPr lang="en-US" smtClean="0">
+                <a:latin typeface="Calibri" pitchFamily="34" charset="0"/>
+                <a:cs typeface="Courier New" pitchFamily="49" charset="0"/>
+              </a:rPr>
+              <a:t>vector hướng lên (UP vector) theo Z</a:t>
+            </a:r>
+          </a:p>
+          <a:p>
+            <a:endParaRPr lang="en-US" smtClean="0"/>
           </a:p>
         </p:txBody>
       </p:sp>

--- a/trunk/Slide/3D Programming.pptx
+++ b/trunk/Slide/3D Programming.pptx
@@ -5,7 +5,7 @@
     <p:sldMasterId id="2147483721" r:id="rId1"/>
   </p:sldMasterIdLst>
   <p:notesMasterIdLst>
-    <p:notesMasterId r:id="rId39"/>
+    <p:notesMasterId r:id="rId42"/>
   </p:notesMasterIdLst>
   <p:sldIdLst>
     <p:sldId id="256" r:id="rId2"/>
@@ -16,35 +16,38 @@
     <p:sldId id="296" r:id="rId7"/>
     <p:sldId id="301" r:id="rId8"/>
     <p:sldId id="302" r:id="rId9"/>
-    <p:sldId id="297" r:id="rId10"/>
-    <p:sldId id="298" r:id="rId11"/>
-    <p:sldId id="299" r:id="rId12"/>
-    <p:sldId id="300" r:id="rId13"/>
-    <p:sldId id="312" r:id="rId14"/>
-    <p:sldId id="287" r:id="rId15"/>
-    <p:sldId id="259" r:id="rId16"/>
-    <p:sldId id="308" r:id="rId17"/>
-    <p:sldId id="309" r:id="rId18"/>
-    <p:sldId id="310" r:id="rId19"/>
-    <p:sldId id="283" r:id="rId20"/>
-    <p:sldId id="284" r:id="rId21"/>
-    <p:sldId id="292" r:id="rId22"/>
-    <p:sldId id="306" r:id="rId23"/>
-    <p:sldId id="307" r:id="rId24"/>
-    <p:sldId id="288" r:id="rId25"/>
-    <p:sldId id="286" r:id="rId26"/>
-    <p:sldId id="313" r:id="rId27"/>
-    <p:sldId id="303" r:id="rId28"/>
-    <p:sldId id="304" r:id="rId29"/>
-    <p:sldId id="305" r:id="rId30"/>
-    <p:sldId id="314" r:id="rId31"/>
-    <p:sldId id="315" r:id="rId32"/>
-    <p:sldId id="316" r:id="rId33"/>
-    <p:sldId id="317" r:id="rId34"/>
-    <p:sldId id="318" r:id="rId35"/>
-    <p:sldId id="319" r:id="rId36"/>
-    <p:sldId id="320" r:id="rId37"/>
-    <p:sldId id="276" r:id="rId38"/>
+    <p:sldId id="321" r:id="rId10"/>
+    <p:sldId id="322" r:id="rId11"/>
+    <p:sldId id="323" r:id="rId12"/>
+    <p:sldId id="297" r:id="rId13"/>
+    <p:sldId id="298" r:id="rId14"/>
+    <p:sldId id="299" r:id="rId15"/>
+    <p:sldId id="300" r:id="rId16"/>
+    <p:sldId id="312" r:id="rId17"/>
+    <p:sldId id="287" r:id="rId18"/>
+    <p:sldId id="259" r:id="rId19"/>
+    <p:sldId id="308" r:id="rId20"/>
+    <p:sldId id="309" r:id="rId21"/>
+    <p:sldId id="310" r:id="rId22"/>
+    <p:sldId id="283" r:id="rId23"/>
+    <p:sldId id="284" r:id="rId24"/>
+    <p:sldId id="292" r:id="rId25"/>
+    <p:sldId id="306" r:id="rId26"/>
+    <p:sldId id="307" r:id="rId27"/>
+    <p:sldId id="288" r:id="rId28"/>
+    <p:sldId id="286" r:id="rId29"/>
+    <p:sldId id="313" r:id="rId30"/>
+    <p:sldId id="303" r:id="rId31"/>
+    <p:sldId id="304" r:id="rId32"/>
+    <p:sldId id="305" r:id="rId33"/>
+    <p:sldId id="314" r:id="rId34"/>
+    <p:sldId id="315" r:id="rId35"/>
+    <p:sldId id="316" r:id="rId36"/>
+    <p:sldId id="317" r:id="rId37"/>
+    <p:sldId id="318" r:id="rId38"/>
+    <p:sldId id="319" r:id="rId39"/>
+    <p:sldId id="320" r:id="rId40"/>
+    <p:sldId id="276" r:id="rId41"/>
   </p:sldIdLst>
   <p:sldSz cx="9144000" cy="6858000" type="screen4x3"/>
   <p:notesSz cx="6858000" cy="9144000"/>
@@ -173,6 +176,22 @@
       </a:defRPr>
     </a:lvl9pPr>
   </p:defaultTextStyle>
+  <p:extLst>
+    <p:ext uri="{EFAFB233-063F-42B5-8137-9DF3F51BA10A}">
+      <p15:sldGuideLst xmlns:p15="http://schemas.microsoft.com/office/powerpoint/2012/main">
+        <p15:guide id="1" orient="horz" pos="2160">
+          <p15:clr>
+            <a:srgbClr val="A4A3A4"/>
+          </p15:clr>
+        </p15:guide>
+        <p15:guide id="2" pos="2880">
+          <p15:clr>
+            <a:srgbClr val="A4A3A4"/>
+          </p15:clr>
+        </p15:guide>
+      </p15:sldGuideLst>
+    </p:ext>
+  </p:extLst>
 </p:presentation>
 </file>
 
@@ -1952,23 +1971,23 @@
     </dgm:pt>
   </dgm:ptLst>
   <dgm:cxnLst>
-    <dgm:cxn modelId="{D54D8BFE-B25B-475F-BE44-EBDAC8873DFA}" type="presOf" srcId="{B0B35487-3A8E-44F8-8CC1-B6E9E7F3B124}" destId="{58EF9AEC-58F9-4F01-9E3F-6BE119381AB3}" srcOrd="0" destOrd="0" presId="urn:microsoft.com/office/officeart/2005/8/layout/process4"/>
-    <dgm:cxn modelId="{69F8DF22-0610-4EA4-A53B-324A7F989D45}" srcId="{0C41F78D-E4E5-42A3-B8ED-31A25174900D}" destId="{12861AD2-4965-4A4E-B15D-CD471870BFAE}" srcOrd="0" destOrd="0" parTransId="{C2F7343D-4961-4D03-AB4E-1C89E5D32883}" sibTransId="{6FDB0BE8-32D8-495A-BFFA-6C9502DEA5AB}"/>
+    <dgm:cxn modelId="{CABF8EBE-020C-44EE-AA4E-D2FF26C769A3}" srcId="{EC5FC58E-E37A-49A2-83B8-EB7E92C180B6}" destId="{A71226C1-FCEA-48DD-A0CA-0626B53D193B}" srcOrd="2" destOrd="0" parTransId="{248D7E16-D617-4EC1-8F8C-A9D37D96C4E4}" sibTransId="{955CFBF1-1018-48C0-B476-11B189BE9F5D}"/>
+    <dgm:cxn modelId="{1B25DD51-A8D3-46BD-AC24-F86E8A90B7F4}" type="presOf" srcId="{0C41F78D-E4E5-42A3-B8ED-31A25174900D}" destId="{0392C29A-1BEE-40D5-B49C-DA8949A38B5F}" srcOrd="0" destOrd="0" presId="urn:microsoft.com/office/officeart/2005/8/layout/process4"/>
+    <dgm:cxn modelId="{9D43F798-EEA7-4112-AFD4-8BEAE108F66A}" srcId="{0C41F78D-E4E5-42A3-B8ED-31A25174900D}" destId="{EC5FC58E-E37A-49A2-83B8-EB7E92C180B6}" srcOrd="1" destOrd="0" parTransId="{B8FC19D2-C56C-4016-BFF1-1FDE772BD963}" sibTransId="{FFB0407D-D190-402E-9499-8834C47DE3C4}"/>
+    <dgm:cxn modelId="{50D4193C-58E8-4811-818A-5E43E0650795}" srcId="{12861AD2-4965-4A4E-B15D-CD471870BFAE}" destId="{B0B35487-3A8E-44F8-8CC1-B6E9E7F3B124}" srcOrd="0" destOrd="0" parTransId="{ECC019DF-2429-41E1-8347-BF6F16A27E08}" sibTransId="{07A1575E-F276-4D9A-9966-CF39BBA8F65F}"/>
+    <dgm:cxn modelId="{D081269A-7909-4D08-9F5E-637B6DA6E3B7}" type="presOf" srcId="{EC5FC58E-E37A-49A2-83B8-EB7E92C180B6}" destId="{7036588F-DFF6-4EF6-B761-604391856A88}" srcOrd="0" destOrd="0" presId="urn:microsoft.com/office/officeart/2005/8/layout/process4"/>
     <dgm:cxn modelId="{65A02E35-5CFF-4E16-A2DA-BF9492D4F03B}" type="presOf" srcId="{12861AD2-4965-4A4E-B15D-CD471870BFAE}" destId="{EED15DD3-EA0E-4E54-ADCA-814B8ABA5B33}" srcOrd="1" destOrd="0" presId="urn:microsoft.com/office/officeart/2005/8/layout/process4"/>
     <dgm:cxn modelId="{6AABABAC-C082-4679-8843-0B80F762353B}" srcId="{12861AD2-4965-4A4E-B15D-CD471870BFAE}" destId="{65EED2B1-17BA-48B1-BAC9-50F8C40146E6}" srcOrd="1" destOrd="0" parTransId="{83F7307E-A3D0-4FE1-81B7-0E0FD6753242}" sibTransId="{4E7C5634-A54F-40DE-B3EF-1578A814F7DF}"/>
+    <dgm:cxn modelId="{F0BEEE70-DEC9-47C7-8938-BB5791194F49}" srcId="{EC5FC58E-E37A-49A2-83B8-EB7E92C180B6}" destId="{767762C5-F5F5-4DD6-97E9-F199AC534FBA}" srcOrd="0" destOrd="0" parTransId="{BFF2328C-EE5E-4B7B-8B6D-4FB73A2D48C8}" sibTransId="{72C17D69-3581-44F4-AB57-FB7B2D08B79B}"/>
+    <dgm:cxn modelId="{2D3A5ACD-7D82-4ECE-B709-5C34F9C9EBF8}" srcId="{EC5FC58E-E37A-49A2-83B8-EB7E92C180B6}" destId="{75AFA5E0-9722-47A4-AA08-D05CF3485259}" srcOrd="1" destOrd="0" parTransId="{EB409404-0308-4139-B837-6AF92D6CAA5B}" sibTransId="{B813FA5E-B3E4-4154-B557-0E17C3A7BE9D}"/>
     <dgm:cxn modelId="{424E88AC-7337-4199-8A45-A89BDBBF51B1}" type="presOf" srcId="{65EED2B1-17BA-48B1-BAC9-50F8C40146E6}" destId="{B8FC0A03-ADE6-4968-A4B7-279A684DB9B5}" srcOrd="0" destOrd="0" presId="urn:microsoft.com/office/officeart/2005/8/layout/process4"/>
+    <dgm:cxn modelId="{863AB927-B5D7-492A-8F64-EDD997813602}" type="presOf" srcId="{767762C5-F5F5-4DD6-97E9-F199AC534FBA}" destId="{34B96B52-6E05-4CFE-9693-6AD4256E5CB1}" srcOrd="0" destOrd="0" presId="urn:microsoft.com/office/officeart/2005/8/layout/process4"/>
+    <dgm:cxn modelId="{87B57369-7EEC-4E65-807F-D993ABB2AEB6}" type="presOf" srcId="{75AFA5E0-9722-47A4-AA08-D05CF3485259}" destId="{C38258BC-B803-49F9-9E8B-0F5734B1150F}" srcOrd="0" destOrd="0" presId="urn:microsoft.com/office/officeart/2005/8/layout/process4"/>
     <dgm:cxn modelId="{0959E1A0-3B35-4EA1-9B6F-21E9309B3020}" type="presOf" srcId="{EC5FC58E-E37A-49A2-83B8-EB7E92C180B6}" destId="{26533473-2179-4E0C-B44A-A73115869C5C}" srcOrd="1" destOrd="0" presId="urn:microsoft.com/office/officeart/2005/8/layout/process4"/>
-    <dgm:cxn modelId="{9D43F798-EEA7-4112-AFD4-8BEAE108F66A}" srcId="{0C41F78D-E4E5-42A3-B8ED-31A25174900D}" destId="{EC5FC58E-E37A-49A2-83B8-EB7E92C180B6}" srcOrd="1" destOrd="0" parTransId="{B8FC19D2-C56C-4016-BFF1-1FDE772BD963}" sibTransId="{FFB0407D-D190-402E-9499-8834C47DE3C4}"/>
+    <dgm:cxn modelId="{681D0AAD-AD74-4D98-BF9A-988D6F027D10}" type="presOf" srcId="{12861AD2-4965-4A4E-B15D-CD471870BFAE}" destId="{ABE47CBA-1029-4EC3-9B3B-118909635B6F}" srcOrd="0" destOrd="0" presId="urn:microsoft.com/office/officeart/2005/8/layout/process4"/>
     <dgm:cxn modelId="{76DE8CCD-CB77-47DE-9F7C-4AA9C1428A30}" type="presOf" srcId="{A71226C1-FCEA-48DD-A0CA-0626B53D193B}" destId="{B9206532-92FC-4E7C-98E7-045C6BC12797}" srcOrd="0" destOrd="0" presId="urn:microsoft.com/office/officeart/2005/8/layout/process4"/>
-    <dgm:cxn modelId="{1B25DD51-A8D3-46BD-AC24-F86E8A90B7F4}" type="presOf" srcId="{0C41F78D-E4E5-42A3-B8ED-31A25174900D}" destId="{0392C29A-1BEE-40D5-B49C-DA8949A38B5F}" srcOrd="0" destOrd="0" presId="urn:microsoft.com/office/officeart/2005/8/layout/process4"/>
-    <dgm:cxn modelId="{87B57369-7EEC-4E65-807F-D993ABB2AEB6}" type="presOf" srcId="{75AFA5E0-9722-47A4-AA08-D05CF3485259}" destId="{C38258BC-B803-49F9-9E8B-0F5734B1150F}" srcOrd="0" destOrd="0" presId="urn:microsoft.com/office/officeart/2005/8/layout/process4"/>
-    <dgm:cxn modelId="{D081269A-7909-4D08-9F5E-637B6DA6E3B7}" type="presOf" srcId="{EC5FC58E-E37A-49A2-83B8-EB7E92C180B6}" destId="{7036588F-DFF6-4EF6-B761-604391856A88}" srcOrd="0" destOrd="0" presId="urn:microsoft.com/office/officeart/2005/8/layout/process4"/>
-    <dgm:cxn modelId="{863AB927-B5D7-492A-8F64-EDD997813602}" type="presOf" srcId="{767762C5-F5F5-4DD6-97E9-F199AC534FBA}" destId="{34B96B52-6E05-4CFE-9693-6AD4256E5CB1}" srcOrd="0" destOrd="0" presId="urn:microsoft.com/office/officeart/2005/8/layout/process4"/>
-    <dgm:cxn modelId="{F0BEEE70-DEC9-47C7-8938-BB5791194F49}" srcId="{EC5FC58E-E37A-49A2-83B8-EB7E92C180B6}" destId="{767762C5-F5F5-4DD6-97E9-F199AC534FBA}" srcOrd="0" destOrd="0" parTransId="{BFF2328C-EE5E-4B7B-8B6D-4FB73A2D48C8}" sibTransId="{72C17D69-3581-44F4-AB57-FB7B2D08B79B}"/>
-    <dgm:cxn modelId="{50D4193C-58E8-4811-818A-5E43E0650795}" srcId="{12861AD2-4965-4A4E-B15D-CD471870BFAE}" destId="{B0B35487-3A8E-44F8-8CC1-B6E9E7F3B124}" srcOrd="0" destOrd="0" parTransId="{ECC019DF-2429-41E1-8347-BF6F16A27E08}" sibTransId="{07A1575E-F276-4D9A-9966-CF39BBA8F65F}"/>
-    <dgm:cxn modelId="{CABF8EBE-020C-44EE-AA4E-D2FF26C769A3}" srcId="{EC5FC58E-E37A-49A2-83B8-EB7E92C180B6}" destId="{A71226C1-FCEA-48DD-A0CA-0626B53D193B}" srcOrd="2" destOrd="0" parTransId="{248D7E16-D617-4EC1-8F8C-A9D37D96C4E4}" sibTransId="{955CFBF1-1018-48C0-B476-11B189BE9F5D}"/>
-    <dgm:cxn modelId="{2D3A5ACD-7D82-4ECE-B709-5C34F9C9EBF8}" srcId="{EC5FC58E-E37A-49A2-83B8-EB7E92C180B6}" destId="{75AFA5E0-9722-47A4-AA08-D05CF3485259}" srcOrd="1" destOrd="0" parTransId="{EB409404-0308-4139-B837-6AF92D6CAA5B}" sibTransId="{B813FA5E-B3E4-4154-B557-0E17C3A7BE9D}"/>
-    <dgm:cxn modelId="{681D0AAD-AD74-4D98-BF9A-988D6F027D10}" type="presOf" srcId="{12861AD2-4965-4A4E-B15D-CD471870BFAE}" destId="{ABE47CBA-1029-4EC3-9B3B-118909635B6F}" srcOrd="0" destOrd="0" presId="urn:microsoft.com/office/officeart/2005/8/layout/process4"/>
+    <dgm:cxn modelId="{69F8DF22-0610-4EA4-A53B-324A7F989D45}" srcId="{0C41F78D-E4E5-42A3-B8ED-31A25174900D}" destId="{12861AD2-4965-4A4E-B15D-CD471870BFAE}" srcOrd="0" destOrd="0" parTransId="{C2F7343D-4961-4D03-AB4E-1C89E5D32883}" sibTransId="{6FDB0BE8-32D8-495A-BFFA-6C9502DEA5AB}"/>
+    <dgm:cxn modelId="{D54D8BFE-B25B-475F-BE44-EBDAC8873DFA}" type="presOf" srcId="{B0B35487-3A8E-44F8-8CC1-B6E9E7F3B124}" destId="{58EF9AEC-58F9-4F01-9E3F-6BE119381AB3}" srcOrd="0" destOrd="0" presId="urn:microsoft.com/office/officeart/2005/8/layout/process4"/>
     <dgm:cxn modelId="{3781E7FF-317F-4C37-B47C-B1D363015ED8}" type="presParOf" srcId="{0392C29A-1BEE-40D5-B49C-DA8949A38B5F}" destId="{81BFF022-E623-4E27-9AD6-146292BBFB04}" srcOrd="0" destOrd="0" presId="urn:microsoft.com/office/officeart/2005/8/layout/process4"/>
     <dgm:cxn modelId="{1146171E-2A5F-4DAE-BFBE-3C53E23590BE}" type="presParOf" srcId="{81BFF022-E623-4E27-9AD6-146292BBFB04}" destId="{7036588F-DFF6-4EF6-B761-604391856A88}" srcOrd="0" destOrd="0" presId="urn:microsoft.com/office/officeart/2005/8/layout/process4"/>
     <dgm:cxn modelId="{36F2D022-8CD7-4B74-9C57-F9CFCF5D6CBE}" type="presParOf" srcId="{81BFF022-E623-4E27-9AD6-146292BBFB04}" destId="{26533473-2179-4E0C-B44A-A73115869C5C}" srcOrd="1" destOrd="0" presId="urn:microsoft.com/office/officeart/2005/8/layout/process4"/>
@@ -1986,7 +2005,24 @@
   </dgm:cxnLst>
   <dgm:bg/>
   <dgm:whole/>
+  <dgm:extLst>
+    <a:ext uri="http://schemas.microsoft.com/office/drawing/2008/diagram">
+      <dsp:dataModelExt xmlns:dsp="http://schemas.microsoft.com/office/drawing/2008/diagram" relId="rId6" minVer="http://schemas.openxmlformats.org/drawingml/2006/diagram"/>
+    </a:ext>
+  </dgm:extLst>
 </dgm:dataModel>
+</file>
+
+<file path=ppt/diagrams/drawing1.xml><?xml version="1.0" encoding="utf-8"?>
+<dsp:drawing xmlns:dgm="http://schemas.openxmlformats.org/drawingml/2006/diagram" xmlns:dsp="http://schemas.microsoft.com/office/drawing/2008/diagram" xmlns:a="http://schemas.openxmlformats.org/drawingml/2006/main">
+  <dsp:spTree>
+    <dsp:nvGrpSpPr>
+      <dsp:cNvPr id="0" name=""/>
+      <dsp:cNvGrpSpPr/>
+    </dsp:nvGrpSpPr>
+    <dsp:grpSpPr/>
+  </dsp:spTree>
+</dsp:drawing>
 </file>
 
 <file path=ppt/diagrams/layout1.xml><?xml version="1.0" encoding="utf-8"?>
@@ -3628,6 +3664,11 @@
         </p:txBody>
       </p:sp>
     </p:spTree>
+    <p:extLst>
+      <p:ext uri="{BB962C8B-B14F-4D97-AF65-F5344CB8AC3E}">
+        <p14:creationId xmlns:p14="http://schemas.microsoft.com/office/powerpoint/2010/main" val="1461309121"/>
+      </p:ext>
+    </p:extLst>
   </p:cSld>
   <p:clrMap bg1="lt1" tx1="dk1" bg2="lt2" tx2="dk2" accent1="accent1" accent2="accent2" accent3="accent3" accent4="accent4" accent5="accent5" accent6="accent6" hlink="hlink" folHlink="folHlink"/>
   <p:notesStyle>
@@ -3804,6 +3845,11 @@
         </p:txBody>
       </p:sp>
     </p:spTree>
+    <p:extLst>
+      <p:ext uri="{BB962C8B-B14F-4D97-AF65-F5344CB8AC3E}">
+        <p14:creationId xmlns:p14="http://schemas.microsoft.com/office/powerpoint/2010/main" val="1870280063"/>
+      </p:ext>
+    </p:extLst>
   </p:cSld>
   <p:clrMapOvr>
     <a:masterClrMapping/>
@@ -3859,11 +3905,201 @@
           <a:p>
             <a:r>
               <a:rPr lang="en-US" dirty="0" smtClean="0"/>
-              <a:t>Phải</a:t>
+              <a:t>3 Demo tương</a:t>
             </a:r>
             <a:r>
               <a:rPr lang="en-US" baseline="0" dirty="0" smtClean="0"/>
-              <a:t> có 2 demo chỗ này theo đúng 2 hình này</a:t>
+              <a:t> ứng với 3 mode wrap khác nhau</a:t>
+            </a:r>
+            <a:endParaRPr lang="en-US" dirty="0"/>
+          </a:p>
+        </p:txBody>
+      </p:sp>
+      <p:sp>
+        <p:nvSpPr>
+          <p:cNvPr id="4" name="Slide Number Placeholder 3"/>
+          <p:cNvSpPr>
+            <a:spLocks noGrp="1"/>
+          </p:cNvSpPr>
+          <p:nvPr>
+            <p:ph type="sldNum" sz="quarter" idx="10"/>
+          </p:nvPr>
+        </p:nvSpPr>
+        <p:spPr/>
+        <p:txBody>
+          <a:bodyPr/>
+          <a:lstStyle/>
+          <a:p>
+            <a:fld id="{7CFEA2B2-F6A9-4824-B8BD-241E07188627}" type="slidenum">
+              <a:rPr lang="en-US" smtClean="0"/>
+              <a:pPr/>
+              <a:t>24</a:t>
+            </a:fld>
+            <a:endParaRPr lang="en-US"/>
+          </a:p>
+        </p:txBody>
+      </p:sp>
+    </p:spTree>
+    <p:extLst>
+      <p:ext uri="{BB962C8B-B14F-4D97-AF65-F5344CB8AC3E}">
+        <p14:creationId xmlns:p14="http://schemas.microsoft.com/office/powerpoint/2010/main" val="1035438053"/>
+      </p:ext>
+    </p:extLst>
+  </p:cSld>
+  <p:clrMapOvr>
+    <a:masterClrMapping/>
+  </p:clrMapOvr>
+</p:notes>
+</file>
+
+<file path=ppt/notesSlides/notesSlide11.xml><?xml version="1.0" encoding="utf-8"?>
+<p:notes xmlns:a="http://schemas.openxmlformats.org/drawingml/2006/main" xmlns:r="http://schemas.openxmlformats.org/officeDocument/2006/relationships" xmlns:p="http://schemas.openxmlformats.org/presentationml/2006/main">
+  <p:cSld>
+    <p:spTree>
+      <p:nvGrpSpPr>
+        <p:cNvPr id="1" name=""/>
+        <p:cNvGrpSpPr/>
+        <p:nvPr/>
+      </p:nvGrpSpPr>
+      <p:grpSpPr>
+        <a:xfrm>
+          <a:off x="0" y="0"/>
+          <a:ext cx="0" cy="0"/>
+          <a:chOff x="0" y="0"/>
+          <a:chExt cx="0" cy="0"/>
+        </a:xfrm>
+      </p:grpSpPr>
+      <p:sp>
+        <p:nvSpPr>
+          <p:cNvPr id="2" name="Slide Image Placeholder 1"/>
+          <p:cNvSpPr>
+            <a:spLocks noGrp="1" noRot="1" noChangeAspect="1"/>
+          </p:cNvSpPr>
+          <p:nvPr>
+            <p:ph type="sldImg"/>
+          </p:nvPr>
+        </p:nvSpPr>
+        <p:spPr/>
+      </p:sp>
+      <p:sp>
+        <p:nvSpPr>
+          <p:cNvPr id="3" name="Notes Placeholder 2"/>
+          <p:cNvSpPr>
+            <a:spLocks noGrp="1"/>
+          </p:cNvSpPr>
+          <p:nvPr>
+            <p:ph type="body" idx="1"/>
+          </p:nvPr>
+        </p:nvSpPr>
+        <p:spPr/>
+        <p:txBody>
+          <a:bodyPr>
+            <a:normAutofit/>
+          </a:bodyPr>
+          <a:lstStyle/>
+          <a:p>
+            <a:r>
+              <a:rPr lang="en-US" dirty="0" smtClean="0"/>
+              <a:t>2 Demo cho 2 chế</a:t>
+            </a:r>
+            <a:r>
+              <a:rPr lang="en-US" baseline="0" dirty="0" smtClean="0"/>
+              <a:t> độ LINEAR và NEAREST</a:t>
+            </a:r>
+            <a:endParaRPr lang="en-US" dirty="0"/>
+          </a:p>
+        </p:txBody>
+      </p:sp>
+      <p:sp>
+        <p:nvSpPr>
+          <p:cNvPr id="4" name="Slide Number Placeholder 3"/>
+          <p:cNvSpPr>
+            <a:spLocks noGrp="1"/>
+          </p:cNvSpPr>
+          <p:nvPr>
+            <p:ph type="sldNum" sz="quarter" idx="10"/>
+          </p:nvPr>
+        </p:nvSpPr>
+        <p:spPr/>
+        <p:txBody>
+          <a:bodyPr/>
+          <a:lstStyle/>
+          <a:p>
+            <a:fld id="{7CFEA2B2-F6A9-4824-B8BD-241E07188627}" type="slidenum">
+              <a:rPr lang="en-US" smtClean="0"/>
+              <a:pPr/>
+              <a:t>27</a:t>
+            </a:fld>
+            <a:endParaRPr lang="en-US"/>
+          </a:p>
+        </p:txBody>
+      </p:sp>
+    </p:spTree>
+    <p:extLst>
+      <p:ext uri="{BB962C8B-B14F-4D97-AF65-F5344CB8AC3E}">
+        <p14:creationId xmlns:p14="http://schemas.microsoft.com/office/powerpoint/2010/main" val="2347307807"/>
+      </p:ext>
+    </p:extLst>
+  </p:cSld>
+  <p:clrMapOvr>
+    <a:masterClrMapping/>
+  </p:clrMapOvr>
+</p:notes>
+</file>
+
+<file path=ppt/notesSlides/notesSlide12.xml><?xml version="1.0" encoding="utf-8"?>
+<p:notes xmlns:a="http://schemas.openxmlformats.org/drawingml/2006/main" xmlns:r="http://schemas.openxmlformats.org/officeDocument/2006/relationships" xmlns:p="http://schemas.openxmlformats.org/presentationml/2006/main">
+  <p:cSld>
+    <p:spTree>
+      <p:nvGrpSpPr>
+        <p:cNvPr id="1" name=""/>
+        <p:cNvGrpSpPr/>
+        <p:nvPr/>
+      </p:nvGrpSpPr>
+      <p:grpSpPr>
+        <a:xfrm>
+          <a:off x="0" y="0"/>
+          <a:ext cx="0" cy="0"/>
+          <a:chOff x="0" y="0"/>
+          <a:chExt cx="0" cy="0"/>
+        </a:xfrm>
+      </p:grpSpPr>
+      <p:sp>
+        <p:nvSpPr>
+          <p:cNvPr id="2" name="Slide Image Placeholder 1"/>
+          <p:cNvSpPr>
+            <a:spLocks noGrp="1" noRot="1" noChangeAspect="1"/>
+          </p:cNvSpPr>
+          <p:nvPr>
+            <p:ph type="sldImg"/>
+          </p:nvPr>
+        </p:nvSpPr>
+        <p:spPr/>
+      </p:sp>
+      <p:sp>
+        <p:nvSpPr>
+          <p:cNvPr id="3" name="Notes Placeholder 2"/>
+          <p:cNvSpPr>
+            <a:spLocks noGrp="1"/>
+          </p:cNvSpPr>
+          <p:nvPr>
+            <p:ph type="body" idx="1"/>
+          </p:nvPr>
+        </p:nvSpPr>
+        <p:spPr/>
+        <p:txBody>
+          <a:bodyPr>
+            <a:normAutofit/>
+          </a:bodyPr>
+          <a:lstStyle/>
+          <a:p>
+            <a:r>
+              <a:rPr lang="en-US" dirty="0" smtClean="0"/>
+              <a:t>Demo</a:t>
+            </a:r>
+            <a:r>
+              <a:rPr lang="en-US" baseline="0" dirty="0" smtClean="0"/>
+              <a:t> hoàn chỉnh của 1 Cube</a:t>
             </a:r>
             <a:endParaRPr lang="en-US" dirty="0"/>
           </a:p>
@@ -3894,6 +4130,106 @@
         </p:txBody>
       </p:sp>
     </p:spTree>
+    <p:extLst>
+      <p:ext uri="{BB962C8B-B14F-4D97-AF65-F5344CB8AC3E}">
+        <p14:creationId xmlns:p14="http://schemas.microsoft.com/office/powerpoint/2010/main" val="629067465"/>
+      </p:ext>
+    </p:extLst>
+  </p:cSld>
+  <p:clrMapOvr>
+    <a:masterClrMapping/>
+  </p:clrMapOvr>
+</p:notes>
+</file>
+
+<file path=ppt/notesSlides/notesSlide13.xml><?xml version="1.0" encoding="utf-8"?>
+<p:notes xmlns:a="http://schemas.openxmlformats.org/drawingml/2006/main" xmlns:r="http://schemas.openxmlformats.org/officeDocument/2006/relationships" xmlns:p="http://schemas.openxmlformats.org/presentationml/2006/main">
+  <p:cSld>
+    <p:spTree>
+      <p:nvGrpSpPr>
+        <p:cNvPr id="1" name=""/>
+        <p:cNvGrpSpPr/>
+        <p:nvPr/>
+      </p:nvGrpSpPr>
+      <p:grpSpPr>
+        <a:xfrm>
+          <a:off x="0" y="0"/>
+          <a:ext cx="0" cy="0"/>
+          <a:chOff x="0" y="0"/>
+          <a:chExt cx="0" cy="0"/>
+        </a:xfrm>
+      </p:grpSpPr>
+      <p:sp>
+        <p:nvSpPr>
+          <p:cNvPr id="2" name="Slide Image Placeholder 1"/>
+          <p:cNvSpPr>
+            <a:spLocks noGrp="1" noRot="1" noChangeAspect="1"/>
+          </p:cNvSpPr>
+          <p:nvPr>
+            <p:ph type="sldImg"/>
+          </p:nvPr>
+        </p:nvSpPr>
+        <p:spPr/>
+      </p:sp>
+      <p:sp>
+        <p:nvSpPr>
+          <p:cNvPr id="3" name="Notes Placeholder 2"/>
+          <p:cNvSpPr>
+            <a:spLocks noGrp="1"/>
+          </p:cNvSpPr>
+          <p:nvPr>
+            <p:ph type="body" idx="1"/>
+          </p:nvPr>
+        </p:nvSpPr>
+        <p:spPr/>
+        <p:txBody>
+          <a:bodyPr>
+            <a:normAutofit/>
+          </a:bodyPr>
+          <a:lstStyle/>
+          <a:p>
+            <a:r>
+              <a:rPr lang="en-US" dirty="0" smtClean="0"/>
+              <a:t>Phải</a:t>
+            </a:r>
+            <a:r>
+              <a:rPr lang="en-US" baseline="0" dirty="0" smtClean="0"/>
+              <a:t> có 2 demo chỗ này theo đúng 2 hình này</a:t>
+            </a:r>
+            <a:endParaRPr lang="en-US" dirty="0"/>
+          </a:p>
+        </p:txBody>
+      </p:sp>
+      <p:sp>
+        <p:nvSpPr>
+          <p:cNvPr id="4" name="Slide Number Placeholder 3"/>
+          <p:cNvSpPr>
+            <a:spLocks noGrp="1"/>
+          </p:cNvSpPr>
+          <p:nvPr>
+            <p:ph type="sldNum" sz="quarter" idx="10"/>
+          </p:nvPr>
+        </p:nvSpPr>
+        <p:spPr/>
+        <p:txBody>
+          <a:bodyPr/>
+          <a:lstStyle/>
+          <a:p>
+            <a:fld id="{7CFEA2B2-F6A9-4824-B8BD-241E07188627}" type="slidenum">
+              <a:rPr lang="en-US" smtClean="0"/>
+              <a:pPr/>
+              <a:t>31</a:t>
+            </a:fld>
+            <a:endParaRPr lang="en-US"/>
+          </a:p>
+        </p:txBody>
+      </p:sp>
+    </p:spTree>
+    <p:extLst>
+      <p:ext uri="{BB962C8B-B14F-4D97-AF65-F5344CB8AC3E}">
+        <p14:creationId xmlns:p14="http://schemas.microsoft.com/office/powerpoint/2010/main" val="1181008781"/>
+      </p:ext>
+    </p:extLst>
   </p:cSld>
   <p:clrMapOvr>
     <a:masterClrMapping/>
@@ -3942,50 +4278,46 @@
         </p:nvSpPr>
         <p:spPr/>
         <p:txBody>
-          <a:bodyPr>
-            <a:normAutofit/>
-          </a:bodyPr>
+          <a:bodyPr/>
           <a:lstStyle/>
           <a:p>
             <a:r>
               <a:rPr lang="en-US" smtClean="0"/>
-              <a:t>Để</a:t>
+              <a:t>Nói</a:t>
             </a:r>
             <a:r>
               <a:rPr lang="en-US" baseline="0" smtClean="0"/>
-              <a:t> tạo cảm giác di chuyển như camera chúng </a:t>
-            </a:r>
-            <a:r>
-              <a:rPr lang="en-US" sz="1200" smtClean="0"/>
-              <a:t>ta dịch chuyển thế giới của chúng ta theo hướng ngược lại. VD: Chúng</a:t>
-            </a:r>
-            <a:r>
-              <a:rPr lang="en-US" sz="1200" baseline="0" smtClean="0"/>
-              <a:t> ta có cái hộp ở vị trí (0, 0, 0), ta muốn đặt mắt tại vị trí (0, 0, -5) để nhìn nó, thì ta sẽ vẽ vật tại vị trí (0, 0, 5)</a:t>
+              <a:t> về camera 2d -&gt; camera3d</a:t>
             </a:r>
           </a:p>
           <a:p>
-            <a:r>
-              <a:rPr lang="en-US" sz="1200" baseline="0" smtClean="0"/>
-              <a:t>Chúng ta đang xét đến đến điểm đặt mắt và hướng nhìn để thay đổi hướng nhìn chúng ta thậm chí phải cần làm nhiều việc hơn nữa. Điều này rất dễ tạo nên sai lầm</a:t>
+            <a:pPr marL="171450" indent="-171450">
+              <a:buFontTx/>
+              <a:buChar char="-"/>
+            </a:pPr>
+            <a:r>
+              <a:rPr lang="en-US" baseline="0" smtClean="0"/>
+              <a:t>Để duy chuyển khung cảnh đến 1 vị trí trong game / bản đồ -&gt; dùng camera</a:t>
             </a:r>
           </a:p>
           <a:p>
-            <a:r>
-              <a:rPr lang="en-US" sz="1200" baseline="0" smtClean="0"/>
-              <a:t>Nhưng may mắn cho chúng ta, </a:t>
-            </a:r>
-            <a:r>
-              <a:rPr lang="en-US" sz="1200" smtClean="0"/>
-              <a:t>thư viện GLU trong Opengl cung cấp cho ta 1 hàm để thực</a:t>
-            </a:r>
-            <a:r>
-              <a:rPr lang="en-US" sz="1200" baseline="0" smtClean="0"/>
-              <a:t> hiện các công việc </a:t>
-            </a:r>
-            <a:r>
-              <a:rPr lang="en-US" sz="1200" smtClean="0"/>
-              <a:t>đó là: gluLookAt()</a:t>
+            <a:pPr marL="171450" indent="-171450">
+              <a:buFontTx/>
+              <a:buChar char="-"/>
+            </a:pPr>
+            <a:r>
+              <a:rPr lang="en-US" baseline="0" smtClean="0"/>
+              <a:t>Camera làm gì? Camera vẽ thế giới ỡ vị trí ngược lại.</a:t>
+            </a:r>
+          </a:p>
+          <a:p>
+            <a:pPr marL="628650" lvl="1" indent="-171450">
+              <a:buFontTx/>
+              <a:buChar char="-"/>
+            </a:pPr>
+            <a:r>
+              <a:rPr lang="en-US" baseline="0" smtClean="0"/>
+              <a:t>Nếu camera ở vị trí (200, 200) thì chúng ta sẽ vẽ game world ở vị trí (-200, -200)</a:t>
             </a:r>
             <a:endParaRPr lang="en-US"/>
           </a:p>
@@ -4009,13 +4341,18 @@
             <a:fld id="{7CFEA2B2-F6A9-4824-B8BD-241E07188627}" type="slidenum">
               <a:rPr lang="en-US" smtClean="0"/>
               <a:pPr/>
-              <a:t>6</a:t>
+              <a:t>5</a:t>
             </a:fld>
             <a:endParaRPr lang="en-US"/>
           </a:p>
         </p:txBody>
       </p:sp>
     </p:spTree>
+    <p:extLst>
+      <p:ext uri="{BB962C8B-B14F-4D97-AF65-F5344CB8AC3E}">
+        <p14:creationId xmlns:p14="http://schemas.microsoft.com/office/powerpoint/2010/main" val="456795028"/>
+      </p:ext>
+    </p:extLst>
   </p:cSld>
   <p:clrMapOvr>
     <a:masterClrMapping/>
@@ -4071,11 +4408,109 @@
           <a:p>
             <a:r>
               <a:rPr lang="en-US" smtClean="0"/>
-              <a:t>Do</a:t>
+              <a:t>- OpenGL ko có… </a:t>
+            </a:r>
+            <a:r>
+              <a:rPr lang="en-US" smtClean="0">
+                <a:sym typeface="Wingdings" panose="05000000000000000000" pitchFamily="2" charset="2"/>
+              </a:rPr>
+              <a:t></a:t>
+            </a:r>
+            <a:r>
+              <a:rPr lang="en-US" baseline="0" smtClean="0">
+                <a:sym typeface="Wingdings" panose="05000000000000000000" pitchFamily="2" charset="2"/>
+              </a:rPr>
+              <a:t> trong 2d là hình vẽ luôn vẽ theo 1 trục tọa độ (trên, bên phải – DirectX)</a:t>
+            </a:r>
+            <a:endParaRPr lang="en-US" smtClean="0"/>
+          </a:p>
+          <a:p>
+            <a:r>
+              <a:rPr lang="en-US" smtClean="0"/>
+              <a:t>Để</a:t>
             </a:r>
             <a:r>
               <a:rPr lang="en-US" baseline="0" smtClean="0"/>
-              <a:t> đó, GL_MODELVIEW sẽ ảnh hưởng tới vị trí đặt camera còn GL_PROJECTION sẽ ảnh hưởng tới góc nhìn của camera, cũng như điểm cực cận, cực viễn</a:t>
+              <a:t> </a:t>
+            </a:r>
+            <a:r>
+              <a:rPr lang="en-US" baseline="0" smtClean="0"/>
+              <a:t>tạo cảm giác di chuyển như camera chúng </a:t>
+            </a:r>
+            <a:r>
+              <a:rPr lang="en-US" sz="1200" smtClean="0"/>
+              <a:t>ta dịch chuyển thế giới của chúng ta theo hướng ngược </a:t>
+            </a:r>
+            <a:r>
+              <a:rPr lang="en-US" sz="1200" smtClean="0"/>
+              <a:t>lại. </a:t>
+            </a:r>
+            <a:r>
+              <a:rPr lang="en-US" sz="1200" smtClean="0"/>
+              <a:t>VD: Chúng</a:t>
+            </a:r>
+            <a:r>
+              <a:rPr lang="en-US" sz="1200" baseline="0" smtClean="0"/>
+              <a:t> ta có cái hộp ở vị trí (0, 0, 0), ta muốn đặt mắt tại vị trí (0, 0, </a:t>
+            </a:r>
+            <a:r>
+              <a:rPr lang="en-US" sz="1200" baseline="0" smtClean="0"/>
+              <a:t>5</a:t>
+            </a:r>
+            <a:r>
+              <a:rPr lang="en-US" sz="1200" baseline="0" smtClean="0"/>
+              <a:t>) để nhìn nó, thì ta sẽ vẽ vật tại vị trí (0, 0, </a:t>
+            </a:r>
+            <a:r>
+              <a:rPr lang="en-US" sz="1200" baseline="0" smtClean="0"/>
+              <a:t>-5</a:t>
+            </a:r>
+            <a:r>
+              <a:rPr lang="en-US" sz="1200" baseline="0" smtClean="0"/>
+              <a:t>)</a:t>
+            </a:r>
+          </a:p>
+          <a:p>
+            <a:r>
+              <a:rPr lang="en-US" sz="1200" baseline="0" smtClean="0"/>
+              <a:t>Chúng ta đang xét đến đến điểm đặt mắt </a:t>
+            </a:r>
+            <a:r>
+              <a:rPr lang="en-US" sz="1200" baseline="0" smtClean="0"/>
+              <a:t>-&gt; hướng </a:t>
+            </a:r>
+            <a:r>
+              <a:rPr lang="en-US" sz="1200" baseline="0" smtClean="0"/>
+              <a:t>nhìn để thay đổi hướng nhìn chúng ta thậm chí phải cần làm nhiều việc hơn </a:t>
+            </a:r>
+            <a:r>
+              <a:rPr lang="en-US" sz="1200" baseline="0" smtClean="0"/>
+              <a:t>nữa. VD: xoay, di chuyen xoay, …</a:t>
+            </a:r>
+          </a:p>
+          <a:p>
+            <a:r>
+              <a:rPr lang="en-US" sz="1200" baseline="0" smtClean="0"/>
+              <a:t>Điều này rất dễ tạo nên sai lầm</a:t>
+            </a:r>
+            <a:endParaRPr lang="en-US" sz="1200" baseline="0" smtClean="0"/>
+          </a:p>
+          <a:p>
+            <a:r>
+              <a:rPr lang="en-US" sz="1200" baseline="0" smtClean="0"/>
+              <a:t>Nhưng may mắn cho chúng ta, </a:t>
+            </a:r>
+            <a:r>
+              <a:rPr lang="en-US" sz="1200" smtClean="0"/>
+              <a:t>thư viện GLU trong Opengl cung cấp cho ta 1 hàm để thực</a:t>
+            </a:r>
+            <a:r>
+              <a:rPr lang="en-US" sz="1200" baseline="0" smtClean="0"/>
+              <a:t> hiện các công việc </a:t>
+            </a:r>
+            <a:r>
+              <a:rPr lang="en-US" sz="1200" smtClean="0"/>
+              <a:t>đó là: gluLookAt()</a:t>
             </a:r>
             <a:endParaRPr lang="en-US"/>
           </a:p>
@@ -4099,13 +4534,18 @@
             <a:fld id="{7CFEA2B2-F6A9-4824-B8BD-241E07188627}" type="slidenum">
               <a:rPr lang="en-US" smtClean="0"/>
               <a:pPr/>
-              <a:t>7</a:t>
+              <a:t>6</a:t>
             </a:fld>
             <a:endParaRPr lang="en-US"/>
           </a:p>
         </p:txBody>
       </p:sp>
     </p:spTree>
+    <p:extLst>
+      <p:ext uri="{BB962C8B-B14F-4D97-AF65-F5344CB8AC3E}">
+        <p14:creationId xmlns:p14="http://schemas.microsoft.com/office/powerpoint/2010/main" val="1835318209"/>
+      </p:ext>
+    </p:extLst>
   </p:cSld>
   <p:clrMapOvr>
     <a:masterClrMapping/>
@@ -4160,63 +4600,49 @@
           <a:lstStyle/>
           <a:p>
             <a:r>
-              <a:rPr lang="en-US" kern="1200" smtClean="0">
-                <a:solidFill>
-                  <a:schemeClr val="tx1"/>
-                </a:solidFill>
-                <a:latin typeface="Calibri" pitchFamily="34" charset="0"/>
-                <a:ea typeface="+mn-ea"/>
-                <a:cs typeface="Courier New" pitchFamily="49" charset="0"/>
-              </a:rPr>
-              <a:t>So sánh</a:t>
-            </a:r>
-            <a:r>
-              <a:rPr lang="en-US" kern="1200" baseline="0" smtClean="0">
-                <a:solidFill>
-                  <a:schemeClr val="tx1"/>
-                </a:solidFill>
-                <a:latin typeface="Calibri" pitchFamily="34" charset="0"/>
-                <a:ea typeface="+mn-ea"/>
-                <a:cs typeface="Courier New" pitchFamily="49" charset="0"/>
-              </a:rPr>
-              <a:t> với mắt người. Giả sử mình đang đứng ở (1, 1, 1) và mình muốn nhìn tới (0, 0, 0). Up vector là…..</a:t>
+              <a:rPr lang="en-US" smtClean="0"/>
+              <a:t>Trước</a:t>
+            </a:r>
+            <a:r>
+              <a:rPr lang="en-US" baseline="0" smtClean="0"/>
+              <a:t> khi đến với hàm lookAt ta hay nói đến điều cần thiết của 1 camera (vị trí, độ mở của góc nhìn)</a:t>
             </a:r>
           </a:p>
           <a:p>
             <a:r>
-              <a:rPr lang="en-US" b="1" smtClean="0">
-                <a:solidFill>
-                  <a:srgbClr val="FF0000"/>
-                </a:solidFill>
-                <a:latin typeface="Courier New" pitchFamily="49" charset="0"/>
-                <a:cs typeface="Courier New" pitchFamily="49" charset="0"/>
-              </a:rPr>
-              <a:t>gluLookAt</a:t>
-            </a:r>
-            <a:r>
-              <a:rPr lang="en-US" b="0" baseline="0" smtClean="0">
-                <a:solidFill>
-                  <a:srgbClr val="FF0000"/>
-                </a:solidFill>
-                <a:latin typeface="Courier New" pitchFamily="49" charset="0"/>
-                <a:cs typeface="Courier New" pitchFamily="49" charset="0"/>
-              </a:rPr>
-              <a:t> làm việc với </a:t>
-            </a:r>
-            <a:r>
-              <a:rPr lang="en-US" sz="1200" smtClean="0"/>
-              <a:t>GL_MODELVIEW</a:t>
-            </a:r>
+              <a:rPr lang="en-US" baseline="0" smtClean="0"/>
+              <a:t>- Độ mở của góc nhìn: So sánh với camera điện thoại. Khi chúng ta zoom lên -&gt; độ mở nhỏ..</a:t>
+            </a:r>
+            <a:endParaRPr lang="en-US" smtClean="0"/>
           </a:p>
           <a:p>
-            <a:endParaRPr lang="en-US" kern="1200" baseline="0" smtClean="0">
-              <a:solidFill>
-                <a:schemeClr val="tx1"/>
-              </a:solidFill>
-              <a:latin typeface="Calibri" pitchFamily="34" charset="0"/>
-              <a:ea typeface="+mn-ea"/>
-              <a:cs typeface="Courier New" pitchFamily="49" charset="0"/>
-            </a:endParaRPr>
+            <a:r>
+              <a:rPr lang="en-US" smtClean="0"/>
+              <a:t>Do</a:t>
+            </a:r>
+            <a:r>
+              <a:rPr lang="en-US" baseline="0" smtClean="0"/>
+              <a:t> </a:t>
+            </a:r>
+            <a:r>
+              <a:rPr lang="en-US" baseline="0" smtClean="0"/>
+              <a:t>đó, GL_MODELVIEW sẽ ảnh hưởng tới vị trí đặt camera </a:t>
+            </a:r>
+            <a:r>
+              <a:rPr lang="en-US" baseline="0" smtClean="0"/>
+              <a:t>còn</a:t>
+            </a:r>
+          </a:p>
+          <a:p>
+            <a:r>
+              <a:rPr lang="en-US" baseline="0" smtClean="0"/>
+              <a:t>GL_PROJECTION  </a:t>
+            </a:r>
+            <a:r>
+              <a:rPr lang="en-US" baseline="0" smtClean="0"/>
+              <a:t>sẽ ảnh hưởng tới góc nhìn của camera, cũng như điểm cực cận, cực viễn</a:t>
+            </a:r>
+            <a:endParaRPr lang="en-US"/>
           </a:p>
         </p:txBody>
       </p:sp>
@@ -4238,13 +4664,18 @@
             <a:fld id="{7CFEA2B2-F6A9-4824-B8BD-241E07188627}" type="slidenum">
               <a:rPr lang="en-US" smtClean="0"/>
               <a:pPr/>
-              <a:t>9</a:t>
+              <a:t>7</a:t>
             </a:fld>
             <a:endParaRPr lang="en-US"/>
           </a:p>
         </p:txBody>
       </p:sp>
     </p:spTree>
+    <p:extLst>
+      <p:ext uri="{BB962C8B-B14F-4D97-AF65-F5344CB8AC3E}">
+        <p14:creationId xmlns:p14="http://schemas.microsoft.com/office/powerpoint/2010/main" val="1657608395"/>
+      </p:ext>
+    </p:extLst>
   </p:cSld>
   <p:clrMapOvr>
     <a:masterClrMapping/>
@@ -4293,6 +4724,361 @@
         </p:nvSpPr>
         <p:spPr/>
         <p:txBody>
+          <a:bodyPr/>
+          <a:lstStyle/>
+          <a:p>
+            <a:r>
+              <a:rPr lang="en-US" sz="1200" smtClean="0"/>
+              <a:t>GL_PROJECTION</a:t>
+            </a:r>
+            <a:r>
+              <a:rPr lang="en-US" sz="1200" baseline="0" smtClean="0"/>
+              <a:t> sẽ xác định cách mà 1 điểm 3d được bểu diễn trong 2d</a:t>
+            </a:r>
+            <a:endParaRPr lang="en-US" smtClean="0"/>
+          </a:p>
+          <a:p>
+            <a:r>
+              <a:rPr lang="en-US" smtClean="0"/>
+              <a:t>- Frustrum và</a:t>
+            </a:r>
+            <a:r>
+              <a:rPr lang="en-US" baseline="0" smtClean="0"/>
+              <a:t> Perspective là phép chiếu….</a:t>
+            </a:r>
+            <a:endParaRPr lang="en-US"/>
+          </a:p>
+        </p:txBody>
+      </p:sp>
+      <p:sp>
+        <p:nvSpPr>
+          <p:cNvPr id="4" name="Slide Number Placeholder 3"/>
+          <p:cNvSpPr>
+            <a:spLocks noGrp="1"/>
+          </p:cNvSpPr>
+          <p:nvPr>
+            <p:ph type="sldNum" sz="quarter" idx="10"/>
+          </p:nvPr>
+        </p:nvSpPr>
+        <p:spPr/>
+        <p:txBody>
+          <a:bodyPr/>
+          <a:lstStyle/>
+          <a:p>
+            <a:fld id="{7CFEA2B2-F6A9-4824-B8BD-241E07188627}" type="slidenum">
+              <a:rPr lang="en-US" smtClean="0"/>
+              <a:pPr/>
+              <a:t>8</a:t>
+            </a:fld>
+            <a:endParaRPr lang="en-US"/>
+          </a:p>
+        </p:txBody>
+      </p:sp>
+    </p:spTree>
+    <p:extLst>
+      <p:ext uri="{BB962C8B-B14F-4D97-AF65-F5344CB8AC3E}">
+        <p14:creationId xmlns:p14="http://schemas.microsoft.com/office/powerpoint/2010/main" val="2199875559"/>
+      </p:ext>
+    </p:extLst>
+  </p:cSld>
+  <p:clrMapOvr>
+    <a:masterClrMapping/>
+  </p:clrMapOvr>
+</p:notes>
+</file>
+
+<file path=ppt/notesSlides/notesSlide6.xml><?xml version="1.0" encoding="utf-8"?>
+<p:notes xmlns:a="http://schemas.openxmlformats.org/drawingml/2006/main" xmlns:r="http://schemas.openxmlformats.org/officeDocument/2006/relationships" xmlns:p="http://schemas.openxmlformats.org/presentationml/2006/main">
+  <p:cSld>
+    <p:spTree>
+      <p:nvGrpSpPr>
+        <p:cNvPr id="1" name=""/>
+        <p:cNvGrpSpPr/>
+        <p:nvPr/>
+      </p:nvGrpSpPr>
+      <p:grpSpPr>
+        <a:xfrm>
+          <a:off x="0" y="0"/>
+          <a:ext cx="0" cy="0"/>
+          <a:chOff x="0" y="0"/>
+          <a:chExt cx="0" cy="0"/>
+        </a:xfrm>
+      </p:grpSpPr>
+      <p:sp>
+        <p:nvSpPr>
+          <p:cNvPr id="2" name="Slide Image Placeholder 1"/>
+          <p:cNvSpPr>
+            <a:spLocks noGrp="1" noRot="1" noChangeAspect="1"/>
+          </p:cNvSpPr>
+          <p:nvPr>
+            <p:ph type="sldImg"/>
+          </p:nvPr>
+        </p:nvSpPr>
+        <p:spPr/>
+      </p:sp>
+      <p:sp>
+        <p:nvSpPr>
+          <p:cNvPr id="3" name="Notes Placeholder 2"/>
+          <p:cNvSpPr>
+            <a:spLocks noGrp="1"/>
+          </p:cNvSpPr>
+          <p:nvPr>
+            <p:ph type="body" idx="1"/>
+          </p:nvPr>
+        </p:nvSpPr>
+        <p:spPr/>
+        <p:txBody>
+          <a:bodyPr>
+            <a:normAutofit/>
+          </a:bodyPr>
+          <a:lstStyle/>
+          <a:p>
+            <a:r>
+              <a:rPr lang="en-US" kern="1200" smtClean="0">
+                <a:solidFill>
+                  <a:schemeClr val="tx1"/>
+                </a:solidFill>
+                <a:latin typeface="Calibri" pitchFamily="34" charset="0"/>
+                <a:ea typeface="+mn-ea"/>
+                <a:cs typeface="Courier New" pitchFamily="49" charset="0"/>
+              </a:rPr>
+              <a:t>So sánh</a:t>
+            </a:r>
+            <a:r>
+              <a:rPr lang="en-US" kern="1200" baseline="0" smtClean="0">
+                <a:solidFill>
+                  <a:schemeClr val="tx1"/>
+                </a:solidFill>
+                <a:latin typeface="Calibri" pitchFamily="34" charset="0"/>
+                <a:ea typeface="+mn-ea"/>
+                <a:cs typeface="Courier New" pitchFamily="49" charset="0"/>
+              </a:rPr>
+              <a:t> với mắt người. Giả sử mình đang đứng ở (1, 1, 1) và mình muốn nhìn tới (0, 0, 0). Up vector là…..</a:t>
+            </a:r>
+          </a:p>
+          <a:p>
+            <a:r>
+              <a:rPr lang="en-US" b="1" smtClean="0">
+                <a:solidFill>
+                  <a:srgbClr val="FF0000"/>
+                </a:solidFill>
+                <a:latin typeface="Courier New" pitchFamily="49" charset="0"/>
+                <a:cs typeface="Courier New" pitchFamily="49" charset="0"/>
+              </a:rPr>
+              <a:t>gluLookAt</a:t>
+            </a:r>
+            <a:r>
+              <a:rPr lang="en-US" b="0" baseline="0" smtClean="0">
+                <a:solidFill>
+                  <a:srgbClr val="FF0000"/>
+                </a:solidFill>
+                <a:latin typeface="Courier New" pitchFamily="49" charset="0"/>
+                <a:cs typeface="Courier New" pitchFamily="49" charset="0"/>
+              </a:rPr>
+              <a:t> làm việc với </a:t>
+            </a:r>
+            <a:r>
+              <a:rPr lang="en-US" sz="1200" smtClean="0"/>
+              <a:t>GL_MODELVIEW</a:t>
+            </a:r>
+          </a:p>
+          <a:p>
+            <a:r>
+              <a:rPr lang="en-US" kern="1200" baseline="0" smtClean="0">
+                <a:solidFill>
+                  <a:schemeClr val="tx1"/>
+                </a:solidFill>
+                <a:latin typeface="Calibri" pitchFamily="34" charset="0"/>
+                <a:ea typeface="+mn-ea"/>
+                <a:cs typeface="Courier New" pitchFamily="49" charset="0"/>
+              </a:rPr>
+              <a:t>Tiếp theo cũng ta sẽ làm cách nào để xây dựng class camera</a:t>
+            </a:r>
+            <a:endParaRPr lang="en-US" kern="1200" baseline="0" smtClean="0">
+              <a:solidFill>
+                <a:schemeClr val="tx1"/>
+              </a:solidFill>
+              <a:latin typeface="Calibri" pitchFamily="34" charset="0"/>
+              <a:ea typeface="+mn-ea"/>
+              <a:cs typeface="Courier New" pitchFamily="49" charset="0"/>
+            </a:endParaRPr>
+          </a:p>
+        </p:txBody>
+      </p:sp>
+      <p:sp>
+        <p:nvSpPr>
+          <p:cNvPr id="4" name="Slide Number Placeholder 3"/>
+          <p:cNvSpPr>
+            <a:spLocks noGrp="1"/>
+          </p:cNvSpPr>
+          <p:nvPr>
+            <p:ph type="sldNum" sz="quarter" idx="10"/>
+          </p:nvPr>
+        </p:nvSpPr>
+        <p:spPr/>
+        <p:txBody>
+          <a:bodyPr/>
+          <a:lstStyle/>
+          <a:p>
+            <a:fld id="{7CFEA2B2-F6A9-4824-B8BD-241E07188627}" type="slidenum">
+              <a:rPr lang="en-US" smtClean="0"/>
+              <a:pPr/>
+              <a:t>12</a:t>
+            </a:fld>
+            <a:endParaRPr lang="en-US"/>
+          </a:p>
+        </p:txBody>
+      </p:sp>
+    </p:spTree>
+    <p:extLst>
+      <p:ext uri="{BB962C8B-B14F-4D97-AF65-F5344CB8AC3E}">
+        <p14:creationId xmlns:p14="http://schemas.microsoft.com/office/powerpoint/2010/main" val="727049269"/>
+      </p:ext>
+    </p:extLst>
+  </p:cSld>
+  <p:clrMapOvr>
+    <a:masterClrMapping/>
+  </p:clrMapOvr>
+</p:notes>
+</file>
+
+<file path=ppt/notesSlides/notesSlide7.xml><?xml version="1.0" encoding="utf-8"?>
+<p:notes xmlns:a="http://schemas.openxmlformats.org/drawingml/2006/main" xmlns:r="http://schemas.openxmlformats.org/officeDocument/2006/relationships" xmlns:p="http://schemas.openxmlformats.org/presentationml/2006/main">
+  <p:cSld>
+    <p:spTree>
+      <p:nvGrpSpPr>
+        <p:cNvPr id="1" name=""/>
+        <p:cNvGrpSpPr/>
+        <p:nvPr/>
+      </p:nvGrpSpPr>
+      <p:grpSpPr>
+        <a:xfrm>
+          <a:off x="0" y="0"/>
+          <a:ext cx="0" cy="0"/>
+          <a:chOff x="0" y="0"/>
+          <a:chExt cx="0" cy="0"/>
+        </a:xfrm>
+      </p:grpSpPr>
+      <p:sp>
+        <p:nvSpPr>
+          <p:cNvPr id="2" name="Slide Image Placeholder 1"/>
+          <p:cNvSpPr>
+            <a:spLocks noGrp="1" noRot="1" noChangeAspect="1"/>
+          </p:cNvSpPr>
+          <p:nvPr>
+            <p:ph type="sldImg"/>
+          </p:nvPr>
+        </p:nvSpPr>
+        <p:spPr/>
+      </p:sp>
+      <p:sp>
+        <p:nvSpPr>
+          <p:cNvPr id="3" name="Notes Placeholder 2"/>
+          <p:cNvSpPr>
+            <a:spLocks noGrp="1"/>
+          </p:cNvSpPr>
+          <p:nvPr>
+            <p:ph type="body" idx="1"/>
+          </p:nvPr>
+        </p:nvSpPr>
+        <p:spPr/>
+        <p:txBody>
+          <a:bodyPr/>
+          <a:lstStyle/>
+          <a:p>
+            <a:pPr marL="171450" indent="-171450">
+              <a:buFontTx/>
+              <a:buChar char="-"/>
+            </a:pPr>
+            <a:r>
+              <a:rPr lang="en-US" smtClean="0"/>
+              <a:t>Các</a:t>
+            </a:r>
+            <a:r>
+              <a:rPr lang="en-US" baseline="0" smtClean="0"/>
+              <a:t> chức năng của 1 camera: di chuyển, xoay trái xoay phải, trái đc. -&gt; nhưng hàm lookAt phải xác định 2điểm</a:t>
+            </a:r>
+          </a:p>
+        </p:txBody>
+      </p:sp>
+      <p:sp>
+        <p:nvSpPr>
+          <p:cNvPr id="4" name="Slide Number Placeholder 3"/>
+          <p:cNvSpPr>
+            <a:spLocks noGrp="1"/>
+          </p:cNvSpPr>
+          <p:nvPr>
+            <p:ph type="sldNum" sz="quarter" idx="10"/>
+          </p:nvPr>
+        </p:nvSpPr>
+        <p:spPr/>
+        <p:txBody>
+          <a:bodyPr/>
+          <a:lstStyle/>
+          <a:p>
+            <a:fld id="{7CFEA2B2-F6A9-4824-B8BD-241E07188627}" type="slidenum">
+              <a:rPr lang="en-US" smtClean="0"/>
+              <a:pPr/>
+              <a:t>13</a:t>
+            </a:fld>
+            <a:endParaRPr lang="en-US"/>
+          </a:p>
+        </p:txBody>
+      </p:sp>
+    </p:spTree>
+    <p:extLst>
+      <p:ext uri="{BB962C8B-B14F-4D97-AF65-F5344CB8AC3E}">
+        <p14:creationId xmlns:p14="http://schemas.microsoft.com/office/powerpoint/2010/main" val="3166937626"/>
+      </p:ext>
+    </p:extLst>
+  </p:cSld>
+  <p:clrMapOvr>
+    <a:masterClrMapping/>
+  </p:clrMapOvr>
+</p:notes>
+</file>
+
+<file path=ppt/notesSlides/notesSlide8.xml><?xml version="1.0" encoding="utf-8"?>
+<p:notes xmlns:a="http://schemas.openxmlformats.org/drawingml/2006/main" xmlns:r="http://schemas.openxmlformats.org/officeDocument/2006/relationships" xmlns:p="http://schemas.openxmlformats.org/presentationml/2006/main">
+  <p:cSld>
+    <p:spTree>
+      <p:nvGrpSpPr>
+        <p:cNvPr id="1" name=""/>
+        <p:cNvGrpSpPr/>
+        <p:nvPr/>
+      </p:nvGrpSpPr>
+      <p:grpSpPr>
+        <a:xfrm>
+          <a:off x="0" y="0"/>
+          <a:ext cx="0" cy="0"/>
+          <a:chOff x="0" y="0"/>
+          <a:chExt cx="0" cy="0"/>
+        </a:xfrm>
+      </p:grpSpPr>
+      <p:sp>
+        <p:nvSpPr>
+          <p:cNvPr id="2" name="Slide Image Placeholder 1"/>
+          <p:cNvSpPr>
+            <a:spLocks noGrp="1" noRot="1" noChangeAspect="1"/>
+          </p:cNvSpPr>
+          <p:nvPr>
+            <p:ph type="sldImg"/>
+          </p:nvPr>
+        </p:nvSpPr>
+        <p:spPr/>
+      </p:sp>
+      <p:sp>
+        <p:nvSpPr>
+          <p:cNvPr id="3" name="Notes Placeholder 2"/>
+          <p:cNvSpPr>
+            <a:spLocks noGrp="1"/>
+          </p:cNvSpPr>
+          <p:nvPr>
+            <p:ph type="body" idx="1"/>
+          </p:nvPr>
+        </p:nvSpPr>
+        <p:spPr/>
+        <p:txBody>
           <a:bodyPr>
             <a:normAutofit/>
           </a:bodyPr>
@@ -4328,13 +5114,18 @@
             <a:fld id="{7CFEA2B2-F6A9-4824-B8BD-241E07188627}" type="slidenum">
               <a:rPr lang="en-US" smtClean="0"/>
               <a:pPr/>
-              <a:t>18</a:t>
+              <a:t>21</a:t>
             </a:fld>
             <a:endParaRPr lang="en-US"/>
           </a:p>
         </p:txBody>
       </p:sp>
     </p:spTree>
+    <p:extLst>
+      <p:ext uri="{BB962C8B-B14F-4D97-AF65-F5344CB8AC3E}">
+        <p14:creationId xmlns:p14="http://schemas.microsoft.com/office/powerpoint/2010/main" val="2417777692"/>
+      </p:ext>
+    </p:extLst>
   </p:cSld>
   <p:clrMapOvr>
     <a:masterClrMapping/>
@@ -4342,7 +5133,7 @@
 </p:notes>
 </file>
 
-<file path=ppt/notesSlides/notesSlide6.xml><?xml version="1.0" encoding="utf-8"?>
+<file path=ppt/notesSlides/notesSlide9.xml><?xml version="1.0" encoding="utf-8"?>
 <p:notes xmlns:a="http://schemas.openxmlformats.org/drawingml/2006/main" xmlns:r="http://schemas.openxmlformats.org/officeDocument/2006/relationships" xmlns:p="http://schemas.openxmlformats.org/presentationml/2006/main">
   <p:cSld>
     <p:spTree>
@@ -4410,283 +5201,18 @@
             <a:fld id="{7CFEA2B2-F6A9-4824-B8BD-241E07188627}" type="slidenum">
               <a:rPr lang="en-US" smtClean="0"/>
               <a:pPr/>
-              <a:t>20</a:t>
+              <a:t>23</a:t>
             </a:fld>
             <a:endParaRPr lang="en-US"/>
           </a:p>
         </p:txBody>
       </p:sp>
     </p:spTree>
-  </p:cSld>
-  <p:clrMapOvr>
-    <a:masterClrMapping/>
-  </p:clrMapOvr>
-</p:notes>
-</file>
-
-<file path=ppt/notesSlides/notesSlide7.xml><?xml version="1.0" encoding="utf-8"?>
-<p:notes xmlns:a="http://schemas.openxmlformats.org/drawingml/2006/main" xmlns:r="http://schemas.openxmlformats.org/officeDocument/2006/relationships" xmlns:p="http://schemas.openxmlformats.org/presentationml/2006/main">
-  <p:cSld>
-    <p:spTree>
-      <p:nvGrpSpPr>
-        <p:cNvPr id="1" name=""/>
-        <p:cNvGrpSpPr/>
-        <p:nvPr/>
-      </p:nvGrpSpPr>
-      <p:grpSpPr>
-        <a:xfrm>
-          <a:off x="0" y="0"/>
-          <a:ext cx="0" cy="0"/>
-          <a:chOff x="0" y="0"/>
-          <a:chExt cx="0" cy="0"/>
-        </a:xfrm>
-      </p:grpSpPr>
-      <p:sp>
-        <p:nvSpPr>
-          <p:cNvPr id="2" name="Slide Image Placeholder 1"/>
-          <p:cNvSpPr>
-            <a:spLocks noGrp="1" noRot="1" noChangeAspect="1"/>
-          </p:cNvSpPr>
-          <p:nvPr>
-            <p:ph type="sldImg"/>
-          </p:nvPr>
-        </p:nvSpPr>
-        <p:spPr/>
-      </p:sp>
-      <p:sp>
-        <p:nvSpPr>
-          <p:cNvPr id="3" name="Notes Placeholder 2"/>
-          <p:cNvSpPr>
-            <a:spLocks noGrp="1"/>
-          </p:cNvSpPr>
-          <p:nvPr>
-            <p:ph type="body" idx="1"/>
-          </p:nvPr>
-        </p:nvSpPr>
-        <p:spPr/>
-        <p:txBody>
-          <a:bodyPr>
-            <a:normAutofit/>
-          </a:bodyPr>
-          <a:lstStyle/>
-          <a:p>
-            <a:r>
-              <a:rPr lang="en-US" dirty="0" smtClean="0"/>
-              <a:t>3 Demo tương</a:t>
-            </a:r>
-            <a:r>
-              <a:rPr lang="en-US" baseline="0" dirty="0" smtClean="0"/>
-              <a:t> ứng với 3 mode wrap khác nhau</a:t>
-            </a:r>
-            <a:endParaRPr lang="en-US" dirty="0"/>
-          </a:p>
-        </p:txBody>
-      </p:sp>
-      <p:sp>
-        <p:nvSpPr>
-          <p:cNvPr id="4" name="Slide Number Placeholder 3"/>
-          <p:cNvSpPr>
-            <a:spLocks noGrp="1"/>
-          </p:cNvSpPr>
-          <p:nvPr>
-            <p:ph type="sldNum" sz="quarter" idx="10"/>
-          </p:nvPr>
-        </p:nvSpPr>
-        <p:spPr/>
-        <p:txBody>
-          <a:bodyPr/>
-          <a:lstStyle/>
-          <a:p>
-            <a:fld id="{7CFEA2B2-F6A9-4824-B8BD-241E07188627}" type="slidenum">
-              <a:rPr lang="en-US" smtClean="0"/>
-              <a:pPr/>
-              <a:t>21</a:t>
-            </a:fld>
-            <a:endParaRPr lang="en-US"/>
-          </a:p>
-        </p:txBody>
-      </p:sp>
-    </p:spTree>
-  </p:cSld>
-  <p:clrMapOvr>
-    <a:masterClrMapping/>
-  </p:clrMapOvr>
-</p:notes>
-</file>
-
-<file path=ppt/notesSlides/notesSlide8.xml><?xml version="1.0" encoding="utf-8"?>
-<p:notes xmlns:a="http://schemas.openxmlformats.org/drawingml/2006/main" xmlns:r="http://schemas.openxmlformats.org/officeDocument/2006/relationships" xmlns:p="http://schemas.openxmlformats.org/presentationml/2006/main">
-  <p:cSld>
-    <p:spTree>
-      <p:nvGrpSpPr>
-        <p:cNvPr id="1" name=""/>
-        <p:cNvGrpSpPr/>
-        <p:nvPr/>
-      </p:nvGrpSpPr>
-      <p:grpSpPr>
-        <a:xfrm>
-          <a:off x="0" y="0"/>
-          <a:ext cx="0" cy="0"/>
-          <a:chOff x="0" y="0"/>
-          <a:chExt cx="0" cy="0"/>
-        </a:xfrm>
-      </p:grpSpPr>
-      <p:sp>
-        <p:nvSpPr>
-          <p:cNvPr id="2" name="Slide Image Placeholder 1"/>
-          <p:cNvSpPr>
-            <a:spLocks noGrp="1" noRot="1" noChangeAspect="1"/>
-          </p:cNvSpPr>
-          <p:nvPr>
-            <p:ph type="sldImg"/>
-          </p:nvPr>
-        </p:nvSpPr>
-        <p:spPr/>
-      </p:sp>
-      <p:sp>
-        <p:nvSpPr>
-          <p:cNvPr id="3" name="Notes Placeholder 2"/>
-          <p:cNvSpPr>
-            <a:spLocks noGrp="1"/>
-          </p:cNvSpPr>
-          <p:nvPr>
-            <p:ph type="body" idx="1"/>
-          </p:nvPr>
-        </p:nvSpPr>
-        <p:spPr/>
-        <p:txBody>
-          <a:bodyPr>
-            <a:normAutofit/>
-          </a:bodyPr>
-          <a:lstStyle/>
-          <a:p>
-            <a:r>
-              <a:rPr lang="en-US" dirty="0" smtClean="0"/>
-              <a:t>2 Demo cho 2 chế</a:t>
-            </a:r>
-            <a:r>
-              <a:rPr lang="en-US" baseline="0" dirty="0" smtClean="0"/>
-              <a:t> độ LINEAR và NEAREST</a:t>
-            </a:r>
-            <a:endParaRPr lang="en-US" dirty="0"/>
-          </a:p>
-        </p:txBody>
-      </p:sp>
-      <p:sp>
-        <p:nvSpPr>
-          <p:cNvPr id="4" name="Slide Number Placeholder 3"/>
-          <p:cNvSpPr>
-            <a:spLocks noGrp="1"/>
-          </p:cNvSpPr>
-          <p:nvPr>
-            <p:ph type="sldNum" sz="quarter" idx="10"/>
-          </p:nvPr>
-        </p:nvSpPr>
-        <p:spPr/>
-        <p:txBody>
-          <a:bodyPr/>
-          <a:lstStyle/>
-          <a:p>
-            <a:fld id="{7CFEA2B2-F6A9-4824-B8BD-241E07188627}" type="slidenum">
-              <a:rPr lang="en-US" smtClean="0"/>
-              <a:pPr/>
-              <a:t>24</a:t>
-            </a:fld>
-            <a:endParaRPr lang="en-US"/>
-          </a:p>
-        </p:txBody>
-      </p:sp>
-    </p:spTree>
-  </p:cSld>
-  <p:clrMapOvr>
-    <a:masterClrMapping/>
-  </p:clrMapOvr>
-</p:notes>
-</file>
-
-<file path=ppt/notesSlides/notesSlide9.xml><?xml version="1.0" encoding="utf-8"?>
-<p:notes xmlns:a="http://schemas.openxmlformats.org/drawingml/2006/main" xmlns:r="http://schemas.openxmlformats.org/officeDocument/2006/relationships" xmlns:p="http://schemas.openxmlformats.org/presentationml/2006/main">
-  <p:cSld>
-    <p:spTree>
-      <p:nvGrpSpPr>
-        <p:cNvPr id="1" name=""/>
-        <p:cNvGrpSpPr/>
-        <p:nvPr/>
-      </p:nvGrpSpPr>
-      <p:grpSpPr>
-        <a:xfrm>
-          <a:off x="0" y="0"/>
-          <a:ext cx="0" cy="0"/>
-          <a:chOff x="0" y="0"/>
-          <a:chExt cx="0" cy="0"/>
-        </a:xfrm>
-      </p:grpSpPr>
-      <p:sp>
-        <p:nvSpPr>
-          <p:cNvPr id="2" name="Slide Image Placeholder 1"/>
-          <p:cNvSpPr>
-            <a:spLocks noGrp="1" noRot="1" noChangeAspect="1"/>
-          </p:cNvSpPr>
-          <p:nvPr>
-            <p:ph type="sldImg"/>
-          </p:nvPr>
-        </p:nvSpPr>
-        <p:spPr/>
-      </p:sp>
-      <p:sp>
-        <p:nvSpPr>
-          <p:cNvPr id="3" name="Notes Placeholder 2"/>
-          <p:cNvSpPr>
-            <a:spLocks noGrp="1"/>
-          </p:cNvSpPr>
-          <p:nvPr>
-            <p:ph type="body" idx="1"/>
-          </p:nvPr>
-        </p:nvSpPr>
-        <p:spPr/>
-        <p:txBody>
-          <a:bodyPr>
-            <a:normAutofit/>
-          </a:bodyPr>
-          <a:lstStyle/>
-          <a:p>
-            <a:r>
-              <a:rPr lang="en-US" dirty="0" smtClean="0"/>
-              <a:t>Demo</a:t>
-            </a:r>
-            <a:r>
-              <a:rPr lang="en-US" baseline="0" dirty="0" smtClean="0"/>
-              <a:t> hoàn chỉnh của 1 Cube</a:t>
-            </a:r>
-            <a:endParaRPr lang="en-US" dirty="0"/>
-          </a:p>
-        </p:txBody>
-      </p:sp>
-      <p:sp>
-        <p:nvSpPr>
-          <p:cNvPr id="4" name="Slide Number Placeholder 3"/>
-          <p:cNvSpPr>
-            <a:spLocks noGrp="1"/>
-          </p:cNvSpPr>
-          <p:nvPr>
-            <p:ph type="sldNum" sz="quarter" idx="10"/>
-          </p:nvPr>
-        </p:nvSpPr>
-        <p:spPr/>
-        <p:txBody>
-          <a:bodyPr/>
-          <a:lstStyle/>
-          <a:p>
-            <a:fld id="{7CFEA2B2-F6A9-4824-B8BD-241E07188627}" type="slidenum">
-              <a:rPr lang="en-US" smtClean="0"/>
-              <a:pPr/>
-              <a:t>25</a:t>
-            </a:fld>
-            <a:endParaRPr lang="en-US"/>
-          </a:p>
-        </p:txBody>
-      </p:sp>
-    </p:spTree>
+    <p:extLst>
+      <p:ext uri="{BB962C8B-B14F-4D97-AF65-F5344CB8AC3E}">
+        <p14:creationId xmlns:p14="http://schemas.microsoft.com/office/powerpoint/2010/main" val="3634180348"/>
+      </p:ext>
+    </p:extLst>
   </p:cSld>
   <p:clrMapOvr>
     <a:masterClrMapping/>
@@ -12055,9 +12581,85 @@
         </p:xfrm>
         <a:graphic>
           <a:graphicData uri="http://schemas.openxmlformats.org/presentationml/2006/ole">
-            <p:oleObj spid="_x0000_s1026" name="Image" r:id="rId3" imgW="7707937" imgH="1701587" progId="">
-              <p:embed/>
-            </p:oleObj>
+            <mc:AlternateContent xmlns:mc="http://schemas.openxmlformats.org/markup-compatibility/2006">
+              <mc:Choice xmlns:v="urn:schemas-microsoft-com:vml" Requires="v">
+                <p:oleObj spid="_x0000_s1041" name="Image" r:id="rId3" imgW="7707937" imgH="1701587" progId="">
+                  <p:embed/>
+                </p:oleObj>
+              </mc:Choice>
+              <mc:Fallback>
+                <p:oleObj name="Image" r:id="rId3" imgW="7707937" imgH="1701587" progId="">
+                  <p:embed/>
+                  <p:pic>
+                    <p:nvPicPr>
+                      <p:cNvPr id="0" name="Object 18"/>
+                      <p:cNvPicPr>
+                        <a:picLocks noChangeAspect="1" noChangeArrowheads="1"/>
+                      </p:cNvPicPr>
+                      <p:nvPr/>
+                    </p:nvPicPr>
+                    <p:blipFill>
+                      <a:blip r:embed="rId4">
+                        <a:extLst>
+                          <a:ext uri="{28A0092B-C50C-407E-A947-70E740481C1C}">
+                            <a14:useLocalDpi xmlns:a14="http://schemas.microsoft.com/office/drawing/2010/main" val="0"/>
+                          </a:ext>
+                        </a:extLst>
+                      </a:blip>
+                      <a:srcRect/>
+                      <a:stretch>
+                        <a:fillRect/>
+                      </a:stretch>
+                    </p:blipFill>
+                    <p:spPr bwMode="gray">
+                      <a:xfrm>
+                        <a:off x="0" y="0"/>
+                        <a:ext cx="9144000" cy="2197100"/>
+                      </a:xfrm>
+                      <a:prstGeom prst="rect">
+                        <a:avLst/>
+                      </a:prstGeom>
+                      <a:noFill/>
+                      <a:ln>
+                        <a:noFill/>
+                      </a:ln>
+                      <a:extLst>
+                        <a:ext uri="{909E8E84-426E-40DD-AFC4-6F175D3DCCD1}">
+                          <a14:hiddenFill xmlns:a14="http://schemas.microsoft.com/office/drawing/2010/main">
+                            <a:gradFill rotWithShape="1">
+                              <a:gsLst>
+                                <a:gs pos="0">
+                                  <a:schemeClr val="accent1">
+                                    <a:gamma/>
+                                    <a:tint val="72941"/>
+                                    <a:invGamma/>
+                                    <a:alpha val="39999"/>
+                                  </a:schemeClr>
+                                </a:gs>
+                                <a:gs pos="100000">
+                                  <a:schemeClr val="accent1"/>
+                                </a:gs>
+                              </a:gsLst>
+                              <a:lin ang="5400000" scaled="1"/>
+                            </a:gradFill>
+                          </a14:hiddenFill>
+                        </a:ext>
+                        <a:ext uri="{91240B29-F687-4F45-9708-019B960494DF}">
+                          <a14:hiddenLine xmlns:a14="http://schemas.microsoft.com/office/drawing/2010/main" w="0">
+                            <a:solidFill>
+                              <a:srgbClr val="000000"/>
+                            </a:solidFill>
+                            <a:miter lim="800000"/>
+                            <a:headEnd/>
+                            <a:tailEnd/>
+                          </a14:hiddenLine>
+                        </a:ext>
+                      </a:extLst>
+                    </p:spPr>
+                  </p:pic>
+                </p:oleObj>
+              </mc:Fallback>
+            </mc:AlternateContent>
           </a:graphicData>
         </a:graphic>
       </p:graphicFrame>
@@ -12078,7 +12680,7 @@
             <a:avLst/>
           </a:prstGeom>
           <a:blipFill dpi="0" rotWithShape="1">
-            <a:blip r:embed="rId4"/>
+            <a:blip r:embed="rId5"/>
             <a:srcRect/>
             <a:stretch>
               <a:fillRect/>
@@ -12197,7 +12799,7 @@
             <a:avLst/>
           </a:prstGeom>
           <a:blipFill dpi="0" rotWithShape="0">
-            <a:blip r:embed="rId5"/>
+            <a:blip r:embed="rId6"/>
             <a:srcRect/>
             <a:stretch>
               <a:fillRect/>
@@ -18722,8 +19324,17 @@
           <a:p>
             <a:r>
               <a:rPr lang="en-US" sz="1800" dirty="0" smtClean="0"/>
-              <a:t>Nguyễn Giang Châu – 10520___</a:t>
-            </a:r>
+              <a:t>Nguyễn Giang Châu </a:t>
+            </a:r>
+            <a:r>
+              <a:rPr lang="en-US" sz="1800" smtClean="0"/>
+              <a:t>– </a:t>
+            </a:r>
+            <a:r>
+              <a:rPr lang="en-US" sz="1800" smtClean="0"/>
+              <a:t>10520378</a:t>
+            </a:r>
+            <a:endParaRPr lang="en-US" sz="1800" dirty="0" smtClean="0"/>
           </a:p>
         </p:txBody>
       </p:sp>
@@ -18759,6 +19370,527 @@
           <a:chExt cx="0" cy="0"/>
         </a:xfrm>
       </p:grpSpPr>
+      <p:sp>
+        <p:nvSpPr>
+          <p:cNvPr id="2" name="Title 1"/>
+          <p:cNvSpPr>
+            <a:spLocks noGrp="1"/>
+          </p:cNvSpPr>
+          <p:nvPr>
+            <p:ph type="title"/>
+          </p:nvPr>
+        </p:nvSpPr>
+        <p:spPr/>
+        <p:txBody>
+          <a:bodyPr/>
+          <a:lstStyle/>
+          <a:p>
+            <a:endParaRPr lang="en-US"/>
+          </a:p>
+        </p:txBody>
+      </p:sp>
+      <p:pic>
+        <p:nvPicPr>
+          <p:cNvPr id="5" name="Picture 4"/>
+          <p:cNvPicPr>
+            <a:picLocks noChangeAspect="1"/>
+          </p:cNvPicPr>
+          <p:nvPr/>
+        </p:nvPicPr>
+        <p:blipFill>
+          <a:blip r:embed="rId2"/>
+          <a:stretch>
+            <a:fillRect/>
+          </a:stretch>
+        </p:blipFill>
+        <p:spPr>
+          <a:xfrm>
+            <a:off x="381000" y="2362200"/>
+            <a:ext cx="8553450" cy="3590925"/>
+          </a:xfrm>
+          <a:prstGeom prst="rect">
+            <a:avLst/>
+          </a:prstGeom>
+        </p:spPr>
+      </p:pic>
+    </p:spTree>
+    <p:extLst>
+      <p:ext uri="{BB962C8B-B14F-4D97-AF65-F5344CB8AC3E}">
+        <p14:creationId xmlns:p14="http://schemas.microsoft.com/office/powerpoint/2010/main" val="4087900007"/>
+      </p:ext>
+    </p:extLst>
+  </p:cSld>
+  <p:clrMapOvr>
+    <a:masterClrMapping/>
+  </p:clrMapOvr>
+</p:sld>
+</file>
+
+<file path=ppt/slides/slide11.xml><?xml version="1.0" encoding="utf-8"?>
+<p:sld xmlns:a="http://schemas.openxmlformats.org/drawingml/2006/main" xmlns:r="http://schemas.openxmlformats.org/officeDocument/2006/relationships" xmlns:p="http://schemas.openxmlformats.org/presentationml/2006/main">
+  <p:cSld>
+    <p:spTree>
+      <p:nvGrpSpPr>
+        <p:cNvPr id="1" name=""/>
+        <p:cNvGrpSpPr/>
+        <p:nvPr/>
+      </p:nvGrpSpPr>
+      <p:grpSpPr>
+        <a:xfrm>
+          <a:off x="0" y="0"/>
+          <a:ext cx="0" cy="0"/>
+          <a:chOff x="0" y="0"/>
+          <a:chExt cx="0" cy="0"/>
+        </a:xfrm>
+      </p:grpSpPr>
+      <p:sp>
+        <p:nvSpPr>
+          <p:cNvPr id="2" name="Title 1"/>
+          <p:cNvSpPr>
+            <a:spLocks noGrp="1"/>
+          </p:cNvSpPr>
+          <p:nvPr>
+            <p:ph type="title"/>
+          </p:nvPr>
+        </p:nvSpPr>
+        <p:spPr/>
+        <p:txBody>
+          <a:bodyPr/>
+          <a:lstStyle/>
+          <a:p>
+            <a:endParaRPr lang="en-US"/>
+          </a:p>
+        </p:txBody>
+      </p:sp>
+      <p:pic>
+        <p:nvPicPr>
+          <p:cNvPr id="5" name="Picture 4"/>
+          <p:cNvPicPr>
+            <a:picLocks noChangeAspect="1"/>
+          </p:cNvPicPr>
+          <p:nvPr/>
+        </p:nvPicPr>
+        <p:blipFill>
+          <a:blip r:embed="rId2"/>
+          <a:stretch>
+            <a:fillRect/>
+          </a:stretch>
+        </p:blipFill>
+        <p:spPr>
+          <a:xfrm>
+            <a:off x="1371600" y="1981200"/>
+            <a:ext cx="6267450" cy="3838575"/>
+          </a:xfrm>
+          <a:prstGeom prst="rect">
+            <a:avLst/>
+          </a:prstGeom>
+        </p:spPr>
+      </p:pic>
+    </p:spTree>
+    <p:extLst>
+      <p:ext uri="{BB962C8B-B14F-4D97-AF65-F5344CB8AC3E}">
+        <p14:creationId xmlns:p14="http://schemas.microsoft.com/office/powerpoint/2010/main" val="2528202303"/>
+      </p:ext>
+    </p:extLst>
+  </p:cSld>
+  <p:clrMapOvr>
+    <a:masterClrMapping/>
+  </p:clrMapOvr>
+</p:sld>
+</file>
+
+<file path=ppt/slides/slide12.xml><?xml version="1.0" encoding="utf-8"?>
+<p:sld xmlns:a="http://schemas.openxmlformats.org/drawingml/2006/main" xmlns:r="http://schemas.openxmlformats.org/officeDocument/2006/relationships" xmlns:p="http://schemas.openxmlformats.org/presentationml/2006/main">
+  <p:cSld>
+    <p:spTree>
+      <p:nvGrpSpPr>
+        <p:cNvPr id="1" name=""/>
+        <p:cNvGrpSpPr/>
+        <p:nvPr/>
+      </p:nvGrpSpPr>
+      <p:grpSpPr>
+        <a:xfrm>
+          <a:off x="0" y="0"/>
+          <a:ext cx="0" cy="0"/>
+          <a:chOff x="0" y="0"/>
+          <a:chExt cx="0" cy="0"/>
+        </a:xfrm>
+      </p:grpSpPr>
+      <p:sp>
+        <p:nvSpPr>
+          <p:cNvPr id="2" name="Title 1"/>
+          <p:cNvSpPr>
+            <a:spLocks noGrp="1"/>
+          </p:cNvSpPr>
+          <p:nvPr>
+            <p:ph type="title"/>
+          </p:nvPr>
+        </p:nvSpPr>
+        <p:spPr/>
+        <p:txBody>
+          <a:bodyPr/>
+          <a:lstStyle/>
+          <a:p>
+            <a:r>
+              <a:rPr lang="en-US" smtClean="0"/>
+              <a:t>CAMERA 3D</a:t>
+            </a:r>
+            <a:endParaRPr lang="en-US"/>
+          </a:p>
+        </p:txBody>
+      </p:sp>
+      <p:sp>
+        <p:nvSpPr>
+          <p:cNvPr id="4" name="TextBox 3"/>
+          <p:cNvSpPr txBox="1"/>
+          <p:nvPr/>
+        </p:nvSpPr>
+        <p:spPr>
+          <a:xfrm>
+            <a:off x="762000" y="1100078"/>
+            <a:ext cx="5791200" cy="2862322"/>
+          </a:xfrm>
+          <a:prstGeom prst="rect">
+            <a:avLst/>
+          </a:prstGeom>
+          <a:noFill/>
+        </p:spPr>
+        <p:txBody>
+          <a:bodyPr wrap="square" rtlCol="0">
+            <a:spAutoFit/>
+          </a:bodyPr>
+          <a:lstStyle/>
+          <a:p>
+            <a:r>
+              <a:rPr lang="en-US" b="1" smtClean="0">
+                <a:solidFill>
+                  <a:srgbClr val="FF0000"/>
+                </a:solidFill>
+                <a:latin typeface="Courier New" pitchFamily="49" charset="0"/>
+                <a:cs typeface="Courier New" pitchFamily="49" charset="0"/>
+              </a:rPr>
+              <a:t>void gluLookAt(</a:t>
+            </a:r>
+          </a:p>
+          <a:p>
+            <a:r>
+              <a:rPr lang="en-US" b="1" smtClean="0">
+                <a:solidFill>
+                  <a:srgbClr val="FF0000"/>
+                </a:solidFill>
+                <a:latin typeface="Courier New" pitchFamily="49" charset="0"/>
+                <a:cs typeface="Courier New" pitchFamily="49" charset="0"/>
+              </a:rPr>
+              <a:t>		GLdouble  eyeX, </a:t>
+            </a:r>
+          </a:p>
+          <a:p>
+            <a:r>
+              <a:rPr lang="en-US" b="1" smtClean="0">
+                <a:solidFill>
+                  <a:srgbClr val="FF0000"/>
+                </a:solidFill>
+                <a:latin typeface="Courier New" pitchFamily="49" charset="0"/>
+                <a:cs typeface="Courier New" pitchFamily="49" charset="0"/>
+              </a:rPr>
+              <a:t>		GLdouble  eyeY, </a:t>
+            </a:r>
+          </a:p>
+          <a:p>
+            <a:r>
+              <a:rPr lang="en-US" b="1" smtClean="0">
+                <a:solidFill>
+                  <a:srgbClr val="FF0000"/>
+                </a:solidFill>
+                <a:latin typeface="Courier New" pitchFamily="49" charset="0"/>
+                <a:cs typeface="Courier New" pitchFamily="49" charset="0"/>
+              </a:rPr>
+              <a:t>		GLdouble  eyeZ, </a:t>
+            </a:r>
+          </a:p>
+          <a:p>
+            <a:r>
+              <a:rPr lang="en-US" b="1" smtClean="0">
+                <a:solidFill>
+                  <a:srgbClr val="FF0000"/>
+                </a:solidFill>
+                <a:latin typeface="Courier New" pitchFamily="49" charset="0"/>
+                <a:cs typeface="Courier New" pitchFamily="49" charset="0"/>
+              </a:rPr>
+              <a:t>		GLdouble  centerX, </a:t>
+            </a:r>
+          </a:p>
+          <a:p>
+            <a:r>
+              <a:rPr lang="en-US" b="1" smtClean="0">
+                <a:solidFill>
+                  <a:srgbClr val="FF0000"/>
+                </a:solidFill>
+                <a:latin typeface="Courier New" pitchFamily="49" charset="0"/>
+                <a:cs typeface="Courier New" pitchFamily="49" charset="0"/>
+              </a:rPr>
+              <a:t>		GLdouble  centerY, </a:t>
+            </a:r>
+          </a:p>
+          <a:p>
+            <a:r>
+              <a:rPr lang="en-US" b="1" smtClean="0">
+                <a:solidFill>
+                  <a:srgbClr val="FF0000"/>
+                </a:solidFill>
+                <a:latin typeface="Courier New" pitchFamily="49" charset="0"/>
+                <a:cs typeface="Courier New" pitchFamily="49" charset="0"/>
+              </a:rPr>
+              <a:t>		GLdouble  centerZ, </a:t>
+            </a:r>
+          </a:p>
+          <a:p>
+            <a:r>
+              <a:rPr lang="en-US" b="1" smtClean="0">
+                <a:solidFill>
+                  <a:srgbClr val="FF0000"/>
+                </a:solidFill>
+                <a:latin typeface="Courier New" pitchFamily="49" charset="0"/>
+                <a:cs typeface="Courier New" pitchFamily="49" charset="0"/>
+              </a:rPr>
+              <a:t>		GLdouble  upX, </a:t>
+            </a:r>
+          </a:p>
+          <a:p>
+            <a:r>
+              <a:rPr lang="en-US" b="1" smtClean="0">
+                <a:solidFill>
+                  <a:srgbClr val="FF0000"/>
+                </a:solidFill>
+                <a:latin typeface="Courier New" pitchFamily="49" charset="0"/>
+                <a:cs typeface="Courier New" pitchFamily="49" charset="0"/>
+              </a:rPr>
+              <a:t>		GLdouble  upY,</a:t>
+            </a:r>
+          </a:p>
+          <a:p>
+            <a:r>
+              <a:rPr lang="en-US" b="1" smtClean="0">
+                <a:solidFill>
+                  <a:srgbClr val="FF0000"/>
+                </a:solidFill>
+                <a:latin typeface="Courier New" pitchFamily="49" charset="0"/>
+                <a:cs typeface="Courier New" pitchFamily="49" charset="0"/>
+              </a:rPr>
+              <a:t>		GLdouble  upZ);</a:t>
+            </a:r>
+            <a:endParaRPr lang="en-US" b="1">
+              <a:solidFill>
+                <a:srgbClr val="FF0000"/>
+              </a:solidFill>
+              <a:latin typeface="Courier New" pitchFamily="49" charset="0"/>
+              <a:cs typeface="Courier New" pitchFamily="49" charset="0"/>
+            </a:endParaRPr>
+          </a:p>
+        </p:txBody>
+      </p:sp>
+      <p:sp>
+        <p:nvSpPr>
+          <p:cNvPr id="5" name="TextBox 4"/>
+          <p:cNvSpPr txBox="1"/>
+          <p:nvPr/>
+        </p:nvSpPr>
+        <p:spPr>
+          <a:xfrm>
+            <a:off x="762000" y="3843278"/>
+            <a:ext cx="4271362" cy="2862322"/>
+          </a:xfrm>
+          <a:prstGeom prst="rect">
+            <a:avLst/>
+          </a:prstGeom>
+          <a:noFill/>
+        </p:spPr>
+        <p:txBody>
+          <a:bodyPr wrap="none" rtlCol="0">
+            <a:spAutoFit/>
+          </a:bodyPr>
+          <a:lstStyle/>
+          <a:p>
+            <a:r>
+              <a:rPr lang="en-US" smtClean="0">
+                <a:latin typeface="Courier New" pitchFamily="49" charset="0"/>
+                <a:cs typeface="Courier New" pitchFamily="49" charset="0"/>
+              </a:rPr>
+              <a:t>eyeX: </a:t>
+            </a:r>
+            <a:r>
+              <a:rPr lang="en-US" smtClean="0">
+                <a:latin typeface="Calibri" pitchFamily="34" charset="0"/>
+                <a:cs typeface="Courier New" pitchFamily="49" charset="0"/>
+              </a:rPr>
+              <a:t>điểm đặt mắt theo X</a:t>
+            </a:r>
+          </a:p>
+          <a:p>
+            <a:r>
+              <a:rPr lang="en-US" smtClean="0">
+                <a:latin typeface="Courier New" pitchFamily="49" charset="0"/>
+                <a:cs typeface="Courier New" pitchFamily="49" charset="0"/>
+              </a:rPr>
+              <a:t>eyeY: </a:t>
+            </a:r>
+            <a:r>
+              <a:rPr lang="en-US" smtClean="0">
+                <a:latin typeface="Calibri" pitchFamily="34" charset="0"/>
+                <a:cs typeface="Courier New" pitchFamily="49" charset="0"/>
+              </a:rPr>
+              <a:t>điểm đặt mắt theo Y</a:t>
+            </a:r>
+          </a:p>
+          <a:p>
+            <a:r>
+              <a:rPr lang="en-US" smtClean="0">
+                <a:latin typeface="Courier New" pitchFamily="49" charset="0"/>
+                <a:cs typeface="Courier New" pitchFamily="49" charset="0"/>
+              </a:rPr>
+              <a:t>eyeZ: </a:t>
+            </a:r>
+            <a:r>
+              <a:rPr lang="en-US" smtClean="0">
+                <a:latin typeface="Calibri" pitchFamily="34" charset="0"/>
+                <a:cs typeface="Courier New" pitchFamily="49" charset="0"/>
+              </a:rPr>
+              <a:t>điểm đặt mắt theo Z</a:t>
+            </a:r>
+          </a:p>
+          <a:p>
+            <a:r>
+              <a:rPr lang="en-US" smtClean="0">
+                <a:latin typeface="Courier New" pitchFamily="49" charset="0"/>
+                <a:cs typeface="Courier New" pitchFamily="49" charset="0"/>
+              </a:rPr>
+              <a:t>centerX: </a:t>
+            </a:r>
+            <a:r>
+              <a:rPr lang="en-US" smtClean="0">
+                <a:latin typeface="Calibri" pitchFamily="34" charset="0"/>
+                <a:cs typeface="Courier New" pitchFamily="49" charset="0"/>
+              </a:rPr>
+              <a:t>điểm nhìn theo X</a:t>
+            </a:r>
+          </a:p>
+          <a:p>
+            <a:r>
+              <a:rPr lang="en-US" smtClean="0">
+                <a:latin typeface="Courier New" pitchFamily="49" charset="0"/>
+                <a:cs typeface="Courier New" pitchFamily="49" charset="0"/>
+              </a:rPr>
+              <a:t>centerY: </a:t>
+            </a:r>
+            <a:r>
+              <a:rPr lang="en-US" smtClean="0">
+                <a:latin typeface="Calibri" pitchFamily="34" charset="0"/>
+                <a:cs typeface="Courier New" pitchFamily="49" charset="0"/>
+              </a:rPr>
+              <a:t>điểm nhìn theo Y</a:t>
+            </a:r>
+          </a:p>
+          <a:p>
+            <a:r>
+              <a:rPr lang="en-US" smtClean="0">
+                <a:latin typeface="Courier New" pitchFamily="49" charset="0"/>
+                <a:cs typeface="Courier New" pitchFamily="49" charset="0"/>
+              </a:rPr>
+              <a:t>centerZ: </a:t>
+            </a:r>
+            <a:r>
+              <a:rPr lang="en-US" smtClean="0">
+                <a:latin typeface="Calibri" pitchFamily="34" charset="0"/>
+                <a:cs typeface="Courier New" pitchFamily="49" charset="0"/>
+              </a:rPr>
+              <a:t>điểm nhìn theo Z</a:t>
+            </a:r>
+          </a:p>
+          <a:p>
+            <a:r>
+              <a:rPr lang="en-US" smtClean="0">
+                <a:latin typeface="Courier New" pitchFamily="49" charset="0"/>
+                <a:cs typeface="Courier New" pitchFamily="49" charset="0"/>
+              </a:rPr>
+              <a:t>upX: </a:t>
+            </a:r>
+            <a:r>
+              <a:rPr lang="en-US" smtClean="0">
+                <a:latin typeface="Calibri" pitchFamily="34" charset="0"/>
+                <a:cs typeface="Courier New" pitchFamily="49" charset="0"/>
+              </a:rPr>
+              <a:t>vector hướng lên (UP vector) theo X</a:t>
+            </a:r>
+          </a:p>
+          <a:p>
+            <a:r>
+              <a:rPr lang="en-US" smtClean="0">
+                <a:latin typeface="Courier New" pitchFamily="49" charset="0"/>
+                <a:cs typeface="Courier New" pitchFamily="49" charset="0"/>
+              </a:rPr>
+              <a:t>upY: </a:t>
+            </a:r>
+            <a:r>
+              <a:rPr lang="en-US" smtClean="0">
+                <a:latin typeface="Calibri" pitchFamily="34" charset="0"/>
+                <a:cs typeface="Courier New" pitchFamily="49" charset="0"/>
+              </a:rPr>
+              <a:t>vector hướng lên (UP vector) theo Y</a:t>
+            </a:r>
+          </a:p>
+          <a:p>
+            <a:r>
+              <a:rPr lang="en-US" smtClean="0">
+                <a:latin typeface="Courier New" pitchFamily="49" charset="0"/>
+                <a:cs typeface="Courier New" pitchFamily="49" charset="0"/>
+              </a:rPr>
+              <a:t>upZ: </a:t>
+            </a:r>
+            <a:r>
+              <a:rPr lang="en-US" smtClean="0">
+                <a:latin typeface="Calibri" pitchFamily="34" charset="0"/>
+                <a:cs typeface="Courier New" pitchFamily="49" charset="0"/>
+              </a:rPr>
+              <a:t>vector hướng lên (UP vector) theo Z</a:t>
+            </a:r>
+          </a:p>
+          <a:p>
+            <a:endParaRPr lang="en-US" smtClean="0"/>
+          </a:p>
+        </p:txBody>
+      </p:sp>
+    </p:spTree>
+  </p:cSld>
+  <p:clrMapOvr>
+    <a:masterClrMapping/>
+  </p:clrMapOvr>
+  <p:timing>
+    <p:tnLst>
+      <p:par>
+        <p:cTn id="1" dur="indefinite" restart="never" nodeType="tmRoot"/>
+      </p:par>
+    </p:tnLst>
+  </p:timing>
+</p:sld>
+</file>
+
+<file path=ppt/slides/slide13.xml><?xml version="1.0" encoding="utf-8"?>
+<p:sld xmlns:a="http://schemas.openxmlformats.org/drawingml/2006/main" xmlns:r="http://schemas.openxmlformats.org/officeDocument/2006/relationships" xmlns:p="http://schemas.openxmlformats.org/presentationml/2006/main">
+  <p:cSld>
+    <p:spTree>
+      <p:nvGrpSpPr>
+        <p:cNvPr id="1" name=""/>
+        <p:cNvGrpSpPr/>
+        <p:nvPr/>
+      </p:nvGrpSpPr>
+      <p:grpSpPr>
+        <a:xfrm>
+          <a:off x="0" y="0"/>
+          <a:ext cx="0" cy="0"/>
+          <a:chOff x="0" y="0"/>
+          <a:chExt cx="0" cy="0"/>
+        </a:xfrm>
+      </p:grpSpPr>
       <p:pic>
         <p:nvPicPr>
           <p:cNvPr id="3077" name="Picture 5"/>
@@ -18768,7 +19900,7 @@
           <p:nvPr/>
         </p:nvPicPr>
         <p:blipFill>
-          <a:blip r:embed="rId2"/>
+          <a:blip r:embed="rId3"/>
           <a:srcRect/>
           <a:stretch>
             <a:fillRect/>
@@ -18856,7 +19988,7 @@
         <p:spPr>
           <a:xfrm>
             <a:off x="4114800" y="2450068"/>
-            <a:ext cx="659155" cy="369332"/>
+            <a:ext cx="902811" cy="369332"/>
           </a:xfrm>
           <a:prstGeom prst="rect">
             <a:avLst/>
@@ -18875,7 +20007,7 @@
                   <a:srgbClr val="FF0000"/>
                 </a:solidFill>
               </a:rPr>
-              <a:t>Eye </a:t>
+              <a:t>lookAt</a:t>
             </a:r>
             <a:endParaRPr lang="en-US" b="1">
               <a:solidFill>
@@ -18894,7 +20026,7 @@
         <p:spPr>
           <a:xfrm>
             <a:off x="1066800" y="4876800"/>
-            <a:ext cx="825867" cy="369332"/>
+            <a:ext cx="595035" cy="369332"/>
           </a:xfrm>
           <a:prstGeom prst="rect">
             <a:avLst/>
@@ -18908,16 +20040,54 @@
           <a:lstStyle/>
           <a:p>
             <a:r>
-              <a:rPr lang="en-US" smtClean="0">
+              <a:rPr lang="en-US" b="1" smtClean="0">
                 <a:solidFill>
                   <a:srgbClr val="FF0000"/>
                 </a:solidFill>
               </a:rPr>
-              <a:t>lookAt</a:t>
+              <a:t>Eye</a:t>
+            </a:r>
+            <a:endParaRPr lang="en-US" b="1">
+              <a:solidFill>
+                <a:srgbClr val="FF0000"/>
+              </a:solidFill>
+            </a:endParaRPr>
+          </a:p>
+        </p:txBody>
+      </p:sp>
+      <p:sp>
+        <p:nvSpPr>
+          <p:cNvPr id="3" name="TextBox 2"/>
+          <p:cNvSpPr txBox="1"/>
+          <p:nvPr/>
+        </p:nvSpPr>
+        <p:spPr>
+          <a:xfrm>
+            <a:off x="3932327" y="5846984"/>
+            <a:ext cx="441146" cy="369332"/>
+          </a:xfrm>
+          <a:prstGeom prst="rect">
+            <a:avLst/>
+          </a:prstGeom>
+          <a:noFill/>
+        </p:spPr>
+        <p:txBody>
+          <a:bodyPr wrap="none" rtlCol="0">
+            <a:spAutoFit/>
+          </a:bodyPr>
+          <a:lstStyle/>
+          <a:p>
+            <a:r>
+              <a:rPr lang="en-US" smtClean="0">
+                <a:solidFill>
+                  <a:schemeClr val="tx2"/>
+                </a:solidFill>
+              </a:rPr>
+              <a:t>M’</a:t>
             </a:r>
             <a:endParaRPr lang="en-US">
               <a:solidFill>
-                <a:srgbClr val="FF0000"/>
+                <a:schemeClr val="tx2"/>
               </a:solidFill>
             </a:endParaRPr>
           </a:p>
@@ -18938,7 +20108,7 @@
 </p:sld>
 </file>
 
-<file path=ppt/slides/slide11.xml><?xml version="1.0" encoding="utf-8"?>
+<file path=ppt/slides/slide14.xml><?xml version="1.0" encoding="utf-8"?>
 <p:sld xmlns:a="http://schemas.openxmlformats.org/drawingml/2006/main" xmlns:r="http://schemas.openxmlformats.org/officeDocument/2006/relationships" xmlns:p="http://schemas.openxmlformats.org/presentationml/2006/main">
   <p:cSld>
     <p:spTree>
@@ -19404,7 +20574,7 @@
 </p:sld>
 </file>
 
-<file path=ppt/slides/slide12.xml><?xml version="1.0" encoding="utf-8"?>
+<file path=ppt/slides/slide15.xml><?xml version="1.0" encoding="utf-8"?>
 <p:sld xmlns:a="http://schemas.openxmlformats.org/drawingml/2006/main" xmlns:r="http://schemas.openxmlformats.org/officeDocument/2006/relationships" xmlns:p="http://schemas.openxmlformats.org/presentationml/2006/main">
   <p:cSld>
     <p:spTree>
@@ -19658,7 +20828,7 @@
 </p:sld>
 </file>
 
-<file path=ppt/slides/slide13.xml><?xml version="1.0" encoding="utf-8"?>
+<file path=ppt/slides/slide16.xml><?xml version="1.0" encoding="utf-8"?>
 <p:sld xmlns:a="http://schemas.openxmlformats.org/drawingml/2006/main" xmlns:r="http://schemas.openxmlformats.org/officeDocument/2006/relationships" xmlns:p="http://schemas.openxmlformats.org/presentationml/2006/main">
   <p:cSld>
     <p:spTree>
@@ -20319,7 +21489,7 @@
 </p:sld>
 </file>
 
-<file path=ppt/slides/slide14.xml><?xml version="1.0" encoding="utf-8"?>
+<file path=ppt/slides/slide17.xml><?xml version="1.0" encoding="utf-8"?>
 <p:sld xmlns:a="http://schemas.openxmlformats.org/drawingml/2006/main" xmlns:r="http://schemas.openxmlformats.org/officeDocument/2006/relationships" xmlns:p="http://schemas.openxmlformats.org/presentationml/2006/main">
   <p:cSld>
     <p:spTree>
@@ -20374,7 +21544,7 @@
             <a:lum/>
             <a:extLst>
               <a:ext uri="{28A0092B-C50C-407E-A947-70E740481C1C}">
-                <a14:useLocalDpi xmlns="" xmlns:a14="http://schemas.microsoft.com/office/drawing/2010/main" val="0"/>
+                <a14:useLocalDpi xmlns:a14="http://schemas.microsoft.com/office/drawing/2010/main" val="0"/>
               </a:ext>
             </a:extLst>
           </a:blip>
@@ -20411,7 +21581,7 @@
             <a:lum/>
             <a:extLst>
               <a:ext uri="{28A0092B-C50C-407E-A947-70E740481C1C}">
-                <a14:useLocalDpi xmlns="" xmlns:a14="http://schemas.microsoft.com/office/drawing/2010/main" val="0"/>
+                <a14:useLocalDpi xmlns:a14="http://schemas.microsoft.com/office/drawing/2010/main" val="0"/>
               </a:ext>
             </a:extLst>
           </a:blip>
@@ -20436,7 +21606,7 @@
           </a:ln>
           <a:extLst>
             <a:ext uri="{909E8E84-426E-40DD-AFC4-6F175D3DCCD1}">
-              <a14:hiddenFill xmlns="" xmlns:a14="http://schemas.microsoft.com/office/drawing/2010/main">
+              <a14:hiddenFill xmlns:a14="http://schemas.microsoft.com/office/drawing/2010/main">
                 <a:solidFill>
                   <a:srgbClr val="FFFFFF"/>
                 </a:solidFill>
@@ -20458,7 +21628,7 @@
             <a:lum/>
             <a:extLst>
               <a:ext uri="{28A0092B-C50C-407E-A947-70E740481C1C}">
-                <a14:useLocalDpi xmlns="" xmlns:a14="http://schemas.microsoft.com/office/drawing/2010/main" val="0"/>
+                <a14:useLocalDpi xmlns:a14="http://schemas.microsoft.com/office/drawing/2010/main" val="0"/>
               </a:ext>
             </a:extLst>
           </a:blip>
@@ -20944,7 +22114,7 @@
 </p:sld>
 </file>
 
-<file path=ppt/slides/slide15.xml><?xml version="1.0" encoding="utf-8"?>
+<file path=ppt/slides/slide18.xml><?xml version="1.0" encoding="utf-8"?>
 <p:sld xmlns:a="http://schemas.openxmlformats.org/drawingml/2006/main" xmlns:r="http://schemas.openxmlformats.org/officeDocument/2006/relationships" xmlns:p="http://schemas.openxmlformats.org/presentationml/2006/main">
   <p:cSld>
     <p:spTree>
@@ -21098,7 +22268,7 @@
 </p:sld>
 </file>
 
-<file path=ppt/slides/slide16.xml><?xml version="1.0" encoding="utf-8"?>
+<file path=ppt/slides/slide19.xml><?xml version="1.0" encoding="utf-8"?>
 <p:sld xmlns:a="http://schemas.openxmlformats.org/drawingml/2006/main" xmlns:r="http://schemas.openxmlformats.org/officeDocument/2006/relationships" xmlns:p="http://schemas.openxmlformats.org/presentationml/2006/main">
   <p:cSld>
     <p:spTree>
@@ -21152,7 +22322,7 @@
           <a:blip r:embed="rId2">
             <a:extLst>
               <a:ext uri="{28A0092B-C50C-407E-A947-70E740481C1C}">
-                <a14:useLocalDpi xmlns:a14="http://schemas.microsoft.com/office/drawing/2010/main" xmlns="" val="0"/>
+                <a14:useLocalDpi xmlns:a14="http://schemas.microsoft.com/office/drawing/2010/main" val="0"/>
               </a:ext>
             </a:extLst>
           </a:blip>
@@ -21346,1024 +22516,6 @@
         </p:cTn>
       </p:par>
     </p:tnLst>
-  </p:timing>
-</p:sld>
-</file>
-
-<file path=ppt/slides/slide17.xml><?xml version="1.0" encoding="utf-8"?>
-<p:sld xmlns:a="http://schemas.openxmlformats.org/drawingml/2006/main" xmlns:r="http://schemas.openxmlformats.org/officeDocument/2006/relationships" xmlns:p="http://schemas.openxmlformats.org/presentationml/2006/main">
-  <p:cSld>
-    <p:spTree>
-      <p:nvGrpSpPr>
-        <p:cNvPr id="1" name=""/>
-        <p:cNvGrpSpPr/>
-        <p:nvPr/>
-      </p:nvGrpSpPr>
-      <p:grpSpPr>
-        <a:xfrm>
-          <a:off x="0" y="0"/>
-          <a:ext cx="0" cy="0"/>
-          <a:chOff x="0" y="0"/>
-          <a:chExt cx="0" cy="0"/>
-        </a:xfrm>
-      </p:grpSpPr>
-      <p:sp>
-        <p:nvSpPr>
-          <p:cNvPr id="93186" name="Rectangle 2"/>
-          <p:cNvSpPr>
-            <a:spLocks noGrp="1" noChangeArrowheads="1"/>
-          </p:cNvSpPr>
-          <p:nvPr>
-            <p:ph type="title"/>
-          </p:nvPr>
-        </p:nvSpPr>
-        <p:spPr/>
-        <p:txBody>
-          <a:bodyPr/>
-          <a:lstStyle/>
-          <a:p>
-            <a:r>
-              <a:rPr lang="en-US" dirty="0"/>
-              <a:t> </a:t>
-            </a:r>
-            <a:r>
-              <a:rPr lang="en-US" dirty="0" smtClean="0"/>
-              <a:t>Texture</a:t>
-            </a:r>
-            <a:endParaRPr lang="en-US" dirty="0"/>
-          </a:p>
-        </p:txBody>
-      </p:sp>
-      <p:sp>
-        <p:nvSpPr>
-          <p:cNvPr id="19" name="TextBox 18"/>
-          <p:cNvSpPr txBox="1"/>
-          <p:nvPr/>
-        </p:nvSpPr>
-        <p:spPr>
-          <a:xfrm>
-            <a:off x="304800" y="1219200"/>
-            <a:ext cx="184731" cy="369332"/>
-          </a:xfrm>
-          <a:prstGeom prst="rect">
-            <a:avLst/>
-          </a:prstGeom>
-          <a:noFill/>
-        </p:spPr>
-        <p:txBody>
-          <a:bodyPr wrap="none" rtlCol="0">
-            <a:spAutoFit/>
-          </a:bodyPr>
-          <a:lstStyle/>
-          <a:p>
-            <a:endParaRPr lang="en-US" dirty="0"/>
-          </a:p>
-        </p:txBody>
-      </p:sp>
-      <p:sp>
-        <p:nvSpPr>
-          <p:cNvPr id="5" name="Content Placeholder 9"/>
-          <p:cNvSpPr txBox="1">
-            <a:spLocks/>
-          </p:cNvSpPr>
-          <p:nvPr/>
-        </p:nvSpPr>
-        <p:spPr>
-          <a:xfrm>
-            <a:off x="457200" y="1076325"/>
-            <a:ext cx="8534400" cy="5248275"/>
-          </a:xfrm>
-          <a:prstGeom prst="rect">
-            <a:avLst/>
-          </a:prstGeom>
-        </p:spPr>
-        <p:txBody>
-          <a:bodyPr/>
-          <a:lstStyle/>
-          <a:p>
-            <a:pPr marL="342900" marR="0" lvl="0" indent="-342900" algn="l" defTabSz="914400" rtl="0" eaLnBrk="1" fontAlgn="base" latinLnBrk="0" hangingPunct="1">
-              <a:lnSpc>
-                <a:spcPct val="100000"/>
-              </a:lnSpc>
-              <a:spcBef>
-                <a:spcPct val="20000"/>
-              </a:spcBef>
-              <a:spcAft>
-                <a:spcPct val="0"/>
-              </a:spcAft>
-              <a:buClr>
-                <a:schemeClr val="hlink"/>
-              </a:buClr>
-              <a:buSzTx/>
-              <a:buFont typeface="Wingdings" pitchFamily="2" charset="2"/>
-              <a:buChar char="v"/>
-              <a:tabLst/>
-              <a:defRPr/>
-            </a:pPr>
-            <a:r>
-              <a:rPr kumimoji="0" lang="en-US" sz="3200" b="0" i="0" u="none" strike="noStrike" kern="0" cap="none" spc="0" normalizeH="0" baseline="0" noProof="0" dirty="0" smtClean="0">
-                <a:ln>
-                  <a:noFill/>
-                </a:ln>
-                <a:solidFill>
-                  <a:schemeClr val="tx2"/>
-                </a:solidFill>
-                <a:effectLst/>
-                <a:uLnTx/>
-                <a:uFillTx/>
-                <a:latin typeface="+mn-lt"/>
-                <a:ea typeface="+mn-ea"/>
-                <a:cs typeface="+mn-cs"/>
-              </a:rPr>
-              <a:t>Texture Mapping</a:t>
-            </a:r>
-          </a:p>
-        </p:txBody>
-      </p:sp>
-      <p:pic>
-        <p:nvPicPr>
-          <p:cNvPr id="2050" name="Picture 2" descr="d:\Desktop\Java\TextureMapping.jpg"/>
-          <p:cNvPicPr>
-            <a:picLocks noChangeAspect="1" noChangeArrowheads="1"/>
-          </p:cNvPicPr>
-          <p:nvPr/>
-        </p:nvPicPr>
-        <p:blipFill>
-          <a:blip r:embed="rId2"/>
-          <a:srcRect/>
-          <a:stretch>
-            <a:fillRect/>
-          </a:stretch>
-        </p:blipFill>
-        <p:spPr bwMode="auto">
-          <a:xfrm>
-            <a:off x="0" y="2438400"/>
-            <a:ext cx="9144000" cy="3929156"/>
-          </a:xfrm>
-          <a:prstGeom prst="rect">
-            <a:avLst/>
-          </a:prstGeom>
-          <a:noFill/>
-        </p:spPr>
-      </p:pic>
-    </p:spTree>
-  </p:cSld>
-  <p:clrMapOvr>
-    <a:masterClrMapping/>
-  </p:clrMapOvr>
-  <p:timing>
-    <p:tnLst>
-      <p:par>
-        <p:cTn id="1" dur="indefinite" restart="never" nodeType="tmRoot">
-          <p:childTnLst>
-            <p:seq concurrent="1" nextAc="seek">
-              <p:cTn id="2" dur="indefinite" nodeType="mainSeq">
-                <p:childTnLst>
-                  <p:par>
-                    <p:cTn id="3" fill="hold">
-                      <p:stCondLst>
-                        <p:cond delay="indefinite"/>
-                        <p:cond evt="onBegin" delay="0">
-                          <p:tn val="2"/>
-                        </p:cond>
-                      </p:stCondLst>
-                      <p:childTnLst>
-                        <p:par>
-                          <p:cTn id="4" fill="hold">
-                            <p:stCondLst>
-                              <p:cond delay="0"/>
-                            </p:stCondLst>
-                            <p:childTnLst>
-                              <p:par>
-                                <p:cTn id="5" presetID="14" presetClass="entr" presetSubtype="10" fill="hold" nodeType="afterEffect">
-                                  <p:stCondLst>
-                                    <p:cond delay="0"/>
-                                  </p:stCondLst>
-                                  <p:childTnLst>
-                                    <p:set>
-                                      <p:cBhvr>
-                                        <p:cTn id="6" dur="1" fill="hold">
-                                          <p:stCondLst>
-                                            <p:cond delay="0"/>
-                                          </p:stCondLst>
-                                        </p:cTn>
-                                        <p:tgtEl>
-                                          <p:spTgt spid="2050"/>
-                                        </p:tgtEl>
-                                        <p:attrNameLst>
-                                          <p:attrName>style.visibility</p:attrName>
-                                        </p:attrNameLst>
-                                      </p:cBhvr>
-                                      <p:to>
-                                        <p:strVal val="visible"/>
-                                      </p:to>
-                                    </p:set>
-                                    <p:animEffect transition="in" filter="randombar(horizontal)">
-                                      <p:cBhvr>
-                                        <p:cTn id="7" dur="500"/>
-                                        <p:tgtEl>
-                                          <p:spTgt spid="2050"/>
-                                        </p:tgtEl>
-                                      </p:cBhvr>
-                                    </p:animEffect>
-                                  </p:childTnLst>
-                                </p:cTn>
-                              </p:par>
-                            </p:childTnLst>
-                          </p:cTn>
-                        </p:par>
-                      </p:childTnLst>
-                    </p:cTn>
-                  </p:par>
-                </p:childTnLst>
-              </p:cTn>
-              <p:prevCondLst>
-                <p:cond evt="onPrev" delay="0">
-                  <p:tgtEl>
-                    <p:sldTgt/>
-                  </p:tgtEl>
-                </p:cond>
-              </p:prevCondLst>
-              <p:nextCondLst>
-                <p:cond evt="onNext" delay="0">
-                  <p:tgtEl>
-                    <p:sldTgt/>
-                  </p:tgtEl>
-                </p:cond>
-              </p:nextCondLst>
-            </p:seq>
-          </p:childTnLst>
-        </p:cTn>
-      </p:par>
-    </p:tnLst>
-  </p:timing>
-</p:sld>
-</file>
-
-<file path=ppt/slides/slide18.xml><?xml version="1.0" encoding="utf-8"?>
-<p:sld xmlns:a="http://schemas.openxmlformats.org/drawingml/2006/main" xmlns:r="http://schemas.openxmlformats.org/officeDocument/2006/relationships" xmlns:p="http://schemas.openxmlformats.org/presentationml/2006/main">
-  <p:cSld>
-    <p:spTree>
-      <p:nvGrpSpPr>
-        <p:cNvPr id="1" name=""/>
-        <p:cNvGrpSpPr/>
-        <p:nvPr/>
-      </p:nvGrpSpPr>
-      <p:grpSpPr>
-        <a:xfrm>
-          <a:off x="0" y="0"/>
-          <a:ext cx="0" cy="0"/>
-          <a:chOff x="0" y="0"/>
-          <a:chExt cx="0" cy="0"/>
-        </a:xfrm>
-      </p:grpSpPr>
-      <p:sp>
-        <p:nvSpPr>
-          <p:cNvPr id="93186" name="Rectangle 2"/>
-          <p:cNvSpPr>
-            <a:spLocks noGrp="1" noChangeArrowheads="1"/>
-          </p:cNvSpPr>
-          <p:nvPr>
-            <p:ph type="title"/>
-          </p:nvPr>
-        </p:nvSpPr>
-        <p:spPr/>
-        <p:txBody>
-          <a:bodyPr/>
-          <a:lstStyle/>
-          <a:p>
-            <a:r>
-              <a:rPr lang="en-US" dirty="0"/>
-              <a:t> </a:t>
-            </a:r>
-            <a:r>
-              <a:rPr lang="en-US" dirty="0" smtClean="0"/>
-              <a:t>Texture</a:t>
-            </a:r>
-            <a:endParaRPr lang="en-US" dirty="0"/>
-          </a:p>
-        </p:txBody>
-      </p:sp>
-      <p:sp>
-        <p:nvSpPr>
-          <p:cNvPr id="19" name="TextBox 18"/>
-          <p:cNvSpPr txBox="1"/>
-          <p:nvPr/>
-        </p:nvSpPr>
-        <p:spPr>
-          <a:xfrm>
-            <a:off x="304800" y="1219200"/>
-            <a:ext cx="184731" cy="369332"/>
-          </a:xfrm>
-          <a:prstGeom prst="rect">
-            <a:avLst/>
-          </a:prstGeom>
-          <a:noFill/>
-        </p:spPr>
-        <p:txBody>
-          <a:bodyPr wrap="none" rtlCol="0">
-            <a:spAutoFit/>
-          </a:bodyPr>
-          <a:lstStyle/>
-          <a:p>
-            <a:endParaRPr lang="en-US" dirty="0"/>
-          </a:p>
-        </p:txBody>
-      </p:sp>
-      <p:sp>
-        <p:nvSpPr>
-          <p:cNvPr id="5" name="Content Placeholder 9"/>
-          <p:cNvSpPr txBox="1">
-            <a:spLocks/>
-          </p:cNvSpPr>
-          <p:nvPr/>
-        </p:nvSpPr>
-        <p:spPr>
-          <a:xfrm>
-            <a:off x="457200" y="1076325"/>
-            <a:ext cx="8534400" cy="5248275"/>
-          </a:xfrm>
-          <a:prstGeom prst="rect">
-            <a:avLst/>
-          </a:prstGeom>
-        </p:spPr>
-        <p:txBody>
-          <a:bodyPr/>
-          <a:lstStyle/>
-          <a:p>
-            <a:pPr marL="342900" marR="0" lvl="0" indent="-342900" algn="l" defTabSz="914400" rtl="0" eaLnBrk="1" fontAlgn="base" latinLnBrk="0" hangingPunct="1">
-              <a:lnSpc>
-                <a:spcPct val="100000"/>
-              </a:lnSpc>
-              <a:spcBef>
-                <a:spcPct val="20000"/>
-              </a:spcBef>
-              <a:spcAft>
-                <a:spcPct val="0"/>
-              </a:spcAft>
-              <a:buClr>
-                <a:schemeClr val="hlink"/>
-              </a:buClr>
-              <a:buSzTx/>
-              <a:buFont typeface="Wingdings" pitchFamily="2" charset="2"/>
-              <a:buChar char="v"/>
-              <a:tabLst/>
-              <a:defRPr/>
-            </a:pPr>
-            <a:r>
-              <a:rPr kumimoji="0" lang="en-US" sz="3200" b="0" i="0" u="none" strike="noStrike" kern="0" cap="none" spc="0" normalizeH="0" baseline="0" noProof="0" dirty="0" smtClean="0">
-                <a:ln>
-                  <a:noFill/>
-                </a:ln>
-                <a:solidFill>
-                  <a:schemeClr val="tx2"/>
-                </a:solidFill>
-                <a:effectLst/>
-                <a:uLnTx/>
-                <a:uFillTx/>
-                <a:latin typeface="+mn-lt"/>
-                <a:ea typeface="+mn-ea"/>
-                <a:cs typeface="+mn-cs"/>
-              </a:rPr>
-              <a:t>Texture Mapping</a:t>
-            </a:r>
-            <a:endParaRPr lang="en-US" sz="2600" kern="0" dirty="0" smtClean="0">
-              <a:solidFill>
-                <a:schemeClr val="tx2"/>
-              </a:solidFill>
-              <a:latin typeface="Consolas" pitchFamily="49" charset="0"/>
-              <a:cs typeface="Consolas" pitchFamily="49" charset="0"/>
-            </a:endParaRPr>
-          </a:p>
-          <a:p>
-            <a:pPr marL="342900" lvl="0" indent="-342900">
-              <a:spcBef>
-                <a:spcPct val="20000"/>
-              </a:spcBef>
-              <a:buClr>
-                <a:schemeClr val="hlink"/>
-              </a:buClr>
-            </a:pPr>
-            <a:r>
-              <a:rPr lang="en-US" sz="2600" kern="0" dirty="0" smtClean="0">
-                <a:solidFill>
-                  <a:schemeClr val="tx2"/>
-                </a:solidFill>
-                <a:latin typeface="Consolas" pitchFamily="49" charset="0"/>
-                <a:cs typeface="Consolas" pitchFamily="49" charset="0"/>
-              </a:rPr>
-              <a:t>tex.</a:t>
-            </a:r>
-            <a:r>
-              <a:rPr lang="en-US" sz="2600" kern="0" dirty="0" smtClean="0">
-                <a:solidFill>
-                  <a:srgbClr val="FFFF00"/>
-                </a:solidFill>
-                <a:latin typeface="Consolas" pitchFamily="49" charset="0"/>
-                <a:cs typeface="Consolas" pitchFamily="49" charset="0"/>
-              </a:rPr>
-              <a:t>enable</a:t>
-            </a:r>
-            <a:r>
-              <a:rPr lang="en-US" sz="2600" kern="0" dirty="0" smtClean="0">
-                <a:solidFill>
-                  <a:schemeClr val="tx2"/>
-                </a:solidFill>
-                <a:latin typeface="Consolas" pitchFamily="49" charset="0"/>
-                <a:cs typeface="Consolas" pitchFamily="49" charset="0"/>
-              </a:rPr>
-              <a:t>();</a:t>
-            </a:r>
-          </a:p>
-          <a:p>
-            <a:pPr marL="342900" lvl="0" indent="-342900">
-              <a:spcBef>
-                <a:spcPct val="20000"/>
-              </a:spcBef>
-              <a:buClr>
-                <a:schemeClr val="hlink"/>
-              </a:buClr>
-            </a:pPr>
-            <a:r>
-              <a:rPr lang="en-US" sz="2600" kern="0" dirty="0" smtClean="0">
-                <a:solidFill>
-                  <a:schemeClr val="tx2"/>
-                </a:solidFill>
-                <a:latin typeface="Consolas" pitchFamily="49" charset="0"/>
-                <a:cs typeface="Consolas" pitchFamily="49" charset="0"/>
-              </a:rPr>
-              <a:t>tex.</a:t>
-            </a:r>
-            <a:r>
-              <a:rPr lang="en-US" sz="2600" kern="0" dirty="0" smtClean="0">
-                <a:solidFill>
-                  <a:srgbClr val="FFFF00"/>
-                </a:solidFill>
-                <a:latin typeface="Consolas" pitchFamily="49" charset="0"/>
-                <a:cs typeface="Consolas" pitchFamily="49" charset="0"/>
-              </a:rPr>
-              <a:t>bind</a:t>
-            </a:r>
-            <a:r>
-              <a:rPr lang="en-US" sz="2600" kern="0" dirty="0" smtClean="0">
-                <a:solidFill>
-                  <a:schemeClr val="tx2"/>
-                </a:solidFill>
-                <a:latin typeface="Consolas" pitchFamily="49" charset="0"/>
-                <a:cs typeface="Consolas" pitchFamily="49" charset="0"/>
-              </a:rPr>
-              <a:t>();</a:t>
-            </a:r>
-          </a:p>
-          <a:p>
-            <a:pPr marL="342900" lvl="0" indent="-342900">
-              <a:spcBef>
-                <a:spcPct val="20000"/>
-              </a:spcBef>
-              <a:buClr>
-                <a:schemeClr val="hlink"/>
-              </a:buClr>
-            </a:pPr>
-            <a:r>
-              <a:rPr lang="en-US" sz="2600" kern="0" dirty="0" smtClean="0">
-                <a:solidFill>
-                  <a:schemeClr val="tx2"/>
-                </a:solidFill>
-                <a:latin typeface="Consolas" pitchFamily="49" charset="0"/>
-                <a:cs typeface="Consolas" pitchFamily="49" charset="0"/>
-              </a:rPr>
-              <a:t>gl.glBegin(GL.GL_TRIANGLES);</a:t>
-            </a:r>
-          </a:p>
-          <a:p>
-            <a:pPr marL="342900" lvl="0" indent="-342900">
-              <a:spcBef>
-                <a:spcPct val="20000"/>
-              </a:spcBef>
-              <a:buClr>
-                <a:schemeClr val="hlink"/>
-              </a:buClr>
-            </a:pPr>
-            <a:r>
-              <a:rPr lang="en-US" sz="2600" kern="0" dirty="0" smtClean="0">
-                <a:solidFill>
-                  <a:schemeClr val="tx2"/>
-                </a:solidFill>
-                <a:latin typeface="Consolas" pitchFamily="49" charset="0"/>
-                <a:cs typeface="Consolas" pitchFamily="49" charset="0"/>
-              </a:rPr>
-              <a:t>	gl.</a:t>
-            </a:r>
-            <a:r>
-              <a:rPr lang="en-US" sz="2600" kern="0" dirty="0" smtClean="0">
-                <a:solidFill>
-                  <a:srgbClr val="FFFF00"/>
-                </a:solidFill>
-                <a:latin typeface="Consolas" pitchFamily="49" charset="0"/>
-                <a:cs typeface="Consolas" pitchFamily="49" charset="0"/>
-              </a:rPr>
-              <a:t>glTexCoord2f</a:t>
-            </a:r>
-            <a:r>
-              <a:rPr lang="en-US" sz="2600" kern="0" dirty="0" smtClean="0">
-                <a:solidFill>
-                  <a:schemeClr val="tx2"/>
-                </a:solidFill>
-                <a:latin typeface="Consolas" pitchFamily="49" charset="0"/>
-                <a:cs typeface="Consolas" pitchFamily="49" charset="0"/>
-              </a:rPr>
-              <a:t>(</a:t>
-            </a:r>
-            <a:r>
-              <a:rPr lang="en-US" sz="2600" kern="0" dirty="0" smtClean="0">
-                <a:solidFill>
-                  <a:srgbClr val="FF0000"/>
-                </a:solidFill>
-                <a:latin typeface="Consolas" pitchFamily="49" charset="0"/>
-                <a:cs typeface="Consolas" pitchFamily="49" charset="0"/>
-              </a:rPr>
-              <a:t>0.2f, 0.8f</a:t>
-            </a:r>
-            <a:r>
-              <a:rPr lang="en-US" sz="2600" kern="0" dirty="0" smtClean="0">
-                <a:solidFill>
-                  <a:schemeClr val="tx2"/>
-                </a:solidFill>
-                <a:latin typeface="Consolas" pitchFamily="49" charset="0"/>
-                <a:cs typeface="Consolas" pitchFamily="49" charset="0"/>
-              </a:rPr>
-              <a:t>);</a:t>
-            </a:r>
-          </a:p>
-          <a:p>
-            <a:pPr marL="342900" lvl="0" indent="-342900">
-              <a:spcBef>
-                <a:spcPct val="20000"/>
-              </a:spcBef>
-              <a:buClr>
-                <a:schemeClr val="hlink"/>
-              </a:buClr>
-            </a:pPr>
-            <a:r>
-              <a:rPr lang="en-US" sz="2600" kern="0" dirty="0" smtClean="0">
-                <a:solidFill>
-                  <a:schemeClr val="tx2"/>
-                </a:solidFill>
-                <a:latin typeface="Consolas" pitchFamily="49" charset="0"/>
-                <a:cs typeface="Consolas" pitchFamily="49" charset="0"/>
-              </a:rPr>
-              <a:t>		gl.glVertex3f(2, 8, 0);</a:t>
-            </a:r>
-          </a:p>
-          <a:p>
-            <a:pPr marL="342900" indent="-342900">
-              <a:spcBef>
-                <a:spcPct val="20000"/>
-              </a:spcBef>
-              <a:buClr>
-                <a:schemeClr val="hlink"/>
-              </a:buClr>
-            </a:pPr>
-            <a:r>
-              <a:rPr lang="en-US" sz="2600" kern="0" dirty="0" smtClean="0">
-                <a:solidFill>
-                  <a:schemeClr val="tx2"/>
-                </a:solidFill>
-                <a:latin typeface="Consolas" pitchFamily="49" charset="0"/>
-                <a:cs typeface="Consolas" pitchFamily="49" charset="0"/>
-              </a:rPr>
-              <a:t>	gl.</a:t>
-            </a:r>
-            <a:r>
-              <a:rPr lang="en-US" sz="2600" kern="0" dirty="0" smtClean="0">
-                <a:solidFill>
-                  <a:srgbClr val="FFFF00"/>
-                </a:solidFill>
-                <a:latin typeface="Consolas" pitchFamily="49" charset="0"/>
-                <a:cs typeface="Consolas" pitchFamily="49" charset="0"/>
-              </a:rPr>
-              <a:t>glTexCoord2f</a:t>
-            </a:r>
-            <a:r>
-              <a:rPr lang="en-US" sz="2600" kern="0" dirty="0" smtClean="0">
-                <a:solidFill>
-                  <a:schemeClr val="tx2"/>
-                </a:solidFill>
-                <a:latin typeface="Consolas" pitchFamily="49" charset="0"/>
-                <a:cs typeface="Consolas" pitchFamily="49" charset="0"/>
-              </a:rPr>
-              <a:t>(</a:t>
-            </a:r>
-            <a:r>
-              <a:rPr lang="en-US" sz="2600" kern="0" dirty="0" smtClean="0">
-                <a:solidFill>
-                  <a:srgbClr val="FF0000"/>
-                </a:solidFill>
-                <a:latin typeface="Consolas" pitchFamily="49" charset="0"/>
-                <a:cs typeface="Consolas" pitchFamily="49" charset="0"/>
-              </a:rPr>
-              <a:t>0.8f, 0.4f</a:t>
-            </a:r>
-            <a:r>
-              <a:rPr lang="en-US" sz="2600" kern="0" dirty="0" smtClean="0">
-                <a:solidFill>
-                  <a:schemeClr val="tx2"/>
-                </a:solidFill>
-                <a:latin typeface="Consolas" pitchFamily="49" charset="0"/>
-                <a:cs typeface="Consolas" pitchFamily="49" charset="0"/>
-              </a:rPr>
-              <a:t>);</a:t>
-            </a:r>
-          </a:p>
-          <a:p>
-            <a:pPr marL="342900" lvl="0" indent="-342900">
-              <a:spcBef>
-                <a:spcPct val="20000"/>
-              </a:spcBef>
-              <a:buClr>
-                <a:schemeClr val="hlink"/>
-              </a:buClr>
-            </a:pPr>
-            <a:r>
-              <a:rPr lang="en-US" sz="2600" kern="0" dirty="0" smtClean="0">
-                <a:solidFill>
-                  <a:schemeClr val="tx2"/>
-                </a:solidFill>
-                <a:latin typeface="Consolas" pitchFamily="49" charset="0"/>
-                <a:cs typeface="Consolas" pitchFamily="49" charset="0"/>
-              </a:rPr>
-              <a:t>		gl.glVertex3f(8, 4, 0);</a:t>
-            </a:r>
-          </a:p>
-          <a:p>
-            <a:pPr marL="342900" indent="-342900">
-              <a:spcBef>
-                <a:spcPct val="20000"/>
-              </a:spcBef>
-              <a:buClr>
-                <a:schemeClr val="hlink"/>
-              </a:buClr>
-            </a:pPr>
-            <a:r>
-              <a:rPr lang="en-US" sz="2600" kern="0" dirty="0" smtClean="0">
-                <a:solidFill>
-                  <a:schemeClr val="tx2"/>
-                </a:solidFill>
-                <a:latin typeface="Consolas" pitchFamily="49" charset="0"/>
-                <a:cs typeface="Consolas" pitchFamily="49" charset="0"/>
-              </a:rPr>
-              <a:t>	gl.</a:t>
-            </a:r>
-            <a:r>
-              <a:rPr lang="en-US" sz="2600" kern="0" dirty="0" smtClean="0">
-                <a:solidFill>
-                  <a:srgbClr val="FFFF00"/>
-                </a:solidFill>
-                <a:latin typeface="Consolas" pitchFamily="49" charset="0"/>
-                <a:cs typeface="Consolas" pitchFamily="49" charset="0"/>
-              </a:rPr>
-              <a:t>glTexCoord2f</a:t>
-            </a:r>
-            <a:r>
-              <a:rPr lang="en-US" sz="2600" kern="0" dirty="0" smtClean="0">
-                <a:solidFill>
-                  <a:schemeClr val="tx2"/>
-                </a:solidFill>
-                <a:latin typeface="Consolas" pitchFamily="49" charset="0"/>
-                <a:cs typeface="Consolas" pitchFamily="49" charset="0"/>
-              </a:rPr>
-              <a:t>(</a:t>
-            </a:r>
-            <a:r>
-              <a:rPr lang="en-US" sz="2600" kern="0" dirty="0" smtClean="0">
-                <a:solidFill>
-                  <a:srgbClr val="FF0000"/>
-                </a:solidFill>
-                <a:latin typeface="Consolas" pitchFamily="49" charset="0"/>
-                <a:cs typeface="Consolas" pitchFamily="49" charset="0"/>
-              </a:rPr>
-              <a:t>0.4f, 0.2f</a:t>
-            </a:r>
-            <a:r>
-              <a:rPr lang="en-US" sz="2600" kern="0" dirty="0" smtClean="0">
-                <a:solidFill>
-                  <a:schemeClr val="tx2"/>
-                </a:solidFill>
-                <a:latin typeface="Consolas" pitchFamily="49" charset="0"/>
-                <a:cs typeface="Consolas" pitchFamily="49" charset="0"/>
-              </a:rPr>
-              <a:t>);</a:t>
-            </a:r>
-          </a:p>
-          <a:p>
-            <a:pPr marL="342900" lvl="0" indent="-342900">
-              <a:spcBef>
-                <a:spcPct val="20000"/>
-              </a:spcBef>
-              <a:buClr>
-                <a:schemeClr val="hlink"/>
-              </a:buClr>
-            </a:pPr>
-            <a:r>
-              <a:rPr lang="en-US" sz="2600" kern="0" dirty="0" smtClean="0">
-                <a:solidFill>
-                  <a:schemeClr val="tx2"/>
-                </a:solidFill>
-                <a:latin typeface="Consolas" pitchFamily="49" charset="0"/>
-                <a:cs typeface="Consolas" pitchFamily="49" charset="0"/>
-              </a:rPr>
-              <a:t>		gl.glVertex3f(4, 2, 0);</a:t>
-            </a:r>
-          </a:p>
-          <a:p>
-            <a:pPr marL="342900" lvl="0" indent="-342900">
-              <a:spcBef>
-                <a:spcPct val="20000"/>
-              </a:spcBef>
-              <a:buClr>
-                <a:schemeClr val="hlink"/>
-              </a:buClr>
-            </a:pPr>
-            <a:r>
-              <a:rPr lang="en-US" sz="2600" kern="0" dirty="0" smtClean="0">
-                <a:solidFill>
-                  <a:schemeClr val="tx2"/>
-                </a:solidFill>
-                <a:latin typeface="Consolas" pitchFamily="49" charset="0"/>
-                <a:cs typeface="Consolas" pitchFamily="49" charset="0"/>
-              </a:rPr>
-              <a:t>gl.glEnd();</a:t>
-            </a:r>
-          </a:p>
-        </p:txBody>
-      </p:sp>
-    </p:spTree>
-  </p:cSld>
-  <p:clrMapOvr>
-    <a:masterClrMapping/>
-  </p:clrMapOvr>
-  <p:timing>
-    <p:tnLst>
-      <p:par>
-        <p:cTn id="1" dur="indefinite" restart="never" nodeType="tmRoot"/>
-      </p:par>
-    </p:tnLst>
-  </p:timing>
-</p:sld>
-</file>
-
-<file path=ppt/slides/slide19.xml><?xml version="1.0" encoding="utf-8"?>
-<p:sld xmlns:a="http://schemas.openxmlformats.org/drawingml/2006/main" xmlns:r="http://schemas.openxmlformats.org/officeDocument/2006/relationships" xmlns:p="http://schemas.openxmlformats.org/presentationml/2006/main">
-  <p:cSld>
-    <p:spTree>
-      <p:nvGrpSpPr>
-        <p:cNvPr id="1" name=""/>
-        <p:cNvGrpSpPr/>
-        <p:nvPr/>
-      </p:nvGrpSpPr>
-      <p:grpSpPr>
-        <a:xfrm>
-          <a:off x="0" y="0"/>
-          <a:ext cx="0" cy="0"/>
-          <a:chOff x="0" y="0"/>
-          <a:chExt cx="0" cy="0"/>
-        </a:xfrm>
-      </p:grpSpPr>
-      <p:sp>
-        <p:nvSpPr>
-          <p:cNvPr id="93186" name="Rectangle 2"/>
-          <p:cNvSpPr>
-            <a:spLocks noGrp="1" noChangeArrowheads="1"/>
-          </p:cNvSpPr>
-          <p:nvPr>
-            <p:ph type="title"/>
-          </p:nvPr>
-        </p:nvSpPr>
-        <p:spPr/>
-        <p:txBody>
-          <a:bodyPr/>
-          <a:lstStyle/>
-          <a:p>
-            <a:r>
-              <a:rPr lang="en-US" dirty="0"/>
-              <a:t> </a:t>
-            </a:r>
-            <a:r>
-              <a:rPr lang="en-US" dirty="0" smtClean="0"/>
-              <a:t>Texture</a:t>
-            </a:r>
-            <a:endParaRPr lang="en-US" dirty="0"/>
-          </a:p>
-        </p:txBody>
-      </p:sp>
-      <p:graphicFrame>
-        <p:nvGraphicFramePr>
-          <p:cNvPr id="4" name="Diagram 3"/>
-          <p:cNvGraphicFramePr/>
-          <p:nvPr>
-            <p:extLst>
-              <p:ext uri="{D42A27DB-BD31-4B8C-83A1-F6EECF244321}">
-                <p14:modId xmlns:p14="http://schemas.microsoft.com/office/powerpoint/2010/main" xmlns="" val="2284779209"/>
-              </p:ext>
-            </p:extLst>
-          </p:nvPr>
-        </p:nvGraphicFramePr>
-        <p:xfrm>
-          <a:off x="838200" y="1752600"/>
-          <a:ext cx="7543800" cy="4572000"/>
-        </p:xfrm>
-        <a:graphic>
-          <a:graphicData uri="http://schemas.openxmlformats.org/drawingml/2006/diagram">
-            <dgm:relIds xmlns:dgm="http://schemas.openxmlformats.org/drawingml/2006/diagram" xmlns:r="http://schemas.openxmlformats.org/officeDocument/2006/relationships" r:dm="rId2" r:lo="rId3" r:qs="rId4" r:cs="rId5"/>
-          </a:graphicData>
-        </a:graphic>
-      </p:graphicFrame>
-      <p:sp>
-        <p:nvSpPr>
-          <p:cNvPr id="5" name="Content Placeholder 9"/>
-          <p:cNvSpPr txBox="1">
-            <a:spLocks/>
-          </p:cNvSpPr>
-          <p:nvPr/>
-        </p:nvSpPr>
-        <p:spPr>
-          <a:xfrm>
-            <a:off x="457200" y="1076325"/>
-            <a:ext cx="8229600" cy="5248275"/>
-          </a:xfrm>
-          <a:prstGeom prst="rect">
-            <a:avLst/>
-          </a:prstGeom>
-        </p:spPr>
-        <p:txBody>
-          <a:bodyPr/>
-          <a:lstStyle/>
-          <a:p>
-            <a:pPr marL="342900" marR="0" lvl="0" indent="-342900" algn="l" defTabSz="914400" rtl="0" eaLnBrk="1" fontAlgn="base" latinLnBrk="0" hangingPunct="1">
-              <a:lnSpc>
-                <a:spcPct val="100000"/>
-              </a:lnSpc>
-              <a:spcBef>
-                <a:spcPct val="20000"/>
-              </a:spcBef>
-              <a:spcAft>
-                <a:spcPct val="0"/>
-              </a:spcAft>
-              <a:buClr>
-                <a:schemeClr val="hlink"/>
-              </a:buClr>
-              <a:buSzTx/>
-              <a:buFont typeface="Wingdings" pitchFamily="2" charset="2"/>
-              <a:buChar char="v"/>
-              <a:tabLst/>
-              <a:defRPr/>
-            </a:pPr>
-            <a:r>
-              <a:rPr kumimoji="0" lang="en-US" sz="3200" b="0" i="0" u="none" strike="noStrike" kern="0" cap="none" spc="0" normalizeH="0" baseline="0" noProof="0" dirty="0" smtClean="0">
-                <a:ln>
-                  <a:noFill/>
-                </a:ln>
-                <a:solidFill>
-                  <a:schemeClr val="tx2"/>
-                </a:solidFill>
-                <a:effectLst/>
-                <a:uLnTx/>
-                <a:uFillTx/>
-                <a:latin typeface="+mn-lt"/>
-                <a:ea typeface="+mn-ea"/>
-                <a:cs typeface="+mn-cs"/>
-              </a:rPr>
-              <a:t>Texture</a:t>
-            </a:r>
-            <a:r>
-              <a:rPr kumimoji="0" lang="en-US" sz="3200" b="0" i="0" u="none" strike="noStrike" kern="0" cap="none" spc="0" normalizeH="0" noProof="0" dirty="0" smtClean="0">
-                <a:ln>
-                  <a:noFill/>
-                </a:ln>
-                <a:solidFill>
-                  <a:schemeClr val="tx2"/>
-                </a:solidFill>
-                <a:effectLst/>
-                <a:uLnTx/>
-                <a:uFillTx/>
-                <a:latin typeface="+mn-lt"/>
-                <a:ea typeface="+mn-ea"/>
-                <a:cs typeface="+mn-cs"/>
-              </a:rPr>
-              <a:t> Wrap Models</a:t>
-            </a:r>
-            <a:endParaRPr kumimoji="0" lang="en-US" sz="2600" b="0" i="0" u="none" strike="noStrike" kern="0" cap="none" spc="0" normalizeH="0" baseline="0" noProof="0" dirty="0" smtClean="0">
-              <a:ln>
-                <a:noFill/>
-              </a:ln>
-              <a:solidFill>
-                <a:schemeClr val="tx2"/>
-              </a:solidFill>
-              <a:effectLst/>
-              <a:uLnTx/>
-              <a:uFillTx/>
-              <a:latin typeface="Consolas" pitchFamily="49" charset="0"/>
-              <a:ea typeface="+mn-ea"/>
-              <a:cs typeface="Consolas" pitchFamily="49" charset="0"/>
-            </a:endParaRPr>
-          </a:p>
-        </p:txBody>
-      </p:sp>
-    </p:spTree>
-  </p:cSld>
-  <p:clrMapOvr>
-    <a:masterClrMapping/>
-  </p:clrMapOvr>
-  <p:timing>
-    <p:tnLst>
-      <p:par>
-        <p:cTn id="1" dur="indefinite" restart="never" nodeType="tmRoot">
-          <p:childTnLst>
-            <p:seq concurrent="1" nextAc="seek">
-              <p:cTn id="2" dur="indefinite" nodeType="mainSeq">
-                <p:childTnLst>
-                  <p:par>
-                    <p:cTn id="3" fill="hold">
-                      <p:stCondLst>
-                        <p:cond delay="indefinite"/>
-                        <p:cond evt="onBegin" delay="0">
-                          <p:tn val="2"/>
-                        </p:cond>
-                      </p:stCondLst>
-                      <p:childTnLst>
-                        <p:par>
-                          <p:cTn id="4" fill="hold">
-                            <p:stCondLst>
-                              <p:cond delay="0"/>
-                            </p:stCondLst>
-                            <p:childTnLst>
-                              <p:par>
-                                <p:cTn id="5" presetID="22" presetClass="entr" presetSubtype="1" fill="hold" grpId="0" nodeType="afterEffect">
-                                  <p:stCondLst>
-                                    <p:cond delay="0"/>
-                                  </p:stCondLst>
-                                  <p:childTnLst>
-                                    <p:set>
-                                      <p:cBhvr>
-                                        <p:cTn id="6" dur="1" fill="hold">
-                                          <p:stCondLst>
-                                            <p:cond delay="0"/>
-                                          </p:stCondLst>
-                                        </p:cTn>
-                                        <p:tgtEl>
-                                          <p:spTgt spid="4"/>
-                                        </p:tgtEl>
-                                        <p:attrNameLst>
-                                          <p:attrName>style.visibility</p:attrName>
-                                        </p:attrNameLst>
-                                      </p:cBhvr>
-                                      <p:to>
-                                        <p:strVal val="visible"/>
-                                      </p:to>
-                                    </p:set>
-                                    <p:animEffect transition="in" filter="wipe(up)">
-                                      <p:cBhvr>
-                                        <p:cTn id="7" dur="1000"/>
-                                        <p:tgtEl>
-                                          <p:spTgt spid="4"/>
-                                        </p:tgtEl>
-                                      </p:cBhvr>
-                                    </p:animEffect>
-                                  </p:childTnLst>
-                                </p:cTn>
-                              </p:par>
-                            </p:childTnLst>
-                          </p:cTn>
-                        </p:par>
-                      </p:childTnLst>
-                    </p:cTn>
-                  </p:par>
-                </p:childTnLst>
-              </p:cTn>
-              <p:prevCondLst>
-                <p:cond evt="onPrev" delay="0">
-                  <p:tgtEl>
-                    <p:sldTgt/>
-                  </p:tgtEl>
-                </p:cond>
-              </p:prevCondLst>
-              <p:nextCondLst>
-                <p:cond evt="onNext" delay="0">
-                  <p:tgtEl>
-                    <p:sldTgt/>
-                  </p:tgtEl>
-                </p:cond>
-              </p:nextCondLst>
-            </p:seq>
-          </p:childTnLst>
-        </p:cTn>
-      </p:par>
-    </p:tnLst>
-    <p:bldLst>
-      <p:bldGraphic spid="4" grpId="0">
-        <p:bldAsOne/>
-      </p:bldGraphic>
-    </p:bldLst>
   </p:timing>
 </p:sld>
 </file>
@@ -25544,11 +25696,6 @@
                 </a:rPr>
                 <a:t>5</a:t>
               </a:r>
-              <a:endParaRPr lang="en-US" sz="2400" b="1" dirty="0">
-                <a:solidFill>
-                  <a:srgbClr val="000000"/>
-                </a:solidFill>
-              </a:endParaRPr>
             </a:p>
           </p:txBody>
         </p:sp>
@@ -25612,6 +25759,1024 @@
           </a:p>
         </p:txBody>
       </p:sp>
+      <p:sp>
+        <p:nvSpPr>
+          <p:cNvPr id="19" name="TextBox 18"/>
+          <p:cNvSpPr txBox="1"/>
+          <p:nvPr/>
+        </p:nvSpPr>
+        <p:spPr>
+          <a:xfrm>
+            <a:off x="304800" y="1219200"/>
+            <a:ext cx="184731" cy="369332"/>
+          </a:xfrm>
+          <a:prstGeom prst="rect">
+            <a:avLst/>
+          </a:prstGeom>
+          <a:noFill/>
+        </p:spPr>
+        <p:txBody>
+          <a:bodyPr wrap="none" rtlCol="0">
+            <a:spAutoFit/>
+          </a:bodyPr>
+          <a:lstStyle/>
+          <a:p>
+            <a:endParaRPr lang="en-US" dirty="0"/>
+          </a:p>
+        </p:txBody>
+      </p:sp>
+      <p:sp>
+        <p:nvSpPr>
+          <p:cNvPr id="5" name="Content Placeholder 9"/>
+          <p:cNvSpPr txBox="1">
+            <a:spLocks/>
+          </p:cNvSpPr>
+          <p:nvPr/>
+        </p:nvSpPr>
+        <p:spPr>
+          <a:xfrm>
+            <a:off x="457200" y="1076325"/>
+            <a:ext cx="8534400" cy="5248275"/>
+          </a:xfrm>
+          <a:prstGeom prst="rect">
+            <a:avLst/>
+          </a:prstGeom>
+        </p:spPr>
+        <p:txBody>
+          <a:bodyPr/>
+          <a:lstStyle/>
+          <a:p>
+            <a:pPr marL="342900" marR="0" lvl="0" indent="-342900" algn="l" defTabSz="914400" rtl="0" eaLnBrk="1" fontAlgn="base" latinLnBrk="0" hangingPunct="1">
+              <a:lnSpc>
+                <a:spcPct val="100000"/>
+              </a:lnSpc>
+              <a:spcBef>
+                <a:spcPct val="20000"/>
+              </a:spcBef>
+              <a:spcAft>
+                <a:spcPct val="0"/>
+              </a:spcAft>
+              <a:buClr>
+                <a:schemeClr val="hlink"/>
+              </a:buClr>
+              <a:buSzTx/>
+              <a:buFont typeface="Wingdings" pitchFamily="2" charset="2"/>
+              <a:buChar char="v"/>
+              <a:tabLst/>
+              <a:defRPr/>
+            </a:pPr>
+            <a:r>
+              <a:rPr kumimoji="0" lang="en-US" sz="3200" b="0" i="0" u="none" strike="noStrike" kern="0" cap="none" spc="0" normalizeH="0" baseline="0" noProof="0" dirty="0" smtClean="0">
+                <a:ln>
+                  <a:noFill/>
+                </a:ln>
+                <a:solidFill>
+                  <a:schemeClr val="tx2"/>
+                </a:solidFill>
+                <a:effectLst/>
+                <a:uLnTx/>
+                <a:uFillTx/>
+                <a:latin typeface="+mn-lt"/>
+                <a:ea typeface="+mn-ea"/>
+                <a:cs typeface="+mn-cs"/>
+              </a:rPr>
+              <a:t>Texture Mapping</a:t>
+            </a:r>
+          </a:p>
+        </p:txBody>
+      </p:sp>
+      <p:pic>
+        <p:nvPicPr>
+          <p:cNvPr id="2050" name="Picture 2" descr="d:\Desktop\Java\TextureMapping.jpg"/>
+          <p:cNvPicPr>
+            <a:picLocks noChangeAspect="1" noChangeArrowheads="1"/>
+          </p:cNvPicPr>
+          <p:nvPr/>
+        </p:nvPicPr>
+        <p:blipFill>
+          <a:blip r:embed="rId2"/>
+          <a:srcRect/>
+          <a:stretch>
+            <a:fillRect/>
+          </a:stretch>
+        </p:blipFill>
+        <p:spPr bwMode="auto">
+          <a:xfrm>
+            <a:off x="0" y="2438400"/>
+            <a:ext cx="9144000" cy="3929156"/>
+          </a:xfrm>
+          <a:prstGeom prst="rect">
+            <a:avLst/>
+          </a:prstGeom>
+          <a:noFill/>
+        </p:spPr>
+      </p:pic>
+    </p:spTree>
+  </p:cSld>
+  <p:clrMapOvr>
+    <a:masterClrMapping/>
+  </p:clrMapOvr>
+  <p:timing>
+    <p:tnLst>
+      <p:par>
+        <p:cTn id="1" dur="indefinite" restart="never" nodeType="tmRoot">
+          <p:childTnLst>
+            <p:seq concurrent="1" nextAc="seek">
+              <p:cTn id="2" dur="indefinite" nodeType="mainSeq">
+                <p:childTnLst>
+                  <p:par>
+                    <p:cTn id="3" fill="hold">
+                      <p:stCondLst>
+                        <p:cond delay="indefinite"/>
+                        <p:cond evt="onBegin" delay="0">
+                          <p:tn val="2"/>
+                        </p:cond>
+                      </p:stCondLst>
+                      <p:childTnLst>
+                        <p:par>
+                          <p:cTn id="4" fill="hold">
+                            <p:stCondLst>
+                              <p:cond delay="0"/>
+                            </p:stCondLst>
+                            <p:childTnLst>
+                              <p:par>
+                                <p:cTn id="5" presetID="14" presetClass="entr" presetSubtype="10" fill="hold" nodeType="afterEffect">
+                                  <p:stCondLst>
+                                    <p:cond delay="0"/>
+                                  </p:stCondLst>
+                                  <p:childTnLst>
+                                    <p:set>
+                                      <p:cBhvr>
+                                        <p:cTn id="6" dur="1" fill="hold">
+                                          <p:stCondLst>
+                                            <p:cond delay="0"/>
+                                          </p:stCondLst>
+                                        </p:cTn>
+                                        <p:tgtEl>
+                                          <p:spTgt spid="2050"/>
+                                        </p:tgtEl>
+                                        <p:attrNameLst>
+                                          <p:attrName>style.visibility</p:attrName>
+                                        </p:attrNameLst>
+                                      </p:cBhvr>
+                                      <p:to>
+                                        <p:strVal val="visible"/>
+                                      </p:to>
+                                    </p:set>
+                                    <p:animEffect transition="in" filter="randombar(horizontal)">
+                                      <p:cBhvr>
+                                        <p:cTn id="7" dur="500"/>
+                                        <p:tgtEl>
+                                          <p:spTgt spid="2050"/>
+                                        </p:tgtEl>
+                                      </p:cBhvr>
+                                    </p:animEffect>
+                                  </p:childTnLst>
+                                </p:cTn>
+                              </p:par>
+                            </p:childTnLst>
+                          </p:cTn>
+                        </p:par>
+                      </p:childTnLst>
+                    </p:cTn>
+                  </p:par>
+                </p:childTnLst>
+              </p:cTn>
+              <p:prevCondLst>
+                <p:cond evt="onPrev" delay="0">
+                  <p:tgtEl>
+                    <p:sldTgt/>
+                  </p:tgtEl>
+                </p:cond>
+              </p:prevCondLst>
+              <p:nextCondLst>
+                <p:cond evt="onNext" delay="0">
+                  <p:tgtEl>
+                    <p:sldTgt/>
+                  </p:tgtEl>
+                </p:cond>
+              </p:nextCondLst>
+            </p:seq>
+          </p:childTnLst>
+        </p:cTn>
+      </p:par>
+    </p:tnLst>
+  </p:timing>
+</p:sld>
+</file>
+
+<file path=ppt/slides/slide21.xml><?xml version="1.0" encoding="utf-8"?>
+<p:sld xmlns:a="http://schemas.openxmlformats.org/drawingml/2006/main" xmlns:r="http://schemas.openxmlformats.org/officeDocument/2006/relationships" xmlns:p="http://schemas.openxmlformats.org/presentationml/2006/main">
+  <p:cSld>
+    <p:spTree>
+      <p:nvGrpSpPr>
+        <p:cNvPr id="1" name=""/>
+        <p:cNvGrpSpPr/>
+        <p:nvPr/>
+      </p:nvGrpSpPr>
+      <p:grpSpPr>
+        <a:xfrm>
+          <a:off x="0" y="0"/>
+          <a:ext cx="0" cy="0"/>
+          <a:chOff x="0" y="0"/>
+          <a:chExt cx="0" cy="0"/>
+        </a:xfrm>
+      </p:grpSpPr>
+      <p:sp>
+        <p:nvSpPr>
+          <p:cNvPr id="93186" name="Rectangle 2"/>
+          <p:cNvSpPr>
+            <a:spLocks noGrp="1" noChangeArrowheads="1"/>
+          </p:cNvSpPr>
+          <p:nvPr>
+            <p:ph type="title"/>
+          </p:nvPr>
+        </p:nvSpPr>
+        <p:spPr/>
+        <p:txBody>
+          <a:bodyPr/>
+          <a:lstStyle/>
+          <a:p>
+            <a:r>
+              <a:rPr lang="en-US" dirty="0"/>
+              <a:t> </a:t>
+            </a:r>
+            <a:r>
+              <a:rPr lang="en-US" dirty="0" smtClean="0"/>
+              <a:t>Texture</a:t>
+            </a:r>
+            <a:endParaRPr lang="en-US" dirty="0"/>
+          </a:p>
+        </p:txBody>
+      </p:sp>
+      <p:sp>
+        <p:nvSpPr>
+          <p:cNvPr id="19" name="TextBox 18"/>
+          <p:cNvSpPr txBox="1"/>
+          <p:nvPr/>
+        </p:nvSpPr>
+        <p:spPr>
+          <a:xfrm>
+            <a:off x="304800" y="1219200"/>
+            <a:ext cx="184731" cy="369332"/>
+          </a:xfrm>
+          <a:prstGeom prst="rect">
+            <a:avLst/>
+          </a:prstGeom>
+          <a:noFill/>
+        </p:spPr>
+        <p:txBody>
+          <a:bodyPr wrap="none" rtlCol="0">
+            <a:spAutoFit/>
+          </a:bodyPr>
+          <a:lstStyle/>
+          <a:p>
+            <a:endParaRPr lang="en-US" dirty="0"/>
+          </a:p>
+        </p:txBody>
+      </p:sp>
+      <p:sp>
+        <p:nvSpPr>
+          <p:cNvPr id="5" name="Content Placeholder 9"/>
+          <p:cNvSpPr txBox="1">
+            <a:spLocks/>
+          </p:cNvSpPr>
+          <p:nvPr/>
+        </p:nvSpPr>
+        <p:spPr>
+          <a:xfrm>
+            <a:off x="457200" y="1076325"/>
+            <a:ext cx="8534400" cy="5248275"/>
+          </a:xfrm>
+          <a:prstGeom prst="rect">
+            <a:avLst/>
+          </a:prstGeom>
+        </p:spPr>
+        <p:txBody>
+          <a:bodyPr/>
+          <a:lstStyle/>
+          <a:p>
+            <a:pPr marL="342900" marR="0" lvl="0" indent="-342900" algn="l" defTabSz="914400" rtl="0" eaLnBrk="1" fontAlgn="base" latinLnBrk="0" hangingPunct="1">
+              <a:lnSpc>
+                <a:spcPct val="100000"/>
+              </a:lnSpc>
+              <a:spcBef>
+                <a:spcPct val="20000"/>
+              </a:spcBef>
+              <a:spcAft>
+                <a:spcPct val="0"/>
+              </a:spcAft>
+              <a:buClr>
+                <a:schemeClr val="hlink"/>
+              </a:buClr>
+              <a:buSzTx/>
+              <a:buFont typeface="Wingdings" pitchFamily="2" charset="2"/>
+              <a:buChar char="v"/>
+              <a:tabLst/>
+              <a:defRPr/>
+            </a:pPr>
+            <a:r>
+              <a:rPr kumimoji="0" lang="en-US" sz="3200" b="0" i="0" u="none" strike="noStrike" kern="0" cap="none" spc="0" normalizeH="0" baseline="0" noProof="0" dirty="0" smtClean="0">
+                <a:ln>
+                  <a:noFill/>
+                </a:ln>
+                <a:solidFill>
+                  <a:schemeClr val="tx2"/>
+                </a:solidFill>
+                <a:effectLst/>
+                <a:uLnTx/>
+                <a:uFillTx/>
+                <a:latin typeface="+mn-lt"/>
+                <a:ea typeface="+mn-ea"/>
+                <a:cs typeface="+mn-cs"/>
+              </a:rPr>
+              <a:t>Texture Mapping</a:t>
+            </a:r>
+            <a:endParaRPr lang="en-US" sz="2600" kern="0" dirty="0" smtClean="0">
+              <a:solidFill>
+                <a:schemeClr val="tx2"/>
+              </a:solidFill>
+              <a:latin typeface="Consolas" pitchFamily="49" charset="0"/>
+              <a:cs typeface="Consolas" pitchFamily="49" charset="0"/>
+            </a:endParaRPr>
+          </a:p>
+          <a:p>
+            <a:pPr marL="342900" lvl="0" indent="-342900">
+              <a:spcBef>
+                <a:spcPct val="20000"/>
+              </a:spcBef>
+              <a:buClr>
+                <a:schemeClr val="hlink"/>
+              </a:buClr>
+            </a:pPr>
+            <a:r>
+              <a:rPr lang="en-US" sz="2600" kern="0" dirty="0" smtClean="0">
+                <a:solidFill>
+                  <a:schemeClr val="tx2"/>
+                </a:solidFill>
+                <a:latin typeface="Consolas" pitchFamily="49" charset="0"/>
+                <a:cs typeface="Consolas" pitchFamily="49" charset="0"/>
+              </a:rPr>
+              <a:t>tex.</a:t>
+            </a:r>
+            <a:r>
+              <a:rPr lang="en-US" sz="2600" kern="0" dirty="0" smtClean="0">
+                <a:solidFill>
+                  <a:srgbClr val="FFFF00"/>
+                </a:solidFill>
+                <a:latin typeface="Consolas" pitchFamily="49" charset="0"/>
+                <a:cs typeface="Consolas" pitchFamily="49" charset="0"/>
+              </a:rPr>
+              <a:t>enable</a:t>
+            </a:r>
+            <a:r>
+              <a:rPr lang="en-US" sz="2600" kern="0" dirty="0" smtClean="0">
+                <a:solidFill>
+                  <a:schemeClr val="tx2"/>
+                </a:solidFill>
+                <a:latin typeface="Consolas" pitchFamily="49" charset="0"/>
+                <a:cs typeface="Consolas" pitchFamily="49" charset="0"/>
+              </a:rPr>
+              <a:t>();</a:t>
+            </a:r>
+          </a:p>
+          <a:p>
+            <a:pPr marL="342900" lvl="0" indent="-342900">
+              <a:spcBef>
+                <a:spcPct val="20000"/>
+              </a:spcBef>
+              <a:buClr>
+                <a:schemeClr val="hlink"/>
+              </a:buClr>
+            </a:pPr>
+            <a:r>
+              <a:rPr lang="en-US" sz="2600" kern="0" dirty="0" smtClean="0">
+                <a:solidFill>
+                  <a:schemeClr val="tx2"/>
+                </a:solidFill>
+                <a:latin typeface="Consolas" pitchFamily="49" charset="0"/>
+                <a:cs typeface="Consolas" pitchFamily="49" charset="0"/>
+              </a:rPr>
+              <a:t>tex.</a:t>
+            </a:r>
+            <a:r>
+              <a:rPr lang="en-US" sz="2600" kern="0" dirty="0" smtClean="0">
+                <a:solidFill>
+                  <a:srgbClr val="FFFF00"/>
+                </a:solidFill>
+                <a:latin typeface="Consolas" pitchFamily="49" charset="0"/>
+                <a:cs typeface="Consolas" pitchFamily="49" charset="0"/>
+              </a:rPr>
+              <a:t>bind</a:t>
+            </a:r>
+            <a:r>
+              <a:rPr lang="en-US" sz="2600" kern="0" dirty="0" smtClean="0">
+                <a:solidFill>
+                  <a:schemeClr val="tx2"/>
+                </a:solidFill>
+                <a:latin typeface="Consolas" pitchFamily="49" charset="0"/>
+                <a:cs typeface="Consolas" pitchFamily="49" charset="0"/>
+              </a:rPr>
+              <a:t>();</a:t>
+            </a:r>
+          </a:p>
+          <a:p>
+            <a:pPr marL="342900" lvl="0" indent="-342900">
+              <a:spcBef>
+                <a:spcPct val="20000"/>
+              </a:spcBef>
+              <a:buClr>
+                <a:schemeClr val="hlink"/>
+              </a:buClr>
+            </a:pPr>
+            <a:r>
+              <a:rPr lang="en-US" sz="2600" kern="0" dirty="0" smtClean="0">
+                <a:solidFill>
+                  <a:schemeClr val="tx2"/>
+                </a:solidFill>
+                <a:latin typeface="Consolas" pitchFamily="49" charset="0"/>
+                <a:cs typeface="Consolas" pitchFamily="49" charset="0"/>
+              </a:rPr>
+              <a:t>gl.glBegin(GL.GL_TRIANGLES);</a:t>
+            </a:r>
+          </a:p>
+          <a:p>
+            <a:pPr marL="342900" lvl="0" indent="-342900">
+              <a:spcBef>
+                <a:spcPct val="20000"/>
+              </a:spcBef>
+              <a:buClr>
+                <a:schemeClr val="hlink"/>
+              </a:buClr>
+            </a:pPr>
+            <a:r>
+              <a:rPr lang="en-US" sz="2600" kern="0" dirty="0" smtClean="0">
+                <a:solidFill>
+                  <a:schemeClr val="tx2"/>
+                </a:solidFill>
+                <a:latin typeface="Consolas" pitchFamily="49" charset="0"/>
+                <a:cs typeface="Consolas" pitchFamily="49" charset="0"/>
+              </a:rPr>
+              <a:t>	gl.</a:t>
+            </a:r>
+            <a:r>
+              <a:rPr lang="en-US" sz="2600" kern="0" dirty="0" smtClean="0">
+                <a:solidFill>
+                  <a:srgbClr val="FFFF00"/>
+                </a:solidFill>
+                <a:latin typeface="Consolas" pitchFamily="49" charset="0"/>
+                <a:cs typeface="Consolas" pitchFamily="49" charset="0"/>
+              </a:rPr>
+              <a:t>glTexCoord2f</a:t>
+            </a:r>
+            <a:r>
+              <a:rPr lang="en-US" sz="2600" kern="0" dirty="0" smtClean="0">
+                <a:solidFill>
+                  <a:schemeClr val="tx2"/>
+                </a:solidFill>
+                <a:latin typeface="Consolas" pitchFamily="49" charset="0"/>
+                <a:cs typeface="Consolas" pitchFamily="49" charset="0"/>
+              </a:rPr>
+              <a:t>(</a:t>
+            </a:r>
+            <a:r>
+              <a:rPr lang="en-US" sz="2600" kern="0" dirty="0" smtClean="0">
+                <a:solidFill>
+                  <a:srgbClr val="FF0000"/>
+                </a:solidFill>
+                <a:latin typeface="Consolas" pitchFamily="49" charset="0"/>
+                <a:cs typeface="Consolas" pitchFamily="49" charset="0"/>
+              </a:rPr>
+              <a:t>0.2f, 0.8f</a:t>
+            </a:r>
+            <a:r>
+              <a:rPr lang="en-US" sz="2600" kern="0" dirty="0" smtClean="0">
+                <a:solidFill>
+                  <a:schemeClr val="tx2"/>
+                </a:solidFill>
+                <a:latin typeface="Consolas" pitchFamily="49" charset="0"/>
+                <a:cs typeface="Consolas" pitchFamily="49" charset="0"/>
+              </a:rPr>
+              <a:t>);</a:t>
+            </a:r>
+          </a:p>
+          <a:p>
+            <a:pPr marL="342900" lvl="0" indent="-342900">
+              <a:spcBef>
+                <a:spcPct val="20000"/>
+              </a:spcBef>
+              <a:buClr>
+                <a:schemeClr val="hlink"/>
+              </a:buClr>
+            </a:pPr>
+            <a:r>
+              <a:rPr lang="en-US" sz="2600" kern="0" dirty="0" smtClean="0">
+                <a:solidFill>
+                  <a:schemeClr val="tx2"/>
+                </a:solidFill>
+                <a:latin typeface="Consolas" pitchFamily="49" charset="0"/>
+                <a:cs typeface="Consolas" pitchFamily="49" charset="0"/>
+              </a:rPr>
+              <a:t>		gl.glVertex3f(2, 8, 0);</a:t>
+            </a:r>
+          </a:p>
+          <a:p>
+            <a:pPr marL="342900" indent="-342900">
+              <a:spcBef>
+                <a:spcPct val="20000"/>
+              </a:spcBef>
+              <a:buClr>
+                <a:schemeClr val="hlink"/>
+              </a:buClr>
+            </a:pPr>
+            <a:r>
+              <a:rPr lang="en-US" sz="2600" kern="0" dirty="0" smtClean="0">
+                <a:solidFill>
+                  <a:schemeClr val="tx2"/>
+                </a:solidFill>
+                <a:latin typeface="Consolas" pitchFamily="49" charset="0"/>
+                <a:cs typeface="Consolas" pitchFamily="49" charset="0"/>
+              </a:rPr>
+              <a:t>	gl.</a:t>
+            </a:r>
+            <a:r>
+              <a:rPr lang="en-US" sz="2600" kern="0" dirty="0" smtClean="0">
+                <a:solidFill>
+                  <a:srgbClr val="FFFF00"/>
+                </a:solidFill>
+                <a:latin typeface="Consolas" pitchFamily="49" charset="0"/>
+                <a:cs typeface="Consolas" pitchFamily="49" charset="0"/>
+              </a:rPr>
+              <a:t>glTexCoord2f</a:t>
+            </a:r>
+            <a:r>
+              <a:rPr lang="en-US" sz="2600" kern="0" dirty="0" smtClean="0">
+                <a:solidFill>
+                  <a:schemeClr val="tx2"/>
+                </a:solidFill>
+                <a:latin typeface="Consolas" pitchFamily="49" charset="0"/>
+                <a:cs typeface="Consolas" pitchFamily="49" charset="0"/>
+              </a:rPr>
+              <a:t>(</a:t>
+            </a:r>
+            <a:r>
+              <a:rPr lang="en-US" sz="2600" kern="0" dirty="0" smtClean="0">
+                <a:solidFill>
+                  <a:srgbClr val="FF0000"/>
+                </a:solidFill>
+                <a:latin typeface="Consolas" pitchFamily="49" charset="0"/>
+                <a:cs typeface="Consolas" pitchFamily="49" charset="0"/>
+              </a:rPr>
+              <a:t>0.8f, 0.4f</a:t>
+            </a:r>
+            <a:r>
+              <a:rPr lang="en-US" sz="2600" kern="0" dirty="0" smtClean="0">
+                <a:solidFill>
+                  <a:schemeClr val="tx2"/>
+                </a:solidFill>
+                <a:latin typeface="Consolas" pitchFamily="49" charset="0"/>
+                <a:cs typeface="Consolas" pitchFamily="49" charset="0"/>
+              </a:rPr>
+              <a:t>);</a:t>
+            </a:r>
+          </a:p>
+          <a:p>
+            <a:pPr marL="342900" lvl="0" indent="-342900">
+              <a:spcBef>
+                <a:spcPct val="20000"/>
+              </a:spcBef>
+              <a:buClr>
+                <a:schemeClr val="hlink"/>
+              </a:buClr>
+            </a:pPr>
+            <a:r>
+              <a:rPr lang="en-US" sz="2600" kern="0" dirty="0" smtClean="0">
+                <a:solidFill>
+                  <a:schemeClr val="tx2"/>
+                </a:solidFill>
+                <a:latin typeface="Consolas" pitchFamily="49" charset="0"/>
+                <a:cs typeface="Consolas" pitchFamily="49" charset="0"/>
+              </a:rPr>
+              <a:t>		gl.glVertex3f(8, 4, 0);</a:t>
+            </a:r>
+          </a:p>
+          <a:p>
+            <a:pPr marL="342900" indent="-342900">
+              <a:spcBef>
+                <a:spcPct val="20000"/>
+              </a:spcBef>
+              <a:buClr>
+                <a:schemeClr val="hlink"/>
+              </a:buClr>
+            </a:pPr>
+            <a:r>
+              <a:rPr lang="en-US" sz="2600" kern="0" dirty="0" smtClean="0">
+                <a:solidFill>
+                  <a:schemeClr val="tx2"/>
+                </a:solidFill>
+                <a:latin typeface="Consolas" pitchFamily="49" charset="0"/>
+                <a:cs typeface="Consolas" pitchFamily="49" charset="0"/>
+              </a:rPr>
+              <a:t>	gl.</a:t>
+            </a:r>
+            <a:r>
+              <a:rPr lang="en-US" sz="2600" kern="0" dirty="0" smtClean="0">
+                <a:solidFill>
+                  <a:srgbClr val="FFFF00"/>
+                </a:solidFill>
+                <a:latin typeface="Consolas" pitchFamily="49" charset="0"/>
+                <a:cs typeface="Consolas" pitchFamily="49" charset="0"/>
+              </a:rPr>
+              <a:t>glTexCoord2f</a:t>
+            </a:r>
+            <a:r>
+              <a:rPr lang="en-US" sz="2600" kern="0" dirty="0" smtClean="0">
+                <a:solidFill>
+                  <a:schemeClr val="tx2"/>
+                </a:solidFill>
+                <a:latin typeface="Consolas" pitchFamily="49" charset="0"/>
+                <a:cs typeface="Consolas" pitchFamily="49" charset="0"/>
+              </a:rPr>
+              <a:t>(</a:t>
+            </a:r>
+            <a:r>
+              <a:rPr lang="en-US" sz="2600" kern="0" dirty="0" smtClean="0">
+                <a:solidFill>
+                  <a:srgbClr val="FF0000"/>
+                </a:solidFill>
+                <a:latin typeface="Consolas" pitchFamily="49" charset="0"/>
+                <a:cs typeface="Consolas" pitchFamily="49" charset="0"/>
+              </a:rPr>
+              <a:t>0.4f, 0.2f</a:t>
+            </a:r>
+            <a:r>
+              <a:rPr lang="en-US" sz="2600" kern="0" dirty="0" smtClean="0">
+                <a:solidFill>
+                  <a:schemeClr val="tx2"/>
+                </a:solidFill>
+                <a:latin typeface="Consolas" pitchFamily="49" charset="0"/>
+                <a:cs typeface="Consolas" pitchFamily="49" charset="0"/>
+              </a:rPr>
+              <a:t>);</a:t>
+            </a:r>
+          </a:p>
+          <a:p>
+            <a:pPr marL="342900" lvl="0" indent="-342900">
+              <a:spcBef>
+                <a:spcPct val="20000"/>
+              </a:spcBef>
+              <a:buClr>
+                <a:schemeClr val="hlink"/>
+              </a:buClr>
+            </a:pPr>
+            <a:r>
+              <a:rPr lang="en-US" sz="2600" kern="0" dirty="0" smtClean="0">
+                <a:solidFill>
+                  <a:schemeClr val="tx2"/>
+                </a:solidFill>
+                <a:latin typeface="Consolas" pitchFamily="49" charset="0"/>
+                <a:cs typeface="Consolas" pitchFamily="49" charset="0"/>
+              </a:rPr>
+              <a:t>		gl.glVertex3f(4, 2, 0);</a:t>
+            </a:r>
+          </a:p>
+          <a:p>
+            <a:pPr marL="342900" lvl="0" indent="-342900">
+              <a:spcBef>
+                <a:spcPct val="20000"/>
+              </a:spcBef>
+              <a:buClr>
+                <a:schemeClr val="hlink"/>
+              </a:buClr>
+            </a:pPr>
+            <a:r>
+              <a:rPr lang="en-US" sz="2600" kern="0" dirty="0" smtClean="0">
+                <a:solidFill>
+                  <a:schemeClr val="tx2"/>
+                </a:solidFill>
+                <a:latin typeface="Consolas" pitchFamily="49" charset="0"/>
+                <a:cs typeface="Consolas" pitchFamily="49" charset="0"/>
+              </a:rPr>
+              <a:t>gl.glEnd();</a:t>
+            </a:r>
+          </a:p>
+        </p:txBody>
+      </p:sp>
+    </p:spTree>
+  </p:cSld>
+  <p:clrMapOvr>
+    <a:masterClrMapping/>
+  </p:clrMapOvr>
+  <p:timing>
+    <p:tnLst>
+      <p:par>
+        <p:cTn id="1" dur="indefinite" restart="never" nodeType="tmRoot"/>
+      </p:par>
+    </p:tnLst>
+  </p:timing>
+</p:sld>
+</file>
+
+<file path=ppt/slides/slide22.xml><?xml version="1.0" encoding="utf-8"?>
+<p:sld xmlns:a="http://schemas.openxmlformats.org/drawingml/2006/main" xmlns:r="http://schemas.openxmlformats.org/officeDocument/2006/relationships" xmlns:p="http://schemas.openxmlformats.org/presentationml/2006/main">
+  <p:cSld>
+    <p:spTree>
+      <p:nvGrpSpPr>
+        <p:cNvPr id="1" name=""/>
+        <p:cNvGrpSpPr/>
+        <p:nvPr/>
+      </p:nvGrpSpPr>
+      <p:grpSpPr>
+        <a:xfrm>
+          <a:off x="0" y="0"/>
+          <a:ext cx="0" cy="0"/>
+          <a:chOff x="0" y="0"/>
+          <a:chExt cx="0" cy="0"/>
+        </a:xfrm>
+      </p:grpSpPr>
+      <p:sp>
+        <p:nvSpPr>
+          <p:cNvPr id="93186" name="Rectangle 2"/>
+          <p:cNvSpPr>
+            <a:spLocks noGrp="1" noChangeArrowheads="1"/>
+          </p:cNvSpPr>
+          <p:nvPr>
+            <p:ph type="title"/>
+          </p:nvPr>
+        </p:nvSpPr>
+        <p:spPr/>
+        <p:txBody>
+          <a:bodyPr/>
+          <a:lstStyle/>
+          <a:p>
+            <a:r>
+              <a:rPr lang="en-US" dirty="0"/>
+              <a:t> </a:t>
+            </a:r>
+            <a:r>
+              <a:rPr lang="en-US" dirty="0" smtClean="0"/>
+              <a:t>Texture</a:t>
+            </a:r>
+            <a:endParaRPr lang="en-US" dirty="0"/>
+          </a:p>
+        </p:txBody>
+      </p:sp>
+      <p:graphicFrame>
+        <p:nvGraphicFramePr>
+          <p:cNvPr id="4" name="Diagram 3"/>
+          <p:cNvGraphicFramePr/>
+          <p:nvPr>
+            <p:extLst>
+              <p:ext uri="{D42A27DB-BD31-4B8C-83A1-F6EECF244321}">
+                <p14:modId xmlns:p14="http://schemas.microsoft.com/office/powerpoint/2010/main" val="2284779209"/>
+              </p:ext>
+            </p:extLst>
+          </p:nvPr>
+        </p:nvGraphicFramePr>
+        <p:xfrm>
+          <a:off x="838200" y="1752600"/>
+          <a:ext cx="7543800" cy="4572000"/>
+        </p:xfrm>
+        <a:graphic>
+          <a:graphicData uri="http://schemas.openxmlformats.org/drawingml/2006/diagram">
+            <dgm:relIds xmlns:dgm="http://schemas.openxmlformats.org/drawingml/2006/diagram" xmlns:r="http://schemas.openxmlformats.org/officeDocument/2006/relationships" r:dm="rId2" r:lo="rId3" r:qs="rId4" r:cs="rId5"/>
+          </a:graphicData>
+        </a:graphic>
+      </p:graphicFrame>
+      <p:sp>
+        <p:nvSpPr>
+          <p:cNvPr id="5" name="Content Placeholder 9"/>
+          <p:cNvSpPr txBox="1">
+            <a:spLocks/>
+          </p:cNvSpPr>
+          <p:nvPr/>
+        </p:nvSpPr>
+        <p:spPr>
+          <a:xfrm>
+            <a:off x="457200" y="1076325"/>
+            <a:ext cx="8229600" cy="5248275"/>
+          </a:xfrm>
+          <a:prstGeom prst="rect">
+            <a:avLst/>
+          </a:prstGeom>
+        </p:spPr>
+        <p:txBody>
+          <a:bodyPr/>
+          <a:lstStyle/>
+          <a:p>
+            <a:pPr marL="342900" marR="0" lvl="0" indent="-342900" algn="l" defTabSz="914400" rtl="0" eaLnBrk="1" fontAlgn="base" latinLnBrk="0" hangingPunct="1">
+              <a:lnSpc>
+                <a:spcPct val="100000"/>
+              </a:lnSpc>
+              <a:spcBef>
+                <a:spcPct val="20000"/>
+              </a:spcBef>
+              <a:spcAft>
+                <a:spcPct val="0"/>
+              </a:spcAft>
+              <a:buClr>
+                <a:schemeClr val="hlink"/>
+              </a:buClr>
+              <a:buSzTx/>
+              <a:buFont typeface="Wingdings" pitchFamily="2" charset="2"/>
+              <a:buChar char="v"/>
+              <a:tabLst/>
+              <a:defRPr/>
+            </a:pPr>
+            <a:r>
+              <a:rPr kumimoji="0" lang="en-US" sz="3200" b="0" i="0" u="none" strike="noStrike" kern="0" cap="none" spc="0" normalizeH="0" baseline="0" noProof="0" dirty="0" smtClean="0">
+                <a:ln>
+                  <a:noFill/>
+                </a:ln>
+                <a:solidFill>
+                  <a:schemeClr val="tx2"/>
+                </a:solidFill>
+                <a:effectLst/>
+                <a:uLnTx/>
+                <a:uFillTx/>
+                <a:latin typeface="+mn-lt"/>
+                <a:ea typeface="+mn-ea"/>
+                <a:cs typeface="+mn-cs"/>
+              </a:rPr>
+              <a:t>Texture</a:t>
+            </a:r>
+            <a:r>
+              <a:rPr kumimoji="0" lang="en-US" sz="3200" b="0" i="0" u="none" strike="noStrike" kern="0" cap="none" spc="0" normalizeH="0" noProof="0" dirty="0" smtClean="0">
+                <a:ln>
+                  <a:noFill/>
+                </a:ln>
+                <a:solidFill>
+                  <a:schemeClr val="tx2"/>
+                </a:solidFill>
+                <a:effectLst/>
+                <a:uLnTx/>
+                <a:uFillTx/>
+                <a:latin typeface="+mn-lt"/>
+                <a:ea typeface="+mn-ea"/>
+                <a:cs typeface="+mn-cs"/>
+              </a:rPr>
+              <a:t> Wrap Models</a:t>
+            </a:r>
+            <a:endParaRPr kumimoji="0" lang="en-US" sz="2600" b="0" i="0" u="none" strike="noStrike" kern="0" cap="none" spc="0" normalizeH="0" baseline="0" noProof="0" dirty="0" smtClean="0">
+              <a:ln>
+                <a:noFill/>
+              </a:ln>
+              <a:solidFill>
+                <a:schemeClr val="tx2"/>
+              </a:solidFill>
+              <a:effectLst/>
+              <a:uLnTx/>
+              <a:uFillTx/>
+              <a:latin typeface="Consolas" pitchFamily="49" charset="0"/>
+              <a:ea typeface="+mn-ea"/>
+              <a:cs typeface="Consolas" pitchFamily="49" charset="0"/>
+            </a:endParaRPr>
+          </a:p>
+        </p:txBody>
+      </p:sp>
+    </p:spTree>
+  </p:cSld>
+  <p:clrMapOvr>
+    <a:masterClrMapping/>
+  </p:clrMapOvr>
+  <p:timing>
+    <p:tnLst>
+      <p:par>
+        <p:cTn id="1" dur="indefinite" restart="never" nodeType="tmRoot">
+          <p:childTnLst>
+            <p:seq concurrent="1" nextAc="seek">
+              <p:cTn id="2" dur="indefinite" nodeType="mainSeq">
+                <p:childTnLst>
+                  <p:par>
+                    <p:cTn id="3" fill="hold">
+                      <p:stCondLst>
+                        <p:cond delay="indefinite"/>
+                        <p:cond evt="onBegin" delay="0">
+                          <p:tn val="2"/>
+                        </p:cond>
+                      </p:stCondLst>
+                      <p:childTnLst>
+                        <p:par>
+                          <p:cTn id="4" fill="hold">
+                            <p:stCondLst>
+                              <p:cond delay="0"/>
+                            </p:stCondLst>
+                            <p:childTnLst>
+                              <p:par>
+                                <p:cTn id="5" presetID="22" presetClass="entr" presetSubtype="1" fill="hold" grpId="0" nodeType="afterEffect">
+                                  <p:stCondLst>
+                                    <p:cond delay="0"/>
+                                  </p:stCondLst>
+                                  <p:childTnLst>
+                                    <p:set>
+                                      <p:cBhvr>
+                                        <p:cTn id="6" dur="1" fill="hold">
+                                          <p:stCondLst>
+                                            <p:cond delay="0"/>
+                                          </p:stCondLst>
+                                        </p:cTn>
+                                        <p:tgtEl>
+                                          <p:spTgt spid="4"/>
+                                        </p:tgtEl>
+                                        <p:attrNameLst>
+                                          <p:attrName>style.visibility</p:attrName>
+                                        </p:attrNameLst>
+                                      </p:cBhvr>
+                                      <p:to>
+                                        <p:strVal val="visible"/>
+                                      </p:to>
+                                    </p:set>
+                                    <p:animEffect transition="in" filter="wipe(up)">
+                                      <p:cBhvr>
+                                        <p:cTn id="7" dur="1000"/>
+                                        <p:tgtEl>
+                                          <p:spTgt spid="4"/>
+                                        </p:tgtEl>
+                                      </p:cBhvr>
+                                    </p:animEffect>
+                                  </p:childTnLst>
+                                </p:cTn>
+                              </p:par>
+                            </p:childTnLst>
+                          </p:cTn>
+                        </p:par>
+                      </p:childTnLst>
+                    </p:cTn>
+                  </p:par>
+                </p:childTnLst>
+              </p:cTn>
+              <p:prevCondLst>
+                <p:cond evt="onPrev" delay="0">
+                  <p:tgtEl>
+                    <p:sldTgt/>
+                  </p:tgtEl>
+                </p:cond>
+              </p:prevCondLst>
+              <p:nextCondLst>
+                <p:cond evt="onNext" delay="0">
+                  <p:tgtEl>
+                    <p:sldTgt/>
+                  </p:tgtEl>
+                </p:cond>
+              </p:nextCondLst>
+            </p:seq>
+          </p:childTnLst>
+        </p:cTn>
+      </p:par>
+    </p:tnLst>
+    <p:bldLst>
+      <p:bldGraphic spid="4" grpId="0">
+        <p:bldAsOne/>
+      </p:bldGraphic>
+    </p:bldLst>
+  </p:timing>
+</p:sld>
+</file>
+
+<file path=ppt/slides/slide23.xml><?xml version="1.0" encoding="utf-8"?>
+<p:sld xmlns:a="http://schemas.openxmlformats.org/drawingml/2006/main" xmlns:r="http://schemas.openxmlformats.org/officeDocument/2006/relationships" xmlns:p="http://schemas.openxmlformats.org/presentationml/2006/main">
+  <p:cSld>
+    <p:spTree>
+      <p:nvGrpSpPr>
+        <p:cNvPr id="1" name=""/>
+        <p:cNvGrpSpPr/>
+        <p:nvPr/>
+      </p:nvGrpSpPr>
+      <p:grpSpPr>
+        <a:xfrm>
+          <a:off x="0" y="0"/>
+          <a:ext cx="0" cy="0"/>
+          <a:chOff x="0" y="0"/>
+          <a:chExt cx="0" cy="0"/>
+        </a:xfrm>
+      </p:grpSpPr>
+      <p:sp>
+        <p:nvSpPr>
+          <p:cNvPr id="93186" name="Rectangle 2"/>
+          <p:cNvSpPr>
+            <a:spLocks noGrp="1" noChangeArrowheads="1"/>
+          </p:cNvSpPr>
+          <p:nvPr>
+            <p:ph type="title"/>
+          </p:nvPr>
+        </p:nvSpPr>
+        <p:spPr/>
+        <p:txBody>
+          <a:bodyPr/>
+          <a:lstStyle/>
+          <a:p>
+            <a:r>
+              <a:rPr lang="en-US" dirty="0"/>
+              <a:t> </a:t>
+            </a:r>
+            <a:r>
+              <a:rPr lang="en-US" dirty="0" smtClean="0"/>
+              <a:t>Texture</a:t>
+            </a:r>
+            <a:endParaRPr lang="en-US" dirty="0"/>
+          </a:p>
+        </p:txBody>
+      </p:sp>
       <p:pic>
         <p:nvPicPr>
           <p:cNvPr id="3" name="Content Placeholder 3" descr="Screen Clipping"/>
@@ -25624,7 +26789,7 @@
           <a:blip r:embed="rId3">
             <a:extLst>
               <a:ext uri="{28A0092B-C50C-407E-A947-70E740481C1C}">
-                <a14:useLocalDpi xmlns:a14="http://schemas.microsoft.com/office/drawing/2010/main" xmlns="" val="0"/>
+                <a14:useLocalDpi xmlns:a14="http://schemas.microsoft.com/office/drawing/2010/main" val="0"/>
               </a:ext>
             </a:extLst>
           </a:blip>
@@ -25654,7 +26819,7 @@
           <a:blip r:embed="rId4">
             <a:extLst>
               <a:ext uri="{28A0092B-C50C-407E-A947-70E740481C1C}">
-                <a14:useLocalDpi xmlns:a14="http://schemas.microsoft.com/office/drawing/2010/main" xmlns="" val="0"/>
+                <a14:useLocalDpi xmlns:a14="http://schemas.microsoft.com/office/drawing/2010/main" val="0"/>
               </a:ext>
             </a:extLst>
           </a:blip>
@@ -25684,7 +26849,7 @@
           <a:blip r:embed="rId5">
             <a:extLst>
               <a:ext uri="{28A0092B-C50C-407E-A947-70E740481C1C}">
-                <a14:useLocalDpi xmlns:a14="http://schemas.microsoft.com/office/drawing/2010/main" xmlns="" val="0"/>
+                <a14:useLocalDpi xmlns:a14="http://schemas.microsoft.com/office/drawing/2010/main" val="0"/>
               </a:ext>
             </a:extLst>
           </a:blip>
@@ -26132,7 +27297,7 @@
 </p:sld>
 </file>
 
-<file path=ppt/slides/slide21.xml><?xml version="1.0" encoding="utf-8"?>
+<file path=ppt/slides/slide24.xml><?xml version="1.0" encoding="utf-8"?>
 <p:sld xmlns:a="http://schemas.openxmlformats.org/drawingml/2006/main" xmlns:r="http://schemas.openxmlformats.org/officeDocument/2006/relationships" xmlns:p="http://schemas.openxmlformats.org/presentationml/2006/main">
   <p:cSld>
     <p:spTree>
@@ -26317,7 +27482,7 @@
 </p:sld>
 </file>
 
-<file path=ppt/slides/slide22.xml><?xml version="1.0" encoding="utf-8"?>
+<file path=ppt/slides/slide25.xml><?xml version="1.0" encoding="utf-8"?>
 <p:sld xmlns:a="http://schemas.openxmlformats.org/drawingml/2006/main" xmlns:r="http://schemas.openxmlformats.org/officeDocument/2006/relationships" xmlns:p="http://schemas.openxmlformats.org/presentationml/2006/main">
   <p:cSld>
     <p:spTree>
@@ -28218,7 +29383,7 @@
 </p:sld>
 </file>
 
-<file path=ppt/slides/slide23.xml><?xml version="1.0" encoding="utf-8"?>
+<file path=ppt/slides/slide26.xml><?xml version="1.0" encoding="utf-8"?>
 <p:sld xmlns:a="http://schemas.openxmlformats.org/drawingml/2006/main" xmlns:r="http://schemas.openxmlformats.org/officeDocument/2006/relationships" xmlns:p="http://schemas.openxmlformats.org/presentationml/2006/main">
   <p:cSld>
     <p:spTree>
@@ -28825,7 +29990,7 @@
 </p:sld>
 </file>
 
-<file path=ppt/slides/slide24.xml><?xml version="1.0" encoding="utf-8"?>
+<file path=ppt/slides/slide27.xml><?xml version="1.0" encoding="utf-8"?>
 <p:sld xmlns:a="http://schemas.openxmlformats.org/drawingml/2006/main" xmlns:r="http://schemas.openxmlformats.org/officeDocument/2006/relationships" xmlns:p="http://schemas.openxmlformats.org/presentationml/2006/main">
   <p:cSld>
     <p:spTree>
@@ -29051,7 +30216,7 @@
 </p:sld>
 </file>
 
-<file path=ppt/slides/slide25.xml><?xml version="1.0" encoding="utf-8"?>
+<file path=ppt/slides/slide28.xml><?xml version="1.0" encoding="utf-8"?>
 <p:sld xmlns:a="http://schemas.openxmlformats.org/drawingml/2006/main" xmlns:r="http://schemas.openxmlformats.org/officeDocument/2006/relationships" xmlns:p="http://schemas.openxmlformats.org/presentationml/2006/main">
   <p:cSld>
     <p:spTree>
@@ -29103,7 +30268,7 @@
           <a:blip r:embed="rId3">
             <a:extLst>
               <a:ext uri="{28A0092B-C50C-407E-A947-70E740481C1C}">
-                <a14:useLocalDpi xmlns:a14="http://schemas.microsoft.com/office/drawing/2010/main" xmlns="" val="0"/>
+                <a14:useLocalDpi xmlns:a14="http://schemas.microsoft.com/office/drawing/2010/main" val="0"/>
               </a:ext>
             </a:extLst>
           </a:blip>
@@ -29351,7 +30516,7 @@
 </p:sld>
 </file>
 
-<file path=ppt/slides/slide26.xml><?xml version="1.0" encoding="utf-8"?>
+<file path=ppt/slides/slide29.xml><?xml version="1.0" encoding="utf-8"?>
 <p:sld xmlns:a="http://schemas.openxmlformats.org/drawingml/2006/main" xmlns:r="http://schemas.openxmlformats.org/officeDocument/2006/relationships" xmlns:p="http://schemas.openxmlformats.org/presentationml/2006/main">
   <p:cSld>
     <p:spTree>
@@ -30051,465 +31216,6 @@
         </p:grpSp>
       </p:grpSp>
     </p:spTree>
-  </p:cSld>
-  <p:clrMapOvr>
-    <a:masterClrMapping/>
-  </p:clrMapOvr>
-  <p:timing>
-    <p:tnLst>
-      <p:par>
-        <p:cTn id="1" dur="indefinite" restart="never" nodeType="tmRoot"/>
-      </p:par>
-    </p:tnLst>
-  </p:timing>
-</p:sld>
-</file>
-
-<file path=ppt/slides/slide27.xml><?xml version="1.0" encoding="utf-8"?>
-<p:sld xmlns:a="http://schemas.openxmlformats.org/drawingml/2006/main" xmlns:r="http://schemas.openxmlformats.org/officeDocument/2006/relationships" xmlns:p="http://schemas.openxmlformats.org/presentationml/2006/main">
-  <p:cSld>
-    <p:spTree>
-      <p:nvGrpSpPr>
-        <p:cNvPr id="1" name=""/>
-        <p:cNvGrpSpPr/>
-        <p:nvPr/>
-      </p:nvGrpSpPr>
-      <p:grpSpPr>
-        <a:xfrm>
-          <a:off x="0" y="0"/>
-          <a:ext cx="0" cy="0"/>
-          <a:chOff x="0" y="0"/>
-          <a:chExt cx="0" cy="0"/>
-        </a:xfrm>
-      </p:grpSpPr>
-      <p:sp>
-        <p:nvSpPr>
-          <p:cNvPr id="66562" name="Rectangle 2"/>
-          <p:cNvSpPr>
-            <a:spLocks noGrp="1" noChangeArrowheads="1"/>
-          </p:cNvSpPr>
-          <p:nvPr>
-            <p:ph type="title"/>
-          </p:nvPr>
-        </p:nvSpPr>
-        <p:spPr/>
-        <p:txBody>
-          <a:bodyPr/>
-          <a:lstStyle/>
-          <a:p>
-            <a:r>
-              <a:rPr lang="en-US" dirty="0" smtClean="0"/>
-              <a:t>Skybox</a:t>
-            </a:r>
-            <a:endParaRPr lang="en-US" dirty="0"/>
-          </a:p>
-        </p:txBody>
-      </p:sp>
-      <p:pic>
-        <p:nvPicPr>
-          <p:cNvPr id="2050" name="Picture 2" descr="C:\Users\TIEUNUN\Desktop\Sky Box.jpg"/>
-          <p:cNvPicPr>
-            <a:picLocks noChangeAspect="1" noChangeArrowheads="1"/>
-          </p:cNvPicPr>
-          <p:nvPr/>
-        </p:nvPicPr>
-        <p:blipFill>
-          <a:blip r:embed="rId2" cstate="print">
-            <a:extLst>
-              <a:ext uri="{28A0092B-C50C-407E-A947-70E740481C1C}">
-                <a14:useLocalDpi xmlns="" xmlns:a14="http://schemas.microsoft.com/office/drawing/2010/main" val="0"/>
-              </a:ext>
-            </a:extLst>
-          </a:blip>
-          <a:srcRect/>
-          <a:stretch>
-            <a:fillRect/>
-          </a:stretch>
-        </p:blipFill>
-        <p:spPr bwMode="auto">
-          <a:xfrm>
-            <a:off x="1024467" y="1447800"/>
-            <a:ext cx="5350933" cy="4013200"/>
-          </a:xfrm>
-          <a:prstGeom prst="rect">
-            <a:avLst/>
-          </a:prstGeom>
-          <a:noFill/>
-          <a:extLst>
-            <a:ext uri="{909E8E84-426E-40DD-AFC4-6F175D3DCCD1}">
-              <a14:hiddenFill xmlns="" xmlns:a14="http://schemas.microsoft.com/office/drawing/2010/main">
-                <a:solidFill>
-                  <a:srgbClr val="FFFFFF"/>
-                </a:solidFill>
-              </a14:hiddenFill>
-            </a:ext>
-          </a:extLst>
-        </p:spPr>
-      </p:pic>
-      <p:sp>
-        <p:nvSpPr>
-          <p:cNvPr id="5" name="Text Box 48"/>
-          <p:cNvSpPr txBox="1">
-            <a:spLocks noChangeArrowheads="1"/>
-          </p:cNvSpPr>
-          <p:nvPr/>
-        </p:nvSpPr>
-        <p:spPr bwMode="auto">
-          <a:xfrm>
-            <a:off x="5410200" y="2174240"/>
-            <a:ext cx="4724400" cy="1569660"/>
-          </a:xfrm>
-          <a:prstGeom prst="rect">
-            <a:avLst/>
-          </a:prstGeom>
-          <a:noFill/>
-          <a:ln w="9525" algn="ctr">
-            <a:noFill/>
-            <a:miter lim="800000"/>
-            <a:headEnd/>
-            <a:tailEnd/>
-          </a:ln>
-          <a:effectLst/>
-        </p:spPr>
-        <p:txBody>
-          <a:bodyPr wrap="square">
-            <a:spAutoFit/>
-          </a:bodyPr>
-          <a:lstStyle/>
-          <a:p>
-            <a:pPr algn="ctr" eaLnBrk="0" hangingPunct="0"/>
-            <a:r>
-              <a:rPr lang="en-US" sz="4800" b="1" dirty="0" smtClean="0">
-                <a:solidFill>
-                  <a:schemeClr val="accent2">
-                    <a:lumMod val="40000"/>
-                    <a:lumOff val="60000"/>
-                  </a:schemeClr>
-                </a:solidFill>
-              </a:rPr>
-              <a:t>Skybox </a:t>
-            </a:r>
-          </a:p>
-          <a:p>
-            <a:pPr algn="ctr" eaLnBrk="0" hangingPunct="0"/>
-            <a:r>
-              <a:rPr lang="en-US" sz="4800" b="1" dirty="0" smtClean="0">
-                <a:solidFill>
-                  <a:schemeClr val="accent2">
-                    <a:lumMod val="40000"/>
-                    <a:lumOff val="60000"/>
-                  </a:schemeClr>
-                </a:solidFill>
-              </a:rPr>
-              <a:t>là gì?</a:t>
-            </a:r>
-            <a:endParaRPr lang="en-US" sz="4800" b="1" dirty="0">
-              <a:solidFill>
-                <a:schemeClr val="accent2">
-                  <a:lumMod val="40000"/>
-                  <a:lumOff val="60000"/>
-                </a:schemeClr>
-              </a:solidFill>
-            </a:endParaRPr>
-          </a:p>
-        </p:txBody>
-      </p:sp>
-    </p:spTree>
-    <p:extLst>
-      <p:ext uri="{BB962C8B-B14F-4D97-AF65-F5344CB8AC3E}">
-        <p14:creationId xmlns="" xmlns:p14="http://schemas.microsoft.com/office/powerpoint/2010/main" val="3468988645"/>
-      </p:ext>
-    </p:extLst>
-  </p:cSld>
-  <p:clrMapOvr>
-    <a:masterClrMapping/>
-  </p:clrMapOvr>
-  <p:timing>
-    <p:tnLst>
-      <p:par>
-        <p:cTn id="1" dur="indefinite" restart="never" nodeType="tmRoot"/>
-      </p:par>
-    </p:tnLst>
-  </p:timing>
-</p:sld>
-</file>
-
-<file path=ppt/slides/slide28.xml><?xml version="1.0" encoding="utf-8"?>
-<p:sld xmlns:a="http://schemas.openxmlformats.org/drawingml/2006/main" xmlns:r="http://schemas.openxmlformats.org/officeDocument/2006/relationships" xmlns:p="http://schemas.openxmlformats.org/presentationml/2006/main">
-  <p:cSld>
-    <p:spTree>
-      <p:nvGrpSpPr>
-        <p:cNvPr id="1" name=""/>
-        <p:cNvGrpSpPr/>
-        <p:nvPr/>
-      </p:nvGrpSpPr>
-      <p:grpSpPr>
-        <a:xfrm>
-          <a:off x="0" y="0"/>
-          <a:ext cx="0" cy="0"/>
-          <a:chOff x="0" y="0"/>
-          <a:chExt cx="0" cy="0"/>
-        </a:xfrm>
-      </p:grpSpPr>
-      <p:sp>
-        <p:nvSpPr>
-          <p:cNvPr id="66562" name="Rectangle 2"/>
-          <p:cNvSpPr>
-            <a:spLocks noGrp="1" noChangeArrowheads="1"/>
-          </p:cNvSpPr>
-          <p:nvPr>
-            <p:ph type="title"/>
-          </p:nvPr>
-        </p:nvSpPr>
-        <p:spPr/>
-        <p:txBody>
-          <a:bodyPr/>
-          <a:lstStyle/>
-          <a:p>
-            <a:r>
-              <a:rPr lang="en-US" dirty="0" smtClean="0"/>
-              <a:t>Skybox</a:t>
-            </a:r>
-            <a:endParaRPr lang="en-US" dirty="0"/>
-          </a:p>
-        </p:txBody>
-      </p:sp>
-      <p:pic>
-        <p:nvPicPr>
-          <p:cNvPr id="3075" name="Picture 3" descr="C:\Users\TIEUNUN\Desktop\a2.jpg"/>
-          <p:cNvPicPr>
-            <a:picLocks noChangeAspect="1" noChangeArrowheads="1"/>
-          </p:cNvPicPr>
-          <p:nvPr/>
-        </p:nvPicPr>
-        <p:blipFill>
-          <a:blip r:embed="rId3">
-            <a:extLst>
-              <a:ext uri="{28A0092B-C50C-407E-A947-70E740481C1C}">
-                <a14:useLocalDpi xmlns="" xmlns:a14="http://schemas.microsoft.com/office/drawing/2010/main" val="0"/>
-              </a:ext>
-            </a:extLst>
-          </a:blip>
-          <a:srcRect/>
-          <a:stretch>
-            <a:fillRect/>
-          </a:stretch>
-        </p:blipFill>
-        <p:spPr bwMode="auto">
-          <a:xfrm>
-            <a:off x="4191000" y="3514585"/>
-            <a:ext cx="4953000" cy="2886215"/>
-          </a:xfrm>
-          <a:prstGeom prst="rect">
-            <a:avLst/>
-          </a:prstGeom>
-          <a:noFill/>
-          <a:extLst>
-            <a:ext uri="{909E8E84-426E-40DD-AFC4-6F175D3DCCD1}">
-              <a14:hiddenFill xmlns="" xmlns:a14="http://schemas.microsoft.com/office/drawing/2010/main">
-                <a:solidFill>
-                  <a:srgbClr val="FFFFFF"/>
-                </a:solidFill>
-              </a14:hiddenFill>
-            </a:ext>
-          </a:extLst>
-        </p:spPr>
-      </p:pic>
-      <p:pic>
-        <p:nvPicPr>
-          <p:cNvPr id="3076" name="Picture 4" descr="C:\Users\TIEUNUN\Desktop\a1.gif"/>
-          <p:cNvPicPr>
-            <a:picLocks noChangeAspect="1" noChangeArrowheads="1"/>
-          </p:cNvPicPr>
-          <p:nvPr/>
-        </p:nvPicPr>
-        <p:blipFill>
-          <a:blip r:embed="rId4">
-            <a:extLst>
-              <a:ext uri="{28A0092B-C50C-407E-A947-70E740481C1C}">
-                <a14:useLocalDpi xmlns="" xmlns:a14="http://schemas.microsoft.com/office/drawing/2010/main" val="0"/>
-              </a:ext>
-            </a:extLst>
-          </a:blip>
-          <a:srcRect/>
-          <a:stretch>
-            <a:fillRect/>
-          </a:stretch>
-        </p:blipFill>
-        <p:spPr bwMode="auto">
-          <a:xfrm>
-            <a:off x="5080" y="914399"/>
-            <a:ext cx="4462146" cy="2600185"/>
-          </a:xfrm>
-          <a:prstGeom prst="rect">
-            <a:avLst/>
-          </a:prstGeom>
-          <a:noFill/>
-          <a:extLst>
-            <a:ext uri="{909E8E84-426E-40DD-AFC4-6F175D3DCCD1}">
-              <a14:hiddenFill xmlns="" xmlns:a14="http://schemas.microsoft.com/office/drawing/2010/main">
-                <a:solidFill>
-                  <a:srgbClr val="FFFFFF"/>
-                </a:solidFill>
-              </a14:hiddenFill>
-            </a:ext>
-          </a:extLst>
-        </p:spPr>
-      </p:pic>
-      <p:sp>
-        <p:nvSpPr>
-          <p:cNvPr id="2" name="Right Arrow 1"/>
-          <p:cNvSpPr/>
-          <p:nvPr/>
-        </p:nvSpPr>
-        <p:spPr>
-          <a:xfrm>
-            <a:off x="1143000" y="4191000"/>
-            <a:ext cx="2286000" cy="1066800"/>
-          </a:xfrm>
-          <a:prstGeom prst="rightArrow">
-            <a:avLst/>
-          </a:prstGeom>
-          <a:solidFill>
-            <a:srgbClr val="FFC000"/>
-          </a:solidFill>
-        </p:spPr>
-        <p:style>
-          <a:lnRef idx="2">
-            <a:schemeClr val="accent1">
-              <a:shade val="50000"/>
-            </a:schemeClr>
-          </a:lnRef>
-          <a:fillRef idx="1">
-            <a:schemeClr val="accent1"/>
-          </a:fillRef>
-          <a:effectRef idx="0">
-            <a:schemeClr val="accent1"/>
-          </a:effectRef>
-          <a:fontRef idx="minor">
-            <a:schemeClr val="lt1"/>
-          </a:fontRef>
-        </p:style>
-        <p:txBody>
-          <a:bodyPr rtlCol="0" anchor="ctr"/>
-          <a:lstStyle/>
-          <a:p>
-            <a:pPr algn="ctr"/>
-            <a:endParaRPr lang="en-US">
-              <a:solidFill>
-                <a:srgbClr val="FF0000"/>
-              </a:solidFill>
-            </a:endParaRPr>
-          </a:p>
-        </p:txBody>
-      </p:sp>
-    </p:spTree>
-    <p:extLst>
-      <p:ext uri="{BB962C8B-B14F-4D97-AF65-F5344CB8AC3E}">
-        <p14:creationId xmlns="" xmlns:p14="http://schemas.microsoft.com/office/powerpoint/2010/main" val="3371586355"/>
-      </p:ext>
-    </p:extLst>
-  </p:cSld>
-  <p:clrMapOvr>
-    <a:masterClrMapping/>
-  </p:clrMapOvr>
-  <p:timing>
-    <p:tnLst>
-      <p:par>
-        <p:cTn id="1" dur="indefinite" restart="never" nodeType="tmRoot"/>
-      </p:par>
-    </p:tnLst>
-  </p:timing>
-</p:sld>
-</file>
-
-<file path=ppt/slides/slide29.xml><?xml version="1.0" encoding="utf-8"?>
-<p:sld xmlns:a="http://schemas.openxmlformats.org/drawingml/2006/main" xmlns:r="http://schemas.openxmlformats.org/officeDocument/2006/relationships" xmlns:p="http://schemas.openxmlformats.org/presentationml/2006/main">
-  <p:cSld>
-    <p:spTree>
-      <p:nvGrpSpPr>
-        <p:cNvPr id="1" name=""/>
-        <p:cNvGrpSpPr/>
-        <p:nvPr/>
-      </p:nvGrpSpPr>
-      <p:grpSpPr>
-        <a:xfrm>
-          <a:off x="0" y="0"/>
-          <a:ext cx="0" cy="0"/>
-          <a:chOff x="0" y="0"/>
-          <a:chExt cx="0" cy="0"/>
-        </a:xfrm>
-      </p:grpSpPr>
-      <p:sp>
-        <p:nvSpPr>
-          <p:cNvPr id="66562" name="Rectangle 2"/>
-          <p:cNvSpPr>
-            <a:spLocks noGrp="1" noChangeArrowheads="1"/>
-          </p:cNvSpPr>
-          <p:nvPr>
-            <p:ph type="title"/>
-          </p:nvPr>
-        </p:nvSpPr>
-        <p:spPr/>
-        <p:txBody>
-          <a:bodyPr/>
-          <a:lstStyle/>
-          <a:p>
-            <a:r>
-              <a:rPr lang="en-US" dirty="0" smtClean="0"/>
-              <a:t>Skybox</a:t>
-            </a:r>
-            <a:endParaRPr lang="en-US" dirty="0"/>
-          </a:p>
-        </p:txBody>
-      </p:sp>
-      <p:pic>
-        <p:nvPicPr>
-          <p:cNvPr id="2051" name="Picture 3" descr="C:\Users\TIEUNUN\Desktop\Graphics - Skybox.png"/>
-          <p:cNvPicPr>
-            <a:picLocks noChangeAspect="1" noChangeArrowheads="1"/>
-          </p:cNvPicPr>
-          <p:nvPr/>
-        </p:nvPicPr>
-        <p:blipFill>
-          <a:blip r:embed="rId2">
-            <a:extLst>
-              <a:ext uri="{28A0092B-C50C-407E-A947-70E740481C1C}">
-                <a14:useLocalDpi xmlns="" xmlns:a14="http://schemas.microsoft.com/office/drawing/2010/main" val="0"/>
-              </a:ext>
-            </a:extLst>
-          </a:blip>
-          <a:srcRect/>
-          <a:stretch>
-            <a:fillRect/>
-          </a:stretch>
-        </p:blipFill>
-        <p:spPr bwMode="auto">
-          <a:xfrm>
-            <a:off x="1295400" y="1209040"/>
-            <a:ext cx="6168808" cy="4734560"/>
-          </a:xfrm>
-          <a:prstGeom prst="rect">
-            <a:avLst/>
-          </a:prstGeom>
-          <a:noFill/>
-          <a:extLst>
-            <a:ext uri="{909E8E84-426E-40DD-AFC4-6F175D3DCCD1}">
-              <a14:hiddenFill xmlns="" xmlns:a14="http://schemas.microsoft.com/office/drawing/2010/main">
-                <a:solidFill>
-                  <a:srgbClr val="FFFFFF"/>
-                </a:solidFill>
-              </a14:hiddenFill>
-            </a:ext>
-          </a:extLst>
-        </p:spPr>
-      </p:pic>
-    </p:spTree>
-    <p:extLst>
-      <p:ext uri="{BB962C8B-B14F-4D97-AF65-F5344CB8AC3E}">
-        <p14:creationId xmlns="" xmlns:p14="http://schemas.microsoft.com/office/powerpoint/2010/main" val="4283814667"/>
-      </p:ext>
-    </p:extLst>
   </p:cSld>
   <p:clrMapOvr>
     <a:masterClrMapping/>
@@ -31257,6 +31963,465 @@
       </p:grpSpPr>
       <p:sp>
         <p:nvSpPr>
+          <p:cNvPr id="66562" name="Rectangle 2"/>
+          <p:cNvSpPr>
+            <a:spLocks noGrp="1" noChangeArrowheads="1"/>
+          </p:cNvSpPr>
+          <p:nvPr>
+            <p:ph type="title"/>
+          </p:nvPr>
+        </p:nvSpPr>
+        <p:spPr/>
+        <p:txBody>
+          <a:bodyPr/>
+          <a:lstStyle/>
+          <a:p>
+            <a:r>
+              <a:rPr lang="en-US" dirty="0" smtClean="0"/>
+              <a:t>Skybox</a:t>
+            </a:r>
+            <a:endParaRPr lang="en-US" dirty="0"/>
+          </a:p>
+        </p:txBody>
+      </p:sp>
+      <p:pic>
+        <p:nvPicPr>
+          <p:cNvPr id="2050" name="Picture 2" descr="C:\Users\TIEUNUN\Desktop\Sky Box.jpg"/>
+          <p:cNvPicPr>
+            <a:picLocks noChangeAspect="1" noChangeArrowheads="1"/>
+          </p:cNvPicPr>
+          <p:nvPr/>
+        </p:nvPicPr>
+        <p:blipFill>
+          <a:blip r:embed="rId2" cstate="print">
+            <a:extLst>
+              <a:ext uri="{28A0092B-C50C-407E-A947-70E740481C1C}">
+                <a14:useLocalDpi xmlns:a14="http://schemas.microsoft.com/office/drawing/2010/main" val="0"/>
+              </a:ext>
+            </a:extLst>
+          </a:blip>
+          <a:srcRect/>
+          <a:stretch>
+            <a:fillRect/>
+          </a:stretch>
+        </p:blipFill>
+        <p:spPr bwMode="auto">
+          <a:xfrm>
+            <a:off x="1024467" y="1447800"/>
+            <a:ext cx="5350933" cy="4013200"/>
+          </a:xfrm>
+          <a:prstGeom prst="rect">
+            <a:avLst/>
+          </a:prstGeom>
+          <a:noFill/>
+          <a:extLst>
+            <a:ext uri="{909E8E84-426E-40DD-AFC4-6F175D3DCCD1}">
+              <a14:hiddenFill xmlns:a14="http://schemas.microsoft.com/office/drawing/2010/main">
+                <a:solidFill>
+                  <a:srgbClr val="FFFFFF"/>
+                </a:solidFill>
+              </a14:hiddenFill>
+            </a:ext>
+          </a:extLst>
+        </p:spPr>
+      </p:pic>
+      <p:sp>
+        <p:nvSpPr>
+          <p:cNvPr id="5" name="Text Box 48"/>
+          <p:cNvSpPr txBox="1">
+            <a:spLocks noChangeArrowheads="1"/>
+          </p:cNvSpPr>
+          <p:nvPr/>
+        </p:nvSpPr>
+        <p:spPr bwMode="auto">
+          <a:xfrm>
+            <a:off x="5410200" y="2174240"/>
+            <a:ext cx="4724400" cy="1569660"/>
+          </a:xfrm>
+          <a:prstGeom prst="rect">
+            <a:avLst/>
+          </a:prstGeom>
+          <a:noFill/>
+          <a:ln w="9525" algn="ctr">
+            <a:noFill/>
+            <a:miter lim="800000"/>
+            <a:headEnd/>
+            <a:tailEnd/>
+          </a:ln>
+          <a:effectLst/>
+        </p:spPr>
+        <p:txBody>
+          <a:bodyPr wrap="square">
+            <a:spAutoFit/>
+          </a:bodyPr>
+          <a:lstStyle/>
+          <a:p>
+            <a:pPr algn="ctr" eaLnBrk="0" hangingPunct="0"/>
+            <a:r>
+              <a:rPr lang="en-US" sz="4800" b="1" dirty="0" smtClean="0">
+                <a:solidFill>
+                  <a:schemeClr val="accent2">
+                    <a:lumMod val="40000"/>
+                    <a:lumOff val="60000"/>
+                  </a:schemeClr>
+                </a:solidFill>
+              </a:rPr>
+              <a:t>Skybox </a:t>
+            </a:r>
+          </a:p>
+          <a:p>
+            <a:pPr algn="ctr" eaLnBrk="0" hangingPunct="0"/>
+            <a:r>
+              <a:rPr lang="en-US" sz="4800" b="1" dirty="0" smtClean="0">
+                <a:solidFill>
+                  <a:schemeClr val="accent2">
+                    <a:lumMod val="40000"/>
+                    <a:lumOff val="60000"/>
+                  </a:schemeClr>
+                </a:solidFill>
+              </a:rPr>
+              <a:t>là gì?</a:t>
+            </a:r>
+            <a:endParaRPr lang="en-US" sz="4800" b="1" dirty="0">
+              <a:solidFill>
+                <a:schemeClr val="accent2">
+                  <a:lumMod val="40000"/>
+                  <a:lumOff val="60000"/>
+                </a:schemeClr>
+              </a:solidFill>
+            </a:endParaRPr>
+          </a:p>
+        </p:txBody>
+      </p:sp>
+    </p:spTree>
+    <p:extLst>
+      <p:ext uri="{BB962C8B-B14F-4D97-AF65-F5344CB8AC3E}">
+        <p14:creationId xmlns:p14="http://schemas.microsoft.com/office/powerpoint/2010/main" val="3468988645"/>
+      </p:ext>
+    </p:extLst>
+  </p:cSld>
+  <p:clrMapOvr>
+    <a:masterClrMapping/>
+  </p:clrMapOvr>
+  <p:timing>
+    <p:tnLst>
+      <p:par>
+        <p:cTn id="1" dur="indefinite" restart="never" nodeType="tmRoot"/>
+      </p:par>
+    </p:tnLst>
+  </p:timing>
+</p:sld>
+</file>
+
+<file path=ppt/slides/slide31.xml><?xml version="1.0" encoding="utf-8"?>
+<p:sld xmlns:a="http://schemas.openxmlformats.org/drawingml/2006/main" xmlns:r="http://schemas.openxmlformats.org/officeDocument/2006/relationships" xmlns:p="http://schemas.openxmlformats.org/presentationml/2006/main">
+  <p:cSld>
+    <p:spTree>
+      <p:nvGrpSpPr>
+        <p:cNvPr id="1" name=""/>
+        <p:cNvGrpSpPr/>
+        <p:nvPr/>
+      </p:nvGrpSpPr>
+      <p:grpSpPr>
+        <a:xfrm>
+          <a:off x="0" y="0"/>
+          <a:ext cx="0" cy="0"/>
+          <a:chOff x="0" y="0"/>
+          <a:chExt cx="0" cy="0"/>
+        </a:xfrm>
+      </p:grpSpPr>
+      <p:sp>
+        <p:nvSpPr>
+          <p:cNvPr id="66562" name="Rectangle 2"/>
+          <p:cNvSpPr>
+            <a:spLocks noGrp="1" noChangeArrowheads="1"/>
+          </p:cNvSpPr>
+          <p:nvPr>
+            <p:ph type="title"/>
+          </p:nvPr>
+        </p:nvSpPr>
+        <p:spPr/>
+        <p:txBody>
+          <a:bodyPr/>
+          <a:lstStyle/>
+          <a:p>
+            <a:r>
+              <a:rPr lang="en-US" dirty="0" smtClean="0"/>
+              <a:t>Skybox</a:t>
+            </a:r>
+            <a:endParaRPr lang="en-US" dirty="0"/>
+          </a:p>
+        </p:txBody>
+      </p:sp>
+      <p:pic>
+        <p:nvPicPr>
+          <p:cNvPr id="3075" name="Picture 3" descr="C:\Users\TIEUNUN\Desktop\a2.jpg"/>
+          <p:cNvPicPr>
+            <a:picLocks noChangeAspect="1" noChangeArrowheads="1"/>
+          </p:cNvPicPr>
+          <p:nvPr/>
+        </p:nvPicPr>
+        <p:blipFill>
+          <a:blip r:embed="rId3">
+            <a:extLst>
+              <a:ext uri="{28A0092B-C50C-407E-A947-70E740481C1C}">
+                <a14:useLocalDpi xmlns:a14="http://schemas.microsoft.com/office/drawing/2010/main" val="0"/>
+              </a:ext>
+            </a:extLst>
+          </a:blip>
+          <a:srcRect/>
+          <a:stretch>
+            <a:fillRect/>
+          </a:stretch>
+        </p:blipFill>
+        <p:spPr bwMode="auto">
+          <a:xfrm>
+            <a:off x="4191000" y="3514585"/>
+            <a:ext cx="4953000" cy="2886215"/>
+          </a:xfrm>
+          <a:prstGeom prst="rect">
+            <a:avLst/>
+          </a:prstGeom>
+          <a:noFill/>
+          <a:extLst>
+            <a:ext uri="{909E8E84-426E-40DD-AFC4-6F175D3DCCD1}">
+              <a14:hiddenFill xmlns:a14="http://schemas.microsoft.com/office/drawing/2010/main">
+                <a:solidFill>
+                  <a:srgbClr val="FFFFFF"/>
+                </a:solidFill>
+              </a14:hiddenFill>
+            </a:ext>
+          </a:extLst>
+        </p:spPr>
+      </p:pic>
+      <p:pic>
+        <p:nvPicPr>
+          <p:cNvPr id="3076" name="Picture 4" descr="C:\Users\TIEUNUN\Desktop\a1.gif"/>
+          <p:cNvPicPr>
+            <a:picLocks noChangeAspect="1" noChangeArrowheads="1"/>
+          </p:cNvPicPr>
+          <p:nvPr/>
+        </p:nvPicPr>
+        <p:blipFill>
+          <a:blip r:embed="rId4">
+            <a:extLst>
+              <a:ext uri="{28A0092B-C50C-407E-A947-70E740481C1C}">
+                <a14:useLocalDpi xmlns:a14="http://schemas.microsoft.com/office/drawing/2010/main" val="0"/>
+              </a:ext>
+            </a:extLst>
+          </a:blip>
+          <a:srcRect/>
+          <a:stretch>
+            <a:fillRect/>
+          </a:stretch>
+        </p:blipFill>
+        <p:spPr bwMode="auto">
+          <a:xfrm>
+            <a:off x="5080" y="914399"/>
+            <a:ext cx="4462146" cy="2600185"/>
+          </a:xfrm>
+          <a:prstGeom prst="rect">
+            <a:avLst/>
+          </a:prstGeom>
+          <a:noFill/>
+          <a:extLst>
+            <a:ext uri="{909E8E84-426E-40DD-AFC4-6F175D3DCCD1}">
+              <a14:hiddenFill xmlns:a14="http://schemas.microsoft.com/office/drawing/2010/main">
+                <a:solidFill>
+                  <a:srgbClr val="FFFFFF"/>
+                </a:solidFill>
+              </a14:hiddenFill>
+            </a:ext>
+          </a:extLst>
+        </p:spPr>
+      </p:pic>
+      <p:sp>
+        <p:nvSpPr>
+          <p:cNvPr id="2" name="Right Arrow 1"/>
+          <p:cNvSpPr/>
+          <p:nvPr/>
+        </p:nvSpPr>
+        <p:spPr>
+          <a:xfrm>
+            <a:off x="1143000" y="4191000"/>
+            <a:ext cx="2286000" cy="1066800"/>
+          </a:xfrm>
+          <a:prstGeom prst="rightArrow">
+            <a:avLst/>
+          </a:prstGeom>
+          <a:solidFill>
+            <a:srgbClr val="FFC000"/>
+          </a:solidFill>
+        </p:spPr>
+        <p:style>
+          <a:lnRef idx="2">
+            <a:schemeClr val="accent1">
+              <a:shade val="50000"/>
+            </a:schemeClr>
+          </a:lnRef>
+          <a:fillRef idx="1">
+            <a:schemeClr val="accent1"/>
+          </a:fillRef>
+          <a:effectRef idx="0">
+            <a:schemeClr val="accent1"/>
+          </a:effectRef>
+          <a:fontRef idx="minor">
+            <a:schemeClr val="lt1"/>
+          </a:fontRef>
+        </p:style>
+        <p:txBody>
+          <a:bodyPr rtlCol="0" anchor="ctr"/>
+          <a:lstStyle/>
+          <a:p>
+            <a:pPr algn="ctr"/>
+            <a:endParaRPr lang="en-US">
+              <a:solidFill>
+                <a:srgbClr val="FF0000"/>
+              </a:solidFill>
+            </a:endParaRPr>
+          </a:p>
+        </p:txBody>
+      </p:sp>
+    </p:spTree>
+    <p:extLst>
+      <p:ext uri="{BB962C8B-B14F-4D97-AF65-F5344CB8AC3E}">
+        <p14:creationId xmlns:p14="http://schemas.microsoft.com/office/powerpoint/2010/main" val="3371586355"/>
+      </p:ext>
+    </p:extLst>
+  </p:cSld>
+  <p:clrMapOvr>
+    <a:masterClrMapping/>
+  </p:clrMapOvr>
+  <p:timing>
+    <p:tnLst>
+      <p:par>
+        <p:cTn id="1" dur="indefinite" restart="never" nodeType="tmRoot"/>
+      </p:par>
+    </p:tnLst>
+  </p:timing>
+</p:sld>
+</file>
+
+<file path=ppt/slides/slide32.xml><?xml version="1.0" encoding="utf-8"?>
+<p:sld xmlns:a="http://schemas.openxmlformats.org/drawingml/2006/main" xmlns:r="http://schemas.openxmlformats.org/officeDocument/2006/relationships" xmlns:p="http://schemas.openxmlformats.org/presentationml/2006/main">
+  <p:cSld>
+    <p:spTree>
+      <p:nvGrpSpPr>
+        <p:cNvPr id="1" name=""/>
+        <p:cNvGrpSpPr/>
+        <p:nvPr/>
+      </p:nvGrpSpPr>
+      <p:grpSpPr>
+        <a:xfrm>
+          <a:off x="0" y="0"/>
+          <a:ext cx="0" cy="0"/>
+          <a:chOff x="0" y="0"/>
+          <a:chExt cx="0" cy="0"/>
+        </a:xfrm>
+      </p:grpSpPr>
+      <p:sp>
+        <p:nvSpPr>
+          <p:cNvPr id="66562" name="Rectangle 2"/>
+          <p:cNvSpPr>
+            <a:spLocks noGrp="1" noChangeArrowheads="1"/>
+          </p:cNvSpPr>
+          <p:nvPr>
+            <p:ph type="title"/>
+          </p:nvPr>
+        </p:nvSpPr>
+        <p:spPr/>
+        <p:txBody>
+          <a:bodyPr/>
+          <a:lstStyle/>
+          <a:p>
+            <a:r>
+              <a:rPr lang="en-US" dirty="0" smtClean="0"/>
+              <a:t>Skybox</a:t>
+            </a:r>
+            <a:endParaRPr lang="en-US" dirty="0"/>
+          </a:p>
+        </p:txBody>
+      </p:sp>
+      <p:pic>
+        <p:nvPicPr>
+          <p:cNvPr id="2051" name="Picture 3" descr="C:\Users\TIEUNUN\Desktop\Graphics - Skybox.png"/>
+          <p:cNvPicPr>
+            <a:picLocks noChangeAspect="1" noChangeArrowheads="1"/>
+          </p:cNvPicPr>
+          <p:nvPr/>
+        </p:nvPicPr>
+        <p:blipFill>
+          <a:blip r:embed="rId2">
+            <a:extLst>
+              <a:ext uri="{28A0092B-C50C-407E-A947-70E740481C1C}">
+                <a14:useLocalDpi xmlns:a14="http://schemas.microsoft.com/office/drawing/2010/main" val="0"/>
+              </a:ext>
+            </a:extLst>
+          </a:blip>
+          <a:srcRect/>
+          <a:stretch>
+            <a:fillRect/>
+          </a:stretch>
+        </p:blipFill>
+        <p:spPr bwMode="auto">
+          <a:xfrm>
+            <a:off x="1295400" y="1209040"/>
+            <a:ext cx="6168808" cy="4734560"/>
+          </a:xfrm>
+          <a:prstGeom prst="rect">
+            <a:avLst/>
+          </a:prstGeom>
+          <a:noFill/>
+          <a:extLst>
+            <a:ext uri="{909E8E84-426E-40DD-AFC4-6F175D3DCCD1}">
+              <a14:hiddenFill xmlns:a14="http://schemas.microsoft.com/office/drawing/2010/main">
+                <a:solidFill>
+                  <a:srgbClr val="FFFFFF"/>
+                </a:solidFill>
+              </a14:hiddenFill>
+            </a:ext>
+          </a:extLst>
+        </p:spPr>
+      </p:pic>
+    </p:spTree>
+    <p:extLst>
+      <p:ext uri="{BB962C8B-B14F-4D97-AF65-F5344CB8AC3E}">
+        <p14:creationId xmlns:p14="http://schemas.microsoft.com/office/powerpoint/2010/main" val="4283814667"/>
+      </p:ext>
+    </p:extLst>
+  </p:cSld>
+  <p:clrMapOvr>
+    <a:masterClrMapping/>
+  </p:clrMapOvr>
+  <p:timing>
+    <p:tnLst>
+      <p:par>
+        <p:cTn id="1" dur="indefinite" restart="never" nodeType="tmRoot"/>
+      </p:par>
+    </p:tnLst>
+  </p:timing>
+</p:sld>
+</file>
+
+<file path=ppt/slides/slide33.xml><?xml version="1.0" encoding="utf-8"?>
+<p:sld xmlns:a="http://schemas.openxmlformats.org/drawingml/2006/main" xmlns:r="http://schemas.openxmlformats.org/officeDocument/2006/relationships" xmlns:p="http://schemas.openxmlformats.org/presentationml/2006/main">
+  <p:cSld>
+    <p:spTree>
+      <p:nvGrpSpPr>
+        <p:cNvPr id="1" name=""/>
+        <p:cNvGrpSpPr/>
+        <p:nvPr/>
+      </p:nvGrpSpPr>
+      <p:grpSpPr>
+        <a:xfrm>
+          <a:off x="0" y="0"/>
+          <a:ext cx="0" cy="0"/>
+          <a:chOff x="0" y="0"/>
+          <a:chExt cx="0" cy="0"/>
+        </a:xfrm>
+      </p:grpSpPr>
+      <p:sp>
+        <p:nvSpPr>
           <p:cNvPr id="65538" name="Rectangle 2"/>
           <p:cNvSpPr>
             <a:spLocks noGrp="1" noChangeArrowheads="1"/>
@@ -31899,7 +33064,7 @@
 </p:sld>
 </file>
 
-<file path=ppt/slides/slide31.xml><?xml version="1.0" encoding="utf-8"?>
+<file path=ppt/slides/slide34.xml><?xml version="1.0" encoding="utf-8"?>
 <p:sld xmlns:a="http://schemas.openxmlformats.org/drawingml/2006/main" xmlns:r="http://schemas.openxmlformats.org/officeDocument/2006/relationships" xmlns:p="http://schemas.openxmlformats.org/presentationml/2006/main">
   <p:cSld>
     <p:spTree>
@@ -32003,336 +33168,6 @@
 </p:sld>
 </file>
 
-<file path=ppt/slides/slide32.xml><?xml version="1.0" encoding="utf-8"?>
-<p:sld xmlns:a="http://schemas.openxmlformats.org/drawingml/2006/main" xmlns:r="http://schemas.openxmlformats.org/officeDocument/2006/relationships" xmlns:p="http://schemas.openxmlformats.org/presentationml/2006/main">
-  <p:cSld>
-    <p:spTree>
-      <p:nvGrpSpPr>
-        <p:cNvPr id="1" name=""/>
-        <p:cNvGrpSpPr/>
-        <p:nvPr/>
-      </p:nvGrpSpPr>
-      <p:grpSpPr>
-        <a:xfrm>
-          <a:off x="0" y="0"/>
-          <a:ext cx="0" cy="0"/>
-          <a:chOff x="0" y="0"/>
-          <a:chExt cx="0" cy="0"/>
-        </a:xfrm>
-      </p:grpSpPr>
-      <p:sp>
-        <p:nvSpPr>
-          <p:cNvPr id="2" name="Title 1"/>
-          <p:cNvSpPr>
-            <a:spLocks noGrp="1"/>
-          </p:cNvSpPr>
-          <p:nvPr>
-            <p:ph type="title"/>
-          </p:nvPr>
-        </p:nvSpPr>
-        <p:spPr/>
-        <p:txBody>
-          <a:bodyPr/>
-          <a:lstStyle/>
-          <a:p>
-            <a:r>
-              <a:rPr lang="en-US" dirty="0" smtClean="0"/>
-              <a:t>Model</a:t>
-            </a:r>
-            <a:endParaRPr lang="en-US" dirty="0"/>
-          </a:p>
-        </p:txBody>
-      </p:sp>
-      <p:sp>
-        <p:nvSpPr>
-          <p:cNvPr id="3" name="Content Placeholder 2"/>
-          <p:cNvSpPr>
-            <a:spLocks noGrp="1"/>
-          </p:cNvSpPr>
-          <p:nvPr>
-            <p:ph idx="1"/>
-          </p:nvPr>
-        </p:nvSpPr>
-        <p:spPr/>
-        <p:txBody>
-          <a:bodyPr/>
-          <a:lstStyle/>
-          <a:p>
-            <a:r>
-              <a:rPr lang="en-US" dirty="0" smtClean="0"/>
-              <a:t>Có nhiều nhà phát triển, với rất nhiều định dạng khác nhau</a:t>
-            </a:r>
-          </a:p>
-          <a:p>
-            <a:r>
-              <a:rPr lang="en-US" dirty="0" smtClean="0"/>
-              <a:t>max, 3ds, fbx, 3dm, dxf, md2, obj, c4d, gmax, ...</a:t>
-            </a:r>
-          </a:p>
-          <a:p>
-            <a:endParaRPr lang="en-US" dirty="0" smtClean="0"/>
-          </a:p>
-          <a:p>
-            <a:r>
-              <a:rPr lang="en-US" dirty="0" smtClean="0"/>
-              <a:t>Demo: nfg, obj, md2</a:t>
-            </a:r>
-          </a:p>
-        </p:txBody>
-      </p:sp>
-    </p:spTree>
-  </p:cSld>
-  <p:clrMapOvr>
-    <a:masterClrMapping/>
-  </p:clrMapOvr>
-</p:sld>
-</file>
-
-<file path=ppt/slides/slide33.xml><?xml version="1.0" encoding="utf-8"?>
-<p:sld xmlns:a="http://schemas.openxmlformats.org/drawingml/2006/main" xmlns:r="http://schemas.openxmlformats.org/officeDocument/2006/relationships" xmlns:p="http://schemas.openxmlformats.org/presentationml/2006/main">
-  <p:cSld>
-    <p:spTree>
-      <p:nvGrpSpPr>
-        <p:cNvPr id="1" name=""/>
-        <p:cNvGrpSpPr/>
-        <p:nvPr/>
-      </p:nvGrpSpPr>
-      <p:grpSpPr>
-        <a:xfrm>
-          <a:off x="0" y="0"/>
-          <a:ext cx="0" cy="0"/>
-          <a:chOff x="0" y="0"/>
-          <a:chExt cx="0" cy="0"/>
-        </a:xfrm>
-      </p:grpSpPr>
-      <p:sp>
-        <p:nvSpPr>
-          <p:cNvPr id="2" name="Title 1"/>
-          <p:cNvSpPr>
-            <a:spLocks noGrp="1"/>
-          </p:cNvSpPr>
-          <p:nvPr>
-            <p:ph type="title"/>
-          </p:nvPr>
-        </p:nvSpPr>
-        <p:spPr/>
-        <p:txBody>
-          <a:bodyPr/>
-          <a:lstStyle/>
-          <a:p>
-            <a:r>
-              <a:rPr lang="en-US" dirty="0" smtClean="0"/>
-              <a:t>Model NFG</a:t>
-            </a:r>
-            <a:endParaRPr lang="en-US" dirty="0"/>
-          </a:p>
-        </p:txBody>
-      </p:sp>
-      <p:sp>
-        <p:nvSpPr>
-          <p:cNvPr id="3" name="Content Placeholder 2"/>
-          <p:cNvSpPr>
-            <a:spLocks noGrp="1"/>
-          </p:cNvSpPr>
-          <p:nvPr>
-            <p:ph idx="1"/>
-          </p:nvPr>
-        </p:nvSpPr>
-        <p:spPr/>
-        <p:txBody>
-          <a:bodyPr/>
-          <a:lstStyle/>
-          <a:p>
-            <a:r>
-              <a:rPr lang="en-US" dirty="0" smtClean="0"/>
-              <a:t>NFG</a:t>
-            </a:r>
-          </a:p>
-          <a:p>
-            <a:pPr lvl="1"/>
-            <a:r>
-              <a:rPr lang="en-US" dirty="0" smtClean="0"/>
-              <a:t>*.nfg</a:t>
-            </a:r>
-          </a:p>
-          <a:p>
-            <a:pPr lvl="1"/>
-            <a:r>
-              <a:rPr lang="en-US" dirty="0" smtClean="0"/>
-              <a:t>Từ GameLoft</a:t>
-            </a:r>
-          </a:p>
-          <a:p>
-            <a:pPr lvl="1"/>
-            <a:r>
-              <a:rPr lang="en-US" dirty="0" smtClean="0"/>
-              <a:t>Định dạng file khá đơn giản</a:t>
-            </a:r>
-          </a:p>
-          <a:p>
-            <a:pPr lvl="1"/>
-            <a:r>
-              <a:rPr lang="en-US" dirty="0" smtClean="0"/>
-              <a:t>Dùng cho các đối tượng tĩnh</a:t>
-            </a:r>
-          </a:p>
-        </p:txBody>
-      </p:sp>
-    </p:spTree>
-  </p:cSld>
-  <p:clrMapOvr>
-    <a:masterClrMapping/>
-  </p:clrMapOvr>
-</p:sld>
-</file>
-
-<file path=ppt/slides/slide34.xml><?xml version="1.0" encoding="utf-8"?>
-<p:sld xmlns:a="http://schemas.openxmlformats.org/drawingml/2006/main" xmlns:r="http://schemas.openxmlformats.org/officeDocument/2006/relationships" xmlns:p="http://schemas.openxmlformats.org/presentationml/2006/main">
-  <p:cSld>
-    <p:spTree>
-      <p:nvGrpSpPr>
-        <p:cNvPr id="1" name=""/>
-        <p:cNvGrpSpPr/>
-        <p:nvPr/>
-      </p:nvGrpSpPr>
-      <p:grpSpPr>
-        <a:xfrm>
-          <a:off x="0" y="0"/>
-          <a:ext cx="0" cy="0"/>
-          <a:chOff x="0" y="0"/>
-          <a:chExt cx="0" cy="0"/>
-        </a:xfrm>
-      </p:grpSpPr>
-      <p:sp>
-        <p:nvSpPr>
-          <p:cNvPr id="2" name="Title 1"/>
-          <p:cNvSpPr>
-            <a:spLocks noGrp="1"/>
-          </p:cNvSpPr>
-          <p:nvPr>
-            <p:ph type="title"/>
-          </p:nvPr>
-        </p:nvSpPr>
-        <p:spPr/>
-        <p:txBody>
-          <a:bodyPr/>
-          <a:lstStyle/>
-          <a:p>
-            <a:r>
-              <a:rPr lang="en-US" dirty="0" smtClean="0"/>
-              <a:t>Model OBJ</a:t>
-            </a:r>
-            <a:endParaRPr lang="en-US" dirty="0"/>
-          </a:p>
-        </p:txBody>
-      </p:sp>
-      <p:sp>
-        <p:nvSpPr>
-          <p:cNvPr id="3" name="Content Placeholder 2"/>
-          <p:cNvSpPr>
-            <a:spLocks noGrp="1"/>
-          </p:cNvSpPr>
-          <p:nvPr>
-            <p:ph idx="1"/>
-          </p:nvPr>
-        </p:nvSpPr>
-        <p:spPr/>
-        <p:txBody>
-          <a:bodyPr/>
-          <a:lstStyle/>
-          <a:p>
-            <a:r>
-              <a:rPr lang="en-US" dirty="0" smtClean="0"/>
-              <a:t>OBJ</a:t>
-            </a:r>
-          </a:p>
-          <a:p>
-            <a:pPr lvl="1"/>
-            <a:r>
-              <a:rPr lang="en-US" dirty="0" smtClean="0"/>
-              <a:t>*.obj</a:t>
-            </a:r>
-          </a:p>
-          <a:p>
-            <a:pPr lvl="1"/>
-            <a:r>
-              <a:rPr lang="en-US" dirty="0" smtClean="0"/>
-              <a:t>Static model</a:t>
-            </a:r>
-          </a:p>
-          <a:p>
-            <a:pPr lvl="1"/>
-            <a:r>
-              <a:rPr lang="en-US" b="1" dirty="0" smtClean="0"/>
-              <a:t>OBJ</a:t>
-            </a:r>
-            <a:r>
-              <a:rPr lang="en-US" dirty="0" smtClean="0"/>
-              <a:t> là một định dạng file hình học được phát triển lần đầu bởi </a:t>
-            </a:r>
-            <a:r>
-              <a:rPr lang="en-US" u="sng" dirty="0" smtClean="0">
-                <a:solidFill>
-                  <a:schemeClr val="accent5">
-                    <a:lumMod val="50000"/>
-                  </a:schemeClr>
-                </a:solidFill>
-              </a:rPr>
-              <a:t>Wavefront </a:t>
-            </a:r>
-            <a:r>
-              <a:rPr lang="en-US" u="sng" dirty="0" smtClean="0">
-                <a:solidFill>
-                  <a:schemeClr val="accent5">
-                    <a:lumMod val="50000"/>
-                  </a:schemeClr>
-                </a:solidFill>
-              </a:rPr>
-              <a:t>Technologies</a:t>
-            </a:r>
-            <a:r>
-              <a:rPr lang="en-US" dirty="0" smtClean="0"/>
-              <a:t> </a:t>
-            </a:r>
-            <a:r>
-              <a:rPr lang="en-US" dirty="0" smtClean="0"/>
-              <a:t>. Định dạng này mở và đã được sự chấp nhận của các nhà phát triển ứng dụng 3D.</a:t>
-            </a:r>
-          </a:p>
-          <a:p>
-            <a:pPr lvl="1"/>
-            <a:r>
-              <a:rPr lang="en-US" u="sng" dirty="0" smtClean="0">
-                <a:solidFill>
-                  <a:schemeClr val="accent5">
-                    <a:lumMod val="50000"/>
-                  </a:schemeClr>
-                </a:solidFill>
-              </a:rPr>
-              <a:t>http://en.wikipedia.org/wiki/Wavefront_.obj_file</a:t>
-            </a:r>
-            <a:endParaRPr lang="en-US" u="sng" dirty="0" smtClean="0">
-              <a:solidFill>
-                <a:schemeClr val="accent5">
-                  <a:lumMod val="50000"/>
-                </a:schemeClr>
-              </a:solidFill>
-            </a:endParaRPr>
-          </a:p>
-          <a:p>
-            <a:pPr lvl="1"/>
-            <a:endParaRPr lang="en-US" dirty="0"/>
-          </a:p>
-        </p:txBody>
-      </p:sp>
-    </p:spTree>
-  </p:cSld>
-  <p:clrMapOvr>
-    <a:masterClrMapping/>
-  </p:clrMapOvr>
-</p:sld>
-</file>
-
 <file path=ppt/slides/slide35.xml><?xml version="1.0" encoding="utf-8"?>
 <p:sld xmlns:a="http://schemas.openxmlformats.org/drawingml/2006/main" xmlns:r="http://schemas.openxmlformats.org/officeDocument/2006/relationships" xmlns:p="http://schemas.openxmlformats.org/presentationml/2006/main">
   <p:cSld>
@@ -32367,7 +33202,7 @@
           <a:p>
             <a:r>
               <a:rPr lang="en-US" dirty="0" smtClean="0"/>
-              <a:t>Model MD2</a:t>
+              <a:t>Model</a:t>
             </a:r>
             <a:endParaRPr lang="en-US" dirty="0"/>
           </a:p>
@@ -32390,6 +33225,315 @@
           <a:p>
             <a:r>
               <a:rPr lang="en-US" dirty="0" smtClean="0"/>
+              <a:t>Có nhiều nhà phát triển, với rất nhiều định dạng khác nhau</a:t>
+            </a:r>
+          </a:p>
+          <a:p>
+            <a:r>
+              <a:rPr lang="en-US" dirty="0" smtClean="0"/>
+              <a:t>max, 3ds, fbx, 3dm, dxf, md2, obj, c4d, gmax, ...</a:t>
+            </a:r>
+          </a:p>
+          <a:p>
+            <a:endParaRPr lang="en-US" dirty="0" smtClean="0"/>
+          </a:p>
+          <a:p>
+            <a:r>
+              <a:rPr lang="en-US" dirty="0" smtClean="0"/>
+              <a:t>Demo: nfg, obj, md2</a:t>
+            </a:r>
+          </a:p>
+        </p:txBody>
+      </p:sp>
+    </p:spTree>
+  </p:cSld>
+  <p:clrMapOvr>
+    <a:masterClrMapping/>
+  </p:clrMapOvr>
+</p:sld>
+</file>
+
+<file path=ppt/slides/slide36.xml><?xml version="1.0" encoding="utf-8"?>
+<p:sld xmlns:a="http://schemas.openxmlformats.org/drawingml/2006/main" xmlns:r="http://schemas.openxmlformats.org/officeDocument/2006/relationships" xmlns:p="http://schemas.openxmlformats.org/presentationml/2006/main">
+  <p:cSld>
+    <p:spTree>
+      <p:nvGrpSpPr>
+        <p:cNvPr id="1" name=""/>
+        <p:cNvGrpSpPr/>
+        <p:nvPr/>
+      </p:nvGrpSpPr>
+      <p:grpSpPr>
+        <a:xfrm>
+          <a:off x="0" y="0"/>
+          <a:ext cx="0" cy="0"/>
+          <a:chOff x="0" y="0"/>
+          <a:chExt cx="0" cy="0"/>
+        </a:xfrm>
+      </p:grpSpPr>
+      <p:sp>
+        <p:nvSpPr>
+          <p:cNvPr id="2" name="Title 1"/>
+          <p:cNvSpPr>
+            <a:spLocks noGrp="1"/>
+          </p:cNvSpPr>
+          <p:nvPr>
+            <p:ph type="title"/>
+          </p:nvPr>
+        </p:nvSpPr>
+        <p:spPr/>
+        <p:txBody>
+          <a:bodyPr/>
+          <a:lstStyle/>
+          <a:p>
+            <a:r>
+              <a:rPr lang="en-US" dirty="0" smtClean="0"/>
+              <a:t>Model NFG</a:t>
+            </a:r>
+            <a:endParaRPr lang="en-US" dirty="0"/>
+          </a:p>
+        </p:txBody>
+      </p:sp>
+      <p:sp>
+        <p:nvSpPr>
+          <p:cNvPr id="3" name="Content Placeholder 2"/>
+          <p:cNvSpPr>
+            <a:spLocks noGrp="1"/>
+          </p:cNvSpPr>
+          <p:nvPr>
+            <p:ph idx="1"/>
+          </p:nvPr>
+        </p:nvSpPr>
+        <p:spPr/>
+        <p:txBody>
+          <a:bodyPr/>
+          <a:lstStyle/>
+          <a:p>
+            <a:r>
+              <a:rPr lang="en-US" dirty="0" smtClean="0"/>
+              <a:t>NFG</a:t>
+            </a:r>
+          </a:p>
+          <a:p>
+            <a:pPr lvl="1"/>
+            <a:r>
+              <a:rPr lang="en-US" dirty="0" smtClean="0"/>
+              <a:t>*.nfg</a:t>
+            </a:r>
+          </a:p>
+          <a:p>
+            <a:pPr lvl="1"/>
+            <a:r>
+              <a:rPr lang="en-US" dirty="0" smtClean="0"/>
+              <a:t>Từ GameLoft</a:t>
+            </a:r>
+          </a:p>
+          <a:p>
+            <a:pPr lvl="1"/>
+            <a:r>
+              <a:rPr lang="en-US" dirty="0" smtClean="0"/>
+              <a:t>Định dạng file khá đơn giản</a:t>
+            </a:r>
+          </a:p>
+          <a:p>
+            <a:pPr lvl="1"/>
+            <a:r>
+              <a:rPr lang="en-US" dirty="0" smtClean="0"/>
+              <a:t>Dùng cho các đối tượng tĩnh</a:t>
+            </a:r>
+          </a:p>
+        </p:txBody>
+      </p:sp>
+    </p:spTree>
+  </p:cSld>
+  <p:clrMapOvr>
+    <a:masterClrMapping/>
+  </p:clrMapOvr>
+</p:sld>
+</file>
+
+<file path=ppt/slides/slide37.xml><?xml version="1.0" encoding="utf-8"?>
+<p:sld xmlns:a="http://schemas.openxmlformats.org/drawingml/2006/main" xmlns:r="http://schemas.openxmlformats.org/officeDocument/2006/relationships" xmlns:p="http://schemas.openxmlformats.org/presentationml/2006/main">
+  <p:cSld>
+    <p:spTree>
+      <p:nvGrpSpPr>
+        <p:cNvPr id="1" name=""/>
+        <p:cNvGrpSpPr/>
+        <p:nvPr/>
+      </p:nvGrpSpPr>
+      <p:grpSpPr>
+        <a:xfrm>
+          <a:off x="0" y="0"/>
+          <a:ext cx="0" cy="0"/>
+          <a:chOff x="0" y="0"/>
+          <a:chExt cx="0" cy="0"/>
+        </a:xfrm>
+      </p:grpSpPr>
+      <p:sp>
+        <p:nvSpPr>
+          <p:cNvPr id="2" name="Title 1"/>
+          <p:cNvSpPr>
+            <a:spLocks noGrp="1"/>
+          </p:cNvSpPr>
+          <p:nvPr>
+            <p:ph type="title"/>
+          </p:nvPr>
+        </p:nvSpPr>
+        <p:spPr/>
+        <p:txBody>
+          <a:bodyPr/>
+          <a:lstStyle/>
+          <a:p>
+            <a:r>
+              <a:rPr lang="en-US" dirty="0" smtClean="0"/>
+              <a:t>Model OBJ</a:t>
+            </a:r>
+            <a:endParaRPr lang="en-US" dirty="0"/>
+          </a:p>
+        </p:txBody>
+      </p:sp>
+      <p:sp>
+        <p:nvSpPr>
+          <p:cNvPr id="3" name="Content Placeholder 2"/>
+          <p:cNvSpPr>
+            <a:spLocks noGrp="1"/>
+          </p:cNvSpPr>
+          <p:nvPr>
+            <p:ph idx="1"/>
+          </p:nvPr>
+        </p:nvSpPr>
+        <p:spPr/>
+        <p:txBody>
+          <a:bodyPr/>
+          <a:lstStyle/>
+          <a:p>
+            <a:r>
+              <a:rPr lang="en-US" dirty="0" smtClean="0"/>
+              <a:t>OBJ</a:t>
+            </a:r>
+          </a:p>
+          <a:p>
+            <a:pPr lvl="1"/>
+            <a:r>
+              <a:rPr lang="en-US" dirty="0" smtClean="0"/>
+              <a:t>*.obj</a:t>
+            </a:r>
+          </a:p>
+          <a:p>
+            <a:pPr lvl="1"/>
+            <a:r>
+              <a:rPr lang="en-US" dirty="0" smtClean="0"/>
+              <a:t>Static model</a:t>
+            </a:r>
+          </a:p>
+          <a:p>
+            <a:pPr lvl="1"/>
+            <a:r>
+              <a:rPr lang="en-US" b="1" dirty="0" smtClean="0"/>
+              <a:t>OBJ</a:t>
+            </a:r>
+            <a:r>
+              <a:rPr lang="en-US" dirty="0" smtClean="0"/>
+              <a:t> là một định dạng file hình học được phát triển lần đầu bởi </a:t>
+            </a:r>
+            <a:r>
+              <a:rPr lang="en-US" u="sng" dirty="0" smtClean="0">
+                <a:solidFill>
+                  <a:schemeClr val="accent5">
+                    <a:lumMod val="50000"/>
+                  </a:schemeClr>
+                </a:solidFill>
+              </a:rPr>
+              <a:t>Wavefront Technologies</a:t>
+            </a:r>
+            <a:r>
+              <a:rPr lang="en-US" dirty="0" smtClean="0"/>
+              <a:t> . Định dạng này mở và đã được sự chấp nhận của các nhà phát triển ứng dụng 3D.</a:t>
+            </a:r>
+          </a:p>
+          <a:p>
+            <a:pPr lvl="1"/>
+            <a:r>
+              <a:rPr lang="en-US" u="sng" dirty="0" smtClean="0">
+                <a:solidFill>
+                  <a:schemeClr val="accent5">
+                    <a:lumMod val="50000"/>
+                  </a:schemeClr>
+                </a:solidFill>
+              </a:rPr>
+              <a:t>http://en.wikipedia.org/wiki/Wavefront_.obj_file</a:t>
+            </a:r>
+          </a:p>
+          <a:p>
+            <a:pPr lvl="1"/>
+            <a:endParaRPr lang="en-US" dirty="0"/>
+          </a:p>
+        </p:txBody>
+      </p:sp>
+    </p:spTree>
+  </p:cSld>
+  <p:clrMapOvr>
+    <a:masterClrMapping/>
+  </p:clrMapOvr>
+</p:sld>
+</file>
+
+<file path=ppt/slides/slide38.xml><?xml version="1.0" encoding="utf-8"?>
+<p:sld xmlns:a="http://schemas.openxmlformats.org/drawingml/2006/main" xmlns:r="http://schemas.openxmlformats.org/officeDocument/2006/relationships" xmlns:p="http://schemas.openxmlformats.org/presentationml/2006/main">
+  <p:cSld>
+    <p:spTree>
+      <p:nvGrpSpPr>
+        <p:cNvPr id="1" name=""/>
+        <p:cNvGrpSpPr/>
+        <p:nvPr/>
+      </p:nvGrpSpPr>
+      <p:grpSpPr>
+        <a:xfrm>
+          <a:off x="0" y="0"/>
+          <a:ext cx="0" cy="0"/>
+          <a:chOff x="0" y="0"/>
+          <a:chExt cx="0" cy="0"/>
+        </a:xfrm>
+      </p:grpSpPr>
+      <p:sp>
+        <p:nvSpPr>
+          <p:cNvPr id="2" name="Title 1"/>
+          <p:cNvSpPr>
+            <a:spLocks noGrp="1"/>
+          </p:cNvSpPr>
+          <p:nvPr>
+            <p:ph type="title"/>
+          </p:nvPr>
+        </p:nvSpPr>
+        <p:spPr/>
+        <p:txBody>
+          <a:bodyPr/>
+          <a:lstStyle/>
+          <a:p>
+            <a:r>
+              <a:rPr lang="en-US" dirty="0" smtClean="0"/>
+              <a:t>Model MD2</a:t>
+            </a:r>
+            <a:endParaRPr lang="en-US" dirty="0"/>
+          </a:p>
+        </p:txBody>
+      </p:sp>
+      <p:sp>
+        <p:nvSpPr>
+          <p:cNvPr id="3" name="Content Placeholder 2"/>
+          <p:cNvSpPr>
+            <a:spLocks noGrp="1"/>
+          </p:cNvSpPr>
+          <p:nvPr>
+            <p:ph idx="1"/>
+          </p:nvPr>
+        </p:nvSpPr>
+        <p:spPr/>
+        <p:txBody>
+          <a:bodyPr/>
+          <a:lstStyle/>
+          <a:p>
+            <a:r>
+              <a:rPr lang="en-US" dirty="0" smtClean="0"/>
               <a:t>MD2</a:t>
             </a:r>
           </a:p>
@@ -32421,33 +33565,11 @@
                   </a:schemeClr>
                 </a:solidFill>
               </a:rPr>
-              <a:t>id </a:t>
-            </a:r>
-            <a:r>
-              <a:rPr lang="en-US" i="1" u="sng" dirty="0" smtClean="0">
-                <a:solidFill>
-                  <a:schemeClr val="accent5">
-                    <a:lumMod val="50000"/>
-                  </a:schemeClr>
-                </a:solidFill>
-              </a:rPr>
-              <a:t>Software</a:t>
+              <a:t>id Software</a:t>
             </a:r>
             <a:r>
               <a:rPr lang="en-US" dirty="0" smtClean="0"/>
-              <a:t> </a:t>
-            </a:r>
-            <a:r>
-              <a:rPr lang="en-US" dirty="0" smtClean="0"/>
-              <a:t>khi đưa ra chương trình Quake </a:t>
-            </a:r>
-            <a:r>
-              <a:rPr lang="en-US" dirty="0" smtClean="0"/>
-              <a:t>2 </a:t>
-            </a:r>
-            <a:r>
-              <a:rPr lang="en-US" dirty="0" smtClean="0"/>
-              <a:t>vào tháng 11/1997.</a:t>
+              <a:t> khi đưa ra chương trình Quake 2 vào tháng 11/1997.</a:t>
             </a:r>
           </a:p>
           <a:p>
@@ -32460,27 +33582,7 @@
                   </a:schemeClr>
                 </a:solidFill>
               </a:rPr>
-              <a:t>http</a:t>
-            </a:r>
-            <a:r>
-              <a:rPr lang="en-US" u="sng" dirty="0" smtClean="0">
-                <a:solidFill>
-                  <a:schemeClr val="accent5">
-                    <a:lumMod val="50000"/>
-                  </a:schemeClr>
-                </a:solidFill>
-              </a:rPr>
-              <a:t>://</a:t>
-            </a:r>
-            <a:r>
-              <a:rPr lang="en-US" u="sng" dirty="0" smtClean="0">
-                <a:solidFill>
-                  <a:schemeClr val="accent5">
-                    <a:lumMod val="50000"/>
-                  </a:schemeClr>
-                </a:solidFill>
-              </a:rPr>
-              <a:t>tfc.duke.free.fr/coding/md2-specs-en.html</a:t>
+              <a:t>http://tfc.duke.free.fr/coding/md2-specs-en.html</a:t>
             </a:r>
           </a:p>
           <a:p>
@@ -32503,7 +33605,7 @@
 </p:sld>
 </file>
 
-<file path=ppt/slides/slide36.xml><?xml version="1.0" encoding="utf-8"?>
+<file path=ppt/slides/slide39.xml><?xml version="1.0" encoding="utf-8"?>
 <p:sld xmlns:a="http://schemas.openxmlformats.org/drawingml/2006/main" xmlns:r="http://schemas.openxmlformats.org/officeDocument/2006/relationships" xmlns:p="http://schemas.openxmlformats.org/presentationml/2006/main">
   <p:cSld>
     <p:spTree>
@@ -32694,7 +33796,183 @@
 </p:sld>
 </file>
 
-<file path=ppt/slides/slide37.xml><?xml version="1.0" encoding="utf-8"?>
+<file path=ppt/slides/slide4.xml><?xml version="1.0" encoding="utf-8"?>
+<p:sld xmlns:a="http://schemas.openxmlformats.org/drawingml/2006/main" xmlns:r="http://schemas.openxmlformats.org/officeDocument/2006/relationships" xmlns:p="http://schemas.openxmlformats.org/presentationml/2006/main" show="0">
+  <p:cSld>
+    <p:spTree>
+      <p:nvGrpSpPr>
+        <p:cNvPr id="1" name=""/>
+        <p:cNvGrpSpPr/>
+        <p:nvPr/>
+      </p:nvGrpSpPr>
+      <p:grpSpPr>
+        <a:xfrm>
+          <a:off x="0" y="0"/>
+          <a:ext cx="0" cy="0"/>
+          <a:chOff x="0" y="0"/>
+          <a:chExt cx="0" cy="0"/>
+        </a:xfrm>
+      </p:grpSpPr>
+      <p:sp>
+        <p:nvSpPr>
+          <p:cNvPr id="2" name="Title 1"/>
+          <p:cNvSpPr>
+            <a:spLocks noGrp="1"/>
+          </p:cNvSpPr>
+          <p:nvPr>
+            <p:ph type="title"/>
+          </p:nvPr>
+        </p:nvSpPr>
+        <p:spPr/>
+        <p:txBody>
+          <a:bodyPr/>
+          <a:lstStyle/>
+          <a:p>
+            <a:r>
+              <a:rPr lang="en-US" smtClean="0"/>
+              <a:t>CAMERA 3D</a:t>
+            </a:r>
+            <a:endParaRPr lang="en-US"/>
+          </a:p>
+        </p:txBody>
+      </p:sp>
+      <p:sp>
+        <p:nvSpPr>
+          <p:cNvPr id="3" name="Content Placeholder 2"/>
+          <p:cNvSpPr>
+            <a:spLocks noGrp="1"/>
+          </p:cNvSpPr>
+          <p:nvPr>
+            <p:ph idx="1"/>
+          </p:nvPr>
+        </p:nvSpPr>
+        <p:spPr>
+          <a:xfrm>
+            <a:off x="457200" y="1076325"/>
+            <a:ext cx="8229600" cy="5781675"/>
+          </a:xfrm>
+        </p:spPr>
+        <p:txBody>
+          <a:bodyPr/>
+          <a:lstStyle/>
+          <a:p>
+            <a:r>
+              <a:rPr lang="en-US" sz="1600" dirty="0" smtClean="0"/>
+              <a:t>Nói về camera 2d -&gt; camera 3d</a:t>
+            </a:r>
+          </a:p>
+          <a:p>
+            <a:pPr lvl="1"/>
+            <a:r>
+              <a:rPr lang="en-US" sz="1600" dirty="0" smtClean="0"/>
+              <a:t>OpenGl ko có camera. Camera luôn đc đặt ở vị trí 0, 0, 0 và đc nhìn về hướng 0, 0, -1</a:t>
+            </a:r>
+          </a:p>
+          <a:p>
+            <a:pPr lvl="1"/>
+            <a:r>
+              <a:rPr lang="en-US" sz="1600" dirty="0" smtClean="0"/>
+              <a:t>Để di tạo ra cảm giác di chuyển như camera ta dịch chuyển thế giới của chúng ta theo hướng ngược lại. VD:</a:t>
+            </a:r>
+          </a:p>
+          <a:p>
+            <a:r>
+              <a:rPr lang="en-US" sz="1600" dirty="0" smtClean="0"/>
+              <a:t>Projection Matrix và các hàm liên quan</a:t>
+            </a:r>
+          </a:p>
+          <a:p>
+            <a:pPr lvl="1"/>
+            <a:r>
+              <a:rPr lang="en-US" sz="1600" dirty="0" smtClean="0"/>
+              <a:t>Cái này tùy thuộc vào nhóm Kha có làm hay ko</a:t>
+            </a:r>
+          </a:p>
+          <a:p>
+            <a:pPr lvl="1"/>
+            <a:r>
+              <a:rPr lang="en-US" sz="1600" dirty="0" smtClean="0"/>
+              <a:t>GL_MODELVIEW matrix chứa thông tin transform của các đối tượng trong không gian. Những câu lệnh translate, rotate, scale sẽ tác dụng lên ma trận này</a:t>
+            </a:r>
+          </a:p>
+          <a:p>
+            <a:pPr lvl="1"/>
+            <a:r>
+              <a:rPr lang="en-US" sz="1600" dirty="0" smtClean="0"/>
+              <a:t>GL_PROJECTION matrix chứa thông tin của mắt nhìn (projector), như độ mở của mắt, điểm cực viễn, điểm cực cận, …</a:t>
+            </a:r>
+          </a:p>
+          <a:p>
+            <a:pPr lvl="1"/>
+            <a:r>
+              <a:rPr lang="en-US" sz="1600" dirty="0" smtClean="0"/>
+              <a:t>Câu lệnh tương tác với GL_PROJECTION matrix  như:</a:t>
+            </a:r>
+          </a:p>
+          <a:p>
+            <a:pPr lvl="2"/>
+            <a:r>
+              <a:rPr lang="en-US" sz="1200" dirty="0" smtClean="0"/>
+              <a:t>glFustrum (left, right, bottom, top, near, far);</a:t>
+            </a:r>
+          </a:p>
+          <a:p>
+            <a:pPr lvl="2"/>
+            <a:r>
+              <a:rPr lang="en-US" sz="1200" dirty="0" smtClean="0"/>
+              <a:t>gluPerspective(fovy, aspect, near, far);</a:t>
+            </a:r>
+          </a:p>
+          <a:p>
+            <a:pPr lvl="2"/>
+            <a:r>
+              <a:rPr lang="en-US" sz="1200" dirty="0" smtClean="0"/>
+              <a:t>glOrtho(left, right, bottom, top, near, far);</a:t>
+            </a:r>
+          </a:p>
+          <a:p>
+            <a:pPr lvl="1"/>
+            <a:endParaRPr lang="en-US" sz="1600" dirty="0" smtClean="0"/>
+          </a:p>
+          <a:p>
+            <a:r>
+              <a:rPr lang="en-US" sz="1600" dirty="0" smtClean="0"/>
+              <a:t>Việc translate ngược như vậy dễ sai lầm, tương đối phức tạp nên thư viện GLU cung cấp cho ta 1 hàm để mô phỏng camera đó là: gluLookAt(), VD:…</a:t>
+            </a:r>
+          </a:p>
+          <a:p>
+            <a:pPr lvl="1"/>
+            <a:r>
+              <a:rPr lang="en-US" sz="1600" dirty="0" smtClean="0"/>
+              <a:t>gluLookAt() làm việc với GL_MODELVIEW </a:t>
+            </a:r>
+          </a:p>
+          <a:p>
+            <a:pPr lvl="1"/>
+            <a:r>
+              <a:rPr lang="en-US" sz="1600" dirty="0" smtClean="0"/>
+              <a:t>Để quản lý vị trí mắt, điểm nhìn ta tạo 1 lớp Camera</a:t>
+            </a:r>
+          </a:p>
+        </p:txBody>
+      </p:sp>
+    </p:spTree>
+  </p:cSld>
+  <p:clrMapOvr>
+    <a:masterClrMapping/>
+  </p:clrMapOvr>
+  <p:transition/>
+  <p:timing>
+    <p:tnLst>
+      <p:par>
+        <p:cTn id="1" dur="indefinite" restart="never" nodeType="tmRoot"/>
+      </p:par>
+    </p:tnLst>
+  </p:timing>
+</p:sld>
+</file>
+
+<file path=ppt/slides/slide40.xml><?xml version="1.0" encoding="utf-8"?>
 <p:sld xmlns:a="http://schemas.openxmlformats.org/drawingml/2006/main" xmlns:r="http://schemas.openxmlformats.org/officeDocument/2006/relationships" xmlns:p="http://schemas.openxmlformats.org/presentationml/2006/main">
   <p:cSld>
     <p:spTree>
@@ -32823,182 +34101,6 @@
   <p:clrMapOvr>
     <a:masterClrMapping/>
   </p:clrMapOvr>
-  <p:timing>
-    <p:tnLst>
-      <p:par>
-        <p:cTn id="1" dur="indefinite" restart="never" nodeType="tmRoot"/>
-      </p:par>
-    </p:tnLst>
-  </p:timing>
-</p:sld>
-</file>
-
-<file path=ppt/slides/slide4.xml><?xml version="1.0" encoding="utf-8"?>
-<p:sld xmlns:a="http://schemas.openxmlformats.org/drawingml/2006/main" xmlns:r="http://schemas.openxmlformats.org/officeDocument/2006/relationships" xmlns:p="http://schemas.openxmlformats.org/presentationml/2006/main" show="0">
-  <p:cSld>
-    <p:spTree>
-      <p:nvGrpSpPr>
-        <p:cNvPr id="1" name=""/>
-        <p:cNvGrpSpPr/>
-        <p:nvPr/>
-      </p:nvGrpSpPr>
-      <p:grpSpPr>
-        <a:xfrm>
-          <a:off x="0" y="0"/>
-          <a:ext cx="0" cy="0"/>
-          <a:chOff x="0" y="0"/>
-          <a:chExt cx="0" cy="0"/>
-        </a:xfrm>
-      </p:grpSpPr>
-      <p:sp>
-        <p:nvSpPr>
-          <p:cNvPr id="2" name="Title 1"/>
-          <p:cNvSpPr>
-            <a:spLocks noGrp="1"/>
-          </p:cNvSpPr>
-          <p:nvPr>
-            <p:ph type="title"/>
-          </p:nvPr>
-        </p:nvSpPr>
-        <p:spPr/>
-        <p:txBody>
-          <a:bodyPr/>
-          <a:lstStyle/>
-          <a:p>
-            <a:r>
-              <a:rPr lang="en-US" smtClean="0"/>
-              <a:t>CAMERA 3D</a:t>
-            </a:r>
-            <a:endParaRPr lang="en-US"/>
-          </a:p>
-        </p:txBody>
-      </p:sp>
-      <p:sp>
-        <p:nvSpPr>
-          <p:cNvPr id="3" name="Content Placeholder 2"/>
-          <p:cNvSpPr>
-            <a:spLocks noGrp="1"/>
-          </p:cNvSpPr>
-          <p:nvPr>
-            <p:ph idx="1"/>
-          </p:nvPr>
-        </p:nvSpPr>
-        <p:spPr>
-          <a:xfrm>
-            <a:off x="457200" y="1076325"/>
-            <a:ext cx="8229600" cy="5781675"/>
-          </a:xfrm>
-        </p:spPr>
-        <p:txBody>
-          <a:bodyPr/>
-          <a:lstStyle/>
-          <a:p>
-            <a:r>
-              <a:rPr lang="en-US" sz="1600" dirty="0" smtClean="0"/>
-              <a:t>Nói về camera 2d -&gt; camera 3d</a:t>
-            </a:r>
-          </a:p>
-          <a:p>
-            <a:pPr lvl="1"/>
-            <a:r>
-              <a:rPr lang="en-US" sz="1600" dirty="0" smtClean="0"/>
-              <a:t>OpenGl ko có camera. Camera luôn đc đặt ở vị trí 0, 0, 0 và đc nhìn về hướng 0, 0, -1</a:t>
-            </a:r>
-          </a:p>
-          <a:p>
-            <a:pPr lvl="1"/>
-            <a:r>
-              <a:rPr lang="en-US" sz="1600" dirty="0" smtClean="0"/>
-              <a:t>Để di tạo ra cảm giác di chuyển như camera ta dịch chuyển thế giới của chúng ta theo hướng ngược lại. VD:</a:t>
-            </a:r>
-          </a:p>
-          <a:p>
-            <a:r>
-              <a:rPr lang="en-US" sz="1600" dirty="0" smtClean="0"/>
-              <a:t>Projection Matrix và các hàm liên quan</a:t>
-            </a:r>
-          </a:p>
-          <a:p>
-            <a:pPr lvl="1"/>
-            <a:r>
-              <a:rPr lang="en-US" sz="1600" dirty="0" smtClean="0"/>
-              <a:t>Cái này tùy thuộc vào nhóm Kha có làm hay ko</a:t>
-            </a:r>
-          </a:p>
-          <a:p>
-            <a:pPr lvl="1"/>
-            <a:r>
-              <a:rPr lang="en-US" sz="1600" dirty="0" smtClean="0"/>
-              <a:t>GL_MODELVIEW matrix chứa thông tin transform của các đối tượng trong không gian. Những câu lệnh translate, rotate, scale sẽ tác dụng lên ma trận này</a:t>
-            </a:r>
-          </a:p>
-          <a:p>
-            <a:pPr lvl="1"/>
-            <a:r>
-              <a:rPr lang="en-US" sz="1600" dirty="0" smtClean="0"/>
-              <a:t>GL_PROJECTION matrix chứa thông tin của mắt nhìn (projector), như độ mở của mắt, điểm cực viễn, điểm cực cận, …</a:t>
-            </a:r>
-          </a:p>
-          <a:p>
-            <a:pPr lvl="1"/>
-            <a:r>
-              <a:rPr lang="en-US" sz="1600" dirty="0" smtClean="0"/>
-              <a:t>Câu lệnh tương tác với GL_PROJECTION matrix  như:</a:t>
-            </a:r>
-          </a:p>
-          <a:p>
-            <a:pPr lvl="2"/>
-            <a:r>
-              <a:rPr lang="en-US" sz="1200" dirty="0" smtClean="0"/>
-              <a:t>glFustrum (left, right, bottom, top, near, far);</a:t>
-            </a:r>
-          </a:p>
-          <a:p>
-            <a:pPr lvl="2"/>
-            <a:r>
-              <a:rPr lang="en-US" sz="1200" dirty="0" smtClean="0"/>
-              <a:t>gluPerspective(fovy, aspect, near, far);</a:t>
-            </a:r>
-          </a:p>
-          <a:p>
-            <a:pPr lvl="2"/>
-            <a:r>
-              <a:rPr lang="en-US" sz="1200" dirty="0" smtClean="0"/>
-              <a:t>glOrtho(left, right, bottom, top, near, far);</a:t>
-            </a:r>
-          </a:p>
-          <a:p>
-            <a:pPr lvl="1"/>
-            <a:endParaRPr lang="en-US" sz="1600" dirty="0" smtClean="0"/>
-          </a:p>
-          <a:p>
-            <a:r>
-              <a:rPr lang="en-US" sz="1600" dirty="0" smtClean="0"/>
-              <a:t>Việc translate ngược như vậy dễ sai lầm, tương đối phức tạp nên thư viện GLU cung cấp cho ta 1 hàm để mô phỏng camera đó là: gluLookAt(), VD:…</a:t>
-            </a:r>
-          </a:p>
-          <a:p>
-            <a:pPr lvl="1"/>
-            <a:r>
-              <a:rPr lang="en-US" sz="1600" dirty="0" smtClean="0"/>
-              <a:t>gluLookAt() làm việc với GL_MODELVIEW </a:t>
-            </a:r>
-          </a:p>
-          <a:p>
-            <a:pPr lvl="1"/>
-            <a:r>
-              <a:rPr lang="en-US" sz="1600" dirty="0" smtClean="0"/>
-              <a:t>Để quản lý vị trí mắt, điểm nhìn ta tạo 1 lớp Camera</a:t>
-            </a:r>
-          </a:p>
-        </p:txBody>
-      </p:sp>
-    </p:spTree>
-  </p:cSld>
-  <p:clrMapOvr>
-    <a:masterClrMapping/>
-  </p:clrMapOvr>
-  <p:transition/>
   <p:timing>
     <p:tnLst>
       <p:par>
@@ -33049,32 +34151,6 @@
           </a:p>
         </p:txBody>
       </p:sp>
-      <p:pic>
-        <p:nvPicPr>
-          <p:cNvPr id="1026" name="Picture 2" descr="E:\uit\1. HK6\3. Java\1.png"/>
-          <p:cNvPicPr>
-            <a:picLocks noChangeAspect="1" noChangeArrowheads="1"/>
-          </p:cNvPicPr>
-          <p:nvPr/>
-        </p:nvPicPr>
-        <p:blipFill>
-          <a:blip r:embed="rId2"/>
-          <a:srcRect/>
-          <a:stretch>
-            <a:fillRect/>
-          </a:stretch>
-        </p:blipFill>
-        <p:spPr bwMode="auto">
-          <a:xfrm>
-            <a:off x="1143000" y="2133600"/>
-            <a:ext cx="6581775" cy="3810000"/>
-          </a:xfrm>
-          <a:prstGeom prst="rect">
-            <a:avLst/>
-          </a:prstGeom>
-          <a:noFill/>
-        </p:spPr>
-      </p:pic>
       <p:sp>
         <p:nvSpPr>
           <p:cNvPr id="5" name="TextBox 4"/>
@@ -33105,6 +34181,36 @@
           </a:p>
         </p:txBody>
       </p:sp>
+      <p:pic>
+        <p:nvPicPr>
+          <p:cNvPr id="3" name="Picture 2"/>
+          <p:cNvPicPr>
+            <a:picLocks noChangeAspect="1"/>
+          </p:cNvPicPr>
+          <p:nvPr/>
+        </p:nvPicPr>
+        <p:blipFill>
+          <a:blip r:embed="rId3">
+            <a:extLst>
+              <a:ext uri="{28A0092B-C50C-407E-A947-70E740481C1C}">
+                <a14:useLocalDpi xmlns:a14="http://schemas.microsoft.com/office/drawing/2010/main" val="0"/>
+              </a:ext>
+            </a:extLst>
+          </a:blip>
+          <a:stretch>
+            <a:fillRect/>
+          </a:stretch>
+        </p:blipFill>
+        <p:spPr>
+          <a:xfrm>
+            <a:off x="482600" y="2438400"/>
+            <a:ext cx="8138160" cy="3657600"/>
+          </a:xfrm>
+          <a:prstGeom prst="rect">
+            <a:avLst/>
+          </a:prstGeom>
+        </p:spPr>
+      </p:pic>
     </p:spTree>
   </p:cSld>
   <p:clrMapOvr>
@@ -33177,7 +34283,7 @@
         </p:blipFill>
         <p:spPr bwMode="auto">
           <a:xfrm>
-            <a:off x="914400" y="1981200"/>
+            <a:off x="914400" y="2114550"/>
             <a:ext cx="6972300" cy="4438650"/>
           </a:xfrm>
           <a:prstGeom prst="rect">
@@ -33202,7 +34308,7 @@
         <p:spPr>
           <a:xfrm>
             <a:off x="838200" y="1447800"/>
-            <a:ext cx="8159991" cy="338554"/>
+            <a:ext cx="8305800" cy="584775"/>
           </a:xfrm>
           <a:prstGeom prst="rect">
             <a:avLst/>
@@ -33210,7 +34316,7 @@
           <a:noFill/>
         </p:spPr>
         <p:txBody>
-          <a:bodyPr wrap="none" rtlCol="0">
+          <a:bodyPr wrap="square" rtlCol="0">
             <a:spAutoFit/>
           </a:bodyPr>
           <a:lstStyle/>
@@ -33218,8 +34324,48 @@
             <a:pPr marL="0" lvl="1"/>
             <a:r>
               <a:rPr lang="en-US" sz="1600" dirty="0" smtClean="0"/>
-              <a:t>OpenGL ko có camera. Mắt nhìn luôn đc đặt ở vị trí 0, 0, 0 và đc nhìn về hướng 0, 0, -1</a:t>
-            </a:r>
+              <a:t>OpenGL ko </a:t>
+            </a:r>
+            <a:r>
+              <a:rPr lang="en-US" sz="1600" smtClean="0"/>
+              <a:t>có </a:t>
+            </a:r>
+            <a:r>
+              <a:rPr lang="en-US" sz="1600" smtClean="0"/>
+              <a:t>camera sẵn có. </a:t>
+            </a:r>
+            <a:r>
+              <a:rPr lang="en-US" sz="1600" dirty="0" smtClean="0"/>
+              <a:t>Mắt nhìn luôn đc đặt ở vị trí 0, 0, 0 và đc nhìn </a:t>
+            </a:r>
+            <a:r>
+              <a:rPr lang="en-US" sz="1600" smtClean="0"/>
+              <a:t>về </a:t>
+            </a:r>
+            <a:r>
+              <a:rPr lang="en-US" sz="1600" smtClean="0"/>
+              <a:t>hướng</a:t>
+            </a:r>
+          </a:p>
+          <a:p>
+            <a:pPr marL="0" lvl="1"/>
+            <a:r>
+              <a:rPr lang="en-US" sz="1600" smtClean="0"/>
+              <a:t>(0</a:t>
+            </a:r>
+            <a:r>
+              <a:rPr lang="en-US" sz="1600" dirty="0" smtClean="0"/>
+              <a:t>, 0, </a:t>
+            </a:r>
+            <a:r>
+              <a:rPr lang="en-US" sz="1600" smtClean="0"/>
+              <a:t>-</a:t>
+            </a:r>
+            <a:r>
+              <a:rPr lang="en-US" sz="1600" smtClean="0"/>
+              <a:t>1)</a:t>
+            </a:r>
+            <a:endParaRPr lang="en-US" sz="1600" dirty="0" smtClean="0"/>
           </a:p>
         </p:txBody>
       </p:sp>
@@ -33286,8 +34432,8 @@
         </p:nvSpPr>
         <p:spPr>
           <a:xfrm>
-            <a:off x="609600" y="990600"/>
-            <a:ext cx="4114800" cy="523220"/>
+            <a:off x="609600" y="1076980"/>
+            <a:ext cx="4038600" cy="523220"/>
           </a:xfrm>
           <a:prstGeom prst="rect">
             <a:avLst/>
@@ -33305,8 +34451,19 @@
                 <a:latin typeface="Adobe Gothic Std B" pitchFamily="34" charset="-128"/>
                 <a:ea typeface="Adobe Gothic Std B" pitchFamily="34" charset="-128"/>
               </a:rPr>
-              <a:t>OpenGL Matrix</a:t>
-            </a:r>
+              <a:t>OpenGL </a:t>
+            </a:r>
+            <a:r>
+              <a:rPr lang="en-US" sz="2800" b="1" u="sng" smtClean="0">
+                <a:latin typeface="Adobe Gothic Std B" pitchFamily="34" charset="-128"/>
+                <a:ea typeface="Adobe Gothic Std B" pitchFamily="34" charset="-128"/>
+              </a:rPr>
+              <a:t>Matrix Stacks</a:t>
+            </a:r>
+            <a:endParaRPr lang="en-US" sz="2800" b="1" u="sng" smtClean="0">
+              <a:latin typeface="Adobe Gothic Std B" pitchFamily="34" charset="-128"/>
+              <a:ea typeface="Adobe Gothic Std B" pitchFamily="34" charset="-128"/>
+            </a:endParaRPr>
           </a:p>
         </p:txBody>
       </p:sp>
@@ -33337,13 +34494,22 @@
               <a:buChar char="v"/>
             </a:pPr>
             <a:r>
-              <a:rPr lang="en-US" sz="2000" b="1" smtClean="0"/>
-              <a:t>GL_MODELVIEW</a:t>
+              <a:rPr lang="en-US" sz="2000" b="1"/>
+              <a:t>GL_PROJECTION </a:t>
+            </a:r>
+            <a:r>
+              <a:rPr lang="en-US" sz="2000"/>
+              <a:t>matrix chứa thông tin của mắt nhìn (projector), như độ mở của mắt, điểm cực viễn, điểm cực cận</a:t>
+            </a:r>
+            <a:r>
+              <a:rPr lang="en-US" sz="2000"/>
+              <a:t>, </a:t>
             </a:r>
             <a:r>
               <a:rPr lang="en-US" sz="2000" smtClean="0"/>
-              <a:t>: matrix chứa thông tin transform của các đối tượng trong không gian. Những câu lệnh translate, rotate, scale sẽ tác dụng lên ma trận này</a:t>
-            </a:r>
+              <a:t>…</a:t>
+            </a:r>
+            <a:endParaRPr lang="en-US" sz="2000" b="1" smtClean="0"/>
           </a:p>
           <a:p>
             <a:pPr lvl="1">
@@ -33352,12 +34518,17 @@
             </a:pPr>
             <a:r>
               <a:rPr lang="en-US" sz="2000" b="1" smtClean="0"/>
-              <a:t>GL_PROJECTION </a:t>
+              <a:t>GL_MODELVIEW</a:t>
             </a:r>
             <a:r>
               <a:rPr lang="en-US" sz="2000" smtClean="0"/>
-              <a:t>matrix chứa thông tin của mắt nhìn (projector), như độ mở của mắt, điểm cực viễn, điểm cực cận, …</a:t>
-            </a:r>
+              <a:t>: matrix chứa thông tin transform của các đối tượng trong không gian. Những câu lệnh translate, rotate, scale sẽ tác dụng lên ma trận </a:t>
+            </a:r>
+            <a:r>
+              <a:rPr lang="en-US" sz="2000" smtClean="0"/>
+              <a:t>này</a:t>
+            </a:r>
+            <a:endParaRPr lang="en-US" sz="2000" smtClean="0"/>
           </a:p>
         </p:txBody>
       </p:sp>
@@ -33424,7 +34595,7 @@
         </p:nvSpPr>
         <p:spPr>
           <a:xfrm>
-            <a:off x="609600" y="990600"/>
+            <a:off x="609600" y="1076980"/>
             <a:ext cx="4114800" cy="523220"/>
           </a:xfrm>
           <a:prstGeom prst="rect">
@@ -33443,8 +34614,19 @@
                 <a:latin typeface="Adobe Gothic Std B" pitchFamily="34" charset="-128"/>
                 <a:ea typeface="Adobe Gothic Std B" pitchFamily="34" charset="-128"/>
               </a:rPr>
-              <a:t>OpenGL Matrix</a:t>
-            </a:r>
+              <a:t>OpenGL </a:t>
+            </a:r>
+            <a:r>
+              <a:rPr lang="en-US" sz="2800" b="1" u="sng" smtClean="0">
+                <a:latin typeface="Adobe Gothic Std B" pitchFamily="34" charset="-128"/>
+                <a:ea typeface="Adobe Gothic Std B" pitchFamily="34" charset="-128"/>
+              </a:rPr>
+              <a:t>Matrix Stacks</a:t>
+            </a:r>
+            <a:endParaRPr lang="en-US" sz="2800" b="1" u="sng" smtClean="0">
+              <a:latin typeface="Adobe Gothic Std B" pitchFamily="34" charset="-128"/>
+              <a:ea typeface="Adobe Gothic Std B" pitchFamily="34" charset="-128"/>
+            </a:endParaRPr>
           </a:p>
         </p:txBody>
       </p:sp>
@@ -33573,346 +34755,44 @@
           <a:bodyPr/>
           <a:lstStyle/>
           <a:p>
-            <a:r>
-              <a:rPr lang="en-US" smtClean="0"/>
-              <a:t>CAMERA 3D</a:t>
-            </a:r>
             <a:endParaRPr lang="en-US"/>
           </a:p>
         </p:txBody>
       </p:sp>
-      <p:sp>
-        <p:nvSpPr>
-          <p:cNvPr id="4" name="TextBox 3"/>
-          <p:cNvSpPr txBox="1"/>
+      <p:pic>
+        <p:nvPicPr>
+          <p:cNvPr id="4" name="Picture 3"/>
+          <p:cNvPicPr>
+            <a:picLocks noChangeAspect="1"/>
+          </p:cNvPicPr>
           <p:nvPr/>
-        </p:nvSpPr>
+        </p:nvPicPr>
+        <p:blipFill>
+          <a:blip r:embed="rId2"/>
+          <a:stretch>
+            <a:fillRect/>
+          </a:stretch>
+        </p:blipFill>
         <p:spPr>
           <a:xfrm>
-            <a:off x="762000" y="914400"/>
-            <a:ext cx="5791200" cy="2862322"/>
+            <a:off x="152400" y="2667000"/>
+            <a:ext cx="8896350" cy="3162300"/>
           </a:xfrm>
           <a:prstGeom prst="rect">
             <a:avLst/>
           </a:prstGeom>
-          <a:noFill/>
         </p:spPr>
-        <p:txBody>
-          <a:bodyPr wrap="square" rtlCol="0">
-            <a:spAutoFit/>
-          </a:bodyPr>
-          <a:lstStyle/>
-          <a:p>
-            <a:r>
-              <a:rPr lang="en-US" b="1" smtClean="0">
-                <a:solidFill>
-                  <a:srgbClr val="FF0000"/>
-                </a:solidFill>
-                <a:latin typeface="Courier New" pitchFamily="49" charset="0"/>
-                <a:cs typeface="Courier New" pitchFamily="49" charset="0"/>
-              </a:rPr>
-              <a:t>void gluLookAt(</a:t>
-            </a:r>
-          </a:p>
-          <a:p>
-            <a:r>
-              <a:rPr lang="en-US" b="1" smtClean="0">
-                <a:solidFill>
-                  <a:srgbClr val="FF0000"/>
-                </a:solidFill>
-                <a:latin typeface="Courier New" pitchFamily="49" charset="0"/>
-                <a:cs typeface="Courier New" pitchFamily="49" charset="0"/>
-              </a:rPr>
-              <a:t>		GLdouble  eyeX, </a:t>
-            </a:r>
-          </a:p>
-          <a:p>
-            <a:r>
-              <a:rPr lang="en-US" b="1" smtClean="0">
-                <a:solidFill>
-                  <a:srgbClr val="FF0000"/>
-                </a:solidFill>
-                <a:latin typeface="Courier New" pitchFamily="49" charset="0"/>
-                <a:cs typeface="Courier New" pitchFamily="49" charset="0"/>
-              </a:rPr>
-              <a:t>		GLdouble  eyeY, </a:t>
-            </a:r>
-          </a:p>
-          <a:p>
-            <a:r>
-              <a:rPr lang="en-US" b="1" smtClean="0">
-                <a:solidFill>
-                  <a:srgbClr val="FF0000"/>
-                </a:solidFill>
-                <a:latin typeface="Courier New" pitchFamily="49" charset="0"/>
-                <a:cs typeface="Courier New" pitchFamily="49" charset="0"/>
-              </a:rPr>
-              <a:t>		GLdouble  eyeZ, </a:t>
-            </a:r>
-          </a:p>
-          <a:p>
-            <a:r>
-              <a:rPr lang="en-US" b="1" smtClean="0">
-                <a:solidFill>
-                  <a:srgbClr val="FF0000"/>
-                </a:solidFill>
-                <a:latin typeface="Courier New" pitchFamily="49" charset="0"/>
-                <a:cs typeface="Courier New" pitchFamily="49" charset="0"/>
-              </a:rPr>
-              <a:t>		GLdouble  centerX, </a:t>
-            </a:r>
-          </a:p>
-          <a:p>
-            <a:r>
-              <a:rPr lang="en-US" b="1" smtClean="0">
-                <a:solidFill>
-                  <a:srgbClr val="FF0000"/>
-                </a:solidFill>
-                <a:latin typeface="Courier New" pitchFamily="49" charset="0"/>
-                <a:cs typeface="Courier New" pitchFamily="49" charset="0"/>
-              </a:rPr>
-              <a:t>		GLdouble  centerY, </a:t>
-            </a:r>
-          </a:p>
-          <a:p>
-            <a:r>
-              <a:rPr lang="en-US" b="1" smtClean="0">
-                <a:solidFill>
-                  <a:srgbClr val="FF0000"/>
-                </a:solidFill>
-                <a:latin typeface="Courier New" pitchFamily="49" charset="0"/>
-                <a:cs typeface="Courier New" pitchFamily="49" charset="0"/>
-              </a:rPr>
-              <a:t>		GLdouble  centerZ, </a:t>
-            </a:r>
-          </a:p>
-          <a:p>
-            <a:r>
-              <a:rPr lang="en-US" b="1" smtClean="0">
-                <a:solidFill>
-                  <a:srgbClr val="FF0000"/>
-                </a:solidFill>
-                <a:latin typeface="Courier New" pitchFamily="49" charset="0"/>
-                <a:cs typeface="Courier New" pitchFamily="49" charset="0"/>
-              </a:rPr>
-              <a:t>		GLdouble  upX, </a:t>
-            </a:r>
-          </a:p>
-          <a:p>
-            <a:r>
-              <a:rPr lang="en-US" b="1" smtClean="0">
-                <a:solidFill>
-                  <a:srgbClr val="FF0000"/>
-                </a:solidFill>
-                <a:latin typeface="Courier New" pitchFamily="49" charset="0"/>
-                <a:cs typeface="Courier New" pitchFamily="49" charset="0"/>
-              </a:rPr>
-              <a:t>		GLdouble  upY,</a:t>
-            </a:r>
-          </a:p>
-          <a:p>
-            <a:r>
-              <a:rPr lang="en-US" b="1" smtClean="0">
-                <a:solidFill>
-                  <a:srgbClr val="FF0000"/>
-                </a:solidFill>
-                <a:latin typeface="Courier New" pitchFamily="49" charset="0"/>
-                <a:cs typeface="Courier New" pitchFamily="49" charset="0"/>
-              </a:rPr>
-              <a:t>		GLdouble  upZ);</a:t>
-            </a:r>
-            <a:endParaRPr lang="en-US" b="1">
-              <a:solidFill>
-                <a:srgbClr val="FF0000"/>
-              </a:solidFill>
-              <a:latin typeface="Courier New" pitchFamily="49" charset="0"/>
-              <a:cs typeface="Courier New" pitchFamily="49" charset="0"/>
-            </a:endParaRPr>
-          </a:p>
-        </p:txBody>
-      </p:sp>
-      <p:sp>
-        <p:nvSpPr>
-          <p:cNvPr id="5" name="TextBox 4"/>
-          <p:cNvSpPr txBox="1"/>
-          <p:nvPr/>
-        </p:nvSpPr>
-        <p:spPr>
-          <a:xfrm>
-            <a:off x="762000" y="3843278"/>
-            <a:ext cx="4271362" cy="2862322"/>
-          </a:xfrm>
-          <a:prstGeom prst="rect">
-            <a:avLst/>
-          </a:prstGeom>
-          <a:noFill/>
-        </p:spPr>
-        <p:txBody>
-          <a:bodyPr wrap="none" rtlCol="0">
-            <a:spAutoFit/>
-          </a:bodyPr>
-          <a:lstStyle/>
-          <a:p>
-            <a:r>
-              <a:rPr lang="en-US" smtClean="0">
-                <a:latin typeface="Courier New" pitchFamily="49" charset="0"/>
-                <a:cs typeface="Courier New" pitchFamily="49" charset="0"/>
-              </a:rPr>
-              <a:t>eyeX: </a:t>
-            </a:r>
-            <a:r>
-              <a:rPr lang="en-US" smtClean="0">
-                <a:latin typeface="Calibri" pitchFamily="34" charset="0"/>
-                <a:cs typeface="Courier New" pitchFamily="49" charset="0"/>
-              </a:rPr>
-              <a:t>điểm đặt mắt theo X</a:t>
-            </a:r>
-          </a:p>
-          <a:p>
-            <a:r>
-              <a:rPr lang="en-US" smtClean="0">
-                <a:latin typeface="Courier New" pitchFamily="49" charset="0"/>
-                <a:cs typeface="Courier New" pitchFamily="49" charset="0"/>
-              </a:rPr>
-              <a:t>eyeY: </a:t>
-            </a:r>
-            <a:r>
-              <a:rPr lang="en-US" smtClean="0">
-                <a:latin typeface="Calibri" pitchFamily="34" charset="0"/>
-                <a:cs typeface="Courier New" pitchFamily="49" charset="0"/>
-              </a:rPr>
-              <a:t>điểm đặt mắt theo Y</a:t>
-            </a:r>
-          </a:p>
-          <a:p>
-            <a:r>
-              <a:rPr lang="en-US" smtClean="0">
-                <a:latin typeface="Courier New" pitchFamily="49" charset="0"/>
-                <a:cs typeface="Courier New" pitchFamily="49" charset="0"/>
-              </a:rPr>
-              <a:t>eyeZ: </a:t>
-            </a:r>
-            <a:r>
-              <a:rPr lang="en-US" smtClean="0">
-                <a:latin typeface="Calibri" pitchFamily="34" charset="0"/>
-                <a:cs typeface="Courier New" pitchFamily="49" charset="0"/>
-              </a:rPr>
-              <a:t>điểm đặt mắt theo Z</a:t>
-            </a:r>
-          </a:p>
-          <a:p>
-            <a:r>
-              <a:rPr lang="en-US" smtClean="0">
-                <a:latin typeface="Courier New" pitchFamily="49" charset="0"/>
-                <a:cs typeface="Courier New" pitchFamily="49" charset="0"/>
-              </a:rPr>
-              <a:t>centerX: </a:t>
-            </a:r>
-            <a:r>
-              <a:rPr lang="en-US" smtClean="0">
-                <a:latin typeface="Calibri" pitchFamily="34" charset="0"/>
-                <a:cs typeface="Courier New" pitchFamily="49" charset="0"/>
-              </a:rPr>
-              <a:t>điểm nhìn theo X</a:t>
-            </a:r>
-          </a:p>
-          <a:p>
-            <a:r>
-              <a:rPr lang="en-US" smtClean="0">
-                <a:latin typeface="Courier New" pitchFamily="49" charset="0"/>
-                <a:cs typeface="Courier New" pitchFamily="49" charset="0"/>
-              </a:rPr>
-              <a:t>centerY: </a:t>
-            </a:r>
-            <a:r>
-              <a:rPr lang="en-US" smtClean="0">
-                <a:latin typeface="Calibri" pitchFamily="34" charset="0"/>
-                <a:cs typeface="Courier New" pitchFamily="49" charset="0"/>
-              </a:rPr>
-              <a:t>điểm nhìn theo Y</a:t>
-            </a:r>
-          </a:p>
-          <a:p>
-            <a:r>
-              <a:rPr lang="en-US" smtClean="0">
-                <a:latin typeface="Courier New" pitchFamily="49" charset="0"/>
-                <a:cs typeface="Courier New" pitchFamily="49" charset="0"/>
-              </a:rPr>
-              <a:t>centerZ: </a:t>
-            </a:r>
-            <a:r>
-              <a:rPr lang="en-US" smtClean="0">
-                <a:latin typeface="Calibri" pitchFamily="34" charset="0"/>
-                <a:cs typeface="Courier New" pitchFamily="49" charset="0"/>
-              </a:rPr>
-              <a:t>điểm nhìn theo Z</a:t>
-            </a:r>
-          </a:p>
-          <a:p>
-            <a:r>
-              <a:rPr lang="en-US" smtClean="0">
-                <a:latin typeface="Courier New" pitchFamily="49" charset="0"/>
-                <a:cs typeface="Courier New" pitchFamily="49" charset="0"/>
-              </a:rPr>
-              <a:t>upX: </a:t>
-            </a:r>
-            <a:r>
-              <a:rPr lang="en-US" smtClean="0">
-                <a:latin typeface="Calibri" pitchFamily="34" charset="0"/>
-                <a:cs typeface="Courier New" pitchFamily="49" charset="0"/>
-              </a:rPr>
-              <a:t>vector hướng lên (UP vector) theo X</a:t>
-            </a:r>
-          </a:p>
-          <a:p>
-            <a:r>
-              <a:rPr lang="en-US" smtClean="0">
-                <a:latin typeface="Courier New" pitchFamily="49" charset="0"/>
-                <a:cs typeface="Courier New" pitchFamily="49" charset="0"/>
-              </a:rPr>
-              <a:t>upY: </a:t>
-            </a:r>
-            <a:r>
-              <a:rPr lang="en-US" smtClean="0">
-                <a:latin typeface="Calibri" pitchFamily="34" charset="0"/>
-                <a:cs typeface="Courier New" pitchFamily="49" charset="0"/>
-              </a:rPr>
-              <a:t>vector hướng lên (UP vector) theo Y</a:t>
-            </a:r>
-          </a:p>
-          <a:p>
-            <a:r>
-              <a:rPr lang="en-US" smtClean="0">
-                <a:latin typeface="Courier New" pitchFamily="49" charset="0"/>
-                <a:cs typeface="Courier New" pitchFamily="49" charset="0"/>
-              </a:rPr>
-              <a:t>upZ: </a:t>
-            </a:r>
-            <a:r>
-              <a:rPr lang="en-US" smtClean="0">
-                <a:latin typeface="Calibri" pitchFamily="34" charset="0"/>
-                <a:cs typeface="Courier New" pitchFamily="49" charset="0"/>
-              </a:rPr>
-              <a:t>vector hướng lên (UP vector) theo Z</a:t>
-            </a:r>
-          </a:p>
-          <a:p>
-            <a:endParaRPr lang="en-US" smtClean="0"/>
-          </a:p>
-        </p:txBody>
-      </p:sp>
+      </p:pic>
     </p:spTree>
+    <p:extLst>
+      <p:ext uri="{BB962C8B-B14F-4D97-AF65-F5344CB8AC3E}">
+        <p14:creationId xmlns:p14="http://schemas.microsoft.com/office/powerpoint/2010/main" val="2594956712"/>
+      </p:ext>
+    </p:extLst>
   </p:cSld>
   <p:clrMapOvr>
     <a:masterClrMapping/>
   </p:clrMapOvr>
-  <p:timing>
-    <p:tnLst>
-      <p:par>
-        <p:cTn id="1" dur="indefinite" restart="never" nodeType="tmRoot"/>
-      </p:par>
-    </p:tnLst>
-  </p:timing>
 </p:sld>
 </file>
 
